--- a/presentation/herding_the_elephants_advnet.pptx
+++ b/presentation/herding_the_elephants_advnet.pptx
@@ -14,9 +14,10 @@
     <p:sldId id="264" r:id="rId8"/>
     <p:sldId id="263" r:id="rId9"/>
     <p:sldId id="267" r:id="rId10"/>
-    <p:sldId id="265" r:id="rId11"/>
-    <p:sldId id="262" r:id="rId12"/>
-    <p:sldId id="266" r:id="rId13"/>
+    <p:sldId id="268" r:id="rId11"/>
+    <p:sldId id="265" r:id="rId12"/>
+    <p:sldId id="262" r:id="rId13"/>
+    <p:sldId id="266" r:id="rId14"/>
   </p:sldIdLst>
   <p:sldSz cx="12192000" cy="6858000"/>
   <p:notesSz cx="6858000" cy="9144000"/>
@@ -272,7 +273,7 @@
           <a:p>
             <a:fld id="{72F73065-132F-457B-83A6-2EDBC465E42B}" type="datetimeFigureOut">
               <a:rPr lang="en-CH" smtClean="0"/>
-              <a:t>9 Dec 2019</a:t>
+              <a:t>10 Dec 2019</a:t>
             </a:fld>
             <a:endParaRPr lang="en-CH"/>
           </a:p>
@@ -472,7 +473,7 @@
           <a:p>
             <a:fld id="{72F73065-132F-457B-83A6-2EDBC465E42B}" type="datetimeFigureOut">
               <a:rPr lang="en-CH" smtClean="0"/>
-              <a:t>9 Dec 2019</a:t>
+              <a:t>10 Dec 2019</a:t>
             </a:fld>
             <a:endParaRPr lang="en-CH"/>
           </a:p>
@@ -682,7 +683,7 @@
           <a:p>
             <a:fld id="{72F73065-132F-457B-83A6-2EDBC465E42B}" type="datetimeFigureOut">
               <a:rPr lang="en-CH" smtClean="0"/>
-              <a:t>9 Dec 2019</a:t>
+              <a:t>10 Dec 2019</a:t>
             </a:fld>
             <a:endParaRPr lang="en-CH"/>
           </a:p>
@@ -882,7 +883,7 @@
           <a:p>
             <a:fld id="{72F73065-132F-457B-83A6-2EDBC465E42B}" type="datetimeFigureOut">
               <a:rPr lang="en-CH" smtClean="0"/>
-              <a:t>9 Dec 2019</a:t>
+              <a:t>10 Dec 2019</a:t>
             </a:fld>
             <a:endParaRPr lang="en-CH"/>
           </a:p>
@@ -1158,7 +1159,7 @@
           <a:p>
             <a:fld id="{72F73065-132F-457B-83A6-2EDBC465E42B}" type="datetimeFigureOut">
               <a:rPr lang="en-CH" smtClean="0"/>
-              <a:t>9 Dec 2019</a:t>
+              <a:t>10 Dec 2019</a:t>
             </a:fld>
             <a:endParaRPr lang="en-CH"/>
           </a:p>
@@ -1426,7 +1427,7 @@
           <a:p>
             <a:fld id="{72F73065-132F-457B-83A6-2EDBC465E42B}" type="datetimeFigureOut">
               <a:rPr lang="en-CH" smtClean="0"/>
-              <a:t>9 Dec 2019</a:t>
+              <a:t>10 Dec 2019</a:t>
             </a:fld>
             <a:endParaRPr lang="en-CH"/>
           </a:p>
@@ -1841,7 +1842,7 @@
           <a:p>
             <a:fld id="{72F73065-132F-457B-83A6-2EDBC465E42B}" type="datetimeFigureOut">
               <a:rPr lang="en-CH" smtClean="0"/>
-              <a:t>9 Dec 2019</a:t>
+              <a:t>10 Dec 2019</a:t>
             </a:fld>
             <a:endParaRPr lang="en-CH"/>
           </a:p>
@@ -1983,7 +1984,7 @@
           <a:p>
             <a:fld id="{72F73065-132F-457B-83A6-2EDBC465E42B}" type="datetimeFigureOut">
               <a:rPr lang="en-CH" smtClean="0"/>
-              <a:t>9 Dec 2019</a:t>
+              <a:t>10 Dec 2019</a:t>
             </a:fld>
             <a:endParaRPr lang="en-CH"/>
           </a:p>
@@ -2096,7 +2097,7 @@
           <a:p>
             <a:fld id="{72F73065-132F-457B-83A6-2EDBC465E42B}" type="datetimeFigureOut">
               <a:rPr lang="en-CH" smtClean="0"/>
-              <a:t>9 Dec 2019</a:t>
+              <a:t>10 Dec 2019</a:t>
             </a:fld>
             <a:endParaRPr lang="en-CH"/>
           </a:p>
@@ -2409,7 +2410,7 @@
           <a:p>
             <a:fld id="{72F73065-132F-457B-83A6-2EDBC465E42B}" type="datetimeFigureOut">
               <a:rPr lang="en-CH" smtClean="0"/>
-              <a:t>9 Dec 2019</a:t>
+              <a:t>10 Dec 2019</a:t>
             </a:fld>
             <a:endParaRPr lang="en-CH"/>
           </a:p>
@@ -2698,7 +2699,7 @@
           <a:p>
             <a:fld id="{72F73065-132F-457B-83A6-2EDBC465E42B}" type="datetimeFigureOut">
               <a:rPr lang="en-CH" smtClean="0"/>
-              <a:t>9 Dec 2019</a:t>
+              <a:t>10 Dec 2019</a:t>
             </a:fld>
             <a:endParaRPr lang="en-CH"/>
           </a:p>
@@ -2941,7 +2942,7 @@
           <a:p>
             <a:fld id="{72F73065-132F-457B-83A6-2EDBC465E42B}" type="datetimeFigureOut">
               <a:rPr lang="en-CH" smtClean="0"/>
-              <a:t>9 Dec 2019</a:t>
+              <a:t>10 Dec 2019</a:t>
             </a:fld>
             <a:endParaRPr lang="en-CH"/>
           </a:p>
@@ -3462,7 +3463,7 @@
           <p:cNvPr id="2" name="Title 1">
             <a:extLst>
               <a:ext uri="{FF2B5EF4-FFF2-40B4-BE49-F238E27FC236}">
-                <a16:creationId xmlns:a16="http://schemas.microsoft.com/office/drawing/2014/main" id="{A21E7202-3D7D-407C-8EE0-91BF00CB80A1}"/>
+                <a16:creationId xmlns:a16="http://schemas.microsoft.com/office/drawing/2014/main" id="{3F2827E4-2CF4-4325-B5E4-7CB748734F24}"/>
               </a:ext>
             </a:extLst>
           </p:cNvPr>
@@ -3480,78 +3481,51 @@
           <a:p>
             <a:r>
               <a:rPr lang="de-CH" dirty="0"/>
-              <a:t>Evaluation</a:t>
+              <a:t>Test topology</a:t>
             </a:r>
             <a:endParaRPr lang="en-CH" dirty="0"/>
           </a:p>
         </p:txBody>
       </p:sp>
-      <p:sp>
-        <p:nvSpPr>
-          <p:cNvPr id="3" name="Content Placeholder 2">
-            <a:extLst>
-              <a:ext uri="{FF2B5EF4-FFF2-40B4-BE49-F238E27FC236}">
-                <a16:creationId xmlns:a16="http://schemas.microsoft.com/office/drawing/2014/main" id="{272C2361-FD38-4046-8377-3FE1D473EB1F}"/>
-              </a:ext>
-            </a:extLst>
-          </p:cNvPr>
-          <p:cNvSpPr>
-            <a:spLocks noGrp="1"/>
-          </p:cNvSpPr>
+      <p:pic>
+        <p:nvPicPr>
+          <p:cNvPr id="5" name="Content Placeholder 4">
+            <a:extLst>
+              <a:ext uri="{FF2B5EF4-FFF2-40B4-BE49-F238E27FC236}">
+                <a16:creationId xmlns:a16="http://schemas.microsoft.com/office/drawing/2014/main" id="{745BE9F6-F398-4AA2-A065-36D2D2498F0D}"/>
+              </a:ext>
+            </a:extLst>
+          </p:cNvPr>
+          <p:cNvPicPr>
+            <a:picLocks noGrp="1" noChangeAspect="1"/>
+          </p:cNvPicPr>
           <p:nvPr>
             <p:ph idx="1"/>
           </p:nvPr>
-        </p:nvSpPr>
-        <p:spPr>
-          <a:xfrm>
-            <a:off x="9803876" y="5844619"/>
-            <a:ext cx="1549924" cy="332344"/>
-          </a:xfrm>
-        </p:spPr>
-        <p:txBody>
-          <a:bodyPr>
-            <a:normAutofit fontScale="70000" lnSpcReduction="20000"/>
-          </a:bodyPr>
-          <a:lstStyle/>
-          <a:p>
-            <a:endParaRPr lang="en-CH" dirty="0"/>
-          </a:p>
-        </p:txBody>
-      </p:sp>
-      <p:pic>
-        <p:nvPicPr>
-          <p:cNvPr id="4" name="Picture 3">
-            <a:extLst>
-              <a:ext uri="{FF2B5EF4-FFF2-40B4-BE49-F238E27FC236}">
-                <a16:creationId xmlns:a16="http://schemas.microsoft.com/office/drawing/2014/main" id="{E239DDEA-128F-4E25-8752-1BC0A7B1EA31}"/>
-              </a:ext>
-            </a:extLst>
-          </p:cNvPr>
-          <p:cNvPicPr>
-            <a:picLocks noChangeAspect="1"/>
-          </p:cNvPicPr>
-          <p:nvPr/>
         </p:nvPicPr>
         <p:blipFill>
-          <a:blip r:embed="rId2"/>
+          <a:blip r:embed="rId2">
+            <a:extLst>
+              <a:ext uri="{28A0092B-C50C-407E-A947-70E740481C1C}">
+                <a14:useLocalDpi xmlns:a14="http://schemas.microsoft.com/office/drawing/2010/main" val="0"/>
+              </a:ext>
+            </a:extLst>
+          </a:blip>
           <a:stretch>
             <a:fillRect/>
           </a:stretch>
         </p:blipFill>
         <p:spPr>
           <a:xfrm>
-            <a:off x="1018864" y="1424450"/>
-            <a:ext cx="9004201" cy="5263868"/>
-          </a:xfrm>
-          <a:prstGeom prst="rect">
-            <a:avLst/>
-          </a:prstGeom>
+            <a:off x="1124799" y="988996"/>
+            <a:ext cx="9942401" cy="5351974"/>
+          </a:xfrm>
         </p:spPr>
       </p:pic>
     </p:spTree>
     <p:extLst>
       <p:ext uri="{BB962C8B-B14F-4D97-AF65-F5344CB8AC3E}">
-        <p14:creationId xmlns:p14="http://schemas.microsoft.com/office/powerpoint/2010/main" val="23131327"/>
+        <p14:creationId xmlns:p14="http://schemas.microsoft.com/office/powerpoint/2010/main" val="576138591"/>
       </p:ext>
     </p:extLst>
   </p:cSld>
@@ -3583,7 +3557,7 @@
           <p:cNvPr id="2" name="Title 1">
             <a:extLst>
               <a:ext uri="{FF2B5EF4-FFF2-40B4-BE49-F238E27FC236}">
-                <a16:creationId xmlns:a16="http://schemas.microsoft.com/office/drawing/2014/main" id="{7538AD3F-977C-4D6A-9CB5-A593B38EB679}"/>
+                <a16:creationId xmlns:a16="http://schemas.microsoft.com/office/drawing/2014/main" id="{A21E7202-3D7D-407C-8EE0-91BF00CB80A1}"/>
               </a:ext>
             </a:extLst>
           </p:cNvPr>
@@ -3601,7 +3575,7 @@
           <a:p>
             <a:r>
               <a:rPr lang="de-CH" dirty="0"/>
-              <a:t>Challenges</a:t>
+              <a:t>Evaluation</a:t>
             </a:r>
             <a:endParaRPr lang="en-CH" dirty="0"/>
           </a:p>
@@ -3612,7 +3586,7 @@
           <p:cNvPr id="3" name="Content Placeholder 2">
             <a:extLst>
               <a:ext uri="{FF2B5EF4-FFF2-40B4-BE49-F238E27FC236}">
-                <a16:creationId xmlns:a16="http://schemas.microsoft.com/office/drawing/2014/main" id="{C979DD4D-BBC9-446A-B602-6FB6CE116714}"/>
+                <a16:creationId xmlns:a16="http://schemas.microsoft.com/office/drawing/2014/main" id="{272C2361-FD38-4046-8377-3FE1D473EB1F}"/>
               </a:ext>
             </a:extLst>
           </p:cNvPr>
@@ -3623,6 +3597,127 @@
             <p:ph idx="1"/>
           </p:nvPr>
         </p:nvSpPr>
+        <p:spPr>
+          <a:xfrm>
+            <a:off x="9803876" y="5844619"/>
+            <a:ext cx="1549924" cy="332344"/>
+          </a:xfrm>
+        </p:spPr>
+        <p:txBody>
+          <a:bodyPr>
+            <a:normAutofit fontScale="70000" lnSpcReduction="20000"/>
+          </a:bodyPr>
+          <a:lstStyle/>
+          <a:p>
+            <a:endParaRPr lang="en-CH" dirty="0"/>
+          </a:p>
+        </p:txBody>
+      </p:sp>
+      <p:pic>
+        <p:nvPicPr>
+          <p:cNvPr id="4" name="Picture 3">
+            <a:extLst>
+              <a:ext uri="{FF2B5EF4-FFF2-40B4-BE49-F238E27FC236}">
+                <a16:creationId xmlns:a16="http://schemas.microsoft.com/office/drawing/2014/main" id="{E239DDEA-128F-4E25-8752-1BC0A7B1EA31}"/>
+              </a:ext>
+            </a:extLst>
+          </p:cNvPr>
+          <p:cNvPicPr>
+            <a:picLocks noChangeAspect="1"/>
+          </p:cNvPicPr>
+          <p:nvPr/>
+        </p:nvPicPr>
+        <p:blipFill>
+          <a:blip r:embed="rId2"/>
+          <a:stretch>
+            <a:fillRect/>
+          </a:stretch>
+        </p:blipFill>
+        <p:spPr>
+          <a:xfrm>
+            <a:off x="1018864" y="1424450"/>
+            <a:ext cx="9004201" cy="5263868"/>
+          </a:xfrm>
+          <a:prstGeom prst="rect">
+            <a:avLst/>
+          </a:prstGeom>
+        </p:spPr>
+      </p:pic>
+    </p:spTree>
+    <p:extLst>
+      <p:ext uri="{BB962C8B-B14F-4D97-AF65-F5344CB8AC3E}">
+        <p14:creationId xmlns:p14="http://schemas.microsoft.com/office/powerpoint/2010/main" val="23131327"/>
+      </p:ext>
+    </p:extLst>
+  </p:cSld>
+  <p:clrMapOvr>
+    <a:masterClrMapping/>
+  </p:clrMapOvr>
+</p:sld>
+</file>
+
+<file path=ppt/slides/slide12.xml><?xml version="1.0" encoding="utf-8"?>
+<p:sld xmlns:a="http://schemas.openxmlformats.org/drawingml/2006/main" xmlns:r="http://schemas.openxmlformats.org/officeDocument/2006/relationships" xmlns:p="http://schemas.openxmlformats.org/presentationml/2006/main">
+  <p:cSld>
+    <p:spTree>
+      <p:nvGrpSpPr>
+        <p:cNvPr id="1" name=""/>
+        <p:cNvGrpSpPr/>
+        <p:nvPr/>
+      </p:nvGrpSpPr>
+      <p:grpSpPr>
+        <a:xfrm>
+          <a:off x="0" y="0"/>
+          <a:ext cx="0" cy="0"/>
+          <a:chOff x="0" y="0"/>
+          <a:chExt cx="0" cy="0"/>
+        </a:xfrm>
+      </p:grpSpPr>
+      <p:sp>
+        <p:nvSpPr>
+          <p:cNvPr id="2" name="Title 1">
+            <a:extLst>
+              <a:ext uri="{FF2B5EF4-FFF2-40B4-BE49-F238E27FC236}">
+                <a16:creationId xmlns:a16="http://schemas.microsoft.com/office/drawing/2014/main" id="{7538AD3F-977C-4D6A-9CB5-A593B38EB679}"/>
+              </a:ext>
+            </a:extLst>
+          </p:cNvPr>
+          <p:cNvSpPr>
+            <a:spLocks noGrp="1"/>
+          </p:cNvSpPr>
+          <p:nvPr>
+            <p:ph type="title"/>
+          </p:nvPr>
+        </p:nvSpPr>
+        <p:spPr/>
+        <p:txBody>
+          <a:bodyPr/>
+          <a:lstStyle/>
+          <a:p>
+            <a:r>
+              <a:rPr lang="de-CH" dirty="0"/>
+              <a:t>Challenges</a:t>
+            </a:r>
+            <a:endParaRPr lang="en-CH" dirty="0"/>
+          </a:p>
+        </p:txBody>
+      </p:sp>
+      <p:sp>
+        <p:nvSpPr>
+          <p:cNvPr id="3" name="Content Placeholder 2">
+            <a:extLst>
+              <a:ext uri="{FF2B5EF4-FFF2-40B4-BE49-F238E27FC236}">
+                <a16:creationId xmlns:a16="http://schemas.microsoft.com/office/drawing/2014/main" id="{C979DD4D-BBC9-446A-B602-6FB6CE116714}"/>
+              </a:ext>
+            </a:extLst>
+          </p:cNvPr>
+          <p:cNvSpPr>
+            <a:spLocks noGrp="1"/>
+          </p:cNvSpPr>
+          <p:nvPr>
+            <p:ph idx="1"/>
+          </p:nvPr>
+        </p:nvSpPr>
         <p:spPr/>
         <p:txBody>
           <a:bodyPr>
@@ -3651,7 +3746,7 @@
           <a:p>
             <a:r>
               <a:rPr lang="de-CH" sz="2400" dirty="0"/>
-              <a:t>pcap too long</a:t>
+              <a:t>pcap files are very big</a:t>
             </a:r>
           </a:p>
           <a:p>
@@ -3669,22 +3764,14 @@
           <a:p>
             <a:r>
               <a:rPr lang="de-CH" sz="2400" dirty="0"/>
-              <a:t>Communication between </a:t>
-            </a:r>
-            <a:r>
-              <a:rPr lang="de-CH" sz="2400"/>
-              <a:t>l2controller </a:t>
+              <a:t>Communication between l2controller </a:t>
             </a:r>
             <a:br>
-              <a:rPr lang="de-CH" sz="2400"/>
+              <a:rPr lang="de-CH" sz="2400" dirty="0"/>
             </a:br>
             <a:r>
-              <a:rPr lang="de-CH" sz="2400"/>
-              <a:t>and </a:t>
-            </a:r>
-            <a:r>
               <a:rPr lang="de-CH" sz="2400" dirty="0"/>
-              <a:t>coordinator is asynchronous</a:t>
+              <a:t>and coordinator is asynchronous</a:t>
             </a:r>
           </a:p>
         </p:txBody>
@@ -3702,7 +3789,7 @@
 </p:sld>
 </file>
 
-<file path=ppt/slides/slide12.xml><?xml version="1.0" encoding="utf-8"?>
+<file path=ppt/slides/slide13.xml><?xml version="1.0" encoding="utf-8"?>
 <p:sld xmlns:a="http://schemas.openxmlformats.org/drawingml/2006/main" xmlns:r="http://schemas.openxmlformats.org/officeDocument/2006/relationships" xmlns:p="http://schemas.openxmlformats.org/presentationml/2006/main">
   <p:cSld>
     <p:spTree>
@@ -7059,10 +7146,7 @@
             <a:avLst/>
           </a:prstGeom>
           <a:solidFill>
-            <a:schemeClr val="tx1">
-              <a:lumMod val="50000"/>
-              <a:lumOff val="50000"/>
-            </a:schemeClr>
+            <a:srgbClr val="FFFF00"/>
           </a:solidFill>
           <a:ln>
             <a:solidFill>
@@ -7713,10 +7797,7 @@
             <a:avLst/>
           </a:prstGeom>
           <a:solidFill>
-            <a:schemeClr val="tx1">
-              <a:lumMod val="50000"/>
-              <a:lumOff val="50000"/>
-            </a:schemeClr>
+            <a:srgbClr val="FFFF00"/>
           </a:solidFill>
           <a:ln>
             <a:solidFill>
@@ -9235,6 +9316,78 @@
                                           </p:stCondLst>
                                         </p:cTn>
                                         <p:tgtEl>
+                                          <p:spTgt spid="35"/>
+                                        </p:tgtEl>
+                                        <p:attrNameLst>
+                                          <p:attrName>style.visibility</p:attrName>
+                                        </p:attrNameLst>
+                                      </p:cBhvr>
+                                      <p:to>
+                                        <p:strVal val="visible"/>
+                                      </p:to>
+                                    </p:set>
+                                  </p:childTnLst>
+                                </p:cTn>
+                              </p:par>
+                              <p:par>
+                                <p:cTn id="15" presetID="1" presetClass="entr" presetSubtype="0" fill="hold" grpId="0" nodeType="withEffect">
+                                  <p:stCondLst>
+                                    <p:cond delay="0"/>
+                                  </p:stCondLst>
+                                  <p:childTnLst>
+                                    <p:set>
+                                      <p:cBhvr>
+                                        <p:cTn id="16" dur="1" fill="hold">
+                                          <p:stCondLst>
+                                            <p:cond delay="0"/>
+                                          </p:stCondLst>
+                                        </p:cTn>
+                                        <p:tgtEl>
+                                          <p:spTgt spid="36"/>
+                                        </p:tgtEl>
+                                        <p:attrNameLst>
+                                          <p:attrName>style.visibility</p:attrName>
+                                        </p:attrNameLst>
+                                      </p:cBhvr>
+                                      <p:to>
+                                        <p:strVal val="visible"/>
+                                      </p:to>
+                                    </p:set>
+                                  </p:childTnLst>
+                                </p:cTn>
+                              </p:par>
+                            </p:childTnLst>
+                          </p:cTn>
+                        </p:par>
+                      </p:childTnLst>
+                    </p:cTn>
+                  </p:par>
+                  <p:par>
+                    <p:cTn id="17" fill="hold">
+                      <p:stCondLst>
+                        <p:cond delay="indefinite"/>
+                      </p:stCondLst>
+                      <p:childTnLst>
+                        <p:par>
+                          <p:cTn id="18" fill="hold">
+                            <p:stCondLst>
+                              <p:cond delay="0"/>
+                            </p:stCondLst>
+                            <p:childTnLst>
+                              <p:par>
+                                <p:cTn id="19" presetID="1" presetClass="entr" presetSubtype="0" fill="hold" nodeType="clickEffect">
+                                  <p:stCondLst>
+                                    <p:cond delay="0"/>
+                                  </p:stCondLst>
+                                  <p:childTnLst>
+                                    <p:set>
+                                      <p:cBhvr>
+                                        <p:cTn id="20" dur="1" fill="hold">
+                                          <p:stCondLst>
+                                            <p:cond delay="0"/>
+                                          </p:stCondLst>
+                                        </p:cTn>
+                                        <p:tgtEl>
                                           <p:spTgt spid="28"/>
                                         </p:tgtEl>
                                         <p:attrNameLst>
@@ -9249,14 +9402,14 @@
                                 </p:cTn>
                               </p:par>
                               <p:par>
-                                <p:cTn id="15" presetID="1" presetClass="entr" presetSubtype="0" fill="hold" nodeType="withEffect">
+                                <p:cTn id="21" presetID="1" presetClass="entr" presetSubtype="0" fill="hold" nodeType="withEffect">
                                   <p:stCondLst>
                                     <p:cond delay="0"/>
                                   </p:stCondLst>
                                   <p:childTnLst>
                                     <p:set>
                                       <p:cBhvr>
-                                        <p:cTn id="16" dur="1" fill="hold">
+                                        <p:cTn id="22" dur="1" fill="hold">
                                           <p:stCondLst>
                                             <p:cond delay="0"/>
                                           </p:stCondLst>
@@ -9276,20 +9429,20 @@
                                 </p:cTn>
                               </p:par>
                               <p:par>
-                                <p:cTn id="17" presetID="1" presetClass="entr" presetSubtype="0" fill="hold" nodeType="withEffect">
+                                <p:cTn id="23" presetID="1" presetClass="entr" presetSubtype="0" fill="hold" grpId="0" nodeType="withEffect">
                                   <p:stCondLst>
                                     <p:cond delay="0"/>
                                   </p:stCondLst>
                                   <p:childTnLst>
                                     <p:set>
                                       <p:cBhvr>
-                                        <p:cTn id="18" dur="1" fill="hold">
+                                        <p:cTn id="24" dur="1" fill="hold">
                                           <p:stCondLst>
                                             <p:cond delay="0"/>
                                           </p:stCondLst>
                                         </p:cTn>
                                         <p:tgtEl>
-                                          <p:spTgt spid="35"/>
+                                          <p:spTgt spid="39"/>
                                         </p:tgtEl>
                                         <p:attrNameLst>
                                           <p:attrName>style.visibility</p:attrName>
@@ -9303,20 +9456,20 @@
                                 </p:cTn>
                               </p:par>
                               <p:par>
-                                <p:cTn id="19" presetID="1" presetClass="entr" presetSubtype="0" fill="hold" grpId="0" nodeType="withEffect">
+                                <p:cTn id="25" presetID="1" presetClass="entr" presetSubtype="0" fill="hold" grpId="0" nodeType="withEffect">
                                   <p:stCondLst>
                                     <p:cond delay="0"/>
                                   </p:stCondLst>
                                   <p:childTnLst>
                                     <p:set>
                                       <p:cBhvr>
-                                        <p:cTn id="20" dur="1" fill="hold">
+                                        <p:cTn id="26" dur="1" fill="hold">
                                           <p:stCondLst>
                                             <p:cond delay="0"/>
                                           </p:stCondLst>
                                         </p:cTn>
                                         <p:tgtEl>
-                                          <p:spTgt spid="36"/>
+                                          <p:spTgt spid="40"/>
                                         </p:tgtEl>
                                         <p:attrNameLst>
                                           <p:attrName>style.visibility</p:attrName>
@@ -9360,6 +9513,8 @@
       <p:bldP spid="8" grpId="0" animBg="1"/>
       <p:bldP spid="27" grpId="0" animBg="1"/>
       <p:bldP spid="36" grpId="0"/>
+      <p:bldP spid="39" grpId="0"/>
+      <p:bldP spid="40" grpId="0"/>
     </p:bldLst>
   </p:timing>
 </p:sld>

--- a/presentation/herding_the_elephants_advnet.pptx
+++ b/presentation/herding_the_elephants_advnet.pptx
@@ -217,7 +217,7 @@
           <a:p>
             <a:fld id="{45E5FA92-BEAD-455A-A722-6F8A3655D21E}" type="datetimeFigureOut">
               <a:rPr lang="en-US" smtClean="0"/>
-              <a:t>12/15/2019</a:t>
+              <a:t>12/16/2019</a:t>
             </a:fld>
             <a:endParaRPr lang="en-US"/>
           </a:p>
@@ -376,7 +376,7 @@
           <a:p>
             <a:fld id="{CE1C5999-7B5A-4DA0-8F71-D7FB69FE8056}" type="slidenum">
               <a:rPr lang="en-US" smtClean="0"/>
-              <a:t>‹Nr.›</a:t>
+              <a:t>‹#›</a:t>
             </a:fld>
             <a:endParaRPr lang="en-US"/>
           </a:p>
@@ -486,6 +486,90 @@
 </file>
 
 <file path=ppt/notesSlides/notesSlide1.xml><?xml version="1.0" encoding="utf-8"?>
+<p:notes xmlns:a="http://schemas.openxmlformats.org/drawingml/2006/main" xmlns:r="http://schemas.openxmlformats.org/officeDocument/2006/relationships" xmlns:p="http://schemas.openxmlformats.org/presentationml/2006/main">
+  <p:cSld>
+    <p:spTree>
+      <p:nvGrpSpPr>
+        <p:cNvPr id="1" name=""/>
+        <p:cNvGrpSpPr/>
+        <p:nvPr/>
+      </p:nvGrpSpPr>
+      <p:grpSpPr>
+        <a:xfrm>
+          <a:off x="0" y="0"/>
+          <a:ext cx="0" cy="0"/>
+          <a:chOff x="0" y="0"/>
+          <a:chExt cx="0" cy="0"/>
+        </a:xfrm>
+      </p:grpSpPr>
+      <p:sp>
+        <p:nvSpPr>
+          <p:cNvPr id="2" name="Slide Image Placeholder 1"/>
+          <p:cNvSpPr>
+            <a:spLocks noGrp="1" noRot="1" noChangeAspect="1"/>
+          </p:cNvSpPr>
+          <p:nvPr>
+            <p:ph type="sldImg"/>
+          </p:nvPr>
+        </p:nvSpPr>
+        <p:spPr/>
+      </p:sp>
+      <p:sp>
+        <p:nvSpPr>
+          <p:cNvPr id="3" name="Notes Placeholder 2"/>
+          <p:cNvSpPr>
+            <a:spLocks noGrp="1"/>
+          </p:cNvSpPr>
+          <p:nvPr>
+            <p:ph type="body" idx="1"/>
+          </p:nvPr>
+        </p:nvSpPr>
+        <p:spPr/>
+        <p:txBody>
+          <a:bodyPr/>
+          <a:lstStyle/>
+          <a:p>
+            <a:endParaRPr lang="en-CH" dirty="0"/>
+          </a:p>
+        </p:txBody>
+      </p:sp>
+      <p:sp>
+        <p:nvSpPr>
+          <p:cNvPr id="4" name="Slide Number Placeholder 3"/>
+          <p:cNvSpPr>
+            <a:spLocks noGrp="1"/>
+          </p:cNvSpPr>
+          <p:nvPr>
+            <p:ph type="sldNum" sz="quarter" idx="5"/>
+          </p:nvPr>
+        </p:nvSpPr>
+        <p:spPr/>
+        <p:txBody>
+          <a:bodyPr/>
+          <a:lstStyle/>
+          <a:p>
+            <a:fld id="{CE1C5999-7B5A-4DA0-8F71-D7FB69FE8056}" type="slidenum">
+              <a:rPr lang="en-US" smtClean="0"/>
+              <a:t>9</a:t>
+            </a:fld>
+            <a:endParaRPr lang="en-US"/>
+          </a:p>
+        </p:txBody>
+      </p:sp>
+    </p:spTree>
+    <p:extLst>
+      <p:ext uri="{BB962C8B-B14F-4D97-AF65-F5344CB8AC3E}">
+        <p14:creationId xmlns:p14="http://schemas.microsoft.com/office/powerpoint/2010/main" val="3414592580"/>
+      </p:ext>
+    </p:extLst>
+  </p:cSld>
+  <p:clrMapOvr>
+    <a:masterClrMapping/>
+  </p:clrMapOvr>
+</p:notes>
+</file>
+
+<file path=ppt/notesSlides/notesSlide2.xml><?xml version="1.0" encoding="utf-8"?>
 <p:notes xmlns:a="http://schemas.openxmlformats.org/drawingml/2006/main" xmlns:r="http://schemas.openxmlformats.org/officeDocument/2006/relationships" xmlns:p="http://schemas.openxmlformats.org/presentationml/2006/main">
   <p:cSld>
     <p:spTree>
@@ -722,7 +806,7 @@
           <a:p>
             <a:fld id="{72F73065-132F-457B-83A6-2EDBC465E42B}" type="datetimeFigureOut">
               <a:rPr lang="en-CH" smtClean="0"/>
-              <a:t>12/15/2019</a:t>
+              <a:t>16 Dec 2019</a:t>
             </a:fld>
             <a:endParaRPr lang="en-CH"/>
           </a:p>
@@ -776,7 +860,7 @@
           <a:p>
             <a:fld id="{C4E1269E-5D68-403D-B245-52CC315D07BB}" type="slidenum">
               <a:rPr lang="en-CH" smtClean="0"/>
-              <a:t>‹Nr.›</a:t>
+              <a:t>‹#›</a:t>
             </a:fld>
             <a:endParaRPr lang="en-CH"/>
           </a:p>
@@ -922,7 +1006,7 @@
           <a:p>
             <a:fld id="{72F73065-132F-457B-83A6-2EDBC465E42B}" type="datetimeFigureOut">
               <a:rPr lang="en-CH" smtClean="0"/>
-              <a:t>12/15/2019</a:t>
+              <a:t>16 Dec 2019</a:t>
             </a:fld>
             <a:endParaRPr lang="en-CH"/>
           </a:p>
@@ -976,7 +1060,7 @@
           <a:p>
             <a:fld id="{C4E1269E-5D68-403D-B245-52CC315D07BB}" type="slidenum">
               <a:rPr lang="en-CH" smtClean="0"/>
-              <a:t>‹Nr.›</a:t>
+              <a:t>‹#›</a:t>
             </a:fld>
             <a:endParaRPr lang="en-CH"/>
           </a:p>
@@ -1132,7 +1216,7 @@
           <a:p>
             <a:fld id="{72F73065-132F-457B-83A6-2EDBC465E42B}" type="datetimeFigureOut">
               <a:rPr lang="en-CH" smtClean="0"/>
-              <a:t>12/15/2019</a:t>
+              <a:t>16 Dec 2019</a:t>
             </a:fld>
             <a:endParaRPr lang="en-CH"/>
           </a:p>
@@ -1186,7 +1270,7 @@
           <a:p>
             <a:fld id="{C4E1269E-5D68-403D-B245-52CC315D07BB}" type="slidenum">
               <a:rPr lang="en-CH" smtClean="0"/>
-              <a:t>‹Nr.›</a:t>
+              <a:t>‹#›</a:t>
             </a:fld>
             <a:endParaRPr lang="en-CH"/>
           </a:p>
@@ -1332,7 +1416,7 @@
           <a:p>
             <a:fld id="{72F73065-132F-457B-83A6-2EDBC465E42B}" type="datetimeFigureOut">
               <a:rPr lang="en-CH" smtClean="0"/>
-              <a:t>12/15/2019</a:t>
+              <a:t>16 Dec 2019</a:t>
             </a:fld>
             <a:endParaRPr lang="en-CH"/>
           </a:p>
@@ -1386,7 +1470,7 @@
           <a:p>
             <a:fld id="{C4E1269E-5D68-403D-B245-52CC315D07BB}" type="slidenum">
               <a:rPr lang="en-CH" smtClean="0"/>
-              <a:t>‹Nr.›</a:t>
+              <a:t>‹#›</a:t>
             </a:fld>
             <a:endParaRPr lang="en-CH"/>
           </a:p>
@@ -1608,7 +1692,7 @@
           <a:p>
             <a:fld id="{72F73065-132F-457B-83A6-2EDBC465E42B}" type="datetimeFigureOut">
               <a:rPr lang="en-CH" smtClean="0"/>
-              <a:t>12/15/2019</a:t>
+              <a:t>16 Dec 2019</a:t>
             </a:fld>
             <a:endParaRPr lang="en-CH"/>
           </a:p>
@@ -1662,7 +1746,7 @@
           <a:p>
             <a:fld id="{C4E1269E-5D68-403D-B245-52CC315D07BB}" type="slidenum">
               <a:rPr lang="en-CH" smtClean="0"/>
-              <a:t>‹Nr.›</a:t>
+              <a:t>‹#›</a:t>
             </a:fld>
             <a:endParaRPr lang="en-CH"/>
           </a:p>
@@ -1876,7 +1960,7 @@
           <a:p>
             <a:fld id="{72F73065-132F-457B-83A6-2EDBC465E42B}" type="datetimeFigureOut">
               <a:rPr lang="en-CH" smtClean="0"/>
-              <a:t>12/15/2019</a:t>
+              <a:t>16 Dec 2019</a:t>
             </a:fld>
             <a:endParaRPr lang="en-CH"/>
           </a:p>
@@ -1930,7 +2014,7 @@
           <a:p>
             <a:fld id="{C4E1269E-5D68-403D-B245-52CC315D07BB}" type="slidenum">
               <a:rPr lang="en-CH" smtClean="0"/>
-              <a:t>‹Nr.›</a:t>
+              <a:t>‹#›</a:t>
             </a:fld>
             <a:endParaRPr lang="en-CH"/>
           </a:p>
@@ -2291,7 +2375,7 @@
           <a:p>
             <a:fld id="{72F73065-132F-457B-83A6-2EDBC465E42B}" type="datetimeFigureOut">
               <a:rPr lang="en-CH" smtClean="0"/>
-              <a:t>12/15/2019</a:t>
+              <a:t>16 Dec 2019</a:t>
             </a:fld>
             <a:endParaRPr lang="en-CH"/>
           </a:p>
@@ -2345,7 +2429,7 @@
           <a:p>
             <a:fld id="{C4E1269E-5D68-403D-B245-52CC315D07BB}" type="slidenum">
               <a:rPr lang="en-CH" smtClean="0"/>
-              <a:t>‹Nr.›</a:t>
+              <a:t>‹#›</a:t>
             </a:fld>
             <a:endParaRPr lang="en-CH"/>
           </a:p>
@@ -2433,7 +2517,7 @@
           <a:p>
             <a:fld id="{72F73065-132F-457B-83A6-2EDBC465E42B}" type="datetimeFigureOut">
               <a:rPr lang="en-CH" smtClean="0"/>
-              <a:t>12/15/2019</a:t>
+              <a:t>16 Dec 2019</a:t>
             </a:fld>
             <a:endParaRPr lang="en-CH"/>
           </a:p>
@@ -2487,7 +2571,7 @@
           <a:p>
             <a:fld id="{C4E1269E-5D68-403D-B245-52CC315D07BB}" type="slidenum">
               <a:rPr lang="en-CH" smtClean="0"/>
-              <a:t>‹Nr.›</a:t>
+              <a:t>‹#›</a:t>
             </a:fld>
             <a:endParaRPr lang="en-CH"/>
           </a:p>
@@ -2546,7 +2630,7 @@
           <a:p>
             <a:fld id="{72F73065-132F-457B-83A6-2EDBC465E42B}" type="datetimeFigureOut">
               <a:rPr lang="en-CH" smtClean="0"/>
-              <a:t>12/15/2019</a:t>
+              <a:t>16 Dec 2019</a:t>
             </a:fld>
             <a:endParaRPr lang="en-CH"/>
           </a:p>
@@ -2600,7 +2684,7 @@
           <a:p>
             <a:fld id="{C4E1269E-5D68-403D-B245-52CC315D07BB}" type="slidenum">
               <a:rPr lang="en-CH" smtClean="0"/>
-              <a:t>‹Nr.›</a:t>
+              <a:t>‹#›</a:t>
             </a:fld>
             <a:endParaRPr lang="en-CH"/>
           </a:p>
@@ -2859,7 +2943,7 @@
           <a:p>
             <a:fld id="{72F73065-132F-457B-83A6-2EDBC465E42B}" type="datetimeFigureOut">
               <a:rPr lang="en-CH" smtClean="0"/>
-              <a:t>12/15/2019</a:t>
+              <a:t>16 Dec 2019</a:t>
             </a:fld>
             <a:endParaRPr lang="en-CH"/>
           </a:p>
@@ -2913,7 +2997,7 @@
           <a:p>
             <a:fld id="{C4E1269E-5D68-403D-B245-52CC315D07BB}" type="slidenum">
               <a:rPr lang="en-CH" smtClean="0"/>
-              <a:t>‹Nr.›</a:t>
+              <a:t>‹#›</a:t>
             </a:fld>
             <a:endParaRPr lang="en-CH"/>
           </a:p>
@@ -3148,7 +3232,7 @@
           <a:p>
             <a:fld id="{72F73065-132F-457B-83A6-2EDBC465E42B}" type="datetimeFigureOut">
               <a:rPr lang="en-CH" smtClean="0"/>
-              <a:t>12/15/2019</a:t>
+              <a:t>16 Dec 2019</a:t>
             </a:fld>
             <a:endParaRPr lang="en-CH"/>
           </a:p>
@@ -3202,7 +3286,7 @@
           <a:p>
             <a:fld id="{C4E1269E-5D68-403D-B245-52CC315D07BB}" type="slidenum">
               <a:rPr lang="en-CH" smtClean="0"/>
-              <a:t>‹Nr.›</a:t>
+              <a:t>‹#›</a:t>
             </a:fld>
             <a:endParaRPr lang="en-CH"/>
           </a:p>
@@ -3391,7 +3475,7 @@
           <a:p>
             <a:fld id="{72F73065-132F-457B-83A6-2EDBC465E42B}" type="datetimeFigureOut">
               <a:rPr lang="en-CH" smtClean="0"/>
-              <a:t>12/15/2019</a:t>
+              <a:t>16 Dec 2019</a:t>
             </a:fld>
             <a:endParaRPr lang="en-CH"/>
           </a:p>
@@ -3481,7 +3565,7 @@
           <a:p>
             <a:fld id="{C4E1269E-5D68-403D-B245-52CC315D07BB}" type="slidenum">
               <a:rPr lang="en-CH" smtClean="0"/>
-              <a:t>‹Nr.›</a:t>
+              <a:t>‹#›</a:t>
             </a:fld>
             <a:endParaRPr lang="en-CH"/>
           </a:p>
@@ -4016,8 +4100,8 @@
           </a:p>
         </p:txBody>
       </p:sp>
-      <mc:AlternateContent xmlns:mc="http://schemas.openxmlformats.org/markup-compatibility/2006">
-        <mc:Choice xmlns:a14="http://schemas.microsoft.com/office/drawing/2010/main" Requires="a14">
+      <mc:AlternateContent xmlns:mc="http://schemas.openxmlformats.org/markup-compatibility/2006" xmlns:a14="http://schemas.microsoft.com/office/drawing/2010/main">
+        <mc:Choice Requires="a14">
           <p:sp>
             <p:nvSpPr>
               <p:cNvPr id="3" name="Content Placeholder 2">
@@ -4432,7 +4516,7 @@
             </p:txBody>
           </p:sp>
         </mc:Choice>
-        <mc:Fallback>
+        <mc:Fallback xmlns="">
           <p:sp>
             <p:nvSpPr>
               <p:cNvPr id="3" name="Content Placeholder 2">
@@ -5134,8 +5218,8 @@
           </a:p>
         </p:txBody>
       </p:sp>
-      <mc:AlternateContent xmlns:mc="http://schemas.openxmlformats.org/markup-compatibility/2006">
-        <mc:Choice xmlns:a14="http://schemas.microsoft.com/office/drawing/2010/main" Requires="a14">
+      <mc:AlternateContent xmlns:mc="http://schemas.openxmlformats.org/markup-compatibility/2006" xmlns:a14="http://schemas.microsoft.com/office/drawing/2010/main">
+        <mc:Choice Requires="a14">
           <p:sp>
             <p:nvSpPr>
               <p:cNvPr id="37" name="Textfeld 36">
@@ -5164,6 +5248,7 @@
               </a:bodyPr>
               <a:lstStyle/>
               <a:p>
+                <a:pPr/>
                 <a14:m>
                   <m:oMathPara xmlns:m="http://schemas.openxmlformats.org/officeDocument/2006/math">
                     <m:oMathParaPr>
@@ -5184,7 +5269,7 @@
             </p:txBody>
           </p:sp>
         </mc:Choice>
-        <mc:Fallback>
+        <mc:Fallback xmlns="">
           <p:sp>
             <p:nvSpPr>
               <p:cNvPr id="37" name="Textfeld 36">
@@ -5229,8 +5314,8 @@
           </p:sp>
         </mc:Fallback>
       </mc:AlternateContent>
-      <mc:AlternateContent xmlns:mc="http://schemas.openxmlformats.org/markup-compatibility/2006">
-        <mc:Choice xmlns:a14="http://schemas.microsoft.com/office/drawing/2010/main" Requires="a14">
+      <mc:AlternateContent xmlns:mc="http://schemas.openxmlformats.org/markup-compatibility/2006" xmlns:a14="http://schemas.microsoft.com/office/drawing/2010/main">
+        <mc:Choice Requires="a14">
           <p:sp>
             <p:nvSpPr>
               <p:cNvPr id="38" name="Textfeld 37">
@@ -5259,6 +5344,7 @@
               </a:bodyPr>
               <a:lstStyle/>
               <a:p>
+                <a:pPr/>
                 <a14:m>
                   <m:oMathPara xmlns:m="http://schemas.openxmlformats.org/officeDocument/2006/math">
                     <m:oMathParaPr>
@@ -5298,7 +5384,7 @@
             </p:txBody>
           </p:sp>
         </mc:Choice>
-        <mc:Fallback>
+        <mc:Fallback xmlns="">
           <p:sp>
             <p:nvSpPr>
               <p:cNvPr id="38" name="Textfeld 37">
@@ -5387,8 +5473,8 @@
           </a:fontRef>
         </p:style>
       </p:cxnSp>
-      <mc:AlternateContent xmlns:mc="http://schemas.openxmlformats.org/markup-compatibility/2006">
-        <mc:Choice xmlns:a14="http://schemas.microsoft.com/office/drawing/2010/main" Requires="a14">
+      <mc:AlternateContent xmlns:mc="http://schemas.openxmlformats.org/markup-compatibility/2006" xmlns:a14="http://schemas.microsoft.com/office/drawing/2010/main">
+        <mc:Choice Requires="a14">
           <p:sp>
             <p:nvSpPr>
               <p:cNvPr id="42" name="Textfeld 41">
@@ -5417,6 +5503,7 @@
               </a:bodyPr>
               <a:lstStyle/>
               <a:p>
+                <a:pPr/>
                 <a14:m>
                   <m:oMathPara xmlns:m="http://schemas.openxmlformats.org/officeDocument/2006/math">
                     <m:oMathParaPr>
@@ -5489,7 +5576,7 @@
             </p:txBody>
           </p:sp>
         </mc:Choice>
-        <mc:Fallback>
+        <mc:Fallback xmlns="">
           <p:sp>
             <p:nvSpPr>
               <p:cNvPr id="42" name="Textfeld 41">
@@ -5578,8 +5665,8 @@
           </a:fontRef>
         </p:style>
       </p:cxnSp>
-      <mc:AlternateContent xmlns:mc="http://schemas.openxmlformats.org/markup-compatibility/2006">
-        <mc:Choice xmlns:a14="http://schemas.microsoft.com/office/drawing/2010/main" Requires="a14">
+      <mc:AlternateContent xmlns:mc="http://schemas.openxmlformats.org/markup-compatibility/2006" xmlns:a14="http://schemas.microsoft.com/office/drawing/2010/main">
+        <mc:Choice Requires="a14">
           <p:sp>
             <p:nvSpPr>
               <p:cNvPr id="47" name="Textfeld 46">
@@ -5608,6 +5695,7 @@
               </a:bodyPr>
               <a:lstStyle/>
               <a:p>
+                <a:pPr/>
                 <a14:m>
                   <m:oMathPara xmlns:m="http://schemas.openxmlformats.org/officeDocument/2006/math">
                     <m:oMathParaPr>
@@ -5705,7 +5793,7 @@
             </p:txBody>
           </p:sp>
         </mc:Choice>
-        <mc:Fallback>
+        <mc:Fallback xmlns="">
           <p:sp>
             <p:nvSpPr>
               <p:cNvPr id="47" name="Textfeld 46">
@@ -5794,8 +5882,8 @@
           </a:fontRef>
         </p:style>
       </p:cxnSp>
-      <mc:AlternateContent xmlns:mc="http://schemas.openxmlformats.org/markup-compatibility/2006">
-        <mc:Choice xmlns:a14="http://schemas.microsoft.com/office/drawing/2010/main" Requires="a14">
+      <mc:AlternateContent xmlns:mc="http://schemas.openxmlformats.org/markup-compatibility/2006" xmlns:a14="http://schemas.microsoft.com/office/drawing/2010/main">
+        <mc:Choice Requires="a14">
           <p:sp>
             <p:nvSpPr>
               <p:cNvPr id="51" name="Textfeld 50">
@@ -5824,6 +5912,7 @@
               </a:bodyPr>
               <a:lstStyle/>
               <a:p>
+                <a:pPr/>
                 <a14:m>
                   <m:oMathPara xmlns:m="http://schemas.openxmlformats.org/officeDocument/2006/math">
                     <m:oMathParaPr>
@@ -5896,7 +5985,7 @@
             </p:txBody>
           </p:sp>
         </mc:Choice>
-        <mc:Fallback>
+        <mc:Fallback xmlns="">
           <p:sp>
             <p:nvSpPr>
               <p:cNvPr id="51" name="Textfeld 50">
@@ -5941,8 +6030,8 @@
           </p:sp>
         </mc:Fallback>
       </mc:AlternateContent>
-      <mc:AlternateContent xmlns:mc="http://schemas.openxmlformats.org/markup-compatibility/2006">
-        <mc:Choice xmlns:a14="http://schemas.microsoft.com/office/drawing/2010/main" Requires="a14">
+      <mc:AlternateContent xmlns:mc="http://schemas.openxmlformats.org/markup-compatibility/2006" xmlns:a14="http://schemas.microsoft.com/office/drawing/2010/main">
+        <mc:Choice Requires="a14">
           <p:sp>
             <p:nvSpPr>
               <p:cNvPr id="52" name="Textfeld 51">
@@ -5971,6 +6060,7 @@
               </a:bodyPr>
               <a:lstStyle/>
               <a:p>
+                <a:pPr/>
                 <a14:m>
                   <m:oMathPara xmlns:m="http://schemas.openxmlformats.org/officeDocument/2006/math">
                     <m:oMathParaPr>
@@ -5991,7 +6081,7 @@
             </p:txBody>
           </p:sp>
         </mc:Choice>
-        <mc:Fallback>
+        <mc:Fallback xmlns="">
           <p:sp>
             <p:nvSpPr>
               <p:cNvPr id="52" name="Textfeld 51">
@@ -6036,8 +6126,8 @@
           </p:sp>
         </mc:Fallback>
       </mc:AlternateContent>
-      <mc:AlternateContent xmlns:mc="http://schemas.openxmlformats.org/markup-compatibility/2006">
-        <mc:Choice xmlns:a14="http://schemas.microsoft.com/office/drawing/2010/main" Requires="a14">
+      <mc:AlternateContent xmlns:mc="http://schemas.openxmlformats.org/markup-compatibility/2006" xmlns:a14="http://schemas.microsoft.com/office/drawing/2010/main">
+        <mc:Choice Requires="a14">
           <p:sp>
             <p:nvSpPr>
               <p:cNvPr id="53" name="Textfeld 52">
@@ -6066,6 +6156,7 @@
               </a:bodyPr>
               <a:lstStyle/>
               <a:p>
+                <a:pPr/>
                 <a14:m>
                   <m:oMathPara xmlns:m="http://schemas.openxmlformats.org/officeDocument/2006/math">
                     <m:oMathParaPr>
@@ -6110,7 +6201,7 @@
             </p:txBody>
           </p:sp>
         </mc:Choice>
-        <mc:Fallback>
+        <mc:Fallback xmlns="">
           <p:sp>
             <p:nvSpPr>
               <p:cNvPr id="53" name="Textfeld 52">
@@ -6200,8 +6291,8 @@
           </a:fontRef>
         </p:style>
       </p:cxnSp>
-      <mc:AlternateContent xmlns:mc="http://schemas.openxmlformats.org/markup-compatibility/2006">
-        <mc:Choice xmlns:a14="http://schemas.microsoft.com/office/drawing/2010/main" Requires="a14">
+      <mc:AlternateContent xmlns:mc="http://schemas.openxmlformats.org/markup-compatibility/2006" xmlns:a14="http://schemas.microsoft.com/office/drawing/2010/main">
+        <mc:Choice Requires="a14">
           <p:sp>
             <p:nvSpPr>
               <p:cNvPr id="57" name="Rechteck 56">
@@ -6229,7 +6320,6 @@
               </a:bodyPr>
               <a:lstStyle/>
               <a:p>
-                <a:pPr/>
                 <a:r>
                   <a:rPr lang="en-US" dirty="0"/>
                   <a:t>label </a:t>
@@ -6252,7 +6342,7 @@
             </p:txBody>
           </p:sp>
         </mc:Choice>
-        <mc:Fallback>
+        <mc:Fallback xmlns="">
           <p:sp>
             <p:nvSpPr>
               <p:cNvPr id="57" name="Rechteck 56">
@@ -6332,8 +6422,8 @@
           </a:p>
         </p:txBody>
       </p:sp>
-      <mc:AlternateContent xmlns:mc="http://schemas.openxmlformats.org/markup-compatibility/2006">
-        <mc:Choice xmlns:a14="http://schemas.microsoft.com/office/drawing/2010/main" Requires="a14">
+      <mc:AlternateContent xmlns:mc="http://schemas.openxmlformats.org/markup-compatibility/2006" xmlns:a14="http://schemas.microsoft.com/office/drawing/2010/main">
+        <mc:Choice Requires="a14">
           <p:sp>
             <p:nvSpPr>
               <p:cNvPr id="60" name="Rechteck 59">
@@ -6430,7 +6520,7 @@
             </p:txBody>
           </p:sp>
         </mc:Choice>
-        <mc:Fallback>
+        <mc:Fallback xmlns="">
           <p:sp>
             <p:nvSpPr>
               <p:cNvPr id="60" name="Rechteck 59">
@@ -9085,8 +9175,8 @@
           </p:sp>
         </mc:Fallback>
       </mc:AlternateContent>
-      <mc:AlternateContent xmlns:mc="http://schemas.openxmlformats.org/markup-compatibility/2006">
-        <mc:Choice xmlns:a14="http://schemas.microsoft.com/office/drawing/2010/main" Requires="a14">
+      <mc:AlternateContent xmlns:mc="http://schemas.openxmlformats.org/markup-compatibility/2006" xmlns:a14="http://schemas.microsoft.com/office/drawing/2010/main">
+        <mc:Choice Requires="a14">
           <p:sp>
             <p:nvSpPr>
               <p:cNvPr id="62" name="Content Placeholder 2">
@@ -10244,7 +10334,7 @@
             </p:txBody>
           </p:sp>
         </mc:Choice>
-        <mc:Fallback>
+        <mc:Fallback xmlns="">
           <p:sp>
             <p:nvSpPr>
               <p:cNvPr id="62" name="Content Placeholder 2">
@@ -13478,15 +13568,7 @@
                 </a14:m>
                 <a:r>
                   <a:rPr lang="de-CH" sz="2200" dirty="0"/>
-                  <a:t> </a:t>
-                </a:r>
-                <a:r>
-                  <a:rPr lang="de-CH" sz="2200" dirty="0" err="1"/>
-                  <a:t>run</a:t>
-                </a:r>
-                <a:r>
-                  <a:rPr lang="de-CH" sz="2200" dirty="0"/>
-                  <a:t> Herd</a:t>
+                  <a:t> run Herd</a:t>
                 </a:r>
               </a:p>
               <a:p>
@@ -13534,7 +13616,7 @@
               <a:lstStyle/>
               <a:p>
                 <a:r>
-                  <a:rPr lang="en-US">
+                  <a:rPr lang="en-CH">
                     <a:noFill/>
                   </a:rPr>
                   <a:t> </a:t>
@@ -14885,8 +14967,8 @@
           </a:prstGeom>
         </p:spPr>
       </p:pic>
-      <mc:AlternateContent xmlns:mc="http://schemas.openxmlformats.org/markup-compatibility/2006">
-        <mc:Choice xmlns:a14="http://schemas.microsoft.com/office/drawing/2010/main" Requires="a14">
+      <mc:AlternateContent xmlns:mc="http://schemas.openxmlformats.org/markup-compatibility/2006" xmlns:a14="http://schemas.microsoft.com/office/drawing/2010/main">
+        <mc:Choice Requires="a14">
           <p:sp>
             <p:nvSpPr>
               <p:cNvPr id="2" name="Title 1">
@@ -14940,7 +15022,7 @@
             </p:txBody>
           </p:sp>
         </mc:Choice>
-        <mc:Fallback>
+        <mc:Fallback xmlns="">
           <p:sp>
             <p:nvSpPr>
               <p:cNvPr id="2" name="Title 1">
@@ -15134,7 +15216,7 @@
               <a:lstStyle/>
               <a:p>
                 <a:r>
-                  <a:rPr lang="en-US">
+                  <a:rPr lang="en-CH">
                     <a:noFill/>
                   </a:rPr>
                   <a:t> </a:t>
@@ -16315,36 +16397,8 @@
           </a:p>
           <a:p>
             <a:r>
-              <a:rPr lang="de-CH" dirty="0" err="1"/>
-              <a:t>Dynamically</a:t>
-            </a:r>
-            <a:r>
               <a:rPr lang="de-CH" dirty="0"/>
-              <a:t> </a:t>
-            </a:r>
-            <a:r>
-              <a:rPr lang="de-CH" dirty="0" err="1"/>
-              <a:t>adjust</a:t>
-            </a:r>
-            <a:r>
-              <a:rPr lang="de-CH" dirty="0"/>
-              <a:t> </a:t>
-            </a:r>
-            <a:r>
-              <a:rPr lang="de-CH" dirty="0" err="1"/>
-              <a:t>parameters</a:t>
-            </a:r>
-            <a:r>
-              <a:rPr lang="de-CH" dirty="0"/>
-              <a:t> (report </a:t>
-            </a:r>
-            <a:r>
-              <a:rPr lang="de-CH" dirty="0" err="1"/>
-              <a:t>threshold</a:t>
-            </a:r>
-            <a:r>
-              <a:rPr lang="de-CH" dirty="0"/>
-              <a:t> R)</a:t>
+              <a:t>Dynamically adjust parameters</a:t>
             </a:r>
             <a:endParaRPr lang="en-CH" dirty="0"/>
           </a:p>
@@ -22816,9 +22870,6 @@
                     <p:cTn id="3" fill="hold">
                       <p:stCondLst>
                         <p:cond delay="indefinite"/>
-                        <p:cond evt="onBegin" delay="0">
-                          <p:tn val="2"/>
-                        </p:cond>
                       </p:stCondLst>
                       <p:childTnLst>
                         <p:par>
@@ -22828,7 +22879,7 @@
                             </p:stCondLst>
                             <p:childTnLst>
                               <p:par>
-                                <p:cTn id="5" presetID="1" presetClass="entr" presetSubtype="0" fill="hold" nodeType="withEffect">
+                                <p:cTn id="5" presetID="1" presetClass="entr" presetSubtype="0" fill="hold" nodeType="clickEffect">
                                   <p:stCondLst>
                                     <p:cond delay="0"/>
                                   </p:stCondLst>
@@ -22836,699 +22887,6 @@
                                     <p:set>
                                       <p:cBhvr>
                                         <p:cTn id="6" dur="1" fill="hold">
-                                          <p:stCondLst>
-                                            <p:cond delay="0"/>
-                                          </p:stCondLst>
-                                        </p:cTn>
-                                        <p:tgtEl>
-                                          <p:spTgt spid="82"/>
-                                        </p:tgtEl>
-                                        <p:attrNameLst>
-                                          <p:attrName>style.visibility</p:attrName>
-                                        </p:attrNameLst>
-                                      </p:cBhvr>
-                                      <p:to>
-                                        <p:strVal val="visible"/>
-                                      </p:to>
-                                    </p:set>
-                                  </p:childTnLst>
-                                </p:cTn>
-                              </p:par>
-                              <p:par>
-                                <p:cTn id="7" presetID="1" presetClass="entr" presetSubtype="0" fill="hold" nodeType="withEffect">
-                                  <p:stCondLst>
-                                    <p:cond delay="0"/>
-                                  </p:stCondLst>
-                                  <p:childTnLst>
-                                    <p:set>
-                                      <p:cBhvr>
-                                        <p:cTn id="8" dur="1" fill="hold">
-                                          <p:stCondLst>
-                                            <p:cond delay="0"/>
-                                          </p:stCondLst>
-                                        </p:cTn>
-                                        <p:tgtEl>
-                                          <p:spTgt spid="83"/>
-                                        </p:tgtEl>
-                                        <p:attrNameLst>
-                                          <p:attrName>style.visibility</p:attrName>
-                                        </p:attrNameLst>
-                                      </p:cBhvr>
-                                      <p:to>
-                                        <p:strVal val="visible"/>
-                                      </p:to>
-                                    </p:set>
-                                  </p:childTnLst>
-                                </p:cTn>
-                              </p:par>
-                              <p:par>
-                                <p:cTn id="9" presetID="1" presetClass="entr" presetSubtype="0" fill="hold" grpId="0" nodeType="withEffect">
-                                  <p:stCondLst>
-                                    <p:cond delay="0"/>
-                                  </p:stCondLst>
-                                  <p:childTnLst>
-                                    <p:set>
-                                      <p:cBhvr>
-                                        <p:cTn id="10" dur="1" fill="hold">
-                                          <p:stCondLst>
-                                            <p:cond delay="0"/>
-                                          </p:stCondLst>
-                                        </p:cTn>
-                                        <p:tgtEl>
-                                          <p:spTgt spid="84"/>
-                                        </p:tgtEl>
-                                        <p:attrNameLst>
-                                          <p:attrName>style.visibility</p:attrName>
-                                        </p:attrNameLst>
-                                      </p:cBhvr>
-                                      <p:to>
-                                        <p:strVal val="visible"/>
-                                      </p:to>
-                                    </p:set>
-                                  </p:childTnLst>
-                                </p:cTn>
-                              </p:par>
-                              <p:par>
-                                <p:cTn id="11" presetID="1" presetClass="entr" presetSubtype="0" fill="hold" grpId="0" nodeType="withEffect">
-                                  <p:stCondLst>
-                                    <p:cond delay="0"/>
-                                  </p:stCondLst>
-                                  <p:childTnLst>
-                                    <p:set>
-                                      <p:cBhvr>
-                                        <p:cTn id="12" dur="1" fill="hold">
-                                          <p:stCondLst>
-                                            <p:cond delay="0"/>
-                                          </p:stCondLst>
-                                        </p:cTn>
-                                        <p:tgtEl>
-                                          <p:spTgt spid="85"/>
-                                        </p:tgtEl>
-                                        <p:attrNameLst>
-                                          <p:attrName>style.visibility</p:attrName>
-                                        </p:attrNameLst>
-                                      </p:cBhvr>
-                                      <p:to>
-                                        <p:strVal val="visible"/>
-                                      </p:to>
-                                    </p:set>
-                                  </p:childTnLst>
-                                </p:cTn>
-                              </p:par>
-                              <p:par>
-                                <p:cTn id="13" presetID="1" presetClass="entr" presetSubtype="0" fill="hold" grpId="0" nodeType="withEffect">
-                                  <p:stCondLst>
-                                    <p:cond delay="0"/>
-                                  </p:stCondLst>
-                                  <p:childTnLst>
-                                    <p:set>
-                                      <p:cBhvr>
-                                        <p:cTn id="14" dur="1" fill="hold">
-                                          <p:stCondLst>
-                                            <p:cond delay="0"/>
-                                          </p:stCondLst>
-                                        </p:cTn>
-                                        <p:tgtEl>
-                                          <p:spTgt spid="86"/>
-                                        </p:tgtEl>
-                                        <p:attrNameLst>
-                                          <p:attrName>style.visibility</p:attrName>
-                                        </p:attrNameLst>
-                                      </p:cBhvr>
-                                      <p:to>
-                                        <p:strVal val="visible"/>
-                                      </p:to>
-                                    </p:set>
-                                  </p:childTnLst>
-                                </p:cTn>
-                              </p:par>
-                              <p:par>
-                                <p:cTn id="15" presetID="1" presetClass="entr" presetSubtype="0" fill="hold" grpId="0" nodeType="withEffect">
-                                  <p:stCondLst>
-                                    <p:cond delay="0"/>
-                                  </p:stCondLst>
-                                  <p:childTnLst>
-                                    <p:set>
-                                      <p:cBhvr>
-                                        <p:cTn id="16" dur="1" fill="hold">
-                                          <p:stCondLst>
-                                            <p:cond delay="0"/>
-                                          </p:stCondLst>
-                                        </p:cTn>
-                                        <p:tgtEl>
-                                          <p:spTgt spid="87"/>
-                                        </p:tgtEl>
-                                        <p:attrNameLst>
-                                          <p:attrName>style.visibility</p:attrName>
-                                        </p:attrNameLst>
-                                      </p:cBhvr>
-                                      <p:to>
-                                        <p:strVal val="visible"/>
-                                      </p:to>
-                                    </p:set>
-                                  </p:childTnLst>
-                                </p:cTn>
-                              </p:par>
-                              <p:par>
-                                <p:cTn id="17" presetID="1" presetClass="entr" presetSubtype="0" fill="hold" grpId="0" nodeType="withEffect">
-                                  <p:stCondLst>
-                                    <p:cond delay="0"/>
-                                  </p:stCondLst>
-                                  <p:childTnLst>
-                                    <p:set>
-                                      <p:cBhvr>
-                                        <p:cTn id="18" dur="1" fill="hold">
-                                          <p:stCondLst>
-                                            <p:cond delay="0"/>
-                                          </p:stCondLst>
-                                        </p:cTn>
-                                        <p:tgtEl>
-                                          <p:spTgt spid="88"/>
-                                        </p:tgtEl>
-                                        <p:attrNameLst>
-                                          <p:attrName>style.visibility</p:attrName>
-                                        </p:attrNameLst>
-                                      </p:cBhvr>
-                                      <p:to>
-                                        <p:strVal val="visible"/>
-                                      </p:to>
-                                    </p:set>
-                                  </p:childTnLst>
-                                </p:cTn>
-                              </p:par>
-                              <p:par>
-                                <p:cTn id="19" presetID="1" presetClass="entr" presetSubtype="0" fill="hold" grpId="0" nodeType="withEffect">
-                                  <p:stCondLst>
-                                    <p:cond delay="0"/>
-                                  </p:stCondLst>
-                                  <p:childTnLst>
-                                    <p:set>
-                                      <p:cBhvr>
-                                        <p:cTn id="20" dur="1" fill="hold">
-                                          <p:stCondLst>
-                                            <p:cond delay="0"/>
-                                          </p:stCondLst>
-                                        </p:cTn>
-                                        <p:tgtEl>
-                                          <p:spTgt spid="89"/>
-                                        </p:tgtEl>
-                                        <p:attrNameLst>
-                                          <p:attrName>style.visibility</p:attrName>
-                                        </p:attrNameLst>
-                                      </p:cBhvr>
-                                      <p:to>
-                                        <p:strVal val="visible"/>
-                                      </p:to>
-                                    </p:set>
-                                  </p:childTnLst>
-                                </p:cTn>
-                              </p:par>
-                              <p:par>
-                                <p:cTn id="21" presetID="1" presetClass="entr" presetSubtype="0" fill="hold" grpId="0" nodeType="withEffect">
-                                  <p:stCondLst>
-                                    <p:cond delay="0"/>
-                                  </p:stCondLst>
-                                  <p:childTnLst>
-                                    <p:set>
-                                      <p:cBhvr>
-                                        <p:cTn id="22" dur="1" fill="hold">
-                                          <p:stCondLst>
-                                            <p:cond delay="0"/>
-                                          </p:stCondLst>
-                                        </p:cTn>
-                                        <p:tgtEl>
-                                          <p:spTgt spid="90"/>
-                                        </p:tgtEl>
-                                        <p:attrNameLst>
-                                          <p:attrName>style.visibility</p:attrName>
-                                        </p:attrNameLst>
-                                      </p:cBhvr>
-                                      <p:to>
-                                        <p:strVal val="visible"/>
-                                      </p:to>
-                                    </p:set>
-                                  </p:childTnLst>
-                                </p:cTn>
-                              </p:par>
-                              <p:par>
-                                <p:cTn id="23" presetID="1" presetClass="entr" presetSubtype="0" fill="hold" grpId="0" nodeType="withEffect">
-                                  <p:stCondLst>
-                                    <p:cond delay="0"/>
-                                  </p:stCondLst>
-                                  <p:childTnLst>
-                                    <p:set>
-                                      <p:cBhvr>
-                                        <p:cTn id="24" dur="1" fill="hold">
-                                          <p:stCondLst>
-                                            <p:cond delay="0"/>
-                                          </p:stCondLst>
-                                        </p:cTn>
-                                        <p:tgtEl>
-                                          <p:spTgt spid="91"/>
-                                        </p:tgtEl>
-                                        <p:attrNameLst>
-                                          <p:attrName>style.visibility</p:attrName>
-                                        </p:attrNameLst>
-                                      </p:cBhvr>
-                                      <p:to>
-                                        <p:strVal val="visible"/>
-                                      </p:to>
-                                    </p:set>
-                                  </p:childTnLst>
-                                </p:cTn>
-                              </p:par>
-                              <p:par>
-                                <p:cTn id="25" presetID="1" presetClass="entr" presetSubtype="0" fill="hold" grpId="0" nodeType="withEffect">
-                                  <p:stCondLst>
-                                    <p:cond delay="0"/>
-                                  </p:stCondLst>
-                                  <p:childTnLst>
-                                    <p:set>
-                                      <p:cBhvr>
-                                        <p:cTn id="26" dur="1" fill="hold">
-                                          <p:stCondLst>
-                                            <p:cond delay="0"/>
-                                          </p:stCondLst>
-                                        </p:cTn>
-                                        <p:tgtEl>
-                                          <p:spTgt spid="92"/>
-                                        </p:tgtEl>
-                                        <p:attrNameLst>
-                                          <p:attrName>style.visibility</p:attrName>
-                                        </p:attrNameLst>
-                                      </p:cBhvr>
-                                      <p:to>
-                                        <p:strVal val="visible"/>
-                                      </p:to>
-                                    </p:set>
-                                  </p:childTnLst>
-                                </p:cTn>
-                              </p:par>
-                              <p:par>
-                                <p:cTn id="27" presetID="1" presetClass="entr" presetSubtype="0" fill="hold" grpId="0" nodeType="withEffect">
-                                  <p:stCondLst>
-                                    <p:cond delay="0"/>
-                                  </p:stCondLst>
-                                  <p:childTnLst>
-                                    <p:set>
-                                      <p:cBhvr>
-                                        <p:cTn id="28" dur="1" fill="hold">
-                                          <p:stCondLst>
-                                            <p:cond delay="0"/>
-                                          </p:stCondLst>
-                                        </p:cTn>
-                                        <p:tgtEl>
-                                          <p:spTgt spid="93"/>
-                                        </p:tgtEl>
-                                        <p:attrNameLst>
-                                          <p:attrName>style.visibility</p:attrName>
-                                        </p:attrNameLst>
-                                      </p:cBhvr>
-                                      <p:to>
-                                        <p:strVal val="visible"/>
-                                      </p:to>
-                                    </p:set>
-                                  </p:childTnLst>
-                                </p:cTn>
-                              </p:par>
-                              <p:par>
-                                <p:cTn id="29" presetID="1" presetClass="entr" presetSubtype="0" fill="hold" grpId="0" nodeType="withEffect">
-                                  <p:stCondLst>
-                                    <p:cond delay="0"/>
-                                  </p:stCondLst>
-                                  <p:childTnLst>
-                                    <p:set>
-                                      <p:cBhvr>
-                                        <p:cTn id="30" dur="1" fill="hold">
-                                          <p:stCondLst>
-                                            <p:cond delay="0"/>
-                                          </p:stCondLst>
-                                        </p:cTn>
-                                        <p:tgtEl>
-                                          <p:spTgt spid="94"/>
-                                        </p:tgtEl>
-                                        <p:attrNameLst>
-                                          <p:attrName>style.visibility</p:attrName>
-                                        </p:attrNameLst>
-                                      </p:cBhvr>
-                                      <p:to>
-                                        <p:strVal val="visible"/>
-                                      </p:to>
-                                    </p:set>
-                                  </p:childTnLst>
-                                </p:cTn>
-                              </p:par>
-                              <p:par>
-                                <p:cTn id="31" presetID="1" presetClass="entr" presetSubtype="0" fill="hold" grpId="0" nodeType="withEffect">
-                                  <p:stCondLst>
-                                    <p:cond delay="0"/>
-                                  </p:stCondLst>
-                                  <p:childTnLst>
-                                    <p:set>
-                                      <p:cBhvr>
-                                        <p:cTn id="32" dur="1" fill="hold">
-                                          <p:stCondLst>
-                                            <p:cond delay="0"/>
-                                          </p:stCondLst>
-                                        </p:cTn>
-                                        <p:tgtEl>
-                                          <p:spTgt spid="95"/>
-                                        </p:tgtEl>
-                                        <p:attrNameLst>
-                                          <p:attrName>style.visibility</p:attrName>
-                                        </p:attrNameLst>
-                                      </p:cBhvr>
-                                      <p:to>
-                                        <p:strVal val="visible"/>
-                                      </p:to>
-                                    </p:set>
-                                  </p:childTnLst>
-                                </p:cTn>
-                              </p:par>
-                              <p:par>
-                                <p:cTn id="33" presetID="1" presetClass="entr" presetSubtype="0" fill="hold" grpId="0" nodeType="withEffect">
-                                  <p:stCondLst>
-                                    <p:cond delay="0"/>
-                                  </p:stCondLst>
-                                  <p:childTnLst>
-                                    <p:set>
-                                      <p:cBhvr>
-                                        <p:cTn id="34" dur="1" fill="hold">
-                                          <p:stCondLst>
-                                            <p:cond delay="0"/>
-                                          </p:stCondLst>
-                                        </p:cTn>
-                                        <p:tgtEl>
-                                          <p:spTgt spid="96"/>
-                                        </p:tgtEl>
-                                        <p:attrNameLst>
-                                          <p:attrName>style.visibility</p:attrName>
-                                        </p:attrNameLst>
-                                      </p:cBhvr>
-                                      <p:to>
-                                        <p:strVal val="visible"/>
-                                      </p:to>
-                                    </p:set>
-                                  </p:childTnLst>
-                                </p:cTn>
-                              </p:par>
-                              <p:par>
-                                <p:cTn id="35" presetID="1" presetClass="entr" presetSubtype="0" fill="hold" grpId="0" nodeType="withEffect">
-                                  <p:stCondLst>
-                                    <p:cond delay="0"/>
-                                  </p:stCondLst>
-                                  <p:childTnLst>
-                                    <p:set>
-                                      <p:cBhvr>
-                                        <p:cTn id="36" dur="1" fill="hold">
-                                          <p:stCondLst>
-                                            <p:cond delay="0"/>
-                                          </p:stCondLst>
-                                        </p:cTn>
-                                        <p:tgtEl>
-                                          <p:spTgt spid="97"/>
-                                        </p:tgtEl>
-                                        <p:attrNameLst>
-                                          <p:attrName>style.visibility</p:attrName>
-                                        </p:attrNameLst>
-                                      </p:cBhvr>
-                                      <p:to>
-                                        <p:strVal val="visible"/>
-                                      </p:to>
-                                    </p:set>
-                                  </p:childTnLst>
-                                </p:cTn>
-                              </p:par>
-                              <p:par>
-                                <p:cTn id="37" presetID="1" presetClass="entr" presetSubtype="0" fill="hold" grpId="0" nodeType="withEffect">
-                                  <p:stCondLst>
-                                    <p:cond delay="0"/>
-                                  </p:stCondLst>
-                                  <p:childTnLst>
-                                    <p:set>
-                                      <p:cBhvr>
-                                        <p:cTn id="38" dur="1" fill="hold">
-                                          <p:stCondLst>
-                                            <p:cond delay="0"/>
-                                          </p:stCondLst>
-                                        </p:cTn>
-                                        <p:tgtEl>
-                                          <p:spTgt spid="98"/>
-                                        </p:tgtEl>
-                                        <p:attrNameLst>
-                                          <p:attrName>style.visibility</p:attrName>
-                                        </p:attrNameLst>
-                                      </p:cBhvr>
-                                      <p:to>
-                                        <p:strVal val="visible"/>
-                                      </p:to>
-                                    </p:set>
-                                  </p:childTnLst>
-                                </p:cTn>
-                              </p:par>
-                              <p:par>
-                                <p:cTn id="39" presetID="1" presetClass="entr" presetSubtype="0" fill="hold" grpId="0" nodeType="withEffect">
-                                  <p:stCondLst>
-                                    <p:cond delay="0"/>
-                                  </p:stCondLst>
-                                  <p:childTnLst>
-                                    <p:set>
-                                      <p:cBhvr>
-                                        <p:cTn id="40" dur="1" fill="hold">
-                                          <p:stCondLst>
-                                            <p:cond delay="0"/>
-                                          </p:stCondLst>
-                                        </p:cTn>
-                                        <p:tgtEl>
-                                          <p:spTgt spid="99"/>
-                                        </p:tgtEl>
-                                        <p:attrNameLst>
-                                          <p:attrName>style.visibility</p:attrName>
-                                        </p:attrNameLst>
-                                      </p:cBhvr>
-                                      <p:to>
-                                        <p:strVal val="visible"/>
-                                      </p:to>
-                                    </p:set>
-                                  </p:childTnLst>
-                                </p:cTn>
-                              </p:par>
-                              <p:par>
-                                <p:cTn id="41" presetID="1" presetClass="entr" presetSubtype="0" fill="hold" grpId="0" nodeType="withEffect">
-                                  <p:stCondLst>
-                                    <p:cond delay="0"/>
-                                  </p:stCondLst>
-                                  <p:childTnLst>
-                                    <p:set>
-                                      <p:cBhvr>
-                                        <p:cTn id="42" dur="1" fill="hold">
-                                          <p:stCondLst>
-                                            <p:cond delay="0"/>
-                                          </p:stCondLst>
-                                        </p:cTn>
-                                        <p:tgtEl>
-                                          <p:spTgt spid="100"/>
-                                        </p:tgtEl>
-                                        <p:attrNameLst>
-                                          <p:attrName>style.visibility</p:attrName>
-                                        </p:attrNameLst>
-                                      </p:cBhvr>
-                                      <p:to>
-                                        <p:strVal val="visible"/>
-                                      </p:to>
-                                    </p:set>
-                                  </p:childTnLst>
-                                </p:cTn>
-                              </p:par>
-                              <p:par>
-                                <p:cTn id="43" presetID="1" presetClass="entr" presetSubtype="0" fill="hold" grpId="0" nodeType="withEffect">
-                                  <p:stCondLst>
-                                    <p:cond delay="0"/>
-                                  </p:stCondLst>
-                                  <p:childTnLst>
-                                    <p:set>
-                                      <p:cBhvr>
-                                        <p:cTn id="44" dur="1" fill="hold">
-                                          <p:stCondLst>
-                                            <p:cond delay="0"/>
-                                          </p:stCondLst>
-                                        </p:cTn>
-                                        <p:tgtEl>
-                                          <p:spTgt spid="101"/>
-                                        </p:tgtEl>
-                                        <p:attrNameLst>
-                                          <p:attrName>style.visibility</p:attrName>
-                                        </p:attrNameLst>
-                                      </p:cBhvr>
-                                      <p:to>
-                                        <p:strVal val="visible"/>
-                                      </p:to>
-                                    </p:set>
-                                  </p:childTnLst>
-                                </p:cTn>
-                              </p:par>
-                              <p:par>
-                                <p:cTn id="45" presetID="1" presetClass="entr" presetSubtype="0" fill="hold" grpId="0" nodeType="withEffect">
-                                  <p:stCondLst>
-                                    <p:cond delay="0"/>
-                                  </p:stCondLst>
-                                  <p:childTnLst>
-                                    <p:set>
-                                      <p:cBhvr>
-                                        <p:cTn id="46" dur="1" fill="hold">
-                                          <p:stCondLst>
-                                            <p:cond delay="0"/>
-                                          </p:stCondLst>
-                                        </p:cTn>
-                                        <p:tgtEl>
-                                          <p:spTgt spid="102"/>
-                                        </p:tgtEl>
-                                        <p:attrNameLst>
-                                          <p:attrName>style.visibility</p:attrName>
-                                        </p:attrNameLst>
-                                      </p:cBhvr>
-                                      <p:to>
-                                        <p:strVal val="visible"/>
-                                      </p:to>
-                                    </p:set>
-                                  </p:childTnLst>
-                                </p:cTn>
-                              </p:par>
-                              <p:par>
-                                <p:cTn id="47" presetID="1" presetClass="entr" presetSubtype="0" fill="hold" grpId="0" nodeType="withEffect">
-                                  <p:stCondLst>
-                                    <p:cond delay="0"/>
-                                  </p:stCondLst>
-                                  <p:childTnLst>
-                                    <p:set>
-                                      <p:cBhvr>
-                                        <p:cTn id="48" dur="1" fill="hold">
-                                          <p:stCondLst>
-                                            <p:cond delay="0"/>
-                                          </p:stCondLst>
-                                        </p:cTn>
-                                        <p:tgtEl>
-                                          <p:spTgt spid="103"/>
-                                        </p:tgtEl>
-                                        <p:attrNameLst>
-                                          <p:attrName>style.visibility</p:attrName>
-                                        </p:attrNameLst>
-                                      </p:cBhvr>
-                                      <p:to>
-                                        <p:strVal val="visible"/>
-                                      </p:to>
-                                    </p:set>
-                                  </p:childTnLst>
-                                </p:cTn>
-                              </p:par>
-                              <p:par>
-                                <p:cTn id="49" presetID="1" presetClass="entr" presetSubtype="0" fill="hold" nodeType="withEffect">
-                                  <p:stCondLst>
-                                    <p:cond delay="0"/>
-                                  </p:stCondLst>
-                                  <p:childTnLst>
-                                    <p:set>
-                                      <p:cBhvr>
-                                        <p:cTn id="50" dur="1" fill="hold">
-                                          <p:stCondLst>
-                                            <p:cond delay="0"/>
-                                          </p:stCondLst>
-                                        </p:cTn>
-                                        <p:tgtEl>
-                                          <p:spTgt spid="104"/>
-                                        </p:tgtEl>
-                                        <p:attrNameLst>
-                                          <p:attrName>style.visibility</p:attrName>
-                                        </p:attrNameLst>
-                                      </p:cBhvr>
-                                      <p:to>
-                                        <p:strVal val="visible"/>
-                                      </p:to>
-                                    </p:set>
-                                  </p:childTnLst>
-                                </p:cTn>
-                              </p:par>
-                              <p:par>
-                                <p:cTn id="51" presetID="1" presetClass="entr" presetSubtype="0" fill="hold" grpId="0" nodeType="withEffect">
-                                  <p:stCondLst>
-                                    <p:cond delay="0"/>
-                                  </p:stCondLst>
-                                  <p:childTnLst>
-                                    <p:set>
-                                      <p:cBhvr>
-                                        <p:cTn id="52" dur="1" fill="hold">
-                                          <p:stCondLst>
-                                            <p:cond delay="0"/>
-                                          </p:stCondLst>
-                                        </p:cTn>
-                                        <p:tgtEl>
-                                          <p:spTgt spid="105"/>
-                                        </p:tgtEl>
-                                        <p:attrNameLst>
-                                          <p:attrName>style.visibility</p:attrName>
-                                        </p:attrNameLst>
-                                      </p:cBhvr>
-                                      <p:to>
-                                        <p:strVal val="visible"/>
-                                      </p:to>
-                                    </p:set>
-                                  </p:childTnLst>
-                                </p:cTn>
-                              </p:par>
-                              <p:par>
-                                <p:cTn id="53" presetID="1" presetClass="entr" presetSubtype="0" fill="hold" grpId="0" nodeType="withEffect">
-                                  <p:stCondLst>
-                                    <p:cond delay="0"/>
-                                  </p:stCondLst>
-                                  <p:childTnLst>
-                                    <p:set>
-                                      <p:cBhvr>
-                                        <p:cTn id="54" dur="1" fill="hold">
-                                          <p:stCondLst>
-                                            <p:cond delay="0"/>
-                                          </p:stCondLst>
-                                        </p:cTn>
-                                        <p:tgtEl>
-                                          <p:spTgt spid="106"/>
-                                        </p:tgtEl>
-                                        <p:attrNameLst>
-                                          <p:attrName>style.visibility</p:attrName>
-                                        </p:attrNameLst>
-                                      </p:cBhvr>
-                                      <p:to>
-                                        <p:strVal val="visible"/>
-                                      </p:to>
-                                    </p:set>
-                                  </p:childTnLst>
-                                </p:cTn>
-                              </p:par>
-                            </p:childTnLst>
-                          </p:cTn>
-                        </p:par>
-                      </p:childTnLst>
-                    </p:cTn>
-                  </p:par>
-                  <p:par>
-                    <p:cTn id="55" fill="hold">
-                      <p:stCondLst>
-                        <p:cond delay="indefinite"/>
-                      </p:stCondLst>
-                      <p:childTnLst>
-                        <p:par>
-                          <p:cTn id="56" fill="hold">
-                            <p:stCondLst>
-                              <p:cond delay="0"/>
-                            </p:stCondLst>
-                            <p:childTnLst>
-                              <p:par>
-                                <p:cTn id="57" presetID="1" presetClass="entr" presetSubtype="0" fill="hold" nodeType="clickEffect">
-                                  <p:stCondLst>
-                                    <p:cond delay="0"/>
-                                  </p:stCondLst>
-                                  <p:childTnLst>
-                                    <p:set>
-                                      <p:cBhvr>
-                                        <p:cTn id="58" dur="1" fill="hold">
                                           <p:stCondLst>
                                             <p:cond delay="0"/>
                                           </p:stCondLst>
@@ -23552,14 +22910,14 @@
                                 </p:cTn>
                               </p:par>
                               <p:par>
-                                <p:cTn id="59" presetID="1" presetClass="entr" presetSubtype="0" fill="hold" nodeType="withEffect">
+                                <p:cTn id="7" presetID="1" presetClass="entr" presetSubtype="0" fill="hold" nodeType="withEffect">
                                   <p:stCondLst>
                                     <p:cond delay="0"/>
                                   </p:stCondLst>
                                   <p:childTnLst>
                                     <p:set>
                                       <p:cBhvr>
-                                        <p:cTn id="60" dur="1" fill="hold">
+                                        <p:cTn id="8" dur="1" fill="hold">
                                           <p:stCondLst>
                                             <p:cond delay="0"/>
                                           </p:stCondLst>
@@ -23589,26 +22947,26 @@
                     </p:cTn>
                   </p:par>
                   <p:par>
-                    <p:cTn id="61" fill="hold">
+                    <p:cTn id="9" fill="hold">
                       <p:stCondLst>
                         <p:cond delay="indefinite"/>
                       </p:stCondLst>
                       <p:childTnLst>
                         <p:par>
-                          <p:cTn id="62" fill="hold">
+                          <p:cTn id="10" fill="hold">
                             <p:stCondLst>
                               <p:cond delay="0"/>
                             </p:stCondLst>
                             <p:childTnLst>
                               <p:par>
-                                <p:cTn id="63" presetID="1" presetClass="entr" presetSubtype="0" fill="hold" nodeType="clickEffect">
+                                <p:cTn id="11" presetID="1" presetClass="entr" presetSubtype="0" fill="hold" nodeType="clickEffect">
                                   <p:stCondLst>
                                     <p:cond delay="0"/>
                                   </p:stCondLst>
                                   <p:childTnLst>
                                     <p:set>
                                       <p:cBhvr>
-                                        <p:cTn id="64" dur="1" fill="hold">
+                                        <p:cTn id="12" dur="1" fill="hold">
                                           <p:stCondLst>
                                             <p:cond delay="0"/>
                                           </p:stCondLst>
@@ -23658,30 +23016,6 @@
         </p:cTn>
       </p:par>
     </p:tnLst>
-    <p:bldLst>
-      <p:bldP spid="84" grpId="0" animBg="1"/>
-      <p:bldP spid="85" grpId="0" animBg="1"/>
-      <p:bldP spid="86" grpId="0" animBg="1"/>
-      <p:bldP spid="87" grpId="0" animBg="1"/>
-      <p:bldP spid="88" grpId="0" animBg="1"/>
-      <p:bldP spid="89" grpId="0" animBg="1"/>
-      <p:bldP spid="90" grpId="0" animBg="1"/>
-      <p:bldP spid="91" grpId="0" animBg="1"/>
-      <p:bldP spid="92" grpId="0" animBg="1"/>
-      <p:bldP spid="93" grpId="0" animBg="1"/>
-      <p:bldP spid="94" grpId="0" animBg="1"/>
-      <p:bldP spid="95" grpId="0" animBg="1"/>
-      <p:bldP spid="96" grpId="0" animBg="1"/>
-      <p:bldP spid="97" grpId="0" animBg="1"/>
-      <p:bldP spid="98" grpId="0" animBg="1"/>
-      <p:bldP spid="99" grpId="0" animBg="1"/>
-      <p:bldP spid="100" grpId="0" animBg="1"/>
-      <p:bldP spid="101" grpId="0" animBg="1"/>
-      <p:bldP spid="102" grpId="0" animBg="1"/>
-      <p:bldP spid="103" grpId="0" animBg="1"/>
-      <p:bldP spid="105" grpId="0" animBg="1"/>
-      <p:bldP spid="106" grpId="0"/>
-    </p:bldLst>
   </p:timing>
 </p:sld>
 </file>
@@ -30073,13 +29407,8 @@
                 </a:r>
                 <a:r>
                   <a:rPr lang="de-CH" sz="2200" dirty="0"/>
-                  <a:t>must </a:t>
-                </a:r>
-                <a:r>
-                  <a:rPr lang="de-CH" sz="2200" dirty="0" err="1"/>
-                  <a:t>be</a:t>
-                </a:r>
-                <a:endParaRPr lang="de-CH" sz="2200" dirty="0"/>
+                  <a:t>must be </a:t>
+                </a:r>
               </a:p>
               <a:p>
                 <a:r>
@@ -30540,7 +29869,7 @@
               <a:lstStyle/>
               <a:p>
                 <a:r>
-                  <a:rPr lang="en-US">
+                  <a:rPr lang="en-CH">
                     <a:noFill/>
                   </a:rPr>
                   <a:t> </a:t>
@@ -32920,13 +32249,8 @@
                 </a14:m>
                 <a:r>
                   <a:rPr lang="de-CH" sz="2200" dirty="0"/>
-                  <a:t> in match-action </a:t>
-                </a:r>
-                <a:r>
-                  <a:rPr lang="de-CH" sz="2200" dirty="0" err="1"/>
-                  <a:t>table</a:t>
-                </a:r>
-                <a:endParaRPr lang="de-CH" sz="2200" dirty="0"/>
+                  <a:t> in match-action table</a:t>
+                </a:r>
               </a:p>
               <a:p>
                 <a:pPr lvl="1">
@@ -33258,7 +32582,7 @@
               <a:lstStyle/>
               <a:p>
                 <a:r>
-                  <a:rPr lang="en-US">
+                  <a:rPr lang="en-CH">
                     <a:noFill/>
                   </a:rPr>
                   <a:t> </a:t>
@@ -33268,8 +32592,8 @@
           </p:sp>
         </mc:Fallback>
       </mc:AlternateContent>
-      <mc:AlternateContent xmlns:mc="http://schemas.openxmlformats.org/markup-compatibility/2006">
-        <mc:Choice xmlns:a14="http://schemas.microsoft.com/office/drawing/2010/main" Requires="a14">
+      <mc:AlternateContent xmlns:mc="http://schemas.openxmlformats.org/markup-compatibility/2006" xmlns:a14="http://schemas.microsoft.com/office/drawing/2010/main">
+        <mc:Choice Requires="a14">
           <p:sp>
             <p:nvSpPr>
               <p:cNvPr id="50" name="Content Placeholder 2">
@@ -33766,7 +33090,7 @@
             </p:txBody>
           </p:sp>
         </mc:Choice>
-        <mc:Fallback>
+        <mc:Fallback xmlns="">
           <p:sp>
             <p:nvSpPr>
               <p:cNvPr id="50" name="Content Placeholder 2">
@@ -34782,8 +34106,8 @@
           </a:fontRef>
         </p:style>
       </p:cxnSp>
-      <mc:AlternateContent xmlns:mc="http://schemas.openxmlformats.org/markup-compatibility/2006">
-        <mc:Choice xmlns:a14="http://schemas.microsoft.com/office/drawing/2010/main" Requires="a14">
+      <mc:AlternateContent xmlns:mc="http://schemas.openxmlformats.org/markup-compatibility/2006" xmlns:a14="http://schemas.microsoft.com/office/drawing/2010/main">
+        <mc:Choice Requires="a14">
           <p:sp>
             <p:nvSpPr>
               <p:cNvPr id="22" name="Textfeld 21">
@@ -34812,6 +34136,7 @@
               </a:bodyPr>
               <a:lstStyle/>
               <a:p>
+                <a:pPr/>
                 <a14:m>
                   <m:oMathPara xmlns:m="http://schemas.openxmlformats.org/officeDocument/2006/math">
                     <m:oMathParaPr>
@@ -34882,7 +34207,7 @@
             </p:txBody>
           </p:sp>
         </mc:Choice>
-        <mc:Fallback>
+        <mc:Fallback xmlns="">
           <p:sp>
             <p:nvSpPr>
               <p:cNvPr id="22" name="Textfeld 21">
@@ -34927,8 +34252,8 @@
           </p:sp>
         </mc:Fallback>
       </mc:AlternateContent>
-      <mc:AlternateContent xmlns:mc="http://schemas.openxmlformats.org/markup-compatibility/2006">
-        <mc:Choice xmlns:a14="http://schemas.microsoft.com/office/drawing/2010/main" Requires="a14">
+      <mc:AlternateContent xmlns:mc="http://schemas.openxmlformats.org/markup-compatibility/2006" xmlns:a14="http://schemas.microsoft.com/office/drawing/2010/main">
+        <mc:Choice Requires="a14">
           <p:sp>
             <p:nvSpPr>
               <p:cNvPr id="74" name="Textfeld 73">
@@ -34957,6 +34282,7 @@
               </a:bodyPr>
               <a:lstStyle/>
               <a:p>
+                <a:pPr/>
                 <a14:m>
                   <m:oMathPara xmlns:m="http://schemas.openxmlformats.org/officeDocument/2006/math">
                     <m:oMathParaPr>
@@ -34977,7 +34303,7 @@
             </p:txBody>
           </p:sp>
         </mc:Choice>
-        <mc:Fallback>
+        <mc:Fallback xmlns="">
           <p:sp>
             <p:nvSpPr>
               <p:cNvPr id="74" name="Textfeld 73">
@@ -35092,8 +34418,8 @@
           </a:p>
         </p:txBody>
       </p:sp>
-      <mc:AlternateContent xmlns:mc="http://schemas.openxmlformats.org/markup-compatibility/2006">
-        <mc:Choice xmlns:a14="http://schemas.microsoft.com/office/drawing/2010/main" Requires="a14">
+      <mc:AlternateContent xmlns:mc="http://schemas.openxmlformats.org/markup-compatibility/2006" xmlns:a14="http://schemas.microsoft.com/office/drawing/2010/main">
+        <mc:Choice Requires="a14">
           <p:sp>
             <p:nvSpPr>
               <p:cNvPr id="78" name="Textfeld 77">
@@ -35122,6 +34448,7 @@
               </a:bodyPr>
               <a:lstStyle/>
               <a:p>
+                <a:pPr/>
                 <a14:m>
                   <m:oMathPara xmlns:m="http://schemas.openxmlformats.org/officeDocument/2006/math">
                     <m:oMathParaPr>
@@ -35160,7 +34487,7 @@
             </p:txBody>
           </p:sp>
         </mc:Choice>
-        <mc:Fallback>
+        <mc:Fallback xmlns="">
           <p:sp>
             <p:nvSpPr>
               <p:cNvPr id="78" name="Textfeld 77">
@@ -35246,8 +34573,8 @@
           </a:fontRef>
         </p:style>
       </p:cxnSp>
-      <mc:AlternateContent xmlns:mc="http://schemas.openxmlformats.org/markup-compatibility/2006">
-        <mc:Choice xmlns:a14="http://schemas.microsoft.com/office/drawing/2010/main" Requires="a14">
+      <mc:AlternateContent xmlns:mc="http://schemas.openxmlformats.org/markup-compatibility/2006" xmlns:a14="http://schemas.microsoft.com/office/drawing/2010/main">
+        <mc:Choice Requires="a14">
           <p:sp>
             <p:nvSpPr>
               <p:cNvPr id="84" name="Textfeld 83">
@@ -35315,7 +34642,7 @@
             </p:txBody>
           </p:sp>
         </mc:Choice>
-        <mc:Fallback>
+        <mc:Fallback xmlns="">
           <p:sp>
             <p:nvSpPr>
               <p:cNvPr id="84" name="Textfeld 83">
@@ -35438,8 +34765,8 @@
           </a:fontRef>
         </p:style>
       </p:cxnSp>
-      <mc:AlternateContent xmlns:mc="http://schemas.openxmlformats.org/markup-compatibility/2006">
-        <mc:Choice xmlns:a14="http://schemas.microsoft.com/office/drawing/2010/main" Requires="a14">
+      <mc:AlternateContent xmlns:mc="http://schemas.openxmlformats.org/markup-compatibility/2006" xmlns:a14="http://schemas.microsoft.com/office/drawing/2010/main">
+        <mc:Choice Requires="a14">
           <p:sp>
             <p:nvSpPr>
               <p:cNvPr id="91" name="Textfeld 90">
@@ -35468,6 +34795,7 @@
               </a:bodyPr>
               <a:lstStyle/>
               <a:p>
+                <a:pPr/>
                 <a14:m>
                   <m:oMathPara xmlns:m="http://schemas.openxmlformats.org/officeDocument/2006/math">
                     <m:oMathParaPr>
@@ -35522,7 +34850,7 @@
             </p:txBody>
           </p:sp>
         </mc:Choice>
-        <mc:Fallback>
+        <mc:Fallback xmlns="">
           <p:sp>
             <p:nvSpPr>
               <p:cNvPr id="91" name="Textfeld 90">
@@ -35567,8 +34895,8 @@
           </p:sp>
         </mc:Fallback>
       </mc:AlternateContent>
-      <mc:AlternateContent xmlns:mc="http://schemas.openxmlformats.org/markup-compatibility/2006">
-        <mc:Choice xmlns:a14="http://schemas.microsoft.com/office/drawing/2010/main" Requires="a14">
+      <mc:AlternateContent xmlns:mc="http://schemas.openxmlformats.org/markup-compatibility/2006" xmlns:a14="http://schemas.microsoft.com/office/drawing/2010/main">
+        <mc:Choice Requires="a14">
           <p:sp>
             <p:nvSpPr>
               <p:cNvPr id="92" name="Textfeld 91">
@@ -35597,6 +34925,7 @@
               </a:bodyPr>
               <a:lstStyle/>
               <a:p>
+                <a:pPr/>
                 <a14:m>
                   <m:oMathPara xmlns:m="http://schemas.openxmlformats.org/officeDocument/2006/math">
                     <m:oMathParaPr>
@@ -35651,7 +34980,7 @@
             </p:txBody>
           </p:sp>
         </mc:Choice>
-        <mc:Fallback>
+        <mc:Fallback xmlns="">
           <p:sp>
             <p:nvSpPr>
               <p:cNvPr id="92" name="Textfeld 91">
@@ -35998,8 +35327,8 @@
           </a:fontRef>
         </p:style>
       </p:cxnSp>
-      <mc:AlternateContent xmlns:mc="http://schemas.openxmlformats.org/markup-compatibility/2006">
-        <mc:Choice xmlns:a14="http://schemas.microsoft.com/office/drawing/2010/main" Requires="a14">
+      <mc:AlternateContent xmlns:mc="http://schemas.openxmlformats.org/markup-compatibility/2006" xmlns:a14="http://schemas.microsoft.com/office/drawing/2010/main">
+        <mc:Choice Requires="a14">
           <p:sp>
             <p:nvSpPr>
               <p:cNvPr id="117" name="Textfeld 116">
@@ -36028,6 +35357,7 @@
               </a:bodyPr>
               <a:lstStyle/>
               <a:p>
+                <a:pPr/>
                 <a14:m>
                   <m:oMathPara xmlns:m="http://schemas.openxmlformats.org/officeDocument/2006/math">
                     <m:oMathParaPr>
@@ -36100,7 +35430,7 @@
             </p:txBody>
           </p:sp>
         </mc:Choice>
-        <mc:Fallback>
+        <mc:Fallback xmlns="">
           <p:sp>
             <p:nvSpPr>
               <p:cNvPr id="117" name="Textfeld 116">
@@ -36145,8 +35475,8 @@
           </p:sp>
         </mc:Fallback>
       </mc:AlternateContent>
-      <mc:AlternateContent xmlns:mc="http://schemas.openxmlformats.org/markup-compatibility/2006">
-        <mc:Choice xmlns:a14="http://schemas.microsoft.com/office/drawing/2010/main" Requires="a14">
+      <mc:AlternateContent xmlns:mc="http://schemas.openxmlformats.org/markup-compatibility/2006" xmlns:a14="http://schemas.microsoft.com/office/drawing/2010/main">
+        <mc:Choice Requires="a14">
           <p:sp>
             <p:nvSpPr>
               <p:cNvPr id="118" name="Textfeld 117">
@@ -36175,6 +35505,7 @@
               </a:bodyPr>
               <a:lstStyle/>
               <a:p>
+                <a:pPr/>
                 <a14:m>
                   <m:oMathPara xmlns:m="http://schemas.openxmlformats.org/officeDocument/2006/math">
                     <m:oMathParaPr>
@@ -36247,7 +35578,7 @@
             </p:txBody>
           </p:sp>
         </mc:Choice>
-        <mc:Fallback>
+        <mc:Fallback xmlns="">
           <p:sp>
             <p:nvSpPr>
               <p:cNvPr id="118" name="Textfeld 117">
@@ -36336,8 +35667,8 @@
           </a:fontRef>
         </p:style>
       </p:cxnSp>
-      <mc:AlternateContent xmlns:mc="http://schemas.openxmlformats.org/markup-compatibility/2006">
-        <mc:Choice xmlns:a14="http://schemas.microsoft.com/office/drawing/2010/main" Requires="a14">
+      <mc:AlternateContent xmlns:mc="http://schemas.openxmlformats.org/markup-compatibility/2006" xmlns:a14="http://schemas.microsoft.com/office/drawing/2010/main">
+        <mc:Choice Requires="a14">
           <p:sp>
             <p:nvSpPr>
               <p:cNvPr id="128" name="Textfeld 127">
@@ -36366,6 +35697,7 @@
               </a:bodyPr>
               <a:lstStyle/>
               <a:p>
+                <a:pPr/>
                 <a14:m>
                   <m:oMathPara xmlns:m="http://schemas.openxmlformats.org/officeDocument/2006/math">
                     <m:oMathParaPr>
@@ -36463,7 +35795,7 @@
             </p:txBody>
           </p:sp>
         </mc:Choice>
-        <mc:Fallback>
+        <mc:Fallback xmlns="">
           <p:sp>
             <p:nvSpPr>
               <p:cNvPr id="128" name="Textfeld 127">
@@ -36508,8 +35840,8 @@
           </p:sp>
         </mc:Fallback>
       </mc:AlternateContent>
-      <mc:AlternateContent xmlns:mc="http://schemas.openxmlformats.org/markup-compatibility/2006">
-        <mc:Choice xmlns:a14="http://schemas.microsoft.com/office/drawing/2010/main" Requires="a14">
+      <mc:AlternateContent xmlns:mc="http://schemas.openxmlformats.org/markup-compatibility/2006" xmlns:a14="http://schemas.microsoft.com/office/drawing/2010/main">
+        <mc:Choice Requires="a14">
           <p:sp>
             <p:nvSpPr>
               <p:cNvPr id="129" name="Textfeld 128">
@@ -36538,6 +35870,7 @@
               </a:bodyPr>
               <a:lstStyle/>
               <a:p>
+                <a:pPr/>
                 <a14:m>
                   <m:oMathPara xmlns:m="http://schemas.openxmlformats.org/officeDocument/2006/math">
                     <m:oMathParaPr>
@@ -36633,7 +35966,7 @@
             </p:txBody>
           </p:sp>
         </mc:Choice>
-        <mc:Fallback>
+        <mc:Fallback xmlns="">
           <p:sp>
             <p:nvSpPr>
               <p:cNvPr id="129" name="Textfeld 128">
@@ -37075,26 +36408,35 @@
                                   </p:childTnLst>
                                 </p:cTn>
                               </p:par>
-                            </p:childTnLst>
-                          </p:cTn>
-                        </p:par>
-                      </p:childTnLst>
-                    </p:cTn>
-                  </p:par>
-                  <p:par>
-                    <p:cTn id="29" fill="hold">
-                      <p:stCondLst>
-                        <p:cond delay="indefinite"/>
-                      </p:stCondLst>
-                      <p:childTnLst>
-                        <p:par>
-                          <p:cTn id="30" fill="hold">
-                            <p:stCondLst>
-                              <p:cond delay="0"/>
-                            </p:stCondLst>
-                            <p:childTnLst>
                               <p:par>
-                                <p:cTn id="31" presetID="1" presetClass="entr" presetSubtype="0" fill="hold" nodeType="clickEffect">
+                                <p:cTn id="29" presetID="1" presetClass="entr" presetSubtype="0" fill="hold" grpId="0" nodeType="withEffect">
+                                  <p:stCondLst>
+                                    <p:cond delay="0"/>
+                                  </p:stCondLst>
+                                  <p:childTnLst>
+                                    <p:set>
+                                      <p:cBhvr>
+                                        <p:cTn id="30" dur="1" fill="hold">
+                                          <p:stCondLst>
+                                            <p:cond delay="0"/>
+                                          </p:stCondLst>
+                                        </p:cTn>
+                                        <p:tgtEl>
+                                          <p:spTgt spid="93"/>
+                                        </p:tgtEl>
+                                        <p:attrNameLst>
+                                          <p:attrName>style.visibility</p:attrName>
+                                        </p:attrNameLst>
+                                      </p:cBhvr>
+                                      <p:to>
+                                        <p:strVal val="visible"/>
+                                      </p:to>
+                                    </p:set>
+                                  </p:childTnLst>
+                                </p:cTn>
+                              </p:par>
+                              <p:par>
+                                <p:cTn id="31" presetID="1" presetClass="entr" presetSubtype="0" fill="hold" grpId="0" nodeType="withEffect">
                                   <p:stCondLst>
                                     <p:cond delay="0"/>
                                   </p:stCondLst>
@@ -37107,11 +36449,7 @@
                                           </p:stCondLst>
                                         </p:cTn>
                                         <p:tgtEl>
-                                          <p:spTgt spid="3">
-                                            <p:txEl>
-                                              <p:pRg st="3" end="3"/>
-                                            </p:txEl>
-                                          </p:spTgt>
+                                          <p:spTgt spid="91"/>
                                         </p:tgtEl>
                                         <p:attrNameLst>
                                           <p:attrName>style.visibility</p:attrName>
@@ -37138,6 +36476,82 @@
                                           </p:stCondLst>
                                         </p:cTn>
                                         <p:tgtEl>
+                                          <p:spTgt spid="86"/>
+                                        </p:tgtEl>
+                                        <p:attrNameLst>
+                                          <p:attrName>style.visibility</p:attrName>
+                                        </p:attrNameLst>
+                                      </p:cBhvr>
+                                      <p:to>
+                                        <p:strVal val="visible"/>
+                                      </p:to>
+                                    </p:set>
+                                  </p:childTnLst>
+                                </p:cTn>
+                              </p:par>
+                            </p:childTnLst>
+                          </p:cTn>
+                        </p:par>
+                      </p:childTnLst>
+                    </p:cTn>
+                  </p:par>
+                  <p:par>
+                    <p:cTn id="35" fill="hold">
+                      <p:stCondLst>
+                        <p:cond delay="indefinite"/>
+                      </p:stCondLst>
+                      <p:childTnLst>
+                        <p:par>
+                          <p:cTn id="36" fill="hold">
+                            <p:stCondLst>
+                              <p:cond delay="0"/>
+                            </p:stCondLst>
+                            <p:childTnLst>
+                              <p:par>
+                                <p:cTn id="37" presetID="1" presetClass="entr" presetSubtype="0" fill="hold" nodeType="clickEffect">
+                                  <p:stCondLst>
+                                    <p:cond delay="0"/>
+                                  </p:stCondLst>
+                                  <p:childTnLst>
+                                    <p:set>
+                                      <p:cBhvr>
+                                        <p:cTn id="38" dur="1" fill="hold">
+                                          <p:stCondLst>
+                                            <p:cond delay="0"/>
+                                          </p:stCondLst>
+                                        </p:cTn>
+                                        <p:tgtEl>
+                                          <p:spTgt spid="3">
+                                            <p:txEl>
+                                              <p:pRg st="3" end="3"/>
+                                            </p:txEl>
+                                          </p:spTgt>
+                                        </p:tgtEl>
+                                        <p:attrNameLst>
+                                          <p:attrName>style.visibility</p:attrName>
+                                        </p:attrNameLst>
+                                      </p:cBhvr>
+                                      <p:to>
+                                        <p:strVal val="visible"/>
+                                      </p:to>
+                                    </p:set>
+                                  </p:childTnLst>
+                                </p:cTn>
+                              </p:par>
+                              <p:par>
+                                <p:cTn id="39" presetID="1" presetClass="entr" presetSubtype="0" fill="hold" nodeType="withEffect">
+                                  <p:stCondLst>
+                                    <p:cond delay="0"/>
+                                  </p:stCondLst>
+                                  <p:childTnLst>
+                                    <p:set>
+                                      <p:cBhvr>
+                                        <p:cTn id="40" dur="1" fill="hold">
+                                          <p:stCondLst>
+                                            <p:cond delay="0"/>
+                                          </p:stCondLst>
+                                        </p:cTn>
+                                        <p:tgtEl>
                                           <p:spTgt spid="3">
                                             <p:txEl>
                                               <p:pRg st="4" end="4"/>
@@ -37156,14 +36570,14 @@
                                 </p:cTn>
                               </p:par>
                               <p:par>
-                                <p:cTn id="35" presetID="1" presetClass="entr" presetSubtype="0" fill="hold" grpId="0" nodeType="withEffect">
+                                <p:cTn id="41" presetID="1" presetClass="entr" presetSubtype="0" fill="hold" grpId="0" nodeType="withEffect">
                                   <p:stCondLst>
                                     <p:cond delay="0"/>
                                   </p:stCondLst>
                                   <p:childTnLst>
                                     <p:set>
                                       <p:cBhvr>
-                                        <p:cTn id="36" dur="1" fill="hold">
+                                        <p:cTn id="42" dur="1" fill="hold">
                                           <p:stCondLst>
                                             <p:cond delay="0"/>
                                           </p:stCondLst>
@@ -37183,14 +36597,14 @@
                                 </p:cTn>
                               </p:par>
                               <p:par>
-                                <p:cTn id="37" presetID="1" presetClass="entr" presetSubtype="0" fill="hold" grpId="0" nodeType="withEffect">
+                                <p:cTn id="43" presetID="1" presetClass="entr" presetSubtype="0" fill="hold" grpId="0" nodeType="withEffect">
                                   <p:stCondLst>
                                     <p:cond delay="0"/>
                                   </p:stCondLst>
                                   <p:childTnLst>
                                     <p:set>
                                       <p:cBhvr>
-                                        <p:cTn id="38" dur="1" fill="hold">
+                                        <p:cTn id="44" dur="1" fill="hold">
                                           <p:stCondLst>
                                             <p:cond delay="0"/>
                                           </p:stCondLst>
@@ -37210,88 +36624,7 @@
                                 </p:cTn>
                               </p:par>
                               <p:par>
-                                <p:cTn id="39" presetID="1" presetClass="entr" presetSubtype="0" fill="hold" grpId="0" nodeType="withEffect">
-                                  <p:stCondLst>
-                                    <p:cond delay="0"/>
-                                  </p:stCondLst>
-                                  <p:childTnLst>
-                                    <p:set>
-                                      <p:cBhvr>
-                                        <p:cTn id="40" dur="1" fill="hold">
-                                          <p:stCondLst>
-                                            <p:cond delay="0"/>
-                                          </p:stCondLst>
-                                        </p:cTn>
-                                        <p:tgtEl>
-                                          <p:spTgt spid="78"/>
-                                        </p:tgtEl>
-                                        <p:attrNameLst>
-                                          <p:attrName>style.visibility</p:attrName>
-                                        </p:attrNameLst>
-                                      </p:cBhvr>
-                                      <p:to>
-                                        <p:strVal val="visible"/>
-                                      </p:to>
-                                    </p:set>
-                                  </p:childTnLst>
-                                </p:cTn>
-                              </p:par>
-                              <p:par>
-                                <p:cTn id="41" presetID="1" presetClass="entr" presetSubtype="0" fill="hold" nodeType="withEffect">
-                                  <p:stCondLst>
-                                    <p:cond delay="0"/>
-                                  </p:stCondLst>
-                                  <p:childTnLst>
-                                    <p:set>
-                                      <p:cBhvr>
-                                        <p:cTn id="42" dur="1" fill="hold">
-                                          <p:stCondLst>
-                                            <p:cond delay="0"/>
-                                          </p:stCondLst>
-                                        </p:cTn>
-                                        <p:tgtEl>
-                                          <p:spTgt spid="82"/>
-                                        </p:tgtEl>
-                                        <p:attrNameLst>
-                                          <p:attrName>style.visibility</p:attrName>
-                                        </p:attrNameLst>
-                                      </p:cBhvr>
-                                      <p:to>
-                                        <p:strVal val="visible"/>
-                                      </p:to>
-                                    </p:set>
-                                  </p:childTnLst>
-                                </p:cTn>
-                              </p:par>
-                              <p:par>
-                                <p:cTn id="43" presetID="1" presetClass="entr" presetSubtype="0" fill="hold" nodeType="withEffect">
-                                  <p:stCondLst>
-                                    <p:cond delay="0"/>
-                                  </p:stCondLst>
-                                  <p:childTnLst>
-                                    <p:set>
-                                      <p:cBhvr>
-                                        <p:cTn id="44" dur="1" fill="hold">
-                                          <p:stCondLst>
-                                            <p:cond delay="0"/>
-                                          </p:stCondLst>
-                                        </p:cTn>
-                                        <p:tgtEl>
-                                          <p:spTgt spid="60"/>
-                                        </p:tgtEl>
-                                        <p:attrNameLst>
-                                          <p:attrName>style.visibility</p:attrName>
-                                        </p:attrNameLst>
-                                      </p:cBhvr>
-                                      <p:to>
-                                        <p:strVal val="visible"/>
-                                      </p:to>
-                                    </p:set>
-                                  </p:childTnLst>
-                                </p:cTn>
-                              </p:par>
-                              <p:par>
-                                <p:cTn id="45" presetID="1" presetClass="entr" presetSubtype="0" fill="hold" nodeType="withEffect">
+                                <p:cTn id="45" presetID="1" presetClass="entr" presetSubtype="0" fill="hold" grpId="0" nodeType="withEffect">
                                   <p:stCondLst>
                                     <p:cond delay="0"/>
                                   </p:stCondLst>
@@ -37304,7 +36637,7 @@
                                           </p:stCondLst>
                                         </p:cTn>
                                         <p:tgtEl>
-                                          <p:spTgt spid="63"/>
+                                          <p:spTgt spid="78"/>
                                         </p:tgtEl>
                                         <p:attrNameLst>
                                           <p:attrName>style.visibility</p:attrName>
@@ -37331,7 +36664,7 @@
                                           </p:stCondLst>
                                         </p:cTn>
                                         <p:tgtEl>
-                                          <p:spTgt spid="64"/>
+                                          <p:spTgt spid="82"/>
                                         </p:tgtEl>
                                         <p:attrNameLst>
                                           <p:attrName>style.visibility</p:attrName>
@@ -37358,7 +36691,7 @@
                                           </p:stCondLst>
                                         </p:cTn>
                                         <p:tgtEl>
-                                          <p:spTgt spid="65"/>
+                                          <p:spTgt spid="60"/>
                                         </p:tgtEl>
                                         <p:attrNameLst>
                                           <p:attrName>style.visibility</p:attrName>
@@ -37385,7 +36718,7 @@
                                           </p:stCondLst>
                                         </p:cTn>
                                         <p:tgtEl>
-                                          <p:spTgt spid="66"/>
+                                          <p:spTgt spid="63"/>
                                         </p:tgtEl>
                                         <p:attrNameLst>
                                           <p:attrName>style.visibility</p:attrName>
@@ -37399,7 +36732,7 @@
                                 </p:cTn>
                               </p:par>
                               <p:par>
-                                <p:cTn id="53" presetID="1" presetClass="entr" presetSubtype="0" fill="hold" grpId="0" nodeType="withEffect">
+                                <p:cTn id="53" presetID="1" presetClass="entr" presetSubtype="0" fill="hold" nodeType="withEffect">
                                   <p:stCondLst>
                                     <p:cond delay="0"/>
                                   </p:stCondLst>
@@ -37412,7 +36745,7 @@
                                           </p:stCondLst>
                                         </p:cTn>
                                         <p:tgtEl>
-                                          <p:spTgt spid="58"/>
+                                          <p:spTgt spid="64"/>
                                         </p:tgtEl>
                                         <p:attrNameLst>
                                           <p:attrName>style.visibility</p:attrName>
@@ -37439,7 +36772,7 @@
                                           </p:stCondLst>
                                         </p:cTn>
                                         <p:tgtEl>
-                                          <p:spTgt spid="67"/>
+                                          <p:spTgt spid="65"/>
                                         </p:tgtEl>
                                         <p:attrNameLst>
                                           <p:attrName>style.visibility</p:attrName>
@@ -37466,7 +36799,7 @@
                                           </p:stCondLst>
                                         </p:cTn>
                                         <p:tgtEl>
-                                          <p:spTgt spid="68"/>
+                                          <p:spTgt spid="66"/>
                                         </p:tgtEl>
                                         <p:attrNameLst>
                                           <p:attrName>style.visibility</p:attrName>
@@ -37493,7 +36826,7 @@
                                           </p:stCondLst>
                                         </p:cTn>
                                         <p:tgtEl>
-                                          <p:spTgt spid="59"/>
+                                          <p:spTgt spid="58"/>
                                         </p:tgtEl>
                                         <p:attrNameLst>
                                           <p:attrName>style.visibility</p:attrName>
@@ -37520,7 +36853,7 @@
                                           </p:stCondLst>
                                         </p:cTn>
                                         <p:tgtEl>
-                                          <p:spTgt spid="61"/>
+                                          <p:spTgt spid="67"/>
                                         </p:tgtEl>
                                         <p:attrNameLst>
                                           <p:attrName>style.visibility</p:attrName>
@@ -37547,7 +36880,7 @@
                                           </p:stCondLst>
                                         </p:cTn>
                                         <p:tgtEl>
-                                          <p:spTgt spid="62"/>
+                                          <p:spTgt spid="68"/>
                                         </p:tgtEl>
                                         <p:attrNameLst>
                                           <p:attrName>style.visibility</p:attrName>
@@ -37574,7 +36907,7 @@
                                           </p:stCondLst>
                                         </p:cTn>
                                         <p:tgtEl>
-                                          <p:spTgt spid="84"/>
+                                          <p:spTgt spid="59"/>
                                         </p:tgtEl>
                                         <p:attrNameLst>
                                           <p:attrName>style.visibility</p:attrName>
@@ -37587,26 +36920,35 @@
                                   </p:childTnLst>
                                 </p:cTn>
                               </p:par>
-                            </p:childTnLst>
-                          </p:cTn>
-                        </p:par>
-                      </p:childTnLst>
-                    </p:cTn>
-                  </p:par>
-                  <p:par>
-                    <p:cTn id="67" fill="hold">
-                      <p:stCondLst>
-                        <p:cond delay="indefinite"/>
-                      </p:stCondLst>
-                      <p:childTnLst>
-                        <p:par>
-                          <p:cTn id="68" fill="hold">
-                            <p:stCondLst>
-                              <p:cond delay="0"/>
-                            </p:stCondLst>
-                            <p:childTnLst>
                               <p:par>
-                                <p:cTn id="69" presetID="1" presetClass="entr" presetSubtype="0" fill="hold" nodeType="clickEffect">
+                                <p:cTn id="67" presetID="1" presetClass="entr" presetSubtype="0" fill="hold" nodeType="withEffect">
+                                  <p:stCondLst>
+                                    <p:cond delay="0"/>
+                                  </p:stCondLst>
+                                  <p:childTnLst>
+                                    <p:set>
+                                      <p:cBhvr>
+                                        <p:cTn id="68" dur="1" fill="hold">
+                                          <p:stCondLst>
+                                            <p:cond delay="0"/>
+                                          </p:stCondLst>
+                                        </p:cTn>
+                                        <p:tgtEl>
+                                          <p:spTgt spid="61"/>
+                                        </p:tgtEl>
+                                        <p:attrNameLst>
+                                          <p:attrName>style.visibility</p:attrName>
+                                        </p:attrNameLst>
+                                      </p:cBhvr>
+                                      <p:to>
+                                        <p:strVal val="visible"/>
+                                      </p:to>
+                                    </p:set>
+                                  </p:childTnLst>
+                                </p:cTn>
+                              </p:par>
+                              <p:par>
+                                <p:cTn id="69" presetID="1" presetClass="entr" presetSubtype="0" fill="hold" nodeType="withEffect">
                                   <p:stCondLst>
                                     <p:cond delay="0"/>
                                   </p:stCondLst>
@@ -37619,11 +36961,7 @@
                                           </p:stCondLst>
                                         </p:cTn>
                                         <p:tgtEl>
-                                          <p:spTgt spid="3">
-                                            <p:txEl>
-                                              <p:pRg st="5" end="5"/>
-                                            </p:txEl>
-                                          </p:spTgt>
+                                          <p:spTgt spid="62"/>
                                         </p:tgtEl>
                                         <p:attrNameLst>
                                           <p:attrName>style.visibility</p:attrName>
@@ -37650,7 +36988,7 @@
                                           </p:stCondLst>
                                         </p:cTn>
                                         <p:tgtEl>
-                                          <p:spTgt spid="93"/>
+                                          <p:spTgt spid="84"/>
                                         </p:tgtEl>
                                         <p:attrNameLst>
                                           <p:attrName>style.visibility</p:attrName>
@@ -37663,35 +37001,26 @@
                                   </p:childTnLst>
                                 </p:cTn>
                               </p:par>
+                            </p:childTnLst>
+                          </p:cTn>
+                        </p:par>
+                      </p:childTnLst>
+                    </p:cTn>
+                  </p:par>
+                  <p:par>
+                    <p:cTn id="73" fill="hold">
+                      <p:stCondLst>
+                        <p:cond delay="indefinite"/>
+                      </p:stCondLst>
+                      <p:childTnLst>
+                        <p:par>
+                          <p:cTn id="74" fill="hold">
+                            <p:stCondLst>
+                              <p:cond delay="0"/>
+                            </p:stCondLst>
+                            <p:childTnLst>
                               <p:par>
-                                <p:cTn id="73" presetID="1" presetClass="entr" presetSubtype="0" fill="hold" grpId="0" nodeType="withEffect">
-                                  <p:stCondLst>
-                                    <p:cond delay="0"/>
-                                  </p:stCondLst>
-                                  <p:childTnLst>
-                                    <p:set>
-                                      <p:cBhvr>
-                                        <p:cTn id="74" dur="1" fill="hold">
-                                          <p:stCondLst>
-                                            <p:cond delay="0"/>
-                                          </p:stCondLst>
-                                        </p:cTn>
-                                        <p:tgtEl>
-                                          <p:spTgt spid="91"/>
-                                        </p:tgtEl>
-                                        <p:attrNameLst>
-                                          <p:attrName>style.visibility</p:attrName>
-                                        </p:attrNameLst>
-                                      </p:cBhvr>
-                                      <p:to>
-                                        <p:strVal val="visible"/>
-                                      </p:to>
-                                    </p:set>
-                                  </p:childTnLst>
-                                </p:cTn>
-                              </p:par>
-                              <p:par>
-                                <p:cTn id="75" presetID="1" presetClass="entr" presetSubtype="0" fill="hold" nodeType="withEffect">
+                                <p:cTn id="75" presetID="1" presetClass="entr" presetSubtype="0" fill="hold" nodeType="clickEffect">
                                   <p:stCondLst>
                                     <p:cond delay="0"/>
                                   </p:stCondLst>
@@ -37704,7 +37033,11 @@
                                           </p:stCondLst>
                                         </p:cTn>
                                         <p:tgtEl>
-                                          <p:spTgt spid="86"/>
+                                          <p:spTgt spid="3">
+                                            <p:txEl>
+                                              <p:pRg st="5" end="5"/>
+                                            </p:txEl>
+                                          </p:spTgt>
                                         </p:tgtEl>
                                         <p:attrNameLst>
                                           <p:attrName>style.visibility</p:attrName>
@@ -38272,7 +37605,7 @@
           <p:nvPr/>
         </p:nvPicPr>
         <p:blipFill>
-          <a:blip r:embed="rId2">
+          <a:blip r:embed="rId3">
             <a:extLst>
               <a:ext uri="{28A0092B-C50C-407E-A947-70E740481C1C}">
                 <a14:useLocalDpi xmlns:a14="http://schemas.microsoft.com/office/drawing/2010/main" val="0"/>
@@ -38873,60 +38206,8 @@
                   </a:buClr>
                 </a:pPr>
                 <a:r>
-                  <a:rPr lang="de-CH" sz="2000" dirty="0" err="1"/>
-                  <a:t>resetting</a:t>
-                </a:r>
-                <a:r>
                   <a:rPr lang="de-CH" sz="2000" dirty="0"/>
-                  <a:t> </a:t>
-                </a:r>
-                <a:r>
-                  <a:rPr lang="de-CH" sz="2000" dirty="0" err="1"/>
-                  <a:t>the</a:t>
-                </a:r>
-                <a:r>
-                  <a:rPr lang="de-CH" sz="2000" dirty="0"/>
-                  <a:t> </a:t>
-                </a:r>
-                <a:r>
-                  <a:rPr lang="de-CH" sz="2000" dirty="0" err="1"/>
-                  <a:t>hash</a:t>
-                </a:r>
-                <a:r>
-                  <a:rPr lang="de-CH" sz="2000" dirty="0"/>
-                  <a:t> </a:t>
-                </a:r>
-                <a:r>
-                  <a:rPr lang="de-CH" sz="2000" dirty="0" err="1"/>
-                  <a:t>table</a:t>
-                </a:r>
-                <a:r>
-                  <a:rPr lang="de-CH" sz="2000" dirty="0"/>
-                  <a:t> </a:t>
-                </a:r>
-                <a:r>
-                  <a:rPr lang="de-CH" sz="2000" dirty="0" err="1"/>
-                  <a:t>corresponds</a:t>
-                </a:r>
-                <a:r>
-                  <a:rPr lang="de-CH" sz="2000" dirty="0"/>
-                  <a:t> </a:t>
-                </a:r>
-                <a:r>
-                  <a:rPr lang="de-CH" sz="2000" dirty="0" err="1"/>
-                  <a:t>to</a:t>
-                </a:r>
-                <a:r>
-                  <a:rPr lang="de-CH" sz="2000" dirty="0"/>
-                  <a:t> </a:t>
-                </a:r>
-                <a:r>
-                  <a:rPr lang="de-CH" sz="2000" dirty="0" err="1">
-                    <a:solidFill>
-                      <a:srgbClr val="FF0000"/>
-                    </a:solidFill>
-                  </a:rPr>
-                  <a:t>losing</a:t>
+                  <a:t>resetting the hash table corresponds to </a:t>
                 </a:r>
                 <a:r>
                   <a:rPr lang="de-CH" sz="2000" dirty="0">
@@ -38934,23 +38215,7 @@
                       <a:srgbClr val="FF0000"/>
                     </a:solidFill>
                   </a:rPr>
-                  <a:t> </a:t>
-                </a:r>
-                <a:r>
-                  <a:rPr lang="de-CH" sz="2000" dirty="0" err="1">
-                    <a:solidFill>
-                      <a:srgbClr val="FF0000"/>
-                    </a:solidFill>
-                  </a:rPr>
-                  <a:t>one</a:t>
-                </a:r>
-                <a:r>
-                  <a:rPr lang="de-CH" sz="2000" dirty="0">
-                    <a:solidFill>
-                      <a:srgbClr val="FF0000"/>
-                    </a:solidFill>
-                  </a:rPr>
-                  <a:t> report</a:t>
+                  <a:t>losing one report</a:t>
                 </a:r>
                 <a:r>
                   <a:rPr lang="de-CH" sz="2000" dirty="0"/>
@@ -39045,7 +38310,7 @@
                 <a:ext cx="7602415" cy="5504772"/>
               </a:xfrm>
               <a:blipFill>
-                <a:blip r:embed="rId3"/>
+                <a:blip r:embed="rId4"/>
                 <a:stretch>
                   <a:fillRect l="-1043" t="-1440"/>
                 </a:stretch>
@@ -39056,7 +38321,7 @@
               <a:lstStyle/>
               <a:p>
                 <a:r>
-                  <a:rPr lang="en-US">
+                  <a:rPr lang="en-CH">
                     <a:noFill/>
                   </a:rPr>
                   <a:t> </a:t>

--- a/presentation/herding_the_elephants_advnet.pptx
+++ b/presentation/herding_the_elephants_advnet.pptx
@@ -5,7 +5,7 @@
     <p:sldMasterId id="2147483648" r:id="rId1"/>
   </p:sldMasterIdLst>
   <p:notesMasterIdLst>
-    <p:notesMasterId r:id="rId23"/>
+    <p:notesMasterId r:id="rId22"/>
   </p:notesMasterIdLst>
   <p:sldIdLst>
     <p:sldId id="256" r:id="rId2"/>
@@ -17,18 +17,17 @@
     <p:sldId id="269" r:id="rId8"/>
     <p:sldId id="274" r:id="rId9"/>
     <p:sldId id="261" r:id="rId10"/>
-    <p:sldId id="275" r:id="rId11"/>
-    <p:sldId id="259" r:id="rId12"/>
+    <p:sldId id="259" r:id="rId11"/>
+    <p:sldId id="285" r:id="rId12"/>
     <p:sldId id="270" r:id="rId13"/>
     <p:sldId id="265" r:id="rId14"/>
-    <p:sldId id="278" r:id="rId15"/>
-    <p:sldId id="277" r:id="rId16"/>
-    <p:sldId id="276" r:id="rId17"/>
-    <p:sldId id="279" r:id="rId18"/>
-    <p:sldId id="281" r:id="rId19"/>
-    <p:sldId id="282" r:id="rId20"/>
-    <p:sldId id="283" r:id="rId21"/>
-    <p:sldId id="284" r:id="rId22"/>
+    <p:sldId id="277" r:id="rId15"/>
+    <p:sldId id="276" r:id="rId16"/>
+    <p:sldId id="279" r:id="rId17"/>
+    <p:sldId id="281" r:id="rId18"/>
+    <p:sldId id="282" r:id="rId19"/>
+    <p:sldId id="283" r:id="rId20"/>
+    <p:sldId id="284" r:id="rId21"/>
   </p:sldIdLst>
   <p:sldSz cx="12192000" cy="6858000"/>
   <p:notesSz cx="6858000" cy="9144000"/>
@@ -529,6 +528,12 @@
           <a:bodyPr/>
           <a:lstStyle/>
           <a:p>
+            <a:r>
+              <a:rPr lang="de-CH" dirty="0">
+                <a:sym typeface="Wingdings" panose="05000000000000000000" pitchFamily="2" charset="2"/>
+              </a:rPr>
+              <a:t>EndYannick</a:t>
+            </a:r>
             <a:endParaRPr lang="en-CH" dirty="0"/>
           </a:p>
         </p:txBody>
@@ -550,7 +555,7 @@
           <a:p>
             <a:fld id="{CE1C5999-7B5A-4DA0-8F71-D7FB69FE8056}" type="slidenum">
               <a:rPr lang="en-US" smtClean="0"/>
-              <a:t>9</a:t>
+              <a:t>4</a:t>
             </a:fld>
             <a:endParaRPr lang="en-US"/>
           </a:p>
@@ -559,7 +564,7 @@
     </p:spTree>
     <p:extLst>
       <p:ext uri="{BB962C8B-B14F-4D97-AF65-F5344CB8AC3E}">
-        <p14:creationId xmlns:p14="http://schemas.microsoft.com/office/powerpoint/2010/main" val="3414592580"/>
+        <p14:creationId xmlns:p14="http://schemas.microsoft.com/office/powerpoint/2010/main" val="242647337"/>
       </p:ext>
     </p:extLst>
   </p:cSld>
@@ -613,9 +618,275 @@
           <a:bodyPr/>
           <a:lstStyle/>
           <a:p>
+            <a:endParaRPr lang="en-CH" dirty="0"/>
+          </a:p>
+        </p:txBody>
+      </p:sp>
+      <p:sp>
+        <p:nvSpPr>
+          <p:cNvPr id="4" name="Slide Number Placeholder 3"/>
+          <p:cNvSpPr>
+            <a:spLocks noGrp="1"/>
+          </p:cNvSpPr>
+          <p:nvPr>
+            <p:ph type="sldNum" sz="quarter" idx="5"/>
+          </p:nvPr>
+        </p:nvSpPr>
+        <p:spPr/>
+        <p:txBody>
+          <a:bodyPr/>
+          <a:lstStyle/>
+          <a:p>
+            <a:fld id="{CE1C5999-7B5A-4DA0-8F71-D7FB69FE8056}" type="slidenum">
+              <a:rPr lang="en-US" smtClean="0"/>
+              <a:t>9</a:t>
+            </a:fld>
+            <a:endParaRPr lang="en-US"/>
+          </a:p>
+        </p:txBody>
+      </p:sp>
+    </p:spTree>
+    <p:extLst>
+      <p:ext uri="{BB962C8B-B14F-4D97-AF65-F5344CB8AC3E}">
+        <p14:creationId xmlns:p14="http://schemas.microsoft.com/office/powerpoint/2010/main" val="3414592580"/>
+      </p:ext>
+    </p:extLst>
+  </p:cSld>
+  <p:clrMapOvr>
+    <a:masterClrMapping/>
+  </p:clrMapOvr>
+</p:notes>
+</file>
+
+<file path=ppt/notesSlides/notesSlide3.xml><?xml version="1.0" encoding="utf-8"?>
+<p:notes xmlns:a="http://schemas.openxmlformats.org/drawingml/2006/main" xmlns:r="http://schemas.openxmlformats.org/officeDocument/2006/relationships" xmlns:p="http://schemas.openxmlformats.org/presentationml/2006/main">
+  <p:cSld>
+    <p:spTree>
+      <p:nvGrpSpPr>
+        <p:cNvPr id="1" name=""/>
+        <p:cNvGrpSpPr/>
+        <p:nvPr/>
+      </p:nvGrpSpPr>
+      <p:grpSpPr>
+        <a:xfrm>
+          <a:off x="0" y="0"/>
+          <a:ext cx="0" cy="0"/>
+          <a:chOff x="0" y="0"/>
+          <a:chExt cx="0" cy="0"/>
+        </a:xfrm>
+      </p:grpSpPr>
+      <p:sp>
+        <p:nvSpPr>
+          <p:cNvPr id="2" name="Slide Image Placeholder 1"/>
+          <p:cNvSpPr>
+            <a:spLocks noGrp="1" noRot="1" noChangeAspect="1"/>
+          </p:cNvSpPr>
+          <p:nvPr>
+            <p:ph type="sldImg"/>
+          </p:nvPr>
+        </p:nvSpPr>
+        <p:spPr/>
+      </p:sp>
+      <p:sp>
+        <p:nvSpPr>
+          <p:cNvPr id="3" name="Notes Placeholder 2"/>
+          <p:cNvSpPr>
+            <a:spLocks noGrp="1"/>
+          </p:cNvSpPr>
+          <p:nvPr>
+            <p:ph type="body" idx="1"/>
+          </p:nvPr>
+        </p:nvSpPr>
+        <p:spPr/>
+        <p:txBody>
+          <a:bodyPr/>
+          <a:lstStyle/>
+          <a:p>
             <a:r>
               <a:rPr lang="de-CH" dirty="0"/>
-              <a:t>Speed issue in 3 points (3 types of delay), whole sentences</a:t>
+              <a:t>Übergangsslide</a:t>
+            </a:r>
+            <a:endParaRPr lang="en-CH" dirty="0"/>
+          </a:p>
+        </p:txBody>
+      </p:sp>
+      <p:sp>
+        <p:nvSpPr>
+          <p:cNvPr id="4" name="Slide Number Placeholder 3"/>
+          <p:cNvSpPr>
+            <a:spLocks noGrp="1"/>
+          </p:cNvSpPr>
+          <p:nvPr>
+            <p:ph type="sldNum" sz="quarter" idx="5"/>
+          </p:nvPr>
+        </p:nvSpPr>
+        <p:spPr/>
+        <p:txBody>
+          <a:bodyPr/>
+          <a:lstStyle/>
+          <a:p>
+            <a:fld id="{CE1C5999-7B5A-4DA0-8F71-D7FB69FE8056}" type="slidenum">
+              <a:rPr lang="en-US" smtClean="0"/>
+              <a:t>11</a:t>
+            </a:fld>
+            <a:endParaRPr lang="en-US"/>
+          </a:p>
+        </p:txBody>
+      </p:sp>
+    </p:spTree>
+    <p:extLst>
+      <p:ext uri="{BB962C8B-B14F-4D97-AF65-F5344CB8AC3E}">
+        <p14:creationId xmlns:p14="http://schemas.microsoft.com/office/powerpoint/2010/main" val="1301164617"/>
+      </p:ext>
+    </p:extLst>
+  </p:cSld>
+  <p:clrMapOvr>
+    <a:masterClrMapping/>
+  </p:clrMapOvr>
+</p:notes>
+</file>
+
+<file path=ppt/notesSlides/notesSlide4.xml><?xml version="1.0" encoding="utf-8"?>
+<p:notes xmlns:a="http://schemas.openxmlformats.org/drawingml/2006/main" xmlns:r="http://schemas.openxmlformats.org/officeDocument/2006/relationships" xmlns:p="http://schemas.openxmlformats.org/presentationml/2006/main">
+  <p:cSld>
+    <p:spTree>
+      <p:nvGrpSpPr>
+        <p:cNvPr id="1" name=""/>
+        <p:cNvGrpSpPr/>
+        <p:nvPr/>
+      </p:nvGrpSpPr>
+      <p:grpSpPr>
+        <a:xfrm>
+          <a:off x="0" y="0"/>
+          <a:ext cx="0" cy="0"/>
+          <a:chOff x="0" y="0"/>
+          <a:chExt cx="0" cy="0"/>
+        </a:xfrm>
+      </p:grpSpPr>
+      <p:sp>
+        <p:nvSpPr>
+          <p:cNvPr id="2" name="Slide Image Placeholder 1"/>
+          <p:cNvSpPr>
+            <a:spLocks noGrp="1" noRot="1" noChangeAspect="1"/>
+          </p:cNvSpPr>
+          <p:nvPr>
+            <p:ph type="sldImg"/>
+          </p:nvPr>
+        </p:nvSpPr>
+        <p:spPr/>
+      </p:sp>
+      <p:sp>
+        <p:nvSpPr>
+          <p:cNvPr id="3" name="Notes Placeholder 2"/>
+          <p:cNvSpPr>
+            <a:spLocks noGrp="1"/>
+          </p:cNvSpPr>
+          <p:nvPr>
+            <p:ph type="body" idx="1"/>
+          </p:nvPr>
+        </p:nvSpPr>
+        <p:spPr/>
+        <p:txBody>
+          <a:bodyPr/>
+          <a:lstStyle/>
+          <a:p>
+            <a:r>
+              <a:rPr lang="de-CH" dirty="0"/>
+              <a:t>Static report threshold </a:t>
+            </a:r>
+            <a:r>
+              <a:rPr lang="de-CH" dirty="0">
+                <a:sym typeface="Wingdings" panose="05000000000000000000" pitchFamily="2" charset="2"/>
+              </a:rPr>
+              <a:t>more false positive with more sampling</a:t>
+            </a:r>
+            <a:endParaRPr lang="en-CH" dirty="0"/>
+          </a:p>
+        </p:txBody>
+      </p:sp>
+      <p:sp>
+        <p:nvSpPr>
+          <p:cNvPr id="4" name="Slide Number Placeholder 3"/>
+          <p:cNvSpPr>
+            <a:spLocks noGrp="1"/>
+          </p:cNvSpPr>
+          <p:nvPr>
+            <p:ph type="sldNum" sz="quarter" idx="5"/>
+          </p:nvPr>
+        </p:nvSpPr>
+        <p:spPr/>
+        <p:txBody>
+          <a:bodyPr/>
+          <a:lstStyle/>
+          <a:p>
+            <a:fld id="{CE1C5999-7B5A-4DA0-8F71-D7FB69FE8056}" type="slidenum">
+              <a:rPr lang="en-US" smtClean="0"/>
+              <a:t>13</a:t>
+            </a:fld>
+            <a:endParaRPr lang="en-US"/>
+          </a:p>
+        </p:txBody>
+      </p:sp>
+    </p:spTree>
+    <p:extLst>
+      <p:ext uri="{BB962C8B-B14F-4D97-AF65-F5344CB8AC3E}">
+        <p14:creationId xmlns:p14="http://schemas.microsoft.com/office/powerpoint/2010/main" val="2941885859"/>
+      </p:ext>
+    </p:extLst>
+  </p:cSld>
+  <p:clrMapOvr>
+    <a:masterClrMapping/>
+  </p:clrMapOvr>
+</p:notes>
+</file>
+
+<file path=ppt/notesSlides/notesSlide5.xml><?xml version="1.0" encoding="utf-8"?>
+<p:notes xmlns:a="http://schemas.openxmlformats.org/drawingml/2006/main" xmlns:r="http://schemas.openxmlformats.org/officeDocument/2006/relationships" xmlns:p="http://schemas.openxmlformats.org/presentationml/2006/main">
+  <p:cSld>
+    <p:spTree>
+      <p:nvGrpSpPr>
+        <p:cNvPr id="1" name=""/>
+        <p:cNvGrpSpPr/>
+        <p:nvPr/>
+      </p:nvGrpSpPr>
+      <p:grpSpPr>
+        <a:xfrm>
+          <a:off x="0" y="0"/>
+          <a:ext cx="0" cy="0"/>
+          <a:chOff x="0" y="0"/>
+          <a:chExt cx="0" cy="0"/>
+        </a:xfrm>
+      </p:grpSpPr>
+      <p:sp>
+        <p:nvSpPr>
+          <p:cNvPr id="2" name="Slide Image Placeholder 1"/>
+          <p:cNvSpPr>
+            <a:spLocks noGrp="1" noRot="1" noChangeAspect="1"/>
+          </p:cNvSpPr>
+          <p:nvPr>
+            <p:ph type="sldImg"/>
+          </p:nvPr>
+        </p:nvSpPr>
+        <p:spPr/>
+      </p:sp>
+      <p:sp>
+        <p:nvSpPr>
+          <p:cNvPr id="3" name="Notes Placeholder 2"/>
+          <p:cNvSpPr>
+            <a:spLocks noGrp="1"/>
+          </p:cNvSpPr>
+          <p:nvPr>
+            <p:ph type="body" idx="1"/>
+          </p:nvPr>
+        </p:nvSpPr>
+        <p:spPr/>
+        <p:txBody>
+          <a:bodyPr/>
+          <a:lstStyle/>
+          <a:p>
+            <a:r>
+              <a:rPr lang="de-CH" dirty="0"/>
+              <a:t>Limited sending rate not an issue in H/W; </a:t>
             </a:r>
             <a:endParaRPr lang="en-CH" dirty="0"/>
           </a:p>
@@ -638,7 +909,7 @@
           <a:p>
             <a:fld id="{28CA3DA0-7DA4-4D61-800B-405D9730C1B4}" type="slidenum">
               <a:rPr lang="en-CH" smtClean="0"/>
-              <a:t>15</a:t>
+              <a:t>14</a:t>
             </a:fld>
             <a:endParaRPr lang="en-CH"/>
           </a:p>
@@ -4024,3596 +4295,6 @@
           <a:chExt cx="0" cy="0"/>
         </a:xfrm>
       </p:grpSpPr>
-      <p:sp>
-        <p:nvSpPr>
-          <p:cNvPr id="2" name="Title 1">
-            <a:extLst>
-              <a:ext uri="{FF2B5EF4-FFF2-40B4-BE49-F238E27FC236}">
-                <a16:creationId xmlns:a16="http://schemas.microsoft.com/office/drawing/2014/main" id="{D820896D-DB9E-4BAB-8A51-3AD4C5B87644}"/>
-              </a:ext>
-            </a:extLst>
-          </p:cNvPr>
-          <p:cNvSpPr>
-            <a:spLocks noGrp="1"/>
-          </p:cNvSpPr>
-          <p:nvPr>
-            <p:ph type="title"/>
-          </p:nvPr>
-        </p:nvSpPr>
-        <p:spPr>
-          <a:xfrm>
-            <a:off x="838200" y="365125"/>
-            <a:ext cx="10515600" cy="908783"/>
-          </a:xfrm>
-        </p:spPr>
-        <p:txBody>
-          <a:bodyPr>
-            <a:normAutofit fontScale="90000"/>
-          </a:bodyPr>
-          <a:lstStyle/>
-          <a:p>
-            <a:r>
-              <a:rPr lang="de-CH" sz="3600" dirty="0" err="1"/>
-              <a:t>Coordinator</a:t>
-            </a:r>
-            <a:r>
-              <a:rPr lang="de-CH" sz="3600" dirty="0"/>
-              <a:t> </a:t>
-            </a:r>
-            <a:r>
-              <a:rPr lang="de-CH" sz="3600" dirty="0" err="1"/>
-              <a:t>tracks</a:t>
-            </a:r>
-            <a:r>
-              <a:rPr lang="de-CH" sz="3600" dirty="0"/>
-              <a:t> </a:t>
-            </a:r>
-            <a:r>
-              <a:rPr lang="de-CH" sz="3600" dirty="0" err="1"/>
-              <a:t>locality</a:t>
-            </a:r>
-            <a:r>
-              <a:rPr lang="de-CH" sz="3600" dirty="0"/>
-              <a:t> and </a:t>
-            </a:r>
-            <a:r>
-              <a:rPr lang="de-CH" sz="3600" dirty="0" err="1"/>
-              <a:t>number</a:t>
-            </a:r>
-            <a:r>
-              <a:rPr lang="de-CH" sz="3600" dirty="0"/>
-              <a:t> </a:t>
-            </a:r>
-            <a:r>
-              <a:rPr lang="de-CH" sz="3600" dirty="0" err="1"/>
-              <a:t>of</a:t>
-            </a:r>
-            <a:r>
-              <a:rPr lang="de-CH" sz="3600" dirty="0"/>
-              <a:t> report per </a:t>
-            </a:r>
-            <a:r>
-              <a:rPr lang="de-CH" sz="3600" dirty="0" err="1"/>
-              <a:t>flow</a:t>
-            </a:r>
-            <a:endParaRPr lang="en-CH" sz="3600" dirty="0"/>
-          </a:p>
-        </p:txBody>
-      </p:sp>
-      <mc:AlternateContent xmlns:mc="http://schemas.openxmlformats.org/markup-compatibility/2006" xmlns:a14="http://schemas.microsoft.com/office/drawing/2010/main">
-        <mc:Choice Requires="a14">
-          <p:sp>
-            <p:nvSpPr>
-              <p:cNvPr id="3" name="Content Placeholder 2">
-                <a:extLst>
-                  <a:ext uri="{FF2B5EF4-FFF2-40B4-BE49-F238E27FC236}">
-                    <a16:creationId xmlns:a16="http://schemas.microsoft.com/office/drawing/2014/main" id="{639EB69E-84FF-402B-BC71-67F19C114737}"/>
-                  </a:ext>
-                </a:extLst>
-              </p:cNvPr>
-              <p:cNvSpPr>
-                <a:spLocks noGrp="1"/>
-              </p:cNvSpPr>
-              <p:nvPr>
-                <p:ph idx="1"/>
-              </p:nvPr>
-            </p:nvSpPr>
-            <p:spPr>
-              <a:xfrm>
-                <a:off x="838201" y="1383255"/>
-                <a:ext cx="9415584" cy="5228560"/>
-              </a:xfrm>
-            </p:spPr>
-            <p:txBody>
-              <a:bodyPr>
-                <a:normAutofit/>
-              </a:bodyPr>
-              <a:lstStyle/>
-              <a:p>
-                <a:r>
-                  <a:rPr lang="de-CH" sz="2200" dirty="0"/>
-                  <a:t>Server </a:t>
-                </a:r>
-                <a:r>
-                  <a:rPr lang="de-CH" sz="2200" dirty="0" err="1"/>
-                  <a:t>with</a:t>
-                </a:r>
-                <a:r>
-                  <a:rPr lang="de-CH" sz="2200" dirty="0"/>
-                  <a:t> an </a:t>
-                </a:r>
-                <a:r>
-                  <a:rPr lang="de-CH" sz="2200" dirty="0" err="1"/>
-                  <a:t>exposed</a:t>
-                </a:r>
-                <a:r>
-                  <a:rPr lang="de-CH" sz="2200" dirty="0"/>
-                  <a:t> </a:t>
-                </a:r>
-                <a:r>
-                  <a:rPr lang="de-CH" sz="2200" dirty="0">
-                    <a:solidFill>
-                      <a:srgbClr val="FF0000"/>
-                    </a:solidFill>
-                  </a:rPr>
-                  <a:t>RPC </a:t>
-                </a:r>
-                <a:r>
-                  <a:rPr lang="de-CH" sz="2200" dirty="0" err="1">
-                    <a:solidFill>
-                      <a:srgbClr val="FF0000"/>
-                    </a:solidFill>
-                  </a:rPr>
-                  <a:t>service</a:t>
-                </a:r>
-                <a:r>
-                  <a:rPr lang="de-CH" sz="2200" dirty="0">
-                    <a:solidFill>
-                      <a:srgbClr val="FF0000"/>
-                    </a:solidFill>
-                  </a:rPr>
-                  <a:t> </a:t>
-                </a:r>
-                <a:r>
-                  <a:rPr lang="de-CH" sz="2200" dirty="0" err="1"/>
-                  <a:t>for</a:t>
-                </a:r>
-                <a:r>
-                  <a:rPr lang="de-CH" sz="2200" dirty="0"/>
-                  <a:t> </a:t>
-                </a:r>
-                <a:r>
-                  <a:rPr lang="de-CH" sz="2200" dirty="0" err="1"/>
-                  <a:t>sending</a:t>
-                </a:r>
-                <a:r>
-                  <a:rPr lang="de-CH" sz="2200" dirty="0"/>
-                  <a:t> </a:t>
-                </a:r>
-                <a:r>
-                  <a:rPr lang="de-CH" sz="2200" dirty="0" err="1"/>
-                  <a:t>hellos</a:t>
-                </a:r>
-                <a:r>
-                  <a:rPr lang="de-CH" sz="2200" dirty="0"/>
-                  <a:t> and </a:t>
-                </a:r>
-                <a:r>
-                  <a:rPr lang="de-CH" sz="2200" dirty="0" err="1"/>
-                  <a:t>reports</a:t>
-                </a:r>
-                <a:endParaRPr lang="de-CH" sz="2200" dirty="0"/>
-              </a:p>
-              <a:p>
-                <a:r>
-                  <a:rPr lang="de-CH" sz="2200" dirty="0"/>
-                  <a:t> </a:t>
-                </a:r>
-                <a:r>
-                  <a:rPr lang="de-CH" sz="2200" dirty="0" err="1"/>
-                  <a:t>Combines</a:t>
-                </a:r>
-                <a:r>
-                  <a:rPr lang="de-CH" sz="2200" dirty="0"/>
-                  <a:t> partial </a:t>
-                </a:r>
-                <a:r>
-                  <a:rPr lang="de-CH" sz="2200" dirty="0" err="1"/>
-                  <a:t>information</a:t>
-                </a:r>
-                <a:r>
-                  <a:rPr lang="de-CH" sz="2200" dirty="0"/>
-                  <a:t> </a:t>
-                </a:r>
-                <a:r>
-                  <a:rPr lang="de-CH" sz="2200" dirty="0" err="1"/>
-                  <a:t>to</a:t>
-                </a:r>
-                <a:r>
-                  <a:rPr lang="de-CH" sz="2200" dirty="0"/>
-                  <a:t> </a:t>
-                </a:r>
-                <a:r>
-                  <a:rPr lang="de-CH" sz="2200" dirty="0" err="1"/>
-                  <a:t>calculate</a:t>
-                </a:r>
-                <a:r>
-                  <a:rPr lang="de-CH" sz="2200" dirty="0"/>
-                  <a:t> and </a:t>
-                </a:r>
-                <a:r>
-                  <a:rPr lang="de-CH" sz="2200" dirty="0" err="1"/>
-                  <a:t>store</a:t>
-                </a:r>
-                <a:r>
-                  <a:rPr lang="de-CH" sz="2200" dirty="0"/>
-                  <a:t> </a:t>
-                </a:r>
-                <a:r>
-                  <a:rPr lang="de-CH" sz="2200" dirty="0" err="1"/>
-                  <a:t>locality</a:t>
-                </a:r>
-                <a:r>
-                  <a:rPr lang="de-CH" sz="2200" dirty="0"/>
-                  <a:t> </a:t>
-                </a:r>
-                <a:r>
-                  <a:rPr lang="de-CH" sz="2200" dirty="0" err="1"/>
-                  <a:t>parameters</a:t>
-                </a:r>
-                <a:r>
-                  <a:rPr lang="de-CH" sz="2200" dirty="0"/>
-                  <a:t> </a:t>
-                </a:r>
-                <a14:m>
-                  <m:oMath xmlns:m="http://schemas.openxmlformats.org/officeDocument/2006/math">
-                    <m:sSub>
-                      <m:sSubPr>
-                        <m:ctrlPr>
-                          <a:rPr lang="en-US" sz="2200" i="1">
-                            <a:latin typeface="Cambria Math" panose="02040503050406030204" pitchFamily="18" charset="0"/>
-                          </a:rPr>
-                        </m:ctrlPr>
-                      </m:sSubPr>
-                      <m:e>
-                        <m:r>
-                          <a:rPr lang="en-US" sz="2200" i="1">
-                            <a:latin typeface="Cambria Math" panose="02040503050406030204" pitchFamily="18" charset="0"/>
-                          </a:rPr>
-                          <m:t>𝑙</m:t>
-                        </m:r>
-                      </m:e>
-                      <m:sub>
-                        <m:r>
-                          <a:rPr lang="en-US" sz="2200" i="1">
-                            <a:latin typeface="Cambria Math" panose="02040503050406030204" pitchFamily="18" charset="0"/>
-                          </a:rPr>
-                          <m:t>𝑔</m:t>
-                        </m:r>
-                      </m:sub>
-                    </m:sSub>
-                  </m:oMath>
-                </a14:m>
-                <a:endParaRPr lang="de-CH" sz="2200" dirty="0"/>
-              </a:p>
-              <a:p>
-                <a:r>
-                  <a:rPr lang="de-CH" sz="2200" dirty="0" err="1"/>
-                  <a:t>Dynamically</a:t>
-                </a:r>
-                <a:r>
-                  <a:rPr lang="de-CH" sz="2200" dirty="0"/>
-                  <a:t> </a:t>
-                </a:r>
-                <a:r>
-                  <a:rPr lang="de-CH" sz="2200" dirty="0">
-                    <a:solidFill>
-                      <a:srgbClr val="FF0000"/>
-                    </a:solidFill>
-                  </a:rPr>
-                  <a:t>updates </a:t>
-                </a:r>
-                <a14:m>
-                  <m:oMath xmlns:m="http://schemas.openxmlformats.org/officeDocument/2006/math">
-                    <m:sSub>
-                      <m:sSubPr>
-                        <m:ctrlPr>
-                          <a:rPr lang="en-US" sz="2200" i="1">
-                            <a:solidFill>
-                              <a:srgbClr val="FF0000"/>
-                            </a:solidFill>
-                            <a:latin typeface="Cambria Math" panose="02040503050406030204" pitchFamily="18" charset="0"/>
-                          </a:rPr>
-                        </m:ctrlPr>
-                      </m:sSubPr>
-                      <m:e>
-                        <m:r>
-                          <a:rPr lang="en-US" sz="2200" i="1">
-                            <a:solidFill>
-                              <a:srgbClr val="FF0000"/>
-                            </a:solidFill>
-                            <a:latin typeface="Cambria Math" panose="02040503050406030204" pitchFamily="18" charset="0"/>
-                          </a:rPr>
-                          <m:t>𝑙</m:t>
-                        </m:r>
-                      </m:e>
-                      <m:sub>
-                        <m:r>
-                          <a:rPr lang="en-US" sz="2200" i="1">
-                            <a:solidFill>
-                              <a:srgbClr val="FF0000"/>
-                            </a:solidFill>
-                            <a:latin typeface="Cambria Math" panose="02040503050406030204" pitchFamily="18" charset="0"/>
-                          </a:rPr>
-                          <m:t>𝑔</m:t>
-                        </m:r>
-                      </m:sub>
-                    </m:sSub>
-                  </m:oMath>
-                </a14:m>
-                <a:r>
-                  <a:rPr lang="de-CH" sz="2200" dirty="0">
-                    <a:solidFill>
-                      <a:srgbClr val="FF0000"/>
-                    </a:solidFill>
-                  </a:rPr>
-                  <a:t> on </a:t>
-                </a:r>
-                <a:r>
-                  <a:rPr lang="de-CH" sz="2200" dirty="0" err="1">
-                    <a:solidFill>
-                      <a:srgbClr val="FF0000"/>
-                    </a:solidFill>
-                  </a:rPr>
-                  <a:t>switches</a:t>
-                </a:r>
-                <a:r>
-                  <a:rPr lang="de-CH" sz="2200" dirty="0">
-                    <a:solidFill>
-                      <a:srgbClr val="FF0000"/>
-                    </a:solidFill>
-                  </a:rPr>
-                  <a:t> </a:t>
-                </a:r>
-                <a:r>
-                  <a:rPr lang="de-CH" sz="2200" dirty="0"/>
-                  <a:t>via </a:t>
-                </a:r>
-                <a:r>
-                  <a:rPr lang="de-CH" sz="2200" dirty="0" err="1"/>
-                  <a:t>callback</a:t>
-                </a:r>
-                <a:r>
-                  <a:rPr lang="de-CH" sz="2200" dirty="0"/>
-                  <a:t> </a:t>
-                </a:r>
-                <a:r>
-                  <a:rPr lang="de-CH" sz="2200" dirty="0" err="1"/>
-                  <a:t>functions</a:t>
-                </a:r>
-                <a:endParaRPr lang="de-CH" sz="2200" dirty="0"/>
-              </a:p>
-              <a:p>
-                <a:r>
-                  <a:rPr lang="de-CH" sz="2200" dirty="0"/>
-                  <a:t>Tracks </a:t>
-                </a:r>
-                <a:r>
-                  <a:rPr lang="de-CH" sz="2200" dirty="0" err="1"/>
-                  <a:t>the</a:t>
-                </a:r>
-                <a:r>
-                  <a:rPr lang="de-CH" sz="2200" dirty="0"/>
-                  <a:t> </a:t>
-                </a:r>
-                <a:r>
-                  <a:rPr lang="de-CH" sz="2200" dirty="0" err="1"/>
-                  <a:t>number</a:t>
-                </a:r>
-                <a:r>
-                  <a:rPr lang="de-CH" sz="2200" dirty="0"/>
-                  <a:t> </a:t>
-                </a:r>
-                <a:r>
-                  <a:rPr lang="de-CH" sz="2200" dirty="0" err="1"/>
-                  <a:t>of</a:t>
-                </a:r>
-                <a:r>
-                  <a:rPr lang="de-CH" sz="2200" dirty="0"/>
-                  <a:t> </a:t>
-                </a:r>
-                <a:r>
-                  <a:rPr lang="de-CH" sz="2200" dirty="0" err="1"/>
-                  <a:t>reports</a:t>
-                </a:r>
-                <a:r>
-                  <a:rPr lang="de-CH" sz="2200" dirty="0"/>
-                  <a:t> </a:t>
-                </a:r>
-                <a:r>
-                  <a:rPr lang="de-CH" sz="2200" dirty="0" err="1"/>
-                  <a:t>for</a:t>
-                </a:r>
-                <a:r>
-                  <a:rPr lang="de-CH" sz="2200" dirty="0"/>
-                  <a:t> </a:t>
-                </a:r>
-                <a:r>
-                  <a:rPr lang="de-CH" sz="2200" dirty="0" err="1"/>
-                  <a:t>each</a:t>
-                </a:r>
-                <a:r>
-                  <a:rPr lang="de-CH" sz="2200" dirty="0"/>
-                  <a:t> </a:t>
-                </a:r>
-                <a:r>
-                  <a:rPr lang="de-CH" sz="2200" dirty="0" err="1"/>
-                  <a:t>flow</a:t>
-                </a:r>
-                <a:r>
-                  <a:rPr lang="de-CH" sz="2200" dirty="0"/>
-                  <a:t> </a:t>
-                </a:r>
-                <a:r>
-                  <a:rPr lang="de-CH" sz="2200" i="1" dirty="0"/>
-                  <a:t>f</a:t>
-                </a:r>
-              </a:p>
-              <a:p>
-                <a:pPr lvl="1"/>
-                <a:r>
-                  <a:rPr lang="de-CH" sz="2000" dirty="0" err="1"/>
-                  <a:t>Detects</a:t>
-                </a:r>
-                <a:r>
-                  <a:rPr lang="de-CH" sz="2000" dirty="0"/>
-                  <a:t> heavy </a:t>
-                </a:r>
-                <a:r>
-                  <a:rPr lang="de-CH" sz="2000" dirty="0" err="1"/>
-                  <a:t>hitters</a:t>
-                </a:r>
-                <a:r>
-                  <a:rPr lang="de-CH" sz="2000" dirty="0"/>
-                  <a:t> </a:t>
-                </a:r>
-                <a:r>
-                  <a:rPr lang="de-CH" sz="2000" dirty="0" err="1"/>
-                  <a:t>based</a:t>
-                </a:r>
-                <a:r>
-                  <a:rPr lang="de-CH" sz="2000" dirty="0"/>
-                  <a:t> on </a:t>
-                </a:r>
-                <a:r>
-                  <a:rPr lang="de-CH" sz="2000" dirty="0">
-                    <a:solidFill>
-                      <a:srgbClr val="FF0000"/>
-                    </a:solidFill>
-                  </a:rPr>
-                  <a:t>report </a:t>
-                </a:r>
-                <a:r>
-                  <a:rPr lang="de-CH" sz="2000" dirty="0" err="1">
-                    <a:solidFill>
-                      <a:srgbClr val="FF0000"/>
-                    </a:solidFill>
-                  </a:rPr>
-                  <a:t>threshold</a:t>
-                </a:r>
-                <a:r>
-                  <a:rPr lang="de-CH" sz="2000" dirty="0">
-                    <a:solidFill>
-                      <a:srgbClr val="FF0000"/>
-                    </a:solidFill>
-                  </a:rPr>
-                  <a:t> R</a:t>
-                </a:r>
-              </a:p>
-              <a:p>
-                <a:endParaRPr lang="de-CH" sz="2200" i="1" dirty="0"/>
-              </a:p>
-            </p:txBody>
-          </p:sp>
-        </mc:Choice>
-        <mc:Fallback xmlns="">
-          <p:sp>
-            <p:nvSpPr>
-              <p:cNvPr id="3" name="Content Placeholder 2">
-                <a:extLst>
-                  <a:ext uri="{FF2B5EF4-FFF2-40B4-BE49-F238E27FC236}">
-                    <a16:creationId xmlns:a16="http://schemas.microsoft.com/office/drawing/2014/main" id="{639EB69E-84FF-402B-BC71-67F19C114737}"/>
-                  </a:ext>
-                </a:extLst>
-              </p:cNvPr>
-              <p:cNvSpPr>
-                <a:spLocks noGrp="1" noRot="1" noChangeAspect="1" noMove="1" noResize="1" noEditPoints="1" noAdjustHandles="1" noChangeArrowheads="1" noChangeShapeType="1" noTextEdit="1"/>
-              </p:cNvSpPr>
-              <p:nvPr>
-                <p:ph idx="1"/>
-              </p:nvPr>
-            </p:nvSpPr>
-            <p:spPr>
-              <a:xfrm>
-                <a:off x="838201" y="1383255"/>
-                <a:ext cx="9415584" cy="5228560"/>
-              </a:xfrm>
-              <a:blipFill>
-                <a:blip r:embed="rId2"/>
-                <a:stretch>
-                  <a:fillRect l="-777" t="-1515"/>
-                </a:stretch>
-              </a:blipFill>
-            </p:spPr>
-            <p:txBody>
-              <a:bodyPr/>
-              <a:lstStyle/>
-              <a:p>
-                <a:r>
-                  <a:rPr lang="en-US">
-                    <a:noFill/>
-                  </a:rPr>
-                  <a:t> </a:t>
-                </a:r>
-              </a:p>
-            </p:txBody>
-          </p:sp>
-        </mc:Fallback>
-      </mc:AlternateContent>
-      <p:sp>
-        <p:nvSpPr>
-          <p:cNvPr id="5" name="Rechteck 4">
-            <a:extLst>
-              <a:ext uri="{FF2B5EF4-FFF2-40B4-BE49-F238E27FC236}">
-                <a16:creationId xmlns:a16="http://schemas.microsoft.com/office/drawing/2014/main" id="{3F3E3EC2-EDBA-479D-A5FC-C2C8A260D0F6}"/>
-              </a:ext>
-            </a:extLst>
-          </p:cNvPr>
-          <p:cNvSpPr/>
-          <p:nvPr/>
-        </p:nvSpPr>
-        <p:spPr>
-          <a:xfrm>
-            <a:off x="2112108" y="4226482"/>
-            <a:ext cx="4999892" cy="2266393"/>
-          </a:xfrm>
-          <a:prstGeom prst="rect">
-            <a:avLst/>
-          </a:prstGeom>
-          <a:solidFill>
-            <a:schemeClr val="bg1">
-              <a:lumMod val="95000"/>
-            </a:schemeClr>
-          </a:solidFill>
-          <a:ln w="19050">
-            <a:solidFill>
-              <a:schemeClr val="tx1"/>
-            </a:solidFill>
-          </a:ln>
-        </p:spPr>
-        <p:style>
-          <a:lnRef idx="2">
-            <a:schemeClr val="accent1">
-              <a:shade val="50000"/>
-            </a:schemeClr>
-          </a:lnRef>
-          <a:fillRef idx="1">
-            <a:schemeClr val="accent1"/>
-          </a:fillRef>
-          <a:effectRef idx="0">
-            <a:schemeClr val="accent1"/>
-          </a:effectRef>
-          <a:fontRef idx="minor">
-            <a:schemeClr val="lt1"/>
-          </a:fontRef>
-        </p:style>
-        <p:txBody>
-          <a:bodyPr rtlCol="0" anchor="ctr"/>
-          <a:lstStyle/>
-          <a:p>
-            <a:pPr algn="ctr"/>
-            <a:endParaRPr lang="en-US"/>
-          </a:p>
-        </p:txBody>
-      </p:sp>
-      <p:sp>
-        <p:nvSpPr>
-          <p:cNvPr id="6" name="Rechteck 5">
-            <a:extLst>
-              <a:ext uri="{FF2B5EF4-FFF2-40B4-BE49-F238E27FC236}">
-                <a16:creationId xmlns:a16="http://schemas.microsoft.com/office/drawing/2014/main" id="{94966168-9BC2-4640-A08F-449F57B7EF8A}"/>
-              </a:ext>
-            </a:extLst>
-          </p:cNvPr>
-          <p:cNvSpPr/>
-          <p:nvPr/>
-        </p:nvSpPr>
-        <p:spPr>
-          <a:xfrm>
-            <a:off x="2702655" y="4608021"/>
-            <a:ext cx="1079991" cy="964345"/>
-          </a:xfrm>
-          <a:prstGeom prst="rect">
-            <a:avLst/>
-          </a:prstGeom>
-          <a:solidFill>
-            <a:schemeClr val="bg1">
-              <a:lumMod val="85000"/>
-            </a:schemeClr>
-          </a:solidFill>
-          <a:ln>
-            <a:solidFill>
-              <a:schemeClr val="tx1"/>
-            </a:solidFill>
-          </a:ln>
-        </p:spPr>
-        <p:style>
-          <a:lnRef idx="2">
-            <a:schemeClr val="accent1">
-              <a:shade val="50000"/>
-            </a:schemeClr>
-          </a:lnRef>
-          <a:fillRef idx="1">
-            <a:schemeClr val="accent1"/>
-          </a:fillRef>
-          <a:effectRef idx="0">
-            <a:schemeClr val="accent1"/>
-          </a:effectRef>
-          <a:fontRef idx="minor">
-            <a:schemeClr val="lt1"/>
-          </a:fontRef>
-        </p:style>
-        <p:txBody>
-          <a:bodyPr rtlCol="0" anchor="ctr"/>
-          <a:lstStyle/>
-          <a:p>
-            <a:pPr algn="ctr"/>
-            <a:endParaRPr lang="en-US"/>
-          </a:p>
-        </p:txBody>
-      </p:sp>
-      <p:cxnSp>
-        <p:nvCxnSpPr>
-          <p:cNvPr id="7" name="Gerader Verbinder 6">
-            <a:extLst>
-              <a:ext uri="{FF2B5EF4-FFF2-40B4-BE49-F238E27FC236}">
-                <a16:creationId xmlns:a16="http://schemas.microsoft.com/office/drawing/2014/main" id="{821B4D15-2980-46B5-A58B-5B897794D086}"/>
-              </a:ext>
-            </a:extLst>
-          </p:cNvPr>
-          <p:cNvCxnSpPr>
-            <a:cxnSpLocks/>
-          </p:cNvCxnSpPr>
-          <p:nvPr/>
-        </p:nvCxnSpPr>
-        <p:spPr>
-          <a:xfrm>
-            <a:off x="2702655" y="4884938"/>
-            <a:ext cx="1079991" cy="0"/>
-          </a:xfrm>
-          <a:prstGeom prst="line">
-            <a:avLst/>
-          </a:prstGeom>
-          <a:ln>
-            <a:solidFill>
-              <a:schemeClr val="tx1"/>
-            </a:solidFill>
-          </a:ln>
-        </p:spPr>
-        <p:style>
-          <a:lnRef idx="1">
-            <a:schemeClr val="accent1"/>
-          </a:lnRef>
-          <a:fillRef idx="0">
-            <a:schemeClr val="accent1"/>
-          </a:fillRef>
-          <a:effectRef idx="0">
-            <a:schemeClr val="accent1"/>
-          </a:effectRef>
-          <a:fontRef idx="minor">
-            <a:schemeClr val="tx1"/>
-          </a:fontRef>
-        </p:style>
-      </p:cxnSp>
-      <p:cxnSp>
-        <p:nvCxnSpPr>
-          <p:cNvPr id="8" name="Gerader Verbinder 7">
-            <a:extLst>
-              <a:ext uri="{FF2B5EF4-FFF2-40B4-BE49-F238E27FC236}">
-                <a16:creationId xmlns:a16="http://schemas.microsoft.com/office/drawing/2014/main" id="{7609FBA5-61E3-4069-8217-39F326AF3BF9}"/>
-              </a:ext>
-            </a:extLst>
-          </p:cNvPr>
-          <p:cNvCxnSpPr>
-            <a:cxnSpLocks/>
-          </p:cNvCxnSpPr>
-          <p:nvPr/>
-        </p:nvCxnSpPr>
-        <p:spPr>
-          <a:xfrm>
-            <a:off x="2702655" y="5114007"/>
-            <a:ext cx="1079991" cy="0"/>
-          </a:xfrm>
-          <a:prstGeom prst="line">
-            <a:avLst/>
-          </a:prstGeom>
-          <a:ln>
-            <a:solidFill>
-              <a:schemeClr val="tx1"/>
-            </a:solidFill>
-          </a:ln>
-        </p:spPr>
-        <p:style>
-          <a:lnRef idx="1">
-            <a:schemeClr val="accent1"/>
-          </a:lnRef>
-          <a:fillRef idx="0">
-            <a:schemeClr val="accent1"/>
-          </a:fillRef>
-          <a:effectRef idx="0">
-            <a:schemeClr val="accent1"/>
-          </a:effectRef>
-          <a:fontRef idx="minor">
-            <a:schemeClr val="tx1"/>
-          </a:fontRef>
-        </p:style>
-      </p:cxnSp>
-      <p:cxnSp>
-        <p:nvCxnSpPr>
-          <p:cNvPr id="9" name="Gerader Verbinder 8">
-            <a:extLst>
-              <a:ext uri="{FF2B5EF4-FFF2-40B4-BE49-F238E27FC236}">
-                <a16:creationId xmlns:a16="http://schemas.microsoft.com/office/drawing/2014/main" id="{3758CD55-5042-4E50-87ED-3BED9C529633}"/>
-              </a:ext>
-            </a:extLst>
-          </p:cNvPr>
-          <p:cNvCxnSpPr>
-            <a:cxnSpLocks/>
-          </p:cNvCxnSpPr>
-          <p:nvPr/>
-        </p:nvCxnSpPr>
-        <p:spPr>
-          <a:xfrm flipV="1">
-            <a:off x="2702655" y="5329985"/>
-            <a:ext cx="1079991" cy="10730"/>
-          </a:xfrm>
-          <a:prstGeom prst="line">
-            <a:avLst/>
-          </a:prstGeom>
-          <a:ln>
-            <a:solidFill>
-              <a:schemeClr val="tx1"/>
-            </a:solidFill>
-          </a:ln>
-        </p:spPr>
-        <p:style>
-          <a:lnRef idx="1">
-            <a:schemeClr val="accent1"/>
-          </a:lnRef>
-          <a:fillRef idx="0">
-            <a:schemeClr val="accent1"/>
-          </a:fillRef>
-          <a:effectRef idx="0">
-            <a:schemeClr val="accent1"/>
-          </a:effectRef>
-          <a:fontRef idx="minor">
-            <a:schemeClr val="tx1"/>
-          </a:fontRef>
-        </p:style>
-      </p:cxnSp>
-      <p:cxnSp>
-        <p:nvCxnSpPr>
-          <p:cNvPr id="12" name="Gerader Verbinder 11">
-            <a:extLst>
-              <a:ext uri="{FF2B5EF4-FFF2-40B4-BE49-F238E27FC236}">
-                <a16:creationId xmlns:a16="http://schemas.microsoft.com/office/drawing/2014/main" id="{D773ACFE-AB89-43F4-8E52-424ABEDD51F8}"/>
-              </a:ext>
-            </a:extLst>
-          </p:cNvPr>
-          <p:cNvCxnSpPr>
-            <a:cxnSpLocks/>
-          </p:cNvCxnSpPr>
-          <p:nvPr/>
-        </p:nvCxnSpPr>
-        <p:spPr>
-          <a:xfrm>
-            <a:off x="3179394" y="4608021"/>
-            <a:ext cx="0" cy="964345"/>
-          </a:xfrm>
-          <a:prstGeom prst="line">
-            <a:avLst/>
-          </a:prstGeom>
-          <a:ln>
-            <a:solidFill>
-              <a:schemeClr val="tx1"/>
-            </a:solidFill>
-          </a:ln>
-        </p:spPr>
-        <p:style>
-          <a:lnRef idx="1">
-            <a:schemeClr val="accent1"/>
-          </a:lnRef>
-          <a:fillRef idx="0">
-            <a:schemeClr val="accent1"/>
-          </a:fillRef>
-          <a:effectRef idx="0">
-            <a:schemeClr val="accent1"/>
-          </a:effectRef>
-          <a:fontRef idx="minor">
-            <a:schemeClr val="tx1"/>
-          </a:fontRef>
-        </p:style>
-      </p:cxnSp>
-      <p:sp>
-        <p:nvSpPr>
-          <p:cNvPr id="13" name="Rechteck 12">
-            <a:extLst>
-              <a:ext uri="{FF2B5EF4-FFF2-40B4-BE49-F238E27FC236}">
-                <a16:creationId xmlns:a16="http://schemas.microsoft.com/office/drawing/2014/main" id="{24F6E15F-A510-4C14-AD95-E9A03767B668}"/>
-              </a:ext>
-            </a:extLst>
-          </p:cNvPr>
-          <p:cNvSpPr/>
-          <p:nvPr/>
-        </p:nvSpPr>
-        <p:spPr>
-          <a:xfrm>
-            <a:off x="5094163" y="4598253"/>
-            <a:ext cx="1508370" cy="1484923"/>
-          </a:xfrm>
-          <a:prstGeom prst="rect">
-            <a:avLst/>
-          </a:prstGeom>
-          <a:solidFill>
-            <a:schemeClr val="bg1">
-              <a:lumMod val="85000"/>
-            </a:schemeClr>
-          </a:solidFill>
-          <a:ln>
-            <a:solidFill>
-              <a:schemeClr val="tx1"/>
-            </a:solidFill>
-          </a:ln>
-        </p:spPr>
-        <p:style>
-          <a:lnRef idx="2">
-            <a:schemeClr val="accent1">
-              <a:shade val="50000"/>
-            </a:schemeClr>
-          </a:lnRef>
-          <a:fillRef idx="1">
-            <a:schemeClr val="accent1"/>
-          </a:fillRef>
-          <a:effectRef idx="0">
-            <a:schemeClr val="accent1"/>
-          </a:effectRef>
-          <a:fontRef idx="minor">
-            <a:schemeClr val="lt1"/>
-          </a:fontRef>
-        </p:style>
-        <p:txBody>
-          <a:bodyPr rtlCol="0" anchor="ctr"/>
-          <a:lstStyle/>
-          <a:p>
-            <a:pPr algn="ctr"/>
-            <a:endParaRPr lang="en-US"/>
-          </a:p>
-        </p:txBody>
-      </p:sp>
-      <p:cxnSp>
-        <p:nvCxnSpPr>
-          <p:cNvPr id="14" name="Gerader Verbinder 13">
-            <a:extLst>
-              <a:ext uri="{FF2B5EF4-FFF2-40B4-BE49-F238E27FC236}">
-                <a16:creationId xmlns:a16="http://schemas.microsoft.com/office/drawing/2014/main" id="{DE75FF58-09D6-47FC-A0AA-F4F1E304BFD6}"/>
-              </a:ext>
-            </a:extLst>
-          </p:cNvPr>
-          <p:cNvCxnSpPr/>
-          <p:nvPr/>
-        </p:nvCxnSpPr>
-        <p:spPr>
-          <a:xfrm>
-            <a:off x="5094163" y="4875170"/>
-            <a:ext cx="1508370" cy="0"/>
-          </a:xfrm>
-          <a:prstGeom prst="line">
-            <a:avLst/>
-          </a:prstGeom>
-          <a:ln>
-            <a:solidFill>
-              <a:schemeClr val="tx1"/>
-            </a:solidFill>
-          </a:ln>
-        </p:spPr>
-        <p:style>
-          <a:lnRef idx="1">
-            <a:schemeClr val="accent1"/>
-          </a:lnRef>
-          <a:fillRef idx="0">
-            <a:schemeClr val="accent1"/>
-          </a:fillRef>
-          <a:effectRef idx="0">
-            <a:schemeClr val="accent1"/>
-          </a:effectRef>
-          <a:fontRef idx="minor">
-            <a:schemeClr val="tx1"/>
-          </a:fontRef>
-        </p:style>
-      </p:cxnSp>
-      <p:cxnSp>
-        <p:nvCxnSpPr>
-          <p:cNvPr id="15" name="Gerader Verbinder 14">
-            <a:extLst>
-              <a:ext uri="{FF2B5EF4-FFF2-40B4-BE49-F238E27FC236}">
-                <a16:creationId xmlns:a16="http://schemas.microsoft.com/office/drawing/2014/main" id="{C8C25BC1-5155-463E-A510-792B0579947D}"/>
-              </a:ext>
-            </a:extLst>
-          </p:cNvPr>
-          <p:cNvCxnSpPr/>
-          <p:nvPr/>
-        </p:nvCxnSpPr>
-        <p:spPr>
-          <a:xfrm>
-            <a:off x="5094163" y="5092678"/>
-            <a:ext cx="1508370" cy="0"/>
-          </a:xfrm>
-          <a:prstGeom prst="line">
-            <a:avLst/>
-          </a:prstGeom>
-          <a:ln>
-            <a:solidFill>
-              <a:schemeClr val="tx1"/>
-            </a:solidFill>
-          </a:ln>
-        </p:spPr>
-        <p:style>
-          <a:lnRef idx="1">
-            <a:schemeClr val="accent1"/>
-          </a:lnRef>
-          <a:fillRef idx="0">
-            <a:schemeClr val="accent1"/>
-          </a:fillRef>
-          <a:effectRef idx="0">
-            <a:schemeClr val="accent1"/>
-          </a:effectRef>
-          <a:fontRef idx="minor">
-            <a:schemeClr val="tx1"/>
-          </a:fontRef>
-        </p:style>
-      </p:cxnSp>
-      <p:cxnSp>
-        <p:nvCxnSpPr>
-          <p:cNvPr id="16" name="Gerader Verbinder 15">
-            <a:extLst>
-              <a:ext uri="{FF2B5EF4-FFF2-40B4-BE49-F238E27FC236}">
-                <a16:creationId xmlns:a16="http://schemas.microsoft.com/office/drawing/2014/main" id="{B73C81C4-9A6C-4C4D-B0AE-41AF69610F5B}"/>
-              </a:ext>
-            </a:extLst>
-          </p:cNvPr>
-          <p:cNvCxnSpPr/>
-          <p:nvPr/>
-        </p:nvCxnSpPr>
-        <p:spPr>
-          <a:xfrm>
-            <a:off x="5094163" y="5572366"/>
-            <a:ext cx="1508370" cy="0"/>
-          </a:xfrm>
-          <a:prstGeom prst="line">
-            <a:avLst/>
-          </a:prstGeom>
-          <a:ln>
-            <a:solidFill>
-              <a:schemeClr val="tx1"/>
-            </a:solidFill>
-          </a:ln>
-        </p:spPr>
-        <p:style>
-          <a:lnRef idx="1">
-            <a:schemeClr val="accent1"/>
-          </a:lnRef>
-          <a:fillRef idx="0">
-            <a:schemeClr val="accent1"/>
-          </a:fillRef>
-          <a:effectRef idx="0">
-            <a:schemeClr val="accent1"/>
-          </a:effectRef>
-          <a:fontRef idx="minor">
-            <a:schemeClr val="tx1"/>
-          </a:fontRef>
-        </p:style>
-      </p:cxnSp>
-      <p:cxnSp>
-        <p:nvCxnSpPr>
-          <p:cNvPr id="17" name="Gerader Verbinder 16">
-            <a:extLst>
-              <a:ext uri="{FF2B5EF4-FFF2-40B4-BE49-F238E27FC236}">
-                <a16:creationId xmlns:a16="http://schemas.microsoft.com/office/drawing/2014/main" id="{043488AE-AA9E-44BA-9C99-1C3CA33B7833}"/>
-              </a:ext>
-            </a:extLst>
-          </p:cNvPr>
-          <p:cNvCxnSpPr/>
-          <p:nvPr/>
-        </p:nvCxnSpPr>
-        <p:spPr>
-          <a:xfrm>
-            <a:off x="5094163" y="5340715"/>
-            <a:ext cx="1508370" cy="0"/>
-          </a:xfrm>
-          <a:prstGeom prst="line">
-            <a:avLst/>
-          </a:prstGeom>
-          <a:ln>
-            <a:solidFill>
-              <a:schemeClr val="tx1"/>
-            </a:solidFill>
-          </a:ln>
-        </p:spPr>
-        <p:style>
-          <a:lnRef idx="1">
-            <a:schemeClr val="accent1"/>
-          </a:lnRef>
-          <a:fillRef idx="0">
-            <a:schemeClr val="accent1"/>
-          </a:fillRef>
-          <a:effectRef idx="0">
-            <a:schemeClr val="accent1"/>
-          </a:effectRef>
-          <a:fontRef idx="minor">
-            <a:schemeClr val="tx1"/>
-          </a:fontRef>
-        </p:style>
-      </p:cxnSp>
-      <p:cxnSp>
-        <p:nvCxnSpPr>
-          <p:cNvPr id="18" name="Gerader Verbinder 17">
-            <a:extLst>
-              <a:ext uri="{FF2B5EF4-FFF2-40B4-BE49-F238E27FC236}">
-                <a16:creationId xmlns:a16="http://schemas.microsoft.com/office/drawing/2014/main" id="{64E629C7-CCAD-4371-AAC5-382044FB668D}"/>
-              </a:ext>
-            </a:extLst>
-          </p:cNvPr>
-          <p:cNvCxnSpPr/>
-          <p:nvPr/>
-        </p:nvCxnSpPr>
-        <p:spPr>
-          <a:xfrm>
-            <a:off x="5094163" y="5821377"/>
-            <a:ext cx="1508370" cy="0"/>
-          </a:xfrm>
-          <a:prstGeom prst="line">
-            <a:avLst/>
-          </a:prstGeom>
-          <a:ln>
-            <a:solidFill>
-              <a:schemeClr val="tx1"/>
-            </a:solidFill>
-          </a:ln>
-        </p:spPr>
-        <p:style>
-          <a:lnRef idx="1">
-            <a:schemeClr val="accent1"/>
-          </a:lnRef>
-          <a:fillRef idx="0">
-            <a:schemeClr val="accent1"/>
-          </a:fillRef>
-          <a:effectRef idx="0">
-            <a:schemeClr val="accent1"/>
-          </a:effectRef>
-          <a:fontRef idx="minor">
-            <a:schemeClr val="tx1"/>
-          </a:fontRef>
-        </p:style>
-      </p:cxnSp>
-      <p:cxnSp>
-        <p:nvCxnSpPr>
-          <p:cNvPr id="19" name="Gerader Verbinder 18">
-            <a:extLst>
-              <a:ext uri="{FF2B5EF4-FFF2-40B4-BE49-F238E27FC236}">
-                <a16:creationId xmlns:a16="http://schemas.microsoft.com/office/drawing/2014/main" id="{787E0DC6-96DD-403A-9D6C-D5A3FDABB1B8}"/>
-              </a:ext>
-            </a:extLst>
-          </p:cNvPr>
-          <p:cNvCxnSpPr>
-            <a:cxnSpLocks/>
-          </p:cNvCxnSpPr>
-          <p:nvPr/>
-        </p:nvCxnSpPr>
-        <p:spPr>
-          <a:xfrm>
-            <a:off x="5570902" y="4598253"/>
-            <a:ext cx="0" cy="1463465"/>
-          </a:xfrm>
-          <a:prstGeom prst="line">
-            <a:avLst/>
-          </a:prstGeom>
-          <a:ln>
-            <a:solidFill>
-              <a:schemeClr val="tx1"/>
-            </a:solidFill>
-          </a:ln>
-        </p:spPr>
-        <p:style>
-          <a:lnRef idx="1">
-            <a:schemeClr val="accent1"/>
-          </a:lnRef>
-          <a:fillRef idx="0">
-            <a:schemeClr val="accent1"/>
-          </a:fillRef>
-          <a:effectRef idx="0">
-            <a:schemeClr val="accent1"/>
-          </a:effectRef>
-          <a:fontRef idx="minor">
-            <a:schemeClr val="tx1"/>
-          </a:fontRef>
-        </p:style>
-      </p:cxnSp>
-      <p:sp>
-        <p:nvSpPr>
-          <p:cNvPr id="21" name="Textfeld 20">
-            <a:extLst>
-              <a:ext uri="{FF2B5EF4-FFF2-40B4-BE49-F238E27FC236}">
-                <a16:creationId xmlns:a16="http://schemas.microsoft.com/office/drawing/2014/main" id="{3B86AD30-5639-426B-927B-0971AFD4DADD}"/>
-              </a:ext>
-            </a:extLst>
-          </p:cNvPr>
-          <p:cNvSpPr txBox="1"/>
-          <p:nvPr/>
-        </p:nvSpPr>
-        <p:spPr>
-          <a:xfrm>
-            <a:off x="2621358" y="4276267"/>
-            <a:ext cx="1492229" cy="369332"/>
-          </a:xfrm>
-          <a:prstGeom prst="rect">
-            <a:avLst/>
-          </a:prstGeom>
-          <a:noFill/>
-        </p:spPr>
-        <p:txBody>
-          <a:bodyPr wrap="square" rtlCol="0">
-            <a:spAutoFit/>
-          </a:bodyPr>
-          <a:lstStyle/>
-          <a:p>
-            <a:r>
-              <a:rPr lang="en-US" dirty="0"/>
-              <a:t>Locality table</a:t>
-            </a:r>
-          </a:p>
-        </p:txBody>
-      </p:sp>
-      <p:sp>
-        <p:nvSpPr>
-          <p:cNvPr id="23" name="Textfeld 22">
-            <a:extLst>
-              <a:ext uri="{FF2B5EF4-FFF2-40B4-BE49-F238E27FC236}">
-                <a16:creationId xmlns:a16="http://schemas.microsoft.com/office/drawing/2014/main" id="{068160F2-CF17-4A3D-9526-3396EC7B4716}"/>
-              </a:ext>
-            </a:extLst>
-          </p:cNvPr>
-          <p:cNvSpPr txBox="1"/>
-          <p:nvPr/>
-        </p:nvSpPr>
-        <p:spPr>
-          <a:xfrm>
-            <a:off x="4996725" y="4273001"/>
-            <a:ext cx="1492229" cy="369332"/>
-          </a:xfrm>
-          <a:prstGeom prst="rect">
-            <a:avLst/>
-          </a:prstGeom>
-          <a:noFill/>
-        </p:spPr>
-        <p:txBody>
-          <a:bodyPr wrap="square" rtlCol="0">
-            <a:spAutoFit/>
-          </a:bodyPr>
-          <a:lstStyle/>
-          <a:p>
-            <a:r>
-              <a:rPr lang="en-US" dirty="0"/>
-              <a:t>Report counts</a:t>
-            </a:r>
-          </a:p>
-        </p:txBody>
-      </p:sp>
-      <mc:AlternateContent xmlns:mc="http://schemas.openxmlformats.org/markup-compatibility/2006" xmlns:a14="http://schemas.microsoft.com/office/drawing/2010/main">
-        <mc:Choice Requires="a14">
-          <p:sp>
-            <p:nvSpPr>
-              <p:cNvPr id="37" name="Textfeld 36">
-                <a:extLst>
-                  <a:ext uri="{FF2B5EF4-FFF2-40B4-BE49-F238E27FC236}">
-                    <a16:creationId xmlns:a16="http://schemas.microsoft.com/office/drawing/2014/main" id="{07EE03EE-EA28-4C78-A6D3-4BB48BCDAF96}"/>
-                  </a:ext>
-                </a:extLst>
-              </p:cNvPr>
-              <p:cNvSpPr txBox="1"/>
-              <p:nvPr/>
-            </p:nvSpPr>
-            <p:spPr>
-              <a:xfrm>
-                <a:off x="2397128" y="4551855"/>
-                <a:ext cx="1169379" cy="369332"/>
-              </a:xfrm>
-              <a:prstGeom prst="rect">
-                <a:avLst/>
-              </a:prstGeom>
-              <a:noFill/>
-            </p:spPr>
-            <p:txBody>
-              <a:bodyPr wrap="square" rtlCol="0">
-                <a:spAutoFit/>
-              </a:bodyPr>
-              <a:lstStyle/>
-              <a:p>
-                <a:pPr/>
-                <a14:m>
-                  <m:oMathPara xmlns:m="http://schemas.openxmlformats.org/officeDocument/2006/math">
-                    <m:oMathParaPr>
-                      <m:jc m:val="centerGroup"/>
-                    </m:oMathParaPr>
-                    <m:oMath xmlns:m="http://schemas.openxmlformats.org/officeDocument/2006/math">
-                      <m:r>
-                        <a:rPr lang="en-US" i="1" smtClean="0">
-                          <a:latin typeface="Cambria Math" panose="02040503050406030204" pitchFamily="18" charset="0"/>
-                        </a:rPr>
-                        <m:t>𝑔</m:t>
-                      </m:r>
-                    </m:oMath>
-                  </m:oMathPara>
-                </a14:m>
-                <a:endParaRPr lang="en-US" dirty="0"/>
-              </a:p>
-            </p:txBody>
-          </p:sp>
-        </mc:Choice>
-        <mc:Fallback xmlns="">
-          <p:sp>
-            <p:nvSpPr>
-              <p:cNvPr id="37" name="Textfeld 36">
-                <a:extLst>
-                  <a:ext uri="{FF2B5EF4-FFF2-40B4-BE49-F238E27FC236}">
-                    <a16:creationId xmlns:a16="http://schemas.microsoft.com/office/drawing/2014/main" id="{07EE03EE-EA28-4C78-A6D3-4BB48BCDAF96}"/>
-                  </a:ext>
-                </a:extLst>
-              </p:cNvPr>
-              <p:cNvSpPr txBox="1">
-                <a:spLocks noRot="1" noChangeAspect="1" noMove="1" noResize="1" noEditPoints="1" noAdjustHandles="1" noChangeArrowheads="1" noChangeShapeType="1" noTextEdit="1"/>
-              </p:cNvSpPr>
-              <p:nvPr/>
-            </p:nvSpPr>
-            <p:spPr>
-              <a:xfrm>
-                <a:off x="2397128" y="4551855"/>
-                <a:ext cx="1169379" cy="369332"/>
-              </a:xfrm>
-              <a:prstGeom prst="rect">
-                <a:avLst/>
-              </a:prstGeom>
-              <a:blipFill>
-                <a:blip r:embed="rId3"/>
-                <a:stretch>
-                  <a:fillRect b="-6667"/>
-                </a:stretch>
-              </a:blipFill>
-            </p:spPr>
-            <p:txBody>
-              <a:bodyPr/>
-              <a:lstStyle/>
-              <a:p>
-                <a:r>
-                  <a:rPr lang="en-US">
-                    <a:noFill/>
-                  </a:rPr>
-                  <a:t> </a:t>
-                </a:r>
-              </a:p>
-            </p:txBody>
-          </p:sp>
-        </mc:Fallback>
-      </mc:AlternateContent>
-      <mc:AlternateContent xmlns:mc="http://schemas.openxmlformats.org/markup-compatibility/2006" xmlns:a14="http://schemas.microsoft.com/office/drawing/2010/main">
-        <mc:Choice Requires="a14">
-          <p:sp>
-            <p:nvSpPr>
-              <p:cNvPr id="38" name="Textfeld 37">
-                <a:extLst>
-                  <a:ext uri="{FF2B5EF4-FFF2-40B4-BE49-F238E27FC236}">
-                    <a16:creationId xmlns:a16="http://schemas.microsoft.com/office/drawing/2014/main" id="{7171C513-AC82-48D2-942A-88368764136A}"/>
-                  </a:ext>
-                </a:extLst>
-              </p:cNvPr>
-              <p:cNvSpPr txBox="1"/>
-              <p:nvPr/>
-            </p:nvSpPr>
-            <p:spPr>
-              <a:xfrm>
-                <a:off x="3171587" y="4524939"/>
-                <a:ext cx="679939" cy="391902"/>
-              </a:xfrm>
-              <a:prstGeom prst="rect">
-                <a:avLst/>
-              </a:prstGeom>
-              <a:noFill/>
-            </p:spPr>
-            <p:txBody>
-              <a:bodyPr wrap="square" rtlCol="0">
-                <a:spAutoFit/>
-              </a:bodyPr>
-              <a:lstStyle/>
-              <a:p>
-                <a:pPr/>
-                <a14:m>
-                  <m:oMathPara xmlns:m="http://schemas.openxmlformats.org/officeDocument/2006/math">
-                    <m:oMathParaPr>
-                      <m:jc m:val="centerGroup"/>
-                    </m:oMathParaPr>
-                    <m:oMath xmlns:m="http://schemas.openxmlformats.org/officeDocument/2006/math">
-                      <m:sSub>
-                        <m:sSubPr>
-                          <m:ctrlPr>
-                            <a:rPr lang="en-US" i="1" smtClean="0">
-                              <a:latin typeface="Cambria Math" panose="02040503050406030204" pitchFamily="18" charset="0"/>
-                            </a:rPr>
-                          </m:ctrlPr>
-                        </m:sSubPr>
-                        <m:e>
-                          <m:r>
-                            <a:rPr lang="en-US" b="0" i="1" smtClean="0">
-                              <a:latin typeface="Cambria Math" panose="02040503050406030204" pitchFamily="18" charset="0"/>
-                            </a:rPr>
-                            <m:t>𝑙</m:t>
-                          </m:r>
-                        </m:e>
-                        <m:sub>
-                          <m:r>
-                            <a:rPr lang="en-US" i="1">
-                              <a:latin typeface="Cambria Math" panose="02040503050406030204" pitchFamily="18" charset="0"/>
-                            </a:rPr>
-                            <m:t>𝑔</m:t>
-                          </m:r>
-                        </m:sub>
-                      </m:sSub>
-                    </m:oMath>
-                  </m:oMathPara>
-                </a14:m>
-                <a:endParaRPr lang="en-US" dirty="0"/>
-              </a:p>
-            </p:txBody>
-          </p:sp>
-        </mc:Choice>
-        <mc:Fallback xmlns="">
-          <p:sp>
-            <p:nvSpPr>
-              <p:cNvPr id="38" name="Textfeld 37">
-                <a:extLst>
-                  <a:ext uri="{FF2B5EF4-FFF2-40B4-BE49-F238E27FC236}">
-                    <a16:creationId xmlns:a16="http://schemas.microsoft.com/office/drawing/2014/main" id="{7171C513-AC82-48D2-942A-88368764136A}"/>
-                  </a:ext>
-                </a:extLst>
-              </p:cNvPr>
-              <p:cNvSpPr txBox="1">
-                <a:spLocks noRot="1" noChangeAspect="1" noMove="1" noResize="1" noEditPoints="1" noAdjustHandles="1" noChangeArrowheads="1" noChangeShapeType="1" noTextEdit="1"/>
-              </p:cNvSpPr>
-              <p:nvPr/>
-            </p:nvSpPr>
-            <p:spPr>
-              <a:xfrm>
-                <a:off x="3171587" y="4524939"/>
-                <a:ext cx="679939" cy="391902"/>
-              </a:xfrm>
-              <a:prstGeom prst="rect">
-                <a:avLst/>
-              </a:prstGeom>
-              <a:blipFill>
-                <a:blip r:embed="rId4"/>
-                <a:stretch>
-                  <a:fillRect b="-4615"/>
-                </a:stretch>
-              </a:blipFill>
-            </p:spPr>
-            <p:txBody>
-              <a:bodyPr/>
-              <a:lstStyle/>
-              <a:p>
-                <a:r>
-                  <a:rPr lang="en-US">
-                    <a:noFill/>
-                  </a:rPr>
-                  <a:t> </a:t>
-                </a:r>
-              </a:p>
-            </p:txBody>
-          </p:sp>
-        </mc:Fallback>
-      </mc:AlternateContent>
-      <p:cxnSp>
-        <p:nvCxnSpPr>
-          <p:cNvPr id="41" name="Gerade Verbindung mit Pfeil 40">
-            <a:extLst>
-              <a:ext uri="{FF2B5EF4-FFF2-40B4-BE49-F238E27FC236}">
-                <a16:creationId xmlns:a16="http://schemas.microsoft.com/office/drawing/2014/main" id="{BEE00558-D9FC-49FA-9BC9-97ABBD5DC75E}"/>
-              </a:ext>
-            </a:extLst>
-          </p:cNvPr>
-          <p:cNvCxnSpPr>
-            <a:cxnSpLocks/>
-          </p:cNvCxnSpPr>
-          <p:nvPr/>
-        </p:nvCxnSpPr>
-        <p:spPr>
-          <a:xfrm>
-            <a:off x="307283" y="4795991"/>
-            <a:ext cx="2037917" cy="0"/>
-          </a:xfrm>
-          <a:prstGeom prst="straightConnector1">
-            <a:avLst/>
-          </a:prstGeom>
-          <a:ln w="57150">
-            <a:solidFill>
-              <a:schemeClr val="accent6"/>
-            </a:solidFill>
-            <a:tailEnd type="triangle"/>
-          </a:ln>
-        </p:spPr>
-        <p:style>
-          <a:lnRef idx="3">
-            <a:schemeClr val="accent1"/>
-          </a:lnRef>
-          <a:fillRef idx="0">
-            <a:schemeClr val="accent1"/>
-          </a:fillRef>
-          <a:effectRef idx="2">
-            <a:schemeClr val="accent1"/>
-          </a:effectRef>
-          <a:fontRef idx="minor">
-            <a:schemeClr val="tx1"/>
-          </a:fontRef>
-        </p:style>
-      </p:cxnSp>
-      <mc:AlternateContent xmlns:mc="http://schemas.openxmlformats.org/markup-compatibility/2006" xmlns:a14="http://schemas.microsoft.com/office/drawing/2010/main">
-        <mc:Choice Requires="a14">
-          <p:sp>
-            <p:nvSpPr>
-              <p:cNvPr id="42" name="Textfeld 41">
-                <a:extLst>
-                  <a:ext uri="{FF2B5EF4-FFF2-40B4-BE49-F238E27FC236}">
-                    <a16:creationId xmlns:a16="http://schemas.microsoft.com/office/drawing/2014/main" id="{7731668C-3399-461C-95C4-72E8F44BF5B0}"/>
-                  </a:ext>
-                </a:extLst>
-              </p:cNvPr>
-              <p:cNvSpPr txBox="1"/>
-              <p:nvPr/>
-            </p:nvSpPr>
-            <p:spPr>
-              <a:xfrm>
-                <a:off x="444747" y="4457667"/>
-                <a:ext cx="1590722" cy="369332"/>
-              </a:xfrm>
-              <a:prstGeom prst="rect">
-                <a:avLst/>
-              </a:prstGeom>
-              <a:noFill/>
-            </p:spPr>
-            <p:txBody>
-              <a:bodyPr wrap="square" rtlCol="0">
-                <a:spAutoFit/>
-              </a:bodyPr>
-              <a:lstStyle/>
-              <a:p>
-                <a:pPr/>
-                <a14:m>
-                  <m:oMathPara xmlns:m="http://schemas.openxmlformats.org/officeDocument/2006/math">
-                    <m:oMathParaPr>
-                      <m:jc m:val="centerGroup"/>
-                    </m:oMathParaPr>
-                    <m:oMath xmlns:m="http://schemas.openxmlformats.org/officeDocument/2006/math">
-                      <m:r>
-                        <a:rPr lang="en-US" b="0" i="1" smtClean="0">
-                          <a:solidFill>
-                            <a:schemeClr val="accent6"/>
-                          </a:solidFill>
-                          <a:latin typeface="Cambria Math" panose="02040503050406030204" pitchFamily="18" charset="0"/>
-                        </a:rPr>
-                        <m:t>𝑠𝑒𝑛𝑑</m:t>
-                      </m:r>
-                      <m:r>
-                        <a:rPr lang="en-US" b="0" i="1" smtClean="0">
-                          <a:solidFill>
-                            <a:schemeClr val="accent6"/>
-                          </a:solidFill>
-                          <a:latin typeface="Cambria Math" panose="02040503050406030204" pitchFamily="18" charset="0"/>
-                        </a:rPr>
-                        <m:t>_</m:t>
-                      </m:r>
-                      <m:r>
-                        <a:rPr lang="en-US" b="0" i="1" smtClean="0">
-                          <a:solidFill>
-                            <a:schemeClr val="accent6"/>
-                          </a:solidFill>
-                          <a:latin typeface="Cambria Math" panose="02040503050406030204" pitchFamily="18" charset="0"/>
-                        </a:rPr>
-                        <m:t>h𝑒𝑙𝑙𝑜</m:t>
-                      </m:r>
-                      <m:r>
-                        <a:rPr lang="en-US" b="0" i="1" smtClean="0">
-                          <a:solidFill>
-                            <a:schemeClr val="accent6"/>
-                          </a:solidFill>
-                          <a:latin typeface="Cambria Math" panose="02040503050406030204" pitchFamily="18" charset="0"/>
-                        </a:rPr>
-                        <m:t>(</m:t>
-                      </m:r>
-                      <m:r>
-                        <a:rPr lang="en-US" b="0" i="1" smtClean="0">
-                          <a:solidFill>
-                            <a:schemeClr val="accent6"/>
-                          </a:solidFill>
-                          <a:latin typeface="Cambria Math" panose="02040503050406030204" pitchFamily="18" charset="0"/>
-                        </a:rPr>
-                        <m:t>𝑓</m:t>
-                      </m:r>
-                      <m:r>
-                        <a:rPr lang="en-US" b="0" i="1" smtClean="0">
-                          <a:solidFill>
-                            <a:schemeClr val="accent6"/>
-                          </a:solidFill>
-                          <a:latin typeface="Cambria Math" panose="02040503050406030204" pitchFamily="18" charset="0"/>
-                        </a:rPr>
-                        <m:t>)</m:t>
-                      </m:r>
-                    </m:oMath>
-                  </m:oMathPara>
-                </a14:m>
-                <a:endParaRPr lang="en-US" dirty="0">
-                  <a:solidFill>
-                    <a:schemeClr val="accent6"/>
-                  </a:solidFill>
-                </a:endParaRPr>
-              </a:p>
-            </p:txBody>
-          </p:sp>
-        </mc:Choice>
-        <mc:Fallback xmlns="">
-          <p:sp>
-            <p:nvSpPr>
-              <p:cNvPr id="42" name="Textfeld 41">
-                <a:extLst>
-                  <a:ext uri="{FF2B5EF4-FFF2-40B4-BE49-F238E27FC236}">
-                    <a16:creationId xmlns:a16="http://schemas.microsoft.com/office/drawing/2014/main" id="{7731668C-3399-461C-95C4-72E8F44BF5B0}"/>
-                  </a:ext>
-                </a:extLst>
-              </p:cNvPr>
-              <p:cNvSpPr txBox="1">
-                <a:spLocks noRot="1" noChangeAspect="1" noMove="1" noResize="1" noEditPoints="1" noAdjustHandles="1" noChangeArrowheads="1" noChangeShapeType="1" noTextEdit="1"/>
-              </p:cNvSpPr>
-              <p:nvPr/>
-            </p:nvSpPr>
-            <p:spPr>
-              <a:xfrm>
-                <a:off x="444747" y="4457667"/>
-                <a:ext cx="1590722" cy="369332"/>
-              </a:xfrm>
-              <a:prstGeom prst="rect">
-                <a:avLst/>
-              </a:prstGeom>
-              <a:blipFill>
-                <a:blip r:embed="rId5"/>
-                <a:stretch>
-                  <a:fillRect r="-1149" b="-13115"/>
-                </a:stretch>
-              </a:blipFill>
-            </p:spPr>
-            <p:txBody>
-              <a:bodyPr/>
-              <a:lstStyle/>
-              <a:p>
-                <a:r>
-                  <a:rPr lang="en-US">
-                    <a:noFill/>
-                  </a:rPr>
-                  <a:t> </a:t>
-                </a:r>
-              </a:p>
-            </p:txBody>
-          </p:sp>
-        </mc:Fallback>
-      </mc:AlternateContent>
-      <p:cxnSp>
-        <p:nvCxnSpPr>
-          <p:cNvPr id="46" name="Gerade Verbindung mit Pfeil 45">
-            <a:extLst>
-              <a:ext uri="{FF2B5EF4-FFF2-40B4-BE49-F238E27FC236}">
-                <a16:creationId xmlns:a16="http://schemas.microsoft.com/office/drawing/2014/main" id="{296FC28C-F3DE-4A5A-857C-487F708D8CCA}"/>
-              </a:ext>
-            </a:extLst>
-          </p:cNvPr>
-          <p:cNvCxnSpPr>
-            <a:cxnSpLocks/>
-          </p:cNvCxnSpPr>
-          <p:nvPr/>
-        </p:nvCxnSpPr>
-        <p:spPr>
-          <a:xfrm flipH="1">
-            <a:off x="201956" y="5299228"/>
-            <a:ext cx="2146326" cy="0"/>
-          </a:xfrm>
-          <a:prstGeom prst="straightConnector1">
-            <a:avLst/>
-          </a:prstGeom>
-          <a:ln w="57150">
-            <a:solidFill>
-              <a:schemeClr val="accent6"/>
-            </a:solidFill>
-            <a:tailEnd type="triangle"/>
-          </a:ln>
-        </p:spPr>
-        <p:style>
-          <a:lnRef idx="3">
-            <a:schemeClr val="accent1"/>
-          </a:lnRef>
-          <a:fillRef idx="0">
-            <a:schemeClr val="accent1"/>
-          </a:fillRef>
-          <a:effectRef idx="2">
-            <a:schemeClr val="accent1"/>
-          </a:effectRef>
-          <a:fontRef idx="minor">
-            <a:schemeClr val="tx1"/>
-          </a:fontRef>
-        </p:style>
-      </p:cxnSp>
-      <mc:AlternateContent xmlns:mc="http://schemas.openxmlformats.org/markup-compatibility/2006" xmlns:a14="http://schemas.microsoft.com/office/drawing/2010/main">
-        <mc:Choice Requires="a14">
-          <p:sp>
-            <p:nvSpPr>
-              <p:cNvPr id="47" name="Textfeld 46">
-                <a:extLst>
-                  <a:ext uri="{FF2B5EF4-FFF2-40B4-BE49-F238E27FC236}">
-                    <a16:creationId xmlns:a16="http://schemas.microsoft.com/office/drawing/2014/main" id="{186EA3DA-30B1-4B31-9DE1-0E17F4C7EA0D}"/>
-                  </a:ext>
-                </a:extLst>
-              </p:cNvPr>
-              <p:cNvSpPr txBox="1"/>
-              <p:nvPr/>
-            </p:nvSpPr>
-            <p:spPr>
-              <a:xfrm>
-                <a:off x="159188" y="4881157"/>
-                <a:ext cx="1932446" cy="391902"/>
-              </a:xfrm>
-              <a:prstGeom prst="rect">
-                <a:avLst/>
-              </a:prstGeom>
-              <a:noFill/>
-            </p:spPr>
-            <p:txBody>
-              <a:bodyPr wrap="square" rtlCol="0">
-                <a:spAutoFit/>
-              </a:bodyPr>
-              <a:lstStyle/>
-              <a:p>
-                <a:pPr/>
-                <a14:m>
-                  <m:oMathPara xmlns:m="http://schemas.openxmlformats.org/officeDocument/2006/math">
-                    <m:oMathParaPr>
-                      <m:jc m:val="centerGroup"/>
-                    </m:oMathParaPr>
-                    <m:oMath xmlns:m="http://schemas.openxmlformats.org/officeDocument/2006/math">
-                      <m:r>
-                        <a:rPr lang="en-US" b="0" i="1" smtClean="0">
-                          <a:solidFill>
-                            <a:schemeClr val="accent6"/>
-                          </a:solidFill>
-                          <a:latin typeface="Cambria Math" panose="02040503050406030204" pitchFamily="18" charset="0"/>
-                        </a:rPr>
-                        <m:t>h𝑒𝑙𝑙𝑜</m:t>
-                      </m:r>
-                      <m:r>
-                        <a:rPr lang="en-US" b="0" i="1" smtClean="0">
-                          <a:solidFill>
-                            <a:schemeClr val="accent6"/>
-                          </a:solidFill>
-                          <a:latin typeface="Cambria Math" panose="02040503050406030204" pitchFamily="18" charset="0"/>
-                        </a:rPr>
-                        <m:t>_</m:t>
-                      </m:r>
-                      <m:r>
-                        <a:rPr lang="en-US" b="0" i="1" smtClean="0">
-                          <a:solidFill>
-                            <a:schemeClr val="accent6"/>
-                          </a:solidFill>
-                          <a:latin typeface="Cambria Math" panose="02040503050406030204" pitchFamily="18" charset="0"/>
-                        </a:rPr>
-                        <m:t>𝑐𝑎𝑙𝑙𝑏𝑎𝑐𝑘</m:t>
-                      </m:r>
-                      <m:r>
-                        <a:rPr lang="en-US" b="0" i="1" smtClean="0">
-                          <a:solidFill>
-                            <a:schemeClr val="accent6"/>
-                          </a:solidFill>
-                          <a:latin typeface="Cambria Math" panose="02040503050406030204" pitchFamily="18" charset="0"/>
-                        </a:rPr>
-                        <m:t>(</m:t>
-                      </m:r>
-                      <m:sSub>
-                        <m:sSubPr>
-                          <m:ctrlPr>
-                            <a:rPr lang="en-US" b="0" i="1" smtClean="0">
-                              <a:solidFill>
-                                <a:schemeClr val="accent6"/>
-                              </a:solidFill>
-                              <a:latin typeface="Cambria Math" panose="02040503050406030204" pitchFamily="18" charset="0"/>
-                            </a:rPr>
-                          </m:ctrlPr>
-                        </m:sSubPr>
-                        <m:e>
-                          <m:r>
-                            <a:rPr lang="en-US" b="0" i="1" smtClean="0">
-                              <a:solidFill>
-                                <a:schemeClr val="accent6"/>
-                              </a:solidFill>
-                              <a:latin typeface="Cambria Math" panose="02040503050406030204" pitchFamily="18" charset="0"/>
-                            </a:rPr>
-                            <m:t>𝑙</m:t>
-                          </m:r>
-                        </m:e>
-                        <m:sub>
-                          <m:r>
-                            <a:rPr lang="en-US" b="0" i="1" smtClean="0">
-                              <a:solidFill>
-                                <a:schemeClr val="accent6"/>
-                              </a:solidFill>
-                              <a:latin typeface="Cambria Math" panose="02040503050406030204" pitchFamily="18" charset="0"/>
-                            </a:rPr>
-                            <m:t>𝑔</m:t>
-                          </m:r>
-                        </m:sub>
-                      </m:sSub>
-                      <m:r>
-                        <a:rPr lang="en-US" b="0" i="1" smtClean="0">
-                          <a:solidFill>
-                            <a:schemeClr val="accent6"/>
-                          </a:solidFill>
-                          <a:latin typeface="Cambria Math" panose="02040503050406030204" pitchFamily="18" charset="0"/>
-                        </a:rPr>
-                        <m:t>)</m:t>
-                      </m:r>
-                    </m:oMath>
-                  </m:oMathPara>
-                </a14:m>
-                <a:endParaRPr lang="en-US" dirty="0">
-                  <a:solidFill>
-                    <a:schemeClr val="accent6"/>
-                  </a:solidFill>
-                </a:endParaRPr>
-              </a:p>
-            </p:txBody>
-          </p:sp>
-        </mc:Choice>
-        <mc:Fallback xmlns="">
-          <p:sp>
-            <p:nvSpPr>
-              <p:cNvPr id="47" name="Textfeld 46">
-                <a:extLst>
-                  <a:ext uri="{FF2B5EF4-FFF2-40B4-BE49-F238E27FC236}">
-                    <a16:creationId xmlns:a16="http://schemas.microsoft.com/office/drawing/2014/main" id="{186EA3DA-30B1-4B31-9DE1-0E17F4C7EA0D}"/>
-                  </a:ext>
-                </a:extLst>
-              </p:cNvPr>
-              <p:cNvSpPr txBox="1">
-                <a:spLocks noRot="1" noChangeAspect="1" noMove="1" noResize="1" noEditPoints="1" noAdjustHandles="1" noChangeArrowheads="1" noChangeShapeType="1" noTextEdit="1"/>
-              </p:cNvSpPr>
-              <p:nvPr/>
-            </p:nvSpPr>
-            <p:spPr>
-              <a:xfrm>
-                <a:off x="159188" y="4881157"/>
-                <a:ext cx="1932446" cy="391902"/>
-              </a:xfrm>
-              <a:prstGeom prst="rect">
-                <a:avLst/>
-              </a:prstGeom>
-              <a:blipFill>
-                <a:blip r:embed="rId6"/>
-                <a:stretch>
-                  <a:fillRect r="-5363" b="-7813"/>
-                </a:stretch>
-              </a:blipFill>
-            </p:spPr>
-            <p:txBody>
-              <a:bodyPr/>
-              <a:lstStyle/>
-              <a:p>
-                <a:r>
-                  <a:rPr lang="en-US">
-                    <a:noFill/>
-                  </a:rPr>
-                  <a:t> </a:t>
-                </a:r>
-              </a:p>
-            </p:txBody>
-          </p:sp>
-        </mc:Fallback>
-      </mc:AlternateContent>
-      <p:cxnSp>
-        <p:nvCxnSpPr>
-          <p:cNvPr id="49" name="Gerade Verbindung mit Pfeil 48">
-            <a:extLst>
-              <a:ext uri="{FF2B5EF4-FFF2-40B4-BE49-F238E27FC236}">
-                <a16:creationId xmlns:a16="http://schemas.microsoft.com/office/drawing/2014/main" id="{D02335DB-3F57-4659-BCBB-E7D5C30C80E3}"/>
-              </a:ext>
-            </a:extLst>
-          </p:cNvPr>
-          <p:cNvCxnSpPr>
-            <a:cxnSpLocks/>
-          </p:cNvCxnSpPr>
-          <p:nvPr/>
-        </p:nvCxnSpPr>
-        <p:spPr>
-          <a:xfrm>
-            <a:off x="307283" y="6061912"/>
-            <a:ext cx="4689442" cy="21264"/>
-          </a:xfrm>
-          <a:prstGeom prst="straightConnector1">
-            <a:avLst/>
-          </a:prstGeom>
-          <a:ln w="57150">
-            <a:solidFill>
-              <a:schemeClr val="accent6"/>
-            </a:solidFill>
-            <a:tailEnd type="triangle"/>
-          </a:ln>
-        </p:spPr>
-        <p:style>
-          <a:lnRef idx="3">
-            <a:schemeClr val="accent1"/>
-          </a:lnRef>
-          <a:fillRef idx="0">
-            <a:schemeClr val="accent1"/>
-          </a:fillRef>
-          <a:effectRef idx="2">
-            <a:schemeClr val="accent1"/>
-          </a:effectRef>
-          <a:fontRef idx="minor">
-            <a:schemeClr val="tx1"/>
-          </a:fontRef>
-        </p:style>
-      </p:cxnSp>
-      <mc:AlternateContent xmlns:mc="http://schemas.openxmlformats.org/markup-compatibility/2006" xmlns:a14="http://schemas.microsoft.com/office/drawing/2010/main">
-        <mc:Choice Requires="a14">
-          <p:sp>
-            <p:nvSpPr>
-              <p:cNvPr id="51" name="Textfeld 50">
-                <a:extLst>
-                  <a:ext uri="{FF2B5EF4-FFF2-40B4-BE49-F238E27FC236}">
-                    <a16:creationId xmlns:a16="http://schemas.microsoft.com/office/drawing/2014/main" id="{ED0C74D4-954C-4141-8467-3BE840B1A6A0}"/>
-                  </a:ext>
-                </a:extLst>
-              </p:cNvPr>
-              <p:cNvSpPr txBox="1"/>
-              <p:nvPr/>
-            </p:nvSpPr>
-            <p:spPr>
-              <a:xfrm>
-                <a:off x="737638" y="5715929"/>
-                <a:ext cx="1786589" cy="369332"/>
-              </a:xfrm>
-              <a:prstGeom prst="rect">
-                <a:avLst/>
-              </a:prstGeom>
-              <a:noFill/>
-            </p:spPr>
-            <p:txBody>
-              <a:bodyPr wrap="square" rtlCol="0">
-                <a:spAutoFit/>
-              </a:bodyPr>
-              <a:lstStyle/>
-              <a:p>
-                <a:pPr/>
-                <a14:m>
-                  <m:oMathPara xmlns:m="http://schemas.openxmlformats.org/officeDocument/2006/math">
-                    <m:oMathParaPr>
-                      <m:jc m:val="centerGroup"/>
-                    </m:oMathParaPr>
-                    <m:oMath xmlns:m="http://schemas.openxmlformats.org/officeDocument/2006/math">
-                      <m:r>
-                        <a:rPr lang="en-US" b="0" i="1" smtClean="0">
-                          <a:solidFill>
-                            <a:schemeClr val="accent6"/>
-                          </a:solidFill>
-                          <a:latin typeface="Cambria Math" panose="02040503050406030204" pitchFamily="18" charset="0"/>
-                        </a:rPr>
-                        <m:t>𝑠𝑒𝑛𝑑</m:t>
-                      </m:r>
-                      <m:r>
-                        <a:rPr lang="en-US" b="0" i="1" smtClean="0">
-                          <a:solidFill>
-                            <a:schemeClr val="accent6"/>
-                          </a:solidFill>
-                          <a:latin typeface="Cambria Math" panose="02040503050406030204" pitchFamily="18" charset="0"/>
-                        </a:rPr>
-                        <m:t>_</m:t>
-                      </m:r>
-                      <m:r>
-                        <a:rPr lang="en-US" b="0" i="1" smtClean="0">
-                          <a:solidFill>
-                            <a:schemeClr val="accent6"/>
-                          </a:solidFill>
-                          <a:latin typeface="Cambria Math" panose="02040503050406030204" pitchFamily="18" charset="0"/>
-                        </a:rPr>
-                        <m:t>𝑟𝑒𝑝𝑜𝑟𝑡</m:t>
-                      </m:r>
-                      <m:r>
-                        <a:rPr lang="en-US" b="0" i="1" smtClean="0">
-                          <a:solidFill>
-                            <a:schemeClr val="accent6"/>
-                          </a:solidFill>
-                          <a:latin typeface="Cambria Math" panose="02040503050406030204" pitchFamily="18" charset="0"/>
-                        </a:rPr>
-                        <m:t> (</m:t>
-                      </m:r>
-                      <m:r>
-                        <a:rPr lang="en-US" b="0" i="1" smtClean="0">
-                          <a:solidFill>
-                            <a:schemeClr val="accent6"/>
-                          </a:solidFill>
-                          <a:latin typeface="Cambria Math" panose="02040503050406030204" pitchFamily="18" charset="0"/>
-                        </a:rPr>
-                        <m:t>𝑓</m:t>
-                      </m:r>
-                      <m:r>
-                        <a:rPr lang="en-US" b="0" i="1" smtClean="0">
-                          <a:solidFill>
-                            <a:schemeClr val="accent6"/>
-                          </a:solidFill>
-                          <a:latin typeface="Cambria Math" panose="02040503050406030204" pitchFamily="18" charset="0"/>
-                        </a:rPr>
-                        <m:t>)</m:t>
-                      </m:r>
-                    </m:oMath>
-                  </m:oMathPara>
-                </a14:m>
-                <a:endParaRPr lang="en-US" dirty="0">
-                  <a:solidFill>
-                    <a:schemeClr val="accent6"/>
-                  </a:solidFill>
-                </a:endParaRPr>
-              </a:p>
-            </p:txBody>
-          </p:sp>
-        </mc:Choice>
-        <mc:Fallback xmlns="">
-          <p:sp>
-            <p:nvSpPr>
-              <p:cNvPr id="51" name="Textfeld 50">
-                <a:extLst>
-                  <a:ext uri="{FF2B5EF4-FFF2-40B4-BE49-F238E27FC236}">
-                    <a16:creationId xmlns:a16="http://schemas.microsoft.com/office/drawing/2014/main" id="{ED0C74D4-954C-4141-8467-3BE840B1A6A0}"/>
-                  </a:ext>
-                </a:extLst>
-              </p:cNvPr>
-              <p:cNvSpPr txBox="1">
-                <a:spLocks noRot="1" noChangeAspect="1" noMove="1" noResize="1" noEditPoints="1" noAdjustHandles="1" noChangeArrowheads="1" noChangeShapeType="1" noTextEdit="1"/>
-              </p:cNvSpPr>
-              <p:nvPr/>
-            </p:nvSpPr>
-            <p:spPr>
-              <a:xfrm>
-                <a:off x="737638" y="5715929"/>
-                <a:ext cx="1786589" cy="369332"/>
-              </a:xfrm>
-              <a:prstGeom prst="rect">
-                <a:avLst/>
-              </a:prstGeom>
-              <a:blipFill>
-                <a:blip r:embed="rId7"/>
-                <a:stretch>
-                  <a:fillRect r="-2048" b="-13333"/>
-                </a:stretch>
-              </a:blipFill>
-            </p:spPr>
-            <p:txBody>
-              <a:bodyPr/>
-              <a:lstStyle/>
-              <a:p>
-                <a:r>
-                  <a:rPr lang="en-US">
-                    <a:noFill/>
-                  </a:rPr>
-                  <a:t> </a:t>
-                </a:r>
-              </a:p>
-            </p:txBody>
-          </p:sp>
-        </mc:Fallback>
-      </mc:AlternateContent>
-      <mc:AlternateContent xmlns:mc="http://schemas.openxmlformats.org/markup-compatibility/2006" xmlns:a14="http://schemas.microsoft.com/office/drawing/2010/main">
-        <mc:Choice Requires="a14">
-          <p:sp>
-            <p:nvSpPr>
-              <p:cNvPr id="52" name="Textfeld 51">
-                <a:extLst>
-                  <a:ext uri="{FF2B5EF4-FFF2-40B4-BE49-F238E27FC236}">
-                    <a16:creationId xmlns:a16="http://schemas.microsoft.com/office/drawing/2014/main" id="{83A05E6D-F055-42C8-9633-1697C036F6BE}"/>
-                  </a:ext>
-                </a:extLst>
-              </p:cNvPr>
-              <p:cNvSpPr txBox="1"/>
-              <p:nvPr/>
-            </p:nvSpPr>
-            <p:spPr>
-              <a:xfrm>
-                <a:off x="4749832" y="4524940"/>
-                <a:ext cx="1169379" cy="369332"/>
-              </a:xfrm>
-              <a:prstGeom prst="rect">
-                <a:avLst/>
-              </a:prstGeom>
-              <a:noFill/>
-            </p:spPr>
-            <p:txBody>
-              <a:bodyPr wrap="square" rtlCol="0">
-                <a:spAutoFit/>
-              </a:bodyPr>
-              <a:lstStyle/>
-              <a:p>
-                <a:pPr/>
-                <a14:m>
-                  <m:oMathPara xmlns:m="http://schemas.openxmlformats.org/officeDocument/2006/math">
-                    <m:oMathParaPr>
-                      <m:jc m:val="centerGroup"/>
-                    </m:oMathParaPr>
-                    <m:oMath xmlns:m="http://schemas.openxmlformats.org/officeDocument/2006/math">
-                      <m:r>
-                        <a:rPr lang="en-US" b="0" i="1" smtClean="0">
-                          <a:latin typeface="Cambria Math" panose="02040503050406030204" pitchFamily="18" charset="0"/>
-                        </a:rPr>
-                        <m:t>𝑓</m:t>
-                      </m:r>
-                    </m:oMath>
-                  </m:oMathPara>
-                </a14:m>
-                <a:endParaRPr lang="en-US" dirty="0"/>
-              </a:p>
-            </p:txBody>
-          </p:sp>
-        </mc:Choice>
-        <mc:Fallback xmlns="">
-          <p:sp>
-            <p:nvSpPr>
-              <p:cNvPr id="52" name="Textfeld 51">
-                <a:extLst>
-                  <a:ext uri="{FF2B5EF4-FFF2-40B4-BE49-F238E27FC236}">
-                    <a16:creationId xmlns:a16="http://schemas.microsoft.com/office/drawing/2014/main" id="{83A05E6D-F055-42C8-9633-1697C036F6BE}"/>
-                  </a:ext>
-                </a:extLst>
-              </p:cNvPr>
-              <p:cNvSpPr txBox="1">
-                <a:spLocks noRot="1" noChangeAspect="1" noMove="1" noResize="1" noEditPoints="1" noAdjustHandles="1" noChangeArrowheads="1" noChangeShapeType="1" noTextEdit="1"/>
-              </p:cNvSpPr>
-              <p:nvPr/>
-            </p:nvSpPr>
-            <p:spPr>
-              <a:xfrm>
-                <a:off x="4749832" y="4524940"/>
-                <a:ext cx="1169379" cy="369332"/>
-              </a:xfrm>
-              <a:prstGeom prst="rect">
-                <a:avLst/>
-              </a:prstGeom>
-              <a:blipFill>
-                <a:blip r:embed="rId8"/>
-                <a:stretch>
-                  <a:fillRect b="-13115"/>
-                </a:stretch>
-              </a:blipFill>
-            </p:spPr>
-            <p:txBody>
-              <a:bodyPr/>
-              <a:lstStyle/>
-              <a:p>
-                <a:r>
-                  <a:rPr lang="en-US">
-                    <a:noFill/>
-                  </a:rPr>
-                  <a:t> </a:t>
-                </a:r>
-              </a:p>
-            </p:txBody>
-          </p:sp>
-        </mc:Fallback>
-      </mc:AlternateContent>
-      <mc:AlternateContent xmlns:mc="http://schemas.openxmlformats.org/markup-compatibility/2006" xmlns:a14="http://schemas.microsoft.com/office/drawing/2010/main">
-        <mc:Choice Requires="a14">
-          <p:sp>
-            <p:nvSpPr>
-              <p:cNvPr id="53" name="Textfeld 52">
-                <a:extLst>
-                  <a:ext uri="{FF2B5EF4-FFF2-40B4-BE49-F238E27FC236}">
-                    <a16:creationId xmlns:a16="http://schemas.microsoft.com/office/drawing/2014/main" id="{15C47D93-0F4C-4D2B-AECC-B68372454F91}"/>
-                  </a:ext>
-                </a:extLst>
-              </p:cNvPr>
-              <p:cNvSpPr txBox="1"/>
-              <p:nvPr/>
-            </p:nvSpPr>
-            <p:spPr>
-              <a:xfrm>
-                <a:off x="5583603" y="4590689"/>
-                <a:ext cx="679939" cy="307777"/>
-              </a:xfrm>
-              <a:prstGeom prst="rect">
-                <a:avLst/>
-              </a:prstGeom>
-              <a:noFill/>
-            </p:spPr>
-            <p:txBody>
-              <a:bodyPr wrap="square" rtlCol="0">
-                <a:spAutoFit/>
-              </a:bodyPr>
-              <a:lstStyle/>
-              <a:p>
-                <a:pPr/>
-                <a14:m>
-                  <m:oMathPara xmlns:m="http://schemas.openxmlformats.org/officeDocument/2006/math">
-                    <m:oMathParaPr>
-                      <m:jc m:val="centerGroup"/>
-                    </m:oMathParaPr>
-                    <m:oMath xmlns:m="http://schemas.openxmlformats.org/officeDocument/2006/math">
-                      <m:r>
-                        <a:rPr lang="en-US" sz="1400" i="1" smtClean="0">
-                          <a:latin typeface="Cambria Math" panose="02040503050406030204" pitchFamily="18" charset="0"/>
-                        </a:rPr>
-                        <m:t>𝑟</m:t>
-                      </m:r>
-                      <m:r>
-                        <a:rPr lang="en-US" sz="1400" b="0" i="1" smtClean="0">
-                          <a:latin typeface="Cambria Math" panose="02040503050406030204" pitchFamily="18" charset="0"/>
-                        </a:rPr>
-                        <m:t>𝑒𝑝𝑜𝑟𝑡𝑠</m:t>
-                      </m:r>
-                      <m:r>
-                        <a:rPr lang="en-US" sz="1400" b="0" i="1" smtClean="0">
-                          <a:latin typeface="Cambria Math" panose="02040503050406030204" pitchFamily="18" charset="0"/>
-                        </a:rPr>
-                        <m:t>(</m:t>
-                      </m:r>
-                      <m:r>
-                        <a:rPr lang="en-US" sz="1400" b="0" i="1" smtClean="0">
-                          <a:latin typeface="Cambria Math" panose="02040503050406030204" pitchFamily="18" charset="0"/>
-                        </a:rPr>
-                        <m:t>𝑓</m:t>
-                      </m:r>
-                      <m:r>
-                        <a:rPr lang="en-US" sz="1400" b="0" i="1" smtClean="0">
-                          <a:latin typeface="Cambria Math" panose="02040503050406030204" pitchFamily="18" charset="0"/>
-                        </a:rPr>
-                        <m:t>)</m:t>
-                      </m:r>
-                    </m:oMath>
-                  </m:oMathPara>
-                </a14:m>
-                <a:endParaRPr lang="en-US" sz="1400" dirty="0"/>
-              </a:p>
-            </p:txBody>
-          </p:sp>
-        </mc:Choice>
-        <mc:Fallback xmlns="">
-          <p:sp>
-            <p:nvSpPr>
-              <p:cNvPr id="53" name="Textfeld 52">
-                <a:extLst>
-                  <a:ext uri="{FF2B5EF4-FFF2-40B4-BE49-F238E27FC236}">
-                    <a16:creationId xmlns:a16="http://schemas.microsoft.com/office/drawing/2014/main" id="{15C47D93-0F4C-4D2B-AECC-B68372454F91}"/>
-                  </a:ext>
-                </a:extLst>
-              </p:cNvPr>
-              <p:cNvSpPr txBox="1">
-                <a:spLocks noRot="1" noChangeAspect="1" noMove="1" noResize="1" noEditPoints="1" noAdjustHandles="1" noChangeArrowheads="1" noChangeShapeType="1" noTextEdit="1"/>
-              </p:cNvSpPr>
-              <p:nvPr/>
-            </p:nvSpPr>
-            <p:spPr>
-              <a:xfrm>
-                <a:off x="5583603" y="4590689"/>
-                <a:ext cx="679939" cy="307777"/>
-              </a:xfrm>
-              <a:prstGeom prst="rect">
-                <a:avLst/>
-              </a:prstGeom>
-              <a:blipFill>
-                <a:blip r:embed="rId9"/>
-                <a:stretch>
-                  <a:fillRect r="-52252" b="-5882"/>
-                </a:stretch>
-              </a:blipFill>
-            </p:spPr>
-            <p:txBody>
-              <a:bodyPr/>
-              <a:lstStyle/>
-              <a:p>
-                <a:r>
-                  <a:rPr lang="en-US">
-                    <a:noFill/>
-                  </a:rPr>
-                  <a:t> </a:t>
-                </a:r>
-              </a:p>
-            </p:txBody>
-          </p:sp>
-        </mc:Fallback>
-      </mc:AlternateContent>
-      <p:cxnSp>
-        <p:nvCxnSpPr>
-          <p:cNvPr id="54" name="Gerade Verbindung mit Pfeil 53">
-            <a:extLst>
-              <a:ext uri="{FF2B5EF4-FFF2-40B4-BE49-F238E27FC236}">
-                <a16:creationId xmlns:a16="http://schemas.microsoft.com/office/drawing/2014/main" id="{A2233C1F-A98A-468B-9312-C626455FE6E9}"/>
-              </a:ext>
-            </a:extLst>
-          </p:cNvPr>
-          <p:cNvCxnSpPr>
-            <a:cxnSpLocks/>
-            <a:endCxn id="57" idx="1"/>
-          </p:cNvCxnSpPr>
-          <p:nvPr/>
-        </p:nvCxnSpPr>
-        <p:spPr>
-          <a:xfrm flipV="1">
-            <a:off x="6665098" y="5101508"/>
-            <a:ext cx="2432891" cy="12500"/>
-          </a:xfrm>
-          <a:prstGeom prst="straightConnector1">
-            <a:avLst/>
-          </a:prstGeom>
-          <a:ln w="57150">
-            <a:solidFill>
-              <a:schemeClr val="accent2"/>
-            </a:solidFill>
-            <a:tailEnd type="triangle"/>
-          </a:ln>
-        </p:spPr>
-        <p:style>
-          <a:lnRef idx="3">
-            <a:schemeClr val="accent1"/>
-          </a:lnRef>
-          <a:fillRef idx="0">
-            <a:schemeClr val="accent1"/>
-          </a:fillRef>
-          <a:effectRef idx="2">
-            <a:schemeClr val="accent1"/>
-          </a:effectRef>
-          <a:fontRef idx="minor">
-            <a:schemeClr val="tx1"/>
-          </a:fontRef>
-        </p:style>
-      </p:cxnSp>
-      <mc:AlternateContent xmlns:mc="http://schemas.openxmlformats.org/markup-compatibility/2006" xmlns:a14="http://schemas.microsoft.com/office/drawing/2010/main">
-        <mc:Choice Requires="a14">
-          <p:sp>
-            <p:nvSpPr>
-              <p:cNvPr id="57" name="Rechteck 56">
-                <a:extLst>
-                  <a:ext uri="{FF2B5EF4-FFF2-40B4-BE49-F238E27FC236}">
-                    <a16:creationId xmlns:a16="http://schemas.microsoft.com/office/drawing/2014/main" id="{124785C4-AC28-446F-A4D0-095F0F3BABA2}"/>
-                  </a:ext>
-                </a:extLst>
-              </p:cNvPr>
-              <p:cNvSpPr/>
-              <p:nvPr/>
-            </p:nvSpPr>
-            <p:spPr>
-              <a:xfrm>
-                <a:off x="9097989" y="4916842"/>
-                <a:ext cx="2255810" cy="369332"/>
-              </a:xfrm>
-              <a:prstGeom prst="rect">
-                <a:avLst/>
-              </a:prstGeom>
-            </p:spPr>
-            <p:txBody>
-              <a:bodyPr wrap="none">
-                <a:spAutoFit/>
-              </a:bodyPr>
-              <a:lstStyle/>
-              <a:p>
-                <a:r>
-                  <a:rPr lang="en-US" dirty="0"/>
-                  <a:t>label </a:t>
-                </a:r>
-                <a14:m>
-                  <m:oMath xmlns:m="http://schemas.openxmlformats.org/officeDocument/2006/math">
-                    <m:r>
-                      <a:rPr lang="en-US" i="1">
-                        <a:latin typeface="Cambria Math" panose="02040503050406030204" pitchFamily="18" charset="0"/>
-                      </a:rPr>
-                      <m:t>𝑓</m:t>
-                    </m:r>
-                  </m:oMath>
-                </a14:m>
-                <a:r>
-                  <a:rPr lang="en-US" dirty="0"/>
-                  <a:t> as heavy hitter</a:t>
-                </a:r>
-              </a:p>
-            </p:txBody>
-          </p:sp>
-        </mc:Choice>
-        <mc:Fallback xmlns="">
-          <p:sp>
-            <p:nvSpPr>
-              <p:cNvPr id="57" name="Rechteck 56">
-                <a:extLst>
-                  <a:ext uri="{FF2B5EF4-FFF2-40B4-BE49-F238E27FC236}">
-                    <a16:creationId xmlns:a16="http://schemas.microsoft.com/office/drawing/2014/main" id="{124785C4-AC28-446F-A4D0-095F0F3BABA2}"/>
-                  </a:ext>
-                </a:extLst>
-              </p:cNvPr>
-              <p:cNvSpPr>
-                <a:spLocks noRot="1" noChangeAspect="1" noMove="1" noResize="1" noEditPoints="1" noAdjustHandles="1" noChangeArrowheads="1" noChangeShapeType="1" noTextEdit="1"/>
-              </p:cNvSpPr>
-              <p:nvPr/>
-            </p:nvSpPr>
-            <p:spPr>
-              <a:xfrm>
-                <a:off x="9097989" y="4916842"/>
-                <a:ext cx="2255810" cy="369332"/>
-              </a:xfrm>
-              <a:prstGeom prst="rect">
-                <a:avLst/>
-              </a:prstGeom>
-              <a:blipFill>
-                <a:blip r:embed="rId10"/>
-                <a:stretch>
-                  <a:fillRect l="-2162" t="-10000" r="-2162" b="-26667"/>
-                </a:stretch>
-              </a:blipFill>
-            </p:spPr>
-            <p:txBody>
-              <a:bodyPr/>
-              <a:lstStyle/>
-              <a:p>
-                <a:r>
-                  <a:rPr lang="en-US">
-                    <a:noFill/>
-                  </a:rPr>
-                  <a:t> </a:t>
-                </a:r>
-              </a:p>
-            </p:txBody>
-          </p:sp>
-        </mc:Fallback>
-      </mc:AlternateContent>
-      <p:sp>
-        <p:nvSpPr>
-          <p:cNvPr id="58" name="Textfeld 57">
-            <a:extLst>
-              <a:ext uri="{FF2B5EF4-FFF2-40B4-BE49-F238E27FC236}">
-                <a16:creationId xmlns:a16="http://schemas.microsoft.com/office/drawing/2014/main" id="{34B1D82D-82E8-4310-899C-D488510E7CE2}"/>
-              </a:ext>
-            </a:extLst>
-          </p:cNvPr>
-          <p:cNvSpPr txBox="1"/>
-          <p:nvPr/>
-        </p:nvSpPr>
-        <p:spPr>
-          <a:xfrm>
-            <a:off x="2091634" y="6160989"/>
-            <a:ext cx="1617788" cy="369332"/>
-          </a:xfrm>
-          <a:prstGeom prst="rect">
-            <a:avLst/>
-          </a:prstGeom>
-          <a:noFill/>
-        </p:spPr>
-        <p:txBody>
-          <a:bodyPr wrap="square" rtlCol="0">
-            <a:spAutoFit/>
-          </a:bodyPr>
-          <a:lstStyle/>
-          <a:p>
-            <a:r>
-              <a:rPr lang="en-US" dirty="0"/>
-              <a:t>Coordinator</a:t>
-            </a:r>
-          </a:p>
-        </p:txBody>
-      </p:sp>
-      <mc:AlternateContent xmlns:mc="http://schemas.openxmlformats.org/markup-compatibility/2006" xmlns:a14="http://schemas.microsoft.com/office/drawing/2010/main">
-        <mc:Choice Requires="a14">
-          <p:sp>
-            <p:nvSpPr>
-              <p:cNvPr id="60" name="Rechteck 59">
-                <a:extLst>
-                  <a:ext uri="{FF2B5EF4-FFF2-40B4-BE49-F238E27FC236}">
-                    <a16:creationId xmlns:a16="http://schemas.microsoft.com/office/drawing/2014/main" id="{CBD23E5F-5A2D-4BDB-9FD5-2A7976F6B317}"/>
-                  </a:ext>
-                </a:extLst>
-              </p:cNvPr>
-              <p:cNvSpPr/>
-              <p:nvPr/>
-            </p:nvSpPr>
-            <p:spPr>
-              <a:xfrm>
-                <a:off x="7188639" y="4720891"/>
-                <a:ext cx="1805110" cy="369332"/>
-              </a:xfrm>
-              <a:prstGeom prst="rect">
-                <a:avLst/>
-              </a:prstGeom>
-            </p:spPr>
-            <p:txBody>
-              <a:bodyPr wrap="none">
-                <a:spAutoFit/>
-              </a:bodyPr>
-              <a:lstStyle/>
-              <a:p>
-                <a:pPr/>
-                <a14:m>
-                  <m:oMathPara xmlns:m="http://schemas.openxmlformats.org/officeDocument/2006/math">
-                    <m:oMathParaPr>
-                      <m:jc m:val="centerGroup"/>
-                    </m:oMathParaPr>
-                    <m:oMath xmlns:m="http://schemas.openxmlformats.org/officeDocument/2006/math">
-                      <m:r>
-                        <a:rPr lang="en-US" i="1" smtClean="0">
-                          <a:solidFill>
-                            <a:schemeClr val="accent2"/>
-                          </a:solidFill>
-                          <a:latin typeface="Cambria Math" panose="02040503050406030204" pitchFamily="18" charset="0"/>
-                        </a:rPr>
-                        <m:t>𝑟𝑒𝑝𝑜𝑟𝑡𝑠</m:t>
-                      </m:r>
-                      <m:d>
-                        <m:dPr>
-                          <m:ctrlPr>
-                            <a:rPr lang="en-US" i="1">
-                              <a:solidFill>
-                                <a:schemeClr val="accent2"/>
-                              </a:solidFill>
-                              <a:latin typeface="Cambria Math" panose="02040503050406030204" pitchFamily="18" charset="0"/>
-                            </a:rPr>
-                          </m:ctrlPr>
-                        </m:dPr>
-                        <m:e>
-                          <m:r>
-                            <a:rPr lang="en-US" i="1">
-                              <a:solidFill>
-                                <a:schemeClr val="accent2"/>
-                              </a:solidFill>
-                              <a:latin typeface="Cambria Math" panose="02040503050406030204" pitchFamily="18" charset="0"/>
-                            </a:rPr>
-                            <m:t>𝑓</m:t>
-                          </m:r>
-                        </m:e>
-                      </m:d>
-                      <m:r>
-                        <a:rPr lang="en-US" i="1">
-                          <a:solidFill>
-                            <a:schemeClr val="accent2"/>
-                          </a:solidFill>
-                          <a:latin typeface="Cambria Math" panose="02040503050406030204" pitchFamily="18" charset="0"/>
-                        </a:rPr>
-                        <m:t>≥</m:t>
-                      </m:r>
-                      <m:r>
-                        <a:rPr lang="en-US" i="1">
-                          <a:solidFill>
-                            <a:schemeClr val="accent2"/>
-                          </a:solidFill>
-                          <a:latin typeface="Cambria Math" panose="02040503050406030204" pitchFamily="18" charset="0"/>
-                        </a:rPr>
-                        <m:t>𝑅</m:t>
-                      </m:r>
-                    </m:oMath>
-                  </m:oMathPara>
-                </a14:m>
-                <a:endParaRPr lang="en-US" dirty="0">
-                  <a:solidFill>
-                    <a:schemeClr val="accent2"/>
-                  </a:solidFill>
-                </a:endParaRPr>
-              </a:p>
-            </p:txBody>
-          </p:sp>
-        </mc:Choice>
-        <mc:Fallback xmlns="">
-          <p:sp>
-            <p:nvSpPr>
-              <p:cNvPr id="60" name="Rechteck 59">
-                <a:extLst>
-                  <a:ext uri="{FF2B5EF4-FFF2-40B4-BE49-F238E27FC236}">
-                    <a16:creationId xmlns:a16="http://schemas.microsoft.com/office/drawing/2014/main" id="{CBD23E5F-5A2D-4BDB-9FD5-2A7976F6B317}"/>
-                  </a:ext>
-                </a:extLst>
-              </p:cNvPr>
-              <p:cNvSpPr>
-                <a:spLocks noRot="1" noChangeAspect="1" noMove="1" noResize="1" noEditPoints="1" noAdjustHandles="1" noChangeArrowheads="1" noChangeShapeType="1" noTextEdit="1"/>
-              </p:cNvSpPr>
-              <p:nvPr/>
-            </p:nvSpPr>
-            <p:spPr>
-              <a:xfrm>
-                <a:off x="7188639" y="4720891"/>
-                <a:ext cx="1805110" cy="369332"/>
-              </a:xfrm>
-              <a:prstGeom prst="rect">
-                <a:avLst/>
-              </a:prstGeom>
-              <a:blipFill>
-                <a:blip r:embed="rId11"/>
-                <a:stretch>
-                  <a:fillRect b="-13115"/>
-                </a:stretch>
-              </a:blipFill>
-            </p:spPr>
-            <p:txBody>
-              <a:bodyPr/>
-              <a:lstStyle/>
-              <a:p>
-                <a:r>
-                  <a:rPr lang="en-US">
-                    <a:noFill/>
-                  </a:rPr>
-                  <a:t> </a:t>
-                </a:r>
-              </a:p>
-            </p:txBody>
-          </p:sp>
-        </mc:Fallback>
-      </mc:AlternateContent>
-    </p:spTree>
-    <p:extLst>
-      <p:ext uri="{BB962C8B-B14F-4D97-AF65-F5344CB8AC3E}">
-        <p14:creationId xmlns:p14="http://schemas.microsoft.com/office/powerpoint/2010/main" val="4276994637"/>
-      </p:ext>
-    </p:extLst>
-  </p:cSld>
-  <p:clrMapOvr>
-    <a:masterClrMapping/>
-  </p:clrMapOvr>
-  <p:timing>
-    <p:tnLst>
-      <p:par>
-        <p:cTn id="1" dur="indefinite" restart="never" nodeType="tmRoot">
-          <p:childTnLst>
-            <p:seq concurrent="1" nextAc="seek">
-              <p:cTn id="2" dur="indefinite" nodeType="mainSeq">
-                <p:childTnLst>
-                  <p:par>
-                    <p:cTn id="3" fill="hold">
-                      <p:stCondLst>
-                        <p:cond delay="indefinite"/>
-                      </p:stCondLst>
-                      <p:childTnLst>
-                        <p:par>
-                          <p:cTn id="4" fill="hold">
-                            <p:stCondLst>
-                              <p:cond delay="0"/>
-                            </p:stCondLst>
-                            <p:childTnLst>
-                              <p:par>
-                                <p:cTn id="5" presetID="1" presetClass="entr" presetSubtype="0" fill="hold" nodeType="clickEffect">
-                                  <p:stCondLst>
-                                    <p:cond delay="0"/>
-                                  </p:stCondLst>
-                                  <p:childTnLst>
-                                    <p:set>
-                                      <p:cBhvr>
-                                        <p:cTn id="6" dur="1" fill="hold">
-                                          <p:stCondLst>
-                                            <p:cond delay="0"/>
-                                          </p:stCondLst>
-                                        </p:cTn>
-                                        <p:tgtEl>
-                                          <p:spTgt spid="3">
-                                            <p:txEl>
-                                              <p:pRg st="0" end="0"/>
-                                            </p:txEl>
-                                          </p:spTgt>
-                                        </p:tgtEl>
-                                        <p:attrNameLst>
-                                          <p:attrName>style.visibility</p:attrName>
-                                        </p:attrNameLst>
-                                      </p:cBhvr>
-                                      <p:to>
-                                        <p:strVal val="visible"/>
-                                      </p:to>
-                                    </p:set>
-                                  </p:childTnLst>
-                                </p:cTn>
-                              </p:par>
-                              <p:par>
-                                <p:cTn id="7" presetID="1" presetClass="entr" presetSubtype="0" fill="hold" grpId="0" nodeType="withEffect">
-                                  <p:stCondLst>
-                                    <p:cond delay="0"/>
-                                  </p:stCondLst>
-                                  <p:childTnLst>
-                                    <p:set>
-                                      <p:cBhvr>
-                                        <p:cTn id="8" dur="1" fill="hold">
-                                          <p:stCondLst>
-                                            <p:cond delay="0"/>
-                                          </p:stCondLst>
-                                        </p:cTn>
-                                        <p:tgtEl>
-                                          <p:spTgt spid="42"/>
-                                        </p:tgtEl>
-                                        <p:attrNameLst>
-                                          <p:attrName>style.visibility</p:attrName>
-                                        </p:attrNameLst>
-                                      </p:cBhvr>
-                                      <p:to>
-                                        <p:strVal val="visible"/>
-                                      </p:to>
-                                    </p:set>
-                                  </p:childTnLst>
-                                </p:cTn>
-                              </p:par>
-                              <p:par>
-                                <p:cTn id="9" presetID="1" presetClass="entr" presetSubtype="0" fill="hold" nodeType="withEffect">
-                                  <p:stCondLst>
-                                    <p:cond delay="0"/>
-                                  </p:stCondLst>
-                                  <p:childTnLst>
-                                    <p:set>
-                                      <p:cBhvr>
-                                        <p:cTn id="10" dur="1" fill="hold">
-                                          <p:stCondLst>
-                                            <p:cond delay="0"/>
-                                          </p:stCondLst>
-                                        </p:cTn>
-                                        <p:tgtEl>
-                                          <p:spTgt spid="41"/>
-                                        </p:tgtEl>
-                                        <p:attrNameLst>
-                                          <p:attrName>style.visibility</p:attrName>
-                                        </p:attrNameLst>
-                                      </p:cBhvr>
-                                      <p:to>
-                                        <p:strVal val="visible"/>
-                                      </p:to>
-                                    </p:set>
-                                  </p:childTnLst>
-                                </p:cTn>
-                              </p:par>
-                              <p:par>
-                                <p:cTn id="11" presetID="1" presetClass="entr" presetSubtype="0" fill="hold" grpId="0" nodeType="withEffect">
-                                  <p:stCondLst>
-                                    <p:cond delay="0"/>
-                                  </p:stCondLst>
-                                  <p:childTnLst>
-                                    <p:set>
-                                      <p:cBhvr>
-                                        <p:cTn id="12" dur="1" fill="hold">
-                                          <p:stCondLst>
-                                            <p:cond delay="0"/>
-                                          </p:stCondLst>
-                                        </p:cTn>
-                                        <p:tgtEl>
-                                          <p:spTgt spid="51"/>
-                                        </p:tgtEl>
-                                        <p:attrNameLst>
-                                          <p:attrName>style.visibility</p:attrName>
-                                        </p:attrNameLst>
-                                      </p:cBhvr>
-                                      <p:to>
-                                        <p:strVal val="visible"/>
-                                      </p:to>
-                                    </p:set>
-                                  </p:childTnLst>
-                                </p:cTn>
-                              </p:par>
-                              <p:par>
-                                <p:cTn id="13" presetID="1" presetClass="entr" presetSubtype="0" fill="hold" nodeType="withEffect">
-                                  <p:stCondLst>
-                                    <p:cond delay="0"/>
-                                  </p:stCondLst>
-                                  <p:childTnLst>
-                                    <p:set>
-                                      <p:cBhvr>
-                                        <p:cTn id="14" dur="1" fill="hold">
-                                          <p:stCondLst>
-                                            <p:cond delay="0"/>
-                                          </p:stCondLst>
-                                        </p:cTn>
-                                        <p:tgtEl>
-                                          <p:spTgt spid="49"/>
-                                        </p:tgtEl>
-                                        <p:attrNameLst>
-                                          <p:attrName>style.visibility</p:attrName>
-                                        </p:attrNameLst>
-                                      </p:cBhvr>
-                                      <p:to>
-                                        <p:strVal val="visible"/>
-                                      </p:to>
-                                    </p:set>
-                                  </p:childTnLst>
-                                </p:cTn>
-                              </p:par>
-                            </p:childTnLst>
-                          </p:cTn>
-                        </p:par>
-                      </p:childTnLst>
-                    </p:cTn>
-                  </p:par>
-                  <p:par>
-                    <p:cTn id="15" fill="hold">
-                      <p:stCondLst>
-                        <p:cond delay="indefinite"/>
-                      </p:stCondLst>
-                      <p:childTnLst>
-                        <p:par>
-                          <p:cTn id="16" fill="hold">
-                            <p:stCondLst>
-                              <p:cond delay="0"/>
-                            </p:stCondLst>
-                            <p:childTnLst>
-                              <p:par>
-                                <p:cTn id="17" presetID="1" presetClass="entr" presetSubtype="0" fill="hold" nodeType="clickEffect">
-                                  <p:stCondLst>
-                                    <p:cond delay="0"/>
-                                  </p:stCondLst>
-                                  <p:childTnLst>
-                                    <p:set>
-                                      <p:cBhvr>
-                                        <p:cTn id="18" dur="1" fill="hold">
-                                          <p:stCondLst>
-                                            <p:cond delay="0"/>
-                                          </p:stCondLst>
-                                        </p:cTn>
-                                        <p:tgtEl>
-                                          <p:spTgt spid="3">
-                                            <p:txEl>
-                                              <p:pRg st="1" end="1"/>
-                                            </p:txEl>
-                                          </p:spTgt>
-                                        </p:tgtEl>
-                                        <p:attrNameLst>
-                                          <p:attrName>style.visibility</p:attrName>
-                                        </p:attrNameLst>
-                                      </p:cBhvr>
-                                      <p:to>
-                                        <p:strVal val="visible"/>
-                                      </p:to>
-                                    </p:set>
-                                  </p:childTnLst>
-                                </p:cTn>
-                              </p:par>
-                              <p:par>
-                                <p:cTn id="19" presetID="1" presetClass="entr" presetSubtype="0" fill="hold" grpId="0" nodeType="withEffect">
-                                  <p:stCondLst>
-                                    <p:cond delay="0"/>
-                                  </p:stCondLst>
-                                  <p:childTnLst>
-                                    <p:set>
-                                      <p:cBhvr>
-                                        <p:cTn id="20" dur="1" fill="hold">
-                                          <p:stCondLst>
-                                            <p:cond delay="0"/>
-                                          </p:stCondLst>
-                                        </p:cTn>
-                                        <p:tgtEl>
-                                          <p:spTgt spid="21"/>
-                                        </p:tgtEl>
-                                        <p:attrNameLst>
-                                          <p:attrName>style.visibility</p:attrName>
-                                        </p:attrNameLst>
-                                      </p:cBhvr>
-                                      <p:to>
-                                        <p:strVal val="visible"/>
-                                      </p:to>
-                                    </p:set>
-                                  </p:childTnLst>
-                                </p:cTn>
-                              </p:par>
-                              <p:par>
-                                <p:cTn id="21" presetID="1" presetClass="entr" presetSubtype="0" fill="hold" grpId="0" nodeType="withEffect">
-                                  <p:stCondLst>
-                                    <p:cond delay="0"/>
-                                  </p:stCondLst>
-                                  <p:childTnLst>
-                                    <p:set>
-                                      <p:cBhvr>
-                                        <p:cTn id="22" dur="1" fill="hold">
-                                          <p:stCondLst>
-                                            <p:cond delay="0"/>
-                                          </p:stCondLst>
-                                        </p:cTn>
-                                        <p:tgtEl>
-                                          <p:spTgt spid="37"/>
-                                        </p:tgtEl>
-                                        <p:attrNameLst>
-                                          <p:attrName>style.visibility</p:attrName>
-                                        </p:attrNameLst>
-                                      </p:cBhvr>
-                                      <p:to>
-                                        <p:strVal val="visible"/>
-                                      </p:to>
-                                    </p:set>
-                                  </p:childTnLst>
-                                </p:cTn>
-                              </p:par>
-                              <p:par>
-                                <p:cTn id="23" presetID="1" presetClass="entr" presetSubtype="0" fill="hold" grpId="0" nodeType="withEffect">
-                                  <p:stCondLst>
-                                    <p:cond delay="0"/>
-                                  </p:stCondLst>
-                                  <p:childTnLst>
-                                    <p:set>
-                                      <p:cBhvr>
-                                        <p:cTn id="24" dur="1" fill="hold">
-                                          <p:stCondLst>
-                                            <p:cond delay="0"/>
-                                          </p:stCondLst>
-                                        </p:cTn>
-                                        <p:tgtEl>
-                                          <p:spTgt spid="6"/>
-                                        </p:tgtEl>
-                                        <p:attrNameLst>
-                                          <p:attrName>style.visibility</p:attrName>
-                                        </p:attrNameLst>
-                                      </p:cBhvr>
-                                      <p:to>
-                                        <p:strVal val="visible"/>
-                                      </p:to>
-                                    </p:set>
-                                  </p:childTnLst>
-                                </p:cTn>
-                              </p:par>
-                              <p:par>
-                                <p:cTn id="25" presetID="1" presetClass="entr" presetSubtype="0" fill="hold" nodeType="withEffect">
-                                  <p:stCondLst>
-                                    <p:cond delay="0"/>
-                                  </p:stCondLst>
-                                  <p:childTnLst>
-                                    <p:set>
-                                      <p:cBhvr>
-                                        <p:cTn id="26" dur="1" fill="hold">
-                                          <p:stCondLst>
-                                            <p:cond delay="0"/>
-                                          </p:stCondLst>
-                                        </p:cTn>
-                                        <p:tgtEl>
-                                          <p:spTgt spid="8"/>
-                                        </p:tgtEl>
-                                        <p:attrNameLst>
-                                          <p:attrName>style.visibility</p:attrName>
-                                        </p:attrNameLst>
-                                      </p:cBhvr>
-                                      <p:to>
-                                        <p:strVal val="visible"/>
-                                      </p:to>
-                                    </p:set>
-                                  </p:childTnLst>
-                                </p:cTn>
-                              </p:par>
-                              <p:par>
-                                <p:cTn id="27" presetID="1" presetClass="entr" presetSubtype="0" fill="hold" nodeType="withEffect">
-                                  <p:stCondLst>
-                                    <p:cond delay="0"/>
-                                  </p:stCondLst>
-                                  <p:childTnLst>
-                                    <p:set>
-                                      <p:cBhvr>
-                                        <p:cTn id="28" dur="1" fill="hold">
-                                          <p:stCondLst>
-                                            <p:cond delay="0"/>
-                                          </p:stCondLst>
-                                        </p:cTn>
-                                        <p:tgtEl>
-                                          <p:spTgt spid="12"/>
-                                        </p:tgtEl>
-                                        <p:attrNameLst>
-                                          <p:attrName>style.visibility</p:attrName>
-                                        </p:attrNameLst>
-                                      </p:cBhvr>
-                                      <p:to>
-                                        <p:strVal val="visible"/>
-                                      </p:to>
-                                    </p:set>
-                                  </p:childTnLst>
-                                </p:cTn>
-                              </p:par>
-                              <p:par>
-                                <p:cTn id="29" presetID="1" presetClass="entr" presetSubtype="0" fill="hold" nodeType="withEffect">
-                                  <p:stCondLst>
-                                    <p:cond delay="0"/>
-                                  </p:stCondLst>
-                                  <p:childTnLst>
-                                    <p:set>
-                                      <p:cBhvr>
-                                        <p:cTn id="30" dur="1" fill="hold">
-                                          <p:stCondLst>
-                                            <p:cond delay="0"/>
-                                          </p:stCondLst>
-                                        </p:cTn>
-                                        <p:tgtEl>
-                                          <p:spTgt spid="9"/>
-                                        </p:tgtEl>
-                                        <p:attrNameLst>
-                                          <p:attrName>style.visibility</p:attrName>
-                                        </p:attrNameLst>
-                                      </p:cBhvr>
-                                      <p:to>
-                                        <p:strVal val="visible"/>
-                                      </p:to>
-                                    </p:set>
-                                  </p:childTnLst>
-                                </p:cTn>
-                              </p:par>
-                              <p:par>
-                                <p:cTn id="31" presetID="1" presetClass="entr" presetSubtype="0" fill="hold" nodeType="withEffect">
-                                  <p:stCondLst>
-                                    <p:cond delay="0"/>
-                                  </p:stCondLst>
-                                  <p:childTnLst>
-                                    <p:set>
-                                      <p:cBhvr>
-                                        <p:cTn id="32" dur="1" fill="hold">
-                                          <p:stCondLst>
-                                            <p:cond delay="0"/>
-                                          </p:stCondLst>
-                                        </p:cTn>
-                                        <p:tgtEl>
-                                          <p:spTgt spid="7"/>
-                                        </p:tgtEl>
-                                        <p:attrNameLst>
-                                          <p:attrName>style.visibility</p:attrName>
-                                        </p:attrNameLst>
-                                      </p:cBhvr>
-                                      <p:to>
-                                        <p:strVal val="visible"/>
-                                      </p:to>
-                                    </p:set>
-                                  </p:childTnLst>
-                                </p:cTn>
-                              </p:par>
-                              <p:par>
-                                <p:cTn id="33" presetID="1" presetClass="entr" presetSubtype="0" fill="hold" grpId="0" nodeType="withEffect">
-                                  <p:stCondLst>
-                                    <p:cond delay="0"/>
-                                  </p:stCondLst>
-                                  <p:childTnLst>
-                                    <p:set>
-                                      <p:cBhvr>
-                                        <p:cTn id="34" dur="1" fill="hold">
-                                          <p:stCondLst>
-                                            <p:cond delay="0"/>
-                                          </p:stCondLst>
-                                        </p:cTn>
-                                        <p:tgtEl>
-                                          <p:spTgt spid="38"/>
-                                        </p:tgtEl>
-                                        <p:attrNameLst>
-                                          <p:attrName>style.visibility</p:attrName>
-                                        </p:attrNameLst>
-                                      </p:cBhvr>
-                                      <p:to>
-                                        <p:strVal val="visible"/>
-                                      </p:to>
-                                    </p:set>
-                                  </p:childTnLst>
-                                </p:cTn>
-                              </p:par>
-                            </p:childTnLst>
-                          </p:cTn>
-                        </p:par>
-                      </p:childTnLst>
-                    </p:cTn>
-                  </p:par>
-                  <p:par>
-                    <p:cTn id="35" fill="hold">
-                      <p:stCondLst>
-                        <p:cond delay="indefinite"/>
-                      </p:stCondLst>
-                      <p:childTnLst>
-                        <p:par>
-                          <p:cTn id="36" fill="hold">
-                            <p:stCondLst>
-                              <p:cond delay="0"/>
-                            </p:stCondLst>
-                            <p:childTnLst>
-                              <p:par>
-                                <p:cTn id="37" presetID="1" presetClass="entr" presetSubtype="0" fill="hold" nodeType="clickEffect">
-                                  <p:stCondLst>
-                                    <p:cond delay="0"/>
-                                  </p:stCondLst>
-                                  <p:childTnLst>
-                                    <p:set>
-                                      <p:cBhvr>
-                                        <p:cTn id="38" dur="1" fill="hold">
-                                          <p:stCondLst>
-                                            <p:cond delay="0"/>
-                                          </p:stCondLst>
-                                        </p:cTn>
-                                        <p:tgtEl>
-                                          <p:spTgt spid="3">
-                                            <p:txEl>
-                                              <p:pRg st="2" end="2"/>
-                                            </p:txEl>
-                                          </p:spTgt>
-                                        </p:tgtEl>
-                                        <p:attrNameLst>
-                                          <p:attrName>style.visibility</p:attrName>
-                                        </p:attrNameLst>
-                                      </p:cBhvr>
-                                      <p:to>
-                                        <p:strVal val="visible"/>
-                                      </p:to>
-                                    </p:set>
-                                  </p:childTnLst>
-                                </p:cTn>
-                              </p:par>
-                              <p:par>
-                                <p:cTn id="39" presetID="1" presetClass="entr" presetSubtype="0" fill="hold" grpId="0" nodeType="withEffect">
-                                  <p:stCondLst>
-                                    <p:cond delay="0"/>
-                                  </p:stCondLst>
-                                  <p:childTnLst>
-                                    <p:set>
-                                      <p:cBhvr>
-                                        <p:cTn id="40" dur="1" fill="hold">
-                                          <p:stCondLst>
-                                            <p:cond delay="0"/>
-                                          </p:stCondLst>
-                                        </p:cTn>
-                                        <p:tgtEl>
-                                          <p:spTgt spid="47"/>
-                                        </p:tgtEl>
-                                        <p:attrNameLst>
-                                          <p:attrName>style.visibility</p:attrName>
-                                        </p:attrNameLst>
-                                      </p:cBhvr>
-                                      <p:to>
-                                        <p:strVal val="visible"/>
-                                      </p:to>
-                                    </p:set>
-                                  </p:childTnLst>
-                                </p:cTn>
-                              </p:par>
-                              <p:par>
-                                <p:cTn id="41" presetID="1" presetClass="entr" presetSubtype="0" fill="hold" nodeType="withEffect">
-                                  <p:stCondLst>
-                                    <p:cond delay="0"/>
-                                  </p:stCondLst>
-                                  <p:childTnLst>
-                                    <p:set>
-                                      <p:cBhvr>
-                                        <p:cTn id="42" dur="1" fill="hold">
-                                          <p:stCondLst>
-                                            <p:cond delay="0"/>
-                                          </p:stCondLst>
-                                        </p:cTn>
-                                        <p:tgtEl>
-                                          <p:spTgt spid="46"/>
-                                        </p:tgtEl>
-                                        <p:attrNameLst>
-                                          <p:attrName>style.visibility</p:attrName>
-                                        </p:attrNameLst>
-                                      </p:cBhvr>
-                                      <p:to>
-                                        <p:strVal val="visible"/>
-                                      </p:to>
-                                    </p:set>
-                                  </p:childTnLst>
-                                </p:cTn>
-                              </p:par>
-                            </p:childTnLst>
-                          </p:cTn>
-                        </p:par>
-                      </p:childTnLst>
-                    </p:cTn>
-                  </p:par>
-                  <p:par>
-                    <p:cTn id="43" fill="hold">
-                      <p:stCondLst>
-                        <p:cond delay="indefinite"/>
-                      </p:stCondLst>
-                      <p:childTnLst>
-                        <p:par>
-                          <p:cTn id="44" fill="hold">
-                            <p:stCondLst>
-                              <p:cond delay="0"/>
-                            </p:stCondLst>
-                            <p:childTnLst>
-                              <p:par>
-                                <p:cTn id="45" presetID="1" presetClass="entr" presetSubtype="0" fill="hold" nodeType="clickEffect">
-                                  <p:stCondLst>
-                                    <p:cond delay="0"/>
-                                  </p:stCondLst>
-                                  <p:childTnLst>
-                                    <p:set>
-                                      <p:cBhvr>
-                                        <p:cTn id="46" dur="1" fill="hold">
-                                          <p:stCondLst>
-                                            <p:cond delay="0"/>
-                                          </p:stCondLst>
-                                        </p:cTn>
-                                        <p:tgtEl>
-                                          <p:spTgt spid="3">
-                                            <p:txEl>
-                                              <p:pRg st="3" end="3"/>
-                                            </p:txEl>
-                                          </p:spTgt>
-                                        </p:tgtEl>
-                                        <p:attrNameLst>
-                                          <p:attrName>style.visibility</p:attrName>
-                                        </p:attrNameLst>
-                                      </p:cBhvr>
-                                      <p:to>
-                                        <p:strVal val="visible"/>
-                                      </p:to>
-                                    </p:set>
-                                  </p:childTnLst>
-                                </p:cTn>
-                              </p:par>
-                              <p:par>
-                                <p:cTn id="47" presetID="1" presetClass="entr" presetSubtype="0" fill="hold" grpId="0" nodeType="withEffect">
-                                  <p:stCondLst>
-                                    <p:cond delay="0"/>
-                                  </p:stCondLst>
-                                  <p:childTnLst>
-                                    <p:set>
-                                      <p:cBhvr>
-                                        <p:cTn id="48" dur="1" fill="hold">
-                                          <p:stCondLst>
-                                            <p:cond delay="0"/>
-                                          </p:stCondLst>
-                                        </p:cTn>
-                                        <p:tgtEl>
-                                          <p:spTgt spid="23"/>
-                                        </p:tgtEl>
-                                        <p:attrNameLst>
-                                          <p:attrName>style.visibility</p:attrName>
-                                        </p:attrNameLst>
-                                      </p:cBhvr>
-                                      <p:to>
-                                        <p:strVal val="visible"/>
-                                      </p:to>
-                                    </p:set>
-                                  </p:childTnLst>
-                                </p:cTn>
-                              </p:par>
-                              <p:par>
-                                <p:cTn id="49" presetID="1" presetClass="entr" presetSubtype="0" fill="hold" grpId="0" nodeType="withEffect">
-                                  <p:stCondLst>
-                                    <p:cond delay="0"/>
-                                  </p:stCondLst>
-                                  <p:childTnLst>
-                                    <p:set>
-                                      <p:cBhvr>
-                                        <p:cTn id="50" dur="1" fill="hold">
-                                          <p:stCondLst>
-                                            <p:cond delay="0"/>
-                                          </p:stCondLst>
-                                        </p:cTn>
-                                        <p:tgtEl>
-                                          <p:spTgt spid="53"/>
-                                        </p:tgtEl>
-                                        <p:attrNameLst>
-                                          <p:attrName>style.visibility</p:attrName>
-                                        </p:attrNameLst>
-                                      </p:cBhvr>
-                                      <p:to>
-                                        <p:strVal val="visible"/>
-                                      </p:to>
-                                    </p:set>
-                                  </p:childTnLst>
-                                </p:cTn>
-                              </p:par>
-                              <p:par>
-                                <p:cTn id="51" presetID="1" presetClass="entr" presetSubtype="0" fill="hold" grpId="0" nodeType="withEffect">
-                                  <p:stCondLst>
-                                    <p:cond delay="0"/>
-                                  </p:stCondLst>
-                                  <p:childTnLst>
-                                    <p:set>
-                                      <p:cBhvr>
-                                        <p:cTn id="52" dur="1" fill="hold">
-                                          <p:stCondLst>
-                                            <p:cond delay="0"/>
-                                          </p:stCondLst>
-                                        </p:cTn>
-                                        <p:tgtEl>
-                                          <p:spTgt spid="52"/>
-                                        </p:tgtEl>
-                                        <p:attrNameLst>
-                                          <p:attrName>style.visibility</p:attrName>
-                                        </p:attrNameLst>
-                                      </p:cBhvr>
-                                      <p:to>
-                                        <p:strVal val="visible"/>
-                                      </p:to>
-                                    </p:set>
-                                  </p:childTnLst>
-                                </p:cTn>
-                              </p:par>
-                              <p:par>
-                                <p:cTn id="53" presetID="1" presetClass="entr" presetSubtype="0" fill="hold" nodeType="withEffect">
-                                  <p:stCondLst>
-                                    <p:cond delay="0"/>
-                                  </p:stCondLst>
-                                  <p:childTnLst>
-                                    <p:set>
-                                      <p:cBhvr>
-                                        <p:cTn id="54" dur="1" fill="hold">
-                                          <p:stCondLst>
-                                            <p:cond delay="0"/>
-                                          </p:stCondLst>
-                                        </p:cTn>
-                                        <p:tgtEl>
-                                          <p:spTgt spid="14"/>
-                                        </p:tgtEl>
-                                        <p:attrNameLst>
-                                          <p:attrName>style.visibility</p:attrName>
-                                        </p:attrNameLst>
-                                      </p:cBhvr>
-                                      <p:to>
-                                        <p:strVal val="visible"/>
-                                      </p:to>
-                                    </p:set>
-                                  </p:childTnLst>
-                                </p:cTn>
-                              </p:par>
-                              <p:par>
-                                <p:cTn id="55" presetID="1" presetClass="entr" presetSubtype="0" fill="hold" grpId="0" nodeType="withEffect">
-                                  <p:stCondLst>
-                                    <p:cond delay="0"/>
-                                  </p:stCondLst>
-                                  <p:childTnLst>
-                                    <p:set>
-                                      <p:cBhvr>
-                                        <p:cTn id="56" dur="1" fill="hold">
-                                          <p:stCondLst>
-                                            <p:cond delay="0"/>
-                                          </p:stCondLst>
-                                        </p:cTn>
-                                        <p:tgtEl>
-                                          <p:spTgt spid="13"/>
-                                        </p:tgtEl>
-                                        <p:attrNameLst>
-                                          <p:attrName>style.visibility</p:attrName>
-                                        </p:attrNameLst>
-                                      </p:cBhvr>
-                                      <p:to>
-                                        <p:strVal val="visible"/>
-                                      </p:to>
-                                    </p:set>
-                                  </p:childTnLst>
-                                </p:cTn>
-                              </p:par>
-                              <p:par>
-                                <p:cTn id="57" presetID="1" presetClass="entr" presetSubtype="0" fill="hold" nodeType="withEffect">
-                                  <p:stCondLst>
-                                    <p:cond delay="0"/>
-                                  </p:stCondLst>
-                                  <p:childTnLst>
-                                    <p:set>
-                                      <p:cBhvr>
-                                        <p:cTn id="58" dur="1" fill="hold">
-                                          <p:stCondLst>
-                                            <p:cond delay="0"/>
-                                          </p:stCondLst>
-                                        </p:cTn>
-                                        <p:tgtEl>
-                                          <p:spTgt spid="15"/>
-                                        </p:tgtEl>
-                                        <p:attrNameLst>
-                                          <p:attrName>style.visibility</p:attrName>
-                                        </p:attrNameLst>
-                                      </p:cBhvr>
-                                      <p:to>
-                                        <p:strVal val="visible"/>
-                                      </p:to>
-                                    </p:set>
-                                  </p:childTnLst>
-                                </p:cTn>
-                              </p:par>
-                              <p:par>
-                                <p:cTn id="59" presetID="1" presetClass="entr" presetSubtype="0" fill="hold" nodeType="withEffect">
-                                  <p:stCondLst>
-                                    <p:cond delay="0"/>
-                                  </p:stCondLst>
-                                  <p:childTnLst>
-                                    <p:set>
-                                      <p:cBhvr>
-                                        <p:cTn id="60" dur="1" fill="hold">
-                                          <p:stCondLst>
-                                            <p:cond delay="0"/>
-                                          </p:stCondLst>
-                                        </p:cTn>
-                                        <p:tgtEl>
-                                          <p:spTgt spid="19"/>
-                                        </p:tgtEl>
-                                        <p:attrNameLst>
-                                          <p:attrName>style.visibility</p:attrName>
-                                        </p:attrNameLst>
-                                      </p:cBhvr>
-                                      <p:to>
-                                        <p:strVal val="visible"/>
-                                      </p:to>
-                                    </p:set>
-                                  </p:childTnLst>
-                                </p:cTn>
-                              </p:par>
-                              <p:par>
-                                <p:cTn id="61" presetID="1" presetClass="entr" presetSubtype="0" fill="hold" nodeType="withEffect">
-                                  <p:stCondLst>
-                                    <p:cond delay="0"/>
-                                  </p:stCondLst>
-                                  <p:childTnLst>
-                                    <p:set>
-                                      <p:cBhvr>
-                                        <p:cTn id="62" dur="1" fill="hold">
-                                          <p:stCondLst>
-                                            <p:cond delay="0"/>
-                                          </p:stCondLst>
-                                        </p:cTn>
-                                        <p:tgtEl>
-                                          <p:spTgt spid="16"/>
-                                        </p:tgtEl>
-                                        <p:attrNameLst>
-                                          <p:attrName>style.visibility</p:attrName>
-                                        </p:attrNameLst>
-                                      </p:cBhvr>
-                                      <p:to>
-                                        <p:strVal val="visible"/>
-                                      </p:to>
-                                    </p:set>
-                                  </p:childTnLst>
-                                </p:cTn>
-                              </p:par>
-                              <p:par>
-                                <p:cTn id="63" presetID="1" presetClass="entr" presetSubtype="0" fill="hold" nodeType="withEffect">
-                                  <p:stCondLst>
-                                    <p:cond delay="0"/>
-                                  </p:stCondLst>
-                                  <p:childTnLst>
-                                    <p:set>
-                                      <p:cBhvr>
-                                        <p:cTn id="64" dur="1" fill="hold">
-                                          <p:stCondLst>
-                                            <p:cond delay="0"/>
-                                          </p:stCondLst>
-                                        </p:cTn>
-                                        <p:tgtEl>
-                                          <p:spTgt spid="18"/>
-                                        </p:tgtEl>
-                                        <p:attrNameLst>
-                                          <p:attrName>style.visibility</p:attrName>
-                                        </p:attrNameLst>
-                                      </p:cBhvr>
-                                      <p:to>
-                                        <p:strVal val="visible"/>
-                                      </p:to>
-                                    </p:set>
-                                  </p:childTnLst>
-                                </p:cTn>
-                              </p:par>
-                              <p:par>
-                                <p:cTn id="65" presetID="1" presetClass="entr" presetSubtype="0" fill="hold" nodeType="withEffect">
-                                  <p:stCondLst>
-                                    <p:cond delay="0"/>
-                                  </p:stCondLst>
-                                  <p:childTnLst>
-                                    <p:set>
-                                      <p:cBhvr>
-                                        <p:cTn id="66" dur="1" fill="hold">
-                                          <p:stCondLst>
-                                            <p:cond delay="0"/>
-                                          </p:stCondLst>
-                                        </p:cTn>
-                                        <p:tgtEl>
-                                          <p:spTgt spid="17"/>
-                                        </p:tgtEl>
-                                        <p:attrNameLst>
-                                          <p:attrName>style.visibility</p:attrName>
-                                        </p:attrNameLst>
-                                      </p:cBhvr>
-                                      <p:to>
-                                        <p:strVal val="visible"/>
-                                      </p:to>
-                                    </p:set>
-                                  </p:childTnLst>
-                                </p:cTn>
-                              </p:par>
-                            </p:childTnLst>
-                          </p:cTn>
-                        </p:par>
-                      </p:childTnLst>
-                    </p:cTn>
-                  </p:par>
-                  <p:par>
-                    <p:cTn id="67" fill="hold">
-                      <p:stCondLst>
-                        <p:cond delay="indefinite"/>
-                      </p:stCondLst>
-                      <p:childTnLst>
-                        <p:par>
-                          <p:cTn id="68" fill="hold">
-                            <p:stCondLst>
-                              <p:cond delay="0"/>
-                            </p:stCondLst>
-                            <p:childTnLst>
-                              <p:par>
-                                <p:cTn id="69" presetID="1" presetClass="entr" presetSubtype="0" fill="hold" nodeType="clickEffect">
-                                  <p:stCondLst>
-                                    <p:cond delay="0"/>
-                                  </p:stCondLst>
-                                  <p:childTnLst>
-                                    <p:set>
-                                      <p:cBhvr>
-                                        <p:cTn id="70" dur="1" fill="hold">
-                                          <p:stCondLst>
-                                            <p:cond delay="0"/>
-                                          </p:stCondLst>
-                                        </p:cTn>
-                                        <p:tgtEl>
-                                          <p:spTgt spid="3">
-                                            <p:txEl>
-                                              <p:pRg st="4" end="4"/>
-                                            </p:txEl>
-                                          </p:spTgt>
-                                        </p:tgtEl>
-                                        <p:attrNameLst>
-                                          <p:attrName>style.visibility</p:attrName>
-                                        </p:attrNameLst>
-                                      </p:cBhvr>
-                                      <p:to>
-                                        <p:strVal val="visible"/>
-                                      </p:to>
-                                    </p:set>
-                                  </p:childTnLst>
-                                </p:cTn>
-                              </p:par>
-                              <p:par>
-                                <p:cTn id="71" presetID="1" presetClass="entr" presetSubtype="0" fill="hold" nodeType="withEffect">
-                                  <p:stCondLst>
-                                    <p:cond delay="0"/>
-                                  </p:stCondLst>
-                                  <p:childTnLst>
-                                    <p:set>
-                                      <p:cBhvr>
-                                        <p:cTn id="72" dur="1" fill="hold">
-                                          <p:stCondLst>
-                                            <p:cond delay="0"/>
-                                          </p:stCondLst>
-                                        </p:cTn>
-                                        <p:tgtEl>
-                                          <p:spTgt spid="54"/>
-                                        </p:tgtEl>
-                                        <p:attrNameLst>
-                                          <p:attrName>style.visibility</p:attrName>
-                                        </p:attrNameLst>
-                                      </p:cBhvr>
-                                      <p:to>
-                                        <p:strVal val="visible"/>
-                                      </p:to>
-                                    </p:set>
-                                  </p:childTnLst>
-                                </p:cTn>
-                              </p:par>
-                              <p:par>
-                                <p:cTn id="73" presetID="1" presetClass="entr" presetSubtype="0" fill="hold" grpId="0" nodeType="withEffect">
-                                  <p:stCondLst>
-                                    <p:cond delay="0"/>
-                                  </p:stCondLst>
-                                  <p:childTnLst>
-                                    <p:set>
-                                      <p:cBhvr>
-                                        <p:cTn id="74" dur="1" fill="hold">
-                                          <p:stCondLst>
-                                            <p:cond delay="0"/>
-                                          </p:stCondLst>
-                                        </p:cTn>
-                                        <p:tgtEl>
-                                          <p:spTgt spid="60"/>
-                                        </p:tgtEl>
-                                        <p:attrNameLst>
-                                          <p:attrName>style.visibility</p:attrName>
-                                        </p:attrNameLst>
-                                      </p:cBhvr>
-                                      <p:to>
-                                        <p:strVal val="visible"/>
-                                      </p:to>
-                                    </p:set>
-                                  </p:childTnLst>
-                                </p:cTn>
-                              </p:par>
-                              <p:par>
-                                <p:cTn id="75" presetID="1" presetClass="entr" presetSubtype="0" fill="hold" grpId="0" nodeType="withEffect">
-                                  <p:stCondLst>
-                                    <p:cond delay="0"/>
-                                  </p:stCondLst>
-                                  <p:childTnLst>
-                                    <p:set>
-                                      <p:cBhvr>
-                                        <p:cTn id="76" dur="1" fill="hold">
-                                          <p:stCondLst>
-                                            <p:cond delay="0"/>
-                                          </p:stCondLst>
-                                        </p:cTn>
-                                        <p:tgtEl>
-                                          <p:spTgt spid="57"/>
-                                        </p:tgtEl>
-                                        <p:attrNameLst>
-                                          <p:attrName>style.visibility</p:attrName>
-                                        </p:attrNameLst>
-                                      </p:cBhvr>
-                                      <p:to>
-                                        <p:strVal val="visible"/>
-                                      </p:to>
-                                    </p:set>
-                                  </p:childTnLst>
-                                </p:cTn>
-                              </p:par>
-                            </p:childTnLst>
-                          </p:cTn>
-                        </p:par>
-                      </p:childTnLst>
-                    </p:cTn>
-                  </p:par>
-                </p:childTnLst>
-              </p:cTn>
-              <p:prevCondLst>
-                <p:cond evt="onPrev" delay="0">
-                  <p:tgtEl>
-                    <p:sldTgt/>
-                  </p:tgtEl>
-                </p:cond>
-              </p:prevCondLst>
-              <p:nextCondLst>
-                <p:cond evt="onNext" delay="0">
-                  <p:tgtEl>
-                    <p:sldTgt/>
-                  </p:tgtEl>
-                </p:cond>
-              </p:nextCondLst>
-            </p:seq>
-          </p:childTnLst>
-        </p:cTn>
-      </p:par>
-    </p:tnLst>
-    <p:bldLst>
-      <p:bldP spid="6" grpId="0" animBg="1"/>
-      <p:bldP spid="13" grpId="0" animBg="1"/>
-      <p:bldP spid="21" grpId="0"/>
-      <p:bldP spid="23" grpId="0"/>
-      <p:bldP spid="37" grpId="0"/>
-      <p:bldP spid="38" grpId="0"/>
-      <p:bldP spid="42" grpId="0"/>
-      <p:bldP spid="47" grpId="0"/>
-      <p:bldP spid="51" grpId="0"/>
-      <p:bldP spid="52" grpId="0"/>
-      <p:bldP spid="53" grpId="0"/>
-      <p:bldP spid="57" grpId="0"/>
-      <p:bldP spid="60" grpId="0"/>
-    </p:bldLst>
-  </p:timing>
-</p:sld>
-</file>
-
-<file path=ppt/slides/slide11.xml><?xml version="1.0" encoding="utf-8"?>
-<p:sld xmlns:a="http://schemas.openxmlformats.org/drawingml/2006/main" xmlns:r="http://schemas.openxmlformats.org/officeDocument/2006/relationships" xmlns:p="http://schemas.openxmlformats.org/presentationml/2006/main">
-  <p:cSld>
-    <p:spTree>
-      <p:nvGrpSpPr>
-        <p:cNvPr id="1" name=""/>
-        <p:cNvGrpSpPr/>
-        <p:nvPr/>
-      </p:nvGrpSpPr>
-      <p:grpSpPr>
-        <a:xfrm>
-          <a:off x="0" y="0"/>
-          <a:ext cx="0" cy="0"/>
-          <a:chOff x="0" y="0"/>
-          <a:chExt cx="0" cy="0"/>
-        </a:xfrm>
-      </p:grpSpPr>
       <p:cxnSp>
         <p:nvCxnSpPr>
           <p:cNvPr id="17" name="Gerade Verbindung mit Pfeil 16">
@@ -7676,13 +4357,13 @@
         </p:nvSpPr>
         <p:spPr>
           <a:xfrm>
-            <a:off x="838200" y="365126"/>
+            <a:off x="838200" y="283846"/>
             <a:ext cx="10515600" cy="666434"/>
           </a:xfrm>
         </p:spPr>
         <p:txBody>
           <a:bodyPr>
-            <a:normAutofit/>
+            <a:normAutofit fontScale="90000"/>
           </a:bodyPr>
           <a:lstStyle/>
           <a:p>
@@ -7696,31 +4377,7 @@
             </a:r>
             <a:r>
               <a:rPr lang="de-CH" sz="3600" dirty="0"/>
-              <a:t> </a:t>
-            </a:r>
-            <a:r>
-              <a:rPr lang="de-CH" sz="3600" dirty="0" err="1"/>
-              <a:t>communicate</a:t>
-            </a:r>
-            <a:r>
-              <a:rPr lang="de-CH" sz="3600" dirty="0"/>
-              <a:t> </a:t>
-            </a:r>
-            <a:r>
-              <a:rPr lang="de-CH" sz="3600" dirty="0" err="1"/>
-              <a:t>with</a:t>
-            </a:r>
-            <a:r>
-              <a:rPr lang="de-CH" sz="3600" dirty="0"/>
-              <a:t> </a:t>
-            </a:r>
-            <a:r>
-              <a:rPr lang="de-CH" sz="3600" dirty="0" err="1"/>
-              <a:t>the</a:t>
-            </a:r>
-            <a:r>
-              <a:rPr lang="de-CH" sz="3600" dirty="0"/>
-              <a:t> coordinator</a:t>
+              <a:t> communicate with the coordinator via RPC</a:t>
             </a:r>
             <a:endParaRPr lang="en-CH" sz="3600" dirty="0"/>
           </a:p>
@@ -8827,7 +5484,7 @@
           </a:prstGeom>
           <a:ln w="38100">
             <a:solidFill>
-              <a:srgbClr val="C00000"/>
+              <a:schemeClr val="accent2"/>
             </a:solidFill>
             <a:tailEnd type="triangle"/>
           </a:ln>
@@ -8847,8 +5504,8 @@
           </a:fontRef>
         </p:style>
       </p:cxnSp>
-      <mc:AlternateContent xmlns:mc="http://schemas.openxmlformats.org/markup-compatibility/2006" xmlns:a14="http://schemas.microsoft.com/office/drawing/2010/main">
-        <mc:Choice Requires="a14">
+      <mc:AlternateContent xmlns:mc="http://schemas.openxmlformats.org/markup-compatibility/2006">
+        <mc:Choice xmlns:a14="http://schemas.microsoft.com/office/drawing/2010/main" Requires="a14">
           <p:sp>
             <p:nvSpPr>
               <p:cNvPr id="57" name="Textfeld 56">
@@ -8887,7 +5544,7 @@
                       <m:r>
                         <a:rPr lang="en-US" sz="1600" i="1" dirty="0" smtClean="0">
                           <a:solidFill>
-                            <a:srgbClr val="C00000"/>
+                            <a:schemeClr val="accent2"/>
                           </a:solidFill>
                           <a:latin typeface="Cambria Math" panose="02040503050406030204" pitchFamily="18" charset="0"/>
                         </a:rPr>
@@ -8896,7 +5553,7 @@
                       <m:r>
                         <a:rPr lang="en-US" sz="1600" b="0" i="1" dirty="0" smtClean="0">
                           <a:solidFill>
-                            <a:srgbClr val="C00000"/>
+                            <a:schemeClr val="accent2"/>
                           </a:solidFill>
                           <a:latin typeface="Cambria Math" panose="02040503050406030204" pitchFamily="18" charset="0"/>
                         </a:rPr>
@@ -8905,7 +5562,7 @@
                       <m:r>
                         <a:rPr lang="en-US" sz="1600" b="0" i="1" dirty="0" smtClean="0">
                           <a:solidFill>
-                            <a:srgbClr val="C00000"/>
+                            <a:schemeClr val="accent2"/>
                           </a:solidFill>
                           <a:latin typeface="Cambria Math" panose="02040503050406030204" pitchFamily="18" charset="0"/>
                         </a:rPr>
@@ -8914,7 +5571,7 @@
                       <m:r>
                         <a:rPr lang="en-US" sz="1600" b="0" i="1" dirty="0" smtClean="0">
                           <a:solidFill>
-                            <a:srgbClr val="C00000"/>
+                            <a:schemeClr val="accent2"/>
                           </a:solidFill>
                           <a:latin typeface="Cambria Math" panose="02040503050406030204" pitchFamily="18" charset="0"/>
                         </a:rPr>
@@ -8923,7 +5580,7 @@
                       <m:r>
                         <a:rPr lang="en-US" sz="1600" b="0" i="1" dirty="0" smtClean="0">
                           <a:solidFill>
-                            <a:srgbClr val="C00000"/>
+                            <a:schemeClr val="accent2"/>
                           </a:solidFill>
                           <a:latin typeface="Cambria Math" panose="02040503050406030204" pitchFamily="18" charset="0"/>
                         </a:rPr>
@@ -8934,14 +5591,14 @@
                 </a14:m>
                 <a:endParaRPr lang="en-US" sz="1600" dirty="0">
                   <a:solidFill>
-                    <a:srgbClr val="C00000"/>
+                    <a:schemeClr val="accent2"/>
                   </a:solidFill>
                 </a:endParaRPr>
               </a:p>
             </p:txBody>
           </p:sp>
         </mc:Choice>
-        <mc:Fallback xmlns="">
+        <mc:Fallback>
           <p:sp>
             <p:nvSpPr>
               <p:cNvPr id="57" name="Textfeld 56">
@@ -8976,7 +5633,7 @@
               <a:lstStyle/>
               <a:p>
                 <a:r>
-                  <a:rPr lang="en-US">
+                  <a:rPr lang="en-CH">
                     <a:noFill/>
                   </a:rPr>
                   <a:t> </a:t>
@@ -9175,8 +5832,8 @@
           </p:sp>
         </mc:Fallback>
       </mc:AlternateContent>
-      <mc:AlternateContent xmlns:mc="http://schemas.openxmlformats.org/markup-compatibility/2006" xmlns:a14="http://schemas.microsoft.com/office/drawing/2010/main">
-        <mc:Choice Requires="a14">
+      <mc:AlternateContent xmlns:mc="http://schemas.openxmlformats.org/markup-compatibility/2006">
+        <mc:Choice xmlns:a14="http://schemas.microsoft.com/office/drawing/2010/main" Requires="a14">
           <p:sp>
             <p:nvSpPr>
               <p:cNvPr id="62" name="Content Placeholder 2">
@@ -9193,8 +5850,8 @@
             </p:nvSpPr>
             <p:spPr>
               <a:xfrm>
-                <a:off x="7002648" y="1206322"/>
-                <a:ext cx="4930272" cy="5026838"/>
+                <a:off x="6920300" y="2649658"/>
+                <a:ext cx="4930272" cy="4315696"/>
               </a:xfrm>
               <a:prstGeom prst="rect">
                 <a:avLst/>
@@ -9202,7 +5859,7 @@
             </p:spPr>
             <p:txBody>
               <a:bodyPr vert="horz" lIns="91440" tIns="45720" rIns="91440" bIns="45720" rtlCol="0">
-                <a:normAutofit/>
+                <a:normAutofit lnSpcReduction="10000"/>
               </a:bodyPr>
               <a:lstStyle>
                 <a:lvl1pPr marL="228600" indent="-228600" algn="l" defTabSz="914400" rtl="0" eaLnBrk="1" latinLnBrk="0" hangingPunct="1">
@@ -10334,7 +6991,7 @@
             </p:txBody>
           </p:sp>
         </mc:Choice>
-        <mc:Fallback xmlns="">
+        <mc:Fallback>
           <p:sp>
             <p:nvSpPr>
               <p:cNvPr id="62" name="Content Placeholder 2">
@@ -10351,8 +7008,8 @@
             </p:nvSpPr>
             <p:spPr>
               <a:xfrm>
-                <a:off x="7002648" y="1206322"/>
-                <a:ext cx="4930272" cy="5026838"/>
+                <a:off x="6920300" y="2649658"/>
+                <a:ext cx="4930272" cy="4315696"/>
               </a:xfrm>
               <a:prstGeom prst="rect">
                 <a:avLst/>
@@ -10360,7 +7017,7 @@
               <a:blipFill>
                 <a:blip r:embed="rId8"/>
                 <a:stretch>
-                  <a:fillRect l="-1483" t="-1576"/>
+                  <a:fillRect l="-1360" t="-2401" r="-124"/>
                 </a:stretch>
               </a:blipFill>
             </p:spPr>
@@ -10369,7 +7026,7 @@
               <a:lstStyle/>
               <a:p>
                 <a:r>
-                  <a:rPr lang="en-US">
+                  <a:rPr lang="en-CH">
                     <a:noFill/>
                   </a:rPr>
                   <a:t> </a:t>
@@ -11076,7 +7733,7 @@
           </a:prstGeom>
           <a:ln w="38100">
             <a:solidFill>
-              <a:srgbClr val="C00000"/>
+              <a:schemeClr val="accent2"/>
             </a:solidFill>
             <a:tailEnd type="triangle"/>
           </a:ln>
@@ -11096,8 +7753,8 @@
           </a:fontRef>
         </p:style>
       </p:cxnSp>
-      <mc:AlternateContent xmlns:mc="http://schemas.openxmlformats.org/markup-compatibility/2006" xmlns:a14="http://schemas.microsoft.com/office/drawing/2010/main">
-        <mc:Choice Requires="a14">
+      <mc:AlternateContent xmlns:mc="http://schemas.openxmlformats.org/markup-compatibility/2006">
+        <mc:Choice xmlns:a14="http://schemas.microsoft.com/office/drawing/2010/main" Requires="a14">
           <p:sp>
             <p:nvSpPr>
               <p:cNvPr id="81" name="Textfeld 80">
@@ -11136,7 +7793,7 @@
                       <m:r>
                         <a:rPr lang="en-US" sz="1600" i="1" dirty="0" smtClean="0">
                           <a:solidFill>
-                            <a:srgbClr val="C00000"/>
+                            <a:schemeClr val="accent2"/>
                           </a:solidFill>
                           <a:latin typeface="Cambria Math" panose="02040503050406030204" pitchFamily="18" charset="0"/>
                         </a:rPr>
@@ -11145,7 +7802,7 @@
                       <m:r>
                         <a:rPr lang="en-US" sz="1600" b="0" i="1" dirty="0" smtClean="0">
                           <a:solidFill>
-                            <a:srgbClr val="C00000"/>
+                            <a:schemeClr val="accent2"/>
                           </a:solidFill>
                           <a:latin typeface="Cambria Math" panose="02040503050406030204" pitchFamily="18" charset="0"/>
                         </a:rPr>
@@ -11154,7 +7811,7 @@
                       <m:r>
                         <a:rPr lang="en-US" sz="1600" b="0" i="1" dirty="0" smtClean="0">
                           <a:solidFill>
-                            <a:srgbClr val="C00000"/>
+                            <a:schemeClr val="accent2"/>
                           </a:solidFill>
                           <a:latin typeface="Cambria Math" panose="02040503050406030204" pitchFamily="18" charset="0"/>
                         </a:rPr>
@@ -11163,7 +7820,7 @@
                       <m:r>
                         <a:rPr lang="en-US" sz="1600" b="0" i="1" dirty="0" smtClean="0">
                           <a:solidFill>
-                            <a:srgbClr val="C00000"/>
+                            <a:schemeClr val="accent2"/>
                           </a:solidFill>
                           <a:latin typeface="Cambria Math" panose="02040503050406030204" pitchFamily="18" charset="0"/>
                         </a:rPr>
@@ -11172,7 +7829,7 @@
                       <m:r>
                         <a:rPr lang="en-US" sz="1600" b="0" i="1" dirty="0" smtClean="0">
                           <a:solidFill>
-                            <a:srgbClr val="C00000"/>
+                            <a:schemeClr val="accent2"/>
                           </a:solidFill>
                           <a:latin typeface="Cambria Math" panose="02040503050406030204" pitchFamily="18" charset="0"/>
                         </a:rPr>
@@ -11183,14 +7840,14 @@
                 </a14:m>
                 <a:endParaRPr lang="en-US" sz="1600" dirty="0">
                   <a:solidFill>
-                    <a:srgbClr val="C00000"/>
+                    <a:schemeClr val="accent2"/>
                   </a:solidFill>
                 </a:endParaRPr>
               </a:p>
             </p:txBody>
           </p:sp>
         </mc:Choice>
-        <mc:Fallback xmlns="">
+        <mc:Fallback>
           <p:sp>
             <p:nvSpPr>
               <p:cNvPr id="81" name="Textfeld 80">
@@ -11225,7 +7882,7 @@
               <a:lstStyle/>
               <a:p>
                 <a:r>
-                  <a:rPr lang="en-US">
+                  <a:rPr lang="en-CH">
                     <a:noFill/>
                   </a:rPr>
                   <a:t> </a:t>
@@ -11259,7 +7916,7 @@
           </a:prstGeom>
           <a:ln w="38100">
             <a:solidFill>
-              <a:srgbClr val="C00000"/>
+              <a:schemeClr val="accent2"/>
             </a:solidFill>
             <a:tailEnd type="triangle"/>
           </a:ln>
@@ -11279,8 +7936,8 @@
           </a:fontRef>
         </p:style>
       </p:cxnSp>
-      <mc:AlternateContent xmlns:mc="http://schemas.openxmlformats.org/markup-compatibility/2006" xmlns:a14="http://schemas.microsoft.com/office/drawing/2010/main">
-        <mc:Choice Requires="a14">
+      <mc:AlternateContent xmlns:mc="http://schemas.openxmlformats.org/markup-compatibility/2006">
+        <mc:Choice xmlns:a14="http://schemas.microsoft.com/office/drawing/2010/main" Requires="a14">
           <p:sp>
             <p:nvSpPr>
               <p:cNvPr id="83" name="Textfeld 82">
@@ -11319,7 +7976,7 @@
                       <m:r>
                         <a:rPr lang="en-US" sz="1600" i="1" dirty="0" smtClean="0">
                           <a:solidFill>
-                            <a:srgbClr val="C00000"/>
+                            <a:schemeClr val="accent2"/>
                           </a:solidFill>
                           <a:latin typeface="Cambria Math" panose="02040503050406030204" pitchFamily="18" charset="0"/>
                         </a:rPr>
@@ -11328,7 +7985,7 @@
                       <m:r>
                         <a:rPr lang="en-US" sz="1600" b="0" i="1" dirty="0" smtClean="0">
                           <a:solidFill>
-                            <a:srgbClr val="C00000"/>
+                            <a:schemeClr val="accent2"/>
                           </a:solidFill>
                           <a:latin typeface="Cambria Math" panose="02040503050406030204" pitchFamily="18" charset="0"/>
                         </a:rPr>
@@ -11337,7 +7994,7 @@
                       <m:r>
                         <a:rPr lang="en-US" sz="1600" b="0" i="1" dirty="0" smtClean="0">
                           <a:solidFill>
-                            <a:srgbClr val="C00000"/>
+                            <a:schemeClr val="accent2"/>
                           </a:solidFill>
                           <a:latin typeface="Cambria Math" panose="02040503050406030204" pitchFamily="18" charset="0"/>
                         </a:rPr>
@@ -11346,7 +8003,7 @@
                       <m:r>
                         <a:rPr lang="en-US" sz="1600" b="0" i="1" dirty="0" smtClean="0">
                           <a:solidFill>
-                            <a:srgbClr val="C00000"/>
+                            <a:schemeClr val="accent2"/>
                           </a:solidFill>
                           <a:latin typeface="Cambria Math" panose="02040503050406030204" pitchFamily="18" charset="0"/>
                         </a:rPr>
@@ -11355,7 +8012,7 @@
                       <m:r>
                         <a:rPr lang="en-US" sz="1600" b="0" i="1" dirty="0" smtClean="0">
                           <a:solidFill>
-                            <a:srgbClr val="C00000"/>
+                            <a:schemeClr val="accent2"/>
                           </a:solidFill>
                           <a:latin typeface="Cambria Math" panose="02040503050406030204" pitchFamily="18" charset="0"/>
                         </a:rPr>
@@ -11366,14 +8023,14 @@
                 </a14:m>
                 <a:endParaRPr lang="en-US" sz="1600" dirty="0">
                   <a:solidFill>
-                    <a:srgbClr val="C00000"/>
+                    <a:schemeClr val="accent2"/>
                   </a:solidFill>
                 </a:endParaRPr>
               </a:p>
             </p:txBody>
           </p:sp>
         </mc:Choice>
-        <mc:Fallback xmlns="">
+        <mc:Fallback>
           <p:sp>
             <p:nvSpPr>
               <p:cNvPr id="83" name="Textfeld 82">
@@ -11408,7 +8065,7 @@
               <a:lstStyle/>
               <a:p>
                 <a:r>
-                  <a:rPr lang="en-US">
+                  <a:rPr lang="en-CH">
                     <a:noFill/>
                   </a:rPr>
                   <a:t> </a:t>
@@ -11418,6 +8075,960 @@
           </p:sp>
         </mc:Fallback>
       </mc:AlternateContent>
+      <p:sp>
+        <p:nvSpPr>
+          <p:cNvPr id="44" name="Rechteck 5">
+            <a:extLst>
+              <a:ext uri="{FF2B5EF4-FFF2-40B4-BE49-F238E27FC236}">
+                <a16:creationId xmlns:a16="http://schemas.microsoft.com/office/drawing/2014/main" id="{D469445E-64BB-4F08-8A7F-3CD6E8536DD7}"/>
+              </a:ext>
+            </a:extLst>
+          </p:cNvPr>
+          <p:cNvSpPr/>
+          <p:nvPr/>
+        </p:nvSpPr>
+        <p:spPr>
+          <a:xfrm>
+            <a:off x="5751297" y="1171931"/>
+            <a:ext cx="1079991" cy="663135"/>
+          </a:xfrm>
+          <a:prstGeom prst="rect">
+            <a:avLst/>
+          </a:prstGeom>
+          <a:solidFill>
+            <a:schemeClr val="bg1">
+              <a:lumMod val="85000"/>
+            </a:schemeClr>
+          </a:solidFill>
+          <a:ln>
+            <a:solidFill>
+              <a:schemeClr val="tx1"/>
+            </a:solidFill>
+          </a:ln>
+        </p:spPr>
+        <p:style>
+          <a:lnRef idx="2">
+            <a:schemeClr val="accent1">
+              <a:shade val="50000"/>
+            </a:schemeClr>
+          </a:lnRef>
+          <a:fillRef idx="1">
+            <a:schemeClr val="accent1"/>
+          </a:fillRef>
+          <a:effectRef idx="0">
+            <a:schemeClr val="accent1"/>
+          </a:effectRef>
+          <a:fontRef idx="minor">
+            <a:schemeClr val="lt1"/>
+          </a:fontRef>
+        </p:style>
+        <p:txBody>
+          <a:bodyPr rtlCol="0" anchor="ctr"/>
+          <a:lstStyle/>
+          <a:p>
+            <a:pPr algn="ctr"/>
+            <a:endParaRPr lang="en-US"/>
+          </a:p>
+        </p:txBody>
+      </p:sp>
+      <p:cxnSp>
+        <p:nvCxnSpPr>
+          <p:cNvPr id="45" name="Gerader Verbinder 8">
+            <a:extLst>
+              <a:ext uri="{FF2B5EF4-FFF2-40B4-BE49-F238E27FC236}">
+                <a16:creationId xmlns:a16="http://schemas.microsoft.com/office/drawing/2014/main" id="{580629E5-BB54-4C45-9E7C-49535A334855}"/>
+              </a:ext>
+            </a:extLst>
+          </p:cNvPr>
+          <p:cNvCxnSpPr>
+            <a:cxnSpLocks/>
+          </p:cNvCxnSpPr>
+          <p:nvPr/>
+        </p:nvCxnSpPr>
+        <p:spPr>
+          <a:xfrm flipV="1">
+            <a:off x="5751297" y="1422439"/>
+            <a:ext cx="1079991" cy="7220"/>
+          </a:xfrm>
+          <a:prstGeom prst="line">
+            <a:avLst/>
+          </a:prstGeom>
+          <a:ln>
+            <a:solidFill>
+              <a:schemeClr val="tx1"/>
+            </a:solidFill>
+          </a:ln>
+        </p:spPr>
+        <p:style>
+          <a:lnRef idx="1">
+            <a:schemeClr val="accent1"/>
+          </a:lnRef>
+          <a:fillRef idx="0">
+            <a:schemeClr val="accent1"/>
+          </a:fillRef>
+          <a:effectRef idx="0">
+            <a:schemeClr val="accent1"/>
+          </a:effectRef>
+          <a:fontRef idx="minor">
+            <a:schemeClr val="tx1"/>
+          </a:fontRef>
+        </p:style>
+      </p:cxnSp>
+      <p:sp>
+        <p:nvSpPr>
+          <p:cNvPr id="48" name="Textfeld 20">
+            <a:extLst>
+              <a:ext uri="{FF2B5EF4-FFF2-40B4-BE49-F238E27FC236}">
+                <a16:creationId xmlns:a16="http://schemas.microsoft.com/office/drawing/2014/main" id="{CA763A64-5982-4C9B-B451-777DA29032F8}"/>
+              </a:ext>
+            </a:extLst>
+          </p:cNvPr>
+          <p:cNvSpPr txBox="1"/>
+          <p:nvPr/>
+        </p:nvSpPr>
+        <p:spPr>
+          <a:xfrm>
+            <a:off x="5670000" y="840177"/>
+            <a:ext cx="1492229" cy="369332"/>
+          </a:xfrm>
+          <a:prstGeom prst="rect">
+            <a:avLst/>
+          </a:prstGeom>
+          <a:noFill/>
+        </p:spPr>
+        <p:txBody>
+          <a:bodyPr wrap="square" rtlCol="0">
+            <a:spAutoFit/>
+          </a:bodyPr>
+          <a:lstStyle/>
+          <a:p>
+            <a:r>
+              <a:rPr lang="en-US" dirty="0"/>
+              <a:t>Locality table</a:t>
+            </a:r>
+          </a:p>
+        </p:txBody>
+      </p:sp>
+      <mc:AlternateContent xmlns:mc="http://schemas.openxmlformats.org/markup-compatibility/2006">
+        <mc:Choice xmlns:a14="http://schemas.microsoft.com/office/drawing/2010/main" Requires="a14">
+          <p:sp>
+            <p:nvSpPr>
+              <p:cNvPr id="51" name="Textfeld 36">
+                <a:extLst>
+                  <a:ext uri="{FF2B5EF4-FFF2-40B4-BE49-F238E27FC236}">
+                    <a16:creationId xmlns:a16="http://schemas.microsoft.com/office/drawing/2014/main" id="{6533B370-3C24-48BC-A494-9FE5D4303767}"/>
+                  </a:ext>
+                </a:extLst>
+              </p:cNvPr>
+              <p:cNvSpPr txBox="1"/>
+              <p:nvPr/>
+            </p:nvSpPr>
+            <p:spPr>
+              <a:xfrm>
+                <a:off x="5424063" y="1085569"/>
+                <a:ext cx="1169379" cy="369332"/>
+              </a:xfrm>
+              <a:prstGeom prst="rect">
+                <a:avLst/>
+              </a:prstGeom>
+              <a:noFill/>
+            </p:spPr>
+            <p:txBody>
+              <a:bodyPr wrap="square" rtlCol="0">
+                <a:spAutoFit/>
+              </a:bodyPr>
+              <a:lstStyle/>
+              <a:p>
+                <a:pPr/>
+                <a14:m>
+                  <m:oMathPara xmlns:m="http://schemas.openxmlformats.org/officeDocument/2006/math">
+                    <m:oMathParaPr>
+                      <m:jc m:val="centerGroup"/>
+                    </m:oMathParaPr>
+                    <m:oMath xmlns:m="http://schemas.openxmlformats.org/officeDocument/2006/math">
+                      <m:r>
+                        <a:rPr lang="en-US" i="1" smtClean="0">
+                          <a:latin typeface="Cambria Math" panose="02040503050406030204" pitchFamily="18" charset="0"/>
+                        </a:rPr>
+                        <m:t>𝑔</m:t>
+                      </m:r>
+                    </m:oMath>
+                  </m:oMathPara>
+                </a14:m>
+                <a:endParaRPr lang="en-US" dirty="0"/>
+              </a:p>
+            </p:txBody>
+          </p:sp>
+        </mc:Choice>
+        <mc:Fallback>
+          <p:sp>
+            <p:nvSpPr>
+              <p:cNvPr id="51" name="Textfeld 36">
+                <a:extLst>
+                  <a:ext uri="{FF2B5EF4-FFF2-40B4-BE49-F238E27FC236}">
+                    <a16:creationId xmlns:a16="http://schemas.microsoft.com/office/drawing/2014/main" id="{6533B370-3C24-48BC-A494-9FE5D4303767}"/>
+                  </a:ext>
+                </a:extLst>
+              </p:cNvPr>
+              <p:cNvSpPr txBox="1">
+                <a:spLocks noRot="1" noChangeAspect="1" noMove="1" noResize="1" noEditPoints="1" noAdjustHandles="1" noChangeArrowheads="1" noChangeShapeType="1" noTextEdit="1"/>
+              </p:cNvSpPr>
+              <p:nvPr/>
+            </p:nvSpPr>
+            <p:spPr>
+              <a:xfrm>
+                <a:off x="5424063" y="1085569"/>
+                <a:ext cx="1169379" cy="369332"/>
+              </a:xfrm>
+              <a:prstGeom prst="rect">
+                <a:avLst/>
+              </a:prstGeom>
+              <a:blipFill>
+                <a:blip r:embed="rId14"/>
+                <a:stretch>
+                  <a:fillRect b="-6557"/>
+                </a:stretch>
+              </a:blipFill>
+            </p:spPr>
+            <p:txBody>
+              <a:bodyPr/>
+              <a:lstStyle/>
+              <a:p>
+                <a:r>
+                  <a:rPr lang="en-CH">
+                    <a:noFill/>
+                  </a:rPr>
+                  <a:t> </a:t>
+                </a:r>
+              </a:p>
+            </p:txBody>
+          </p:sp>
+        </mc:Fallback>
+      </mc:AlternateContent>
+      <mc:AlternateContent xmlns:mc="http://schemas.openxmlformats.org/markup-compatibility/2006">
+        <mc:Choice xmlns:a14="http://schemas.microsoft.com/office/drawing/2010/main" Requires="a14">
+          <p:sp>
+            <p:nvSpPr>
+              <p:cNvPr id="52" name="Textfeld 37">
+                <a:extLst>
+                  <a:ext uri="{FF2B5EF4-FFF2-40B4-BE49-F238E27FC236}">
+                    <a16:creationId xmlns:a16="http://schemas.microsoft.com/office/drawing/2014/main" id="{93A217E5-14EC-4B24-A7A8-A4BAD97FCDC6}"/>
+                  </a:ext>
+                </a:extLst>
+              </p:cNvPr>
+              <p:cNvSpPr txBox="1"/>
+              <p:nvPr/>
+            </p:nvSpPr>
+            <p:spPr>
+              <a:xfrm>
+                <a:off x="6195578" y="1083693"/>
+                <a:ext cx="679939" cy="391902"/>
+              </a:xfrm>
+              <a:prstGeom prst="rect">
+                <a:avLst/>
+              </a:prstGeom>
+              <a:noFill/>
+            </p:spPr>
+            <p:txBody>
+              <a:bodyPr wrap="square" rtlCol="0">
+                <a:spAutoFit/>
+              </a:bodyPr>
+              <a:lstStyle/>
+              <a:p>
+                <a:pPr/>
+                <a14:m>
+                  <m:oMathPara xmlns:m="http://schemas.openxmlformats.org/officeDocument/2006/math">
+                    <m:oMathParaPr>
+                      <m:jc m:val="centerGroup"/>
+                    </m:oMathParaPr>
+                    <m:oMath xmlns:m="http://schemas.openxmlformats.org/officeDocument/2006/math">
+                      <m:sSub>
+                        <m:sSubPr>
+                          <m:ctrlPr>
+                            <a:rPr lang="en-US" i="1" smtClean="0">
+                              <a:latin typeface="Cambria Math" panose="02040503050406030204" pitchFamily="18" charset="0"/>
+                            </a:rPr>
+                          </m:ctrlPr>
+                        </m:sSubPr>
+                        <m:e>
+                          <m:r>
+                            <a:rPr lang="en-US" b="0" i="1" smtClean="0">
+                              <a:latin typeface="Cambria Math" panose="02040503050406030204" pitchFamily="18" charset="0"/>
+                            </a:rPr>
+                            <m:t>𝑙</m:t>
+                          </m:r>
+                        </m:e>
+                        <m:sub>
+                          <m:r>
+                            <a:rPr lang="en-US" i="1">
+                              <a:latin typeface="Cambria Math" panose="02040503050406030204" pitchFamily="18" charset="0"/>
+                            </a:rPr>
+                            <m:t>𝑔</m:t>
+                          </m:r>
+                        </m:sub>
+                      </m:sSub>
+                    </m:oMath>
+                  </m:oMathPara>
+                </a14:m>
+                <a:endParaRPr lang="en-US" dirty="0"/>
+              </a:p>
+            </p:txBody>
+          </p:sp>
+        </mc:Choice>
+        <mc:Fallback>
+          <p:sp>
+            <p:nvSpPr>
+              <p:cNvPr id="52" name="Textfeld 37">
+                <a:extLst>
+                  <a:ext uri="{FF2B5EF4-FFF2-40B4-BE49-F238E27FC236}">
+                    <a16:creationId xmlns:a16="http://schemas.microsoft.com/office/drawing/2014/main" id="{93A217E5-14EC-4B24-A7A8-A4BAD97FCDC6}"/>
+                  </a:ext>
+                </a:extLst>
+              </p:cNvPr>
+              <p:cNvSpPr txBox="1">
+                <a:spLocks noRot="1" noChangeAspect="1" noMove="1" noResize="1" noEditPoints="1" noAdjustHandles="1" noChangeArrowheads="1" noChangeShapeType="1" noTextEdit="1"/>
+              </p:cNvSpPr>
+              <p:nvPr/>
+            </p:nvSpPr>
+            <p:spPr>
+              <a:xfrm>
+                <a:off x="6195578" y="1083693"/>
+                <a:ext cx="679939" cy="391902"/>
+              </a:xfrm>
+              <a:prstGeom prst="rect">
+                <a:avLst/>
+              </a:prstGeom>
+              <a:blipFill>
+                <a:blip r:embed="rId15"/>
+                <a:stretch>
+                  <a:fillRect b="-6250"/>
+                </a:stretch>
+              </a:blipFill>
+            </p:spPr>
+            <p:txBody>
+              <a:bodyPr/>
+              <a:lstStyle/>
+              <a:p>
+                <a:r>
+                  <a:rPr lang="en-CH">
+                    <a:noFill/>
+                  </a:rPr>
+                  <a:t> </a:t>
+                </a:r>
+              </a:p>
+            </p:txBody>
+          </p:sp>
+        </mc:Fallback>
+      </mc:AlternateContent>
+      <p:cxnSp>
+        <p:nvCxnSpPr>
+          <p:cNvPr id="53" name="Gerader Verbinder 11">
+            <a:extLst>
+              <a:ext uri="{FF2B5EF4-FFF2-40B4-BE49-F238E27FC236}">
+                <a16:creationId xmlns:a16="http://schemas.microsoft.com/office/drawing/2014/main" id="{D4D0E1E9-22FB-411B-9E67-6F336D2E3773}"/>
+              </a:ext>
+            </a:extLst>
+          </p:cNvPr>
+          <p:cNvCxnSpPr>
+            <a:cxnSpLocks/>
+          </p:cNvCxnSpPr>
+          <p:nvPr/>
+        </p:nvCxnSpPr>
+        <p:spPr>
+          <a:xfrm>
+            <a:off x="6219089" y="1155007"/>
+            <a:ext cx="0" cy="680059"/>
+          </a:xfrm>
+          <a:prstGeom prst="line">
+            <a:avLst/>
+          </a:prstGeom>
+          <a:ln>
+            <a:solidFill>
+              <a:schemeClr val="tx1"/>
+            </a:solidFill>
+          </a:ln>
+        </p:spPr>
+        <p:style>
+          <a:lnRef idx="1">
+            <a:schemeClr val="accent1"/>
+          </a:lnRef>
+          <a:fillRef idx="0">
+            <a:schemeClr val="accent1"/>
+          </a:fillRef>
+          <a:effectRef idx="0">
+            <a:schemeClr val="accent1"/>
+          </a:effectRef>
+          <a:fontRef idx="minor">
+            <a:schemeClr val="tx1"/>
+          </a:fontRef>
+        </p:style>
+      </p:cxnSp>
+      <p:cxnSp>
+        <p:nvCxnSpPr>
+          <p:cNvPr id="54" name="Gerader Verbinder 8">
+            <a:extLst>
+              <a:ext uri="{FF2B5EF4-FFF2-40B4-BE49-F238E27FC236}">
+                <a16:creationId xmlns:a16="http://schemas.microsoft.com/office/drawing/2014/main" id="{4258FAE4-DC82-4A08-8C69-2BAAF9D43183}"/>
+              </a:ext>
+            </a:extLst>
+          </p:cNvPr>
+          <p:cNvCxnSpPr>
+            <a:cxnSpLocks/>
+          </p:cNvCxnSpPr>
+          <p:nvPr/>
+        </p:nvCxnSpPr>
+        <p:spPr>
+          <a:xfrm flipV="1">
+            <a:off x="5751297" y="1635799"/>
+            <a:ext cx="1079991" cy="7220"/>
+          </a:xfrm>
+          <a:prstGeom prst="line">
+            <a:avLst/>
+          </a:prstGeom>
+          <a:ln>
+            <a:solidFill>
+              <a:schemeClr val="tx1"/>
+            </a:solidFill>
+          </a:ln>
+        </p:spPr>
+        <p:style>
+          <a:lnRef idx="1">
+            <a:schemeClr val="accent1"/>
+          </a:lnRef>
+          <a:fillRef idx="0">
+            <a:schemeClr val="accent1"/>
+          </a:fillRef>
+          <a:effectRef idx="0">
+            <a:schemeClr val="accent1"/>
+          </a:effectRef>
+          <a:fontRef idx="minor">
+            <a:schemeClr val="tx1"/>
+          </a:fontRef>
+        </p:style>
+      </p:cxnSp>
+      <p:sp>
+        <p:nvSpPr>
+          <p:cNvPr id="55" name="Rechteck 12">
+            <a:extLst>
+              <a:ext uri="{FF2B5EF4-FFF2-40B4-BE49-F238E27FC236}">
+                <a16:creationId xmlns:a16="http://schemas.microsoft.com/office/drawing/2014/main" id="{030B071A-B7AA-40FA-9EAC-E283C97627FC}"/>
+              </a:ext>
+            </a:extLst>
+          </p:cNvPr>
+          <p:cNvSpPr/>
+          <p:nvPr/>
+        </p:nvSpPr>
+        <p:spPr>
+          <a:xfrm>
+            <a:off x="6452304" y="1735946"/>
+            <a:ext cx="1508370" cy="663135"/>
+          </a:xfrm>
+          <a:prstGeom prst="rect">
+            <a:avLst/>
+          </a:prstGeom>
+          <a:solidFill>
+            <a:schemeClr val="bg1">
+              <a:lumMod val="85000"/>
+            </a:schemeClr>
+          </a:solidFill>
+          <a:ln>
+            <a:solidFill>
+              <a:schemeClr val="tx1"/>
+            </a:solidFill>
+          </a:ln>
+        </p:spPr>
+        <p:style>
+          <a:lnRef idx="2">
+            <a:schemeClr val="accent1">
+              <a:shade val="50000"/>
+            </a:schemeClr>
+          </a:lnRef>
+          <a:fillRef idx="1">
+            <a:schemeClr val="accent1"/>
+          </a:fillRef>
+          <a:effectRef idx="0">
+            <a:schemeClr val="accent1"/>
+          </a:effectRef>
+          <a:fontRef idx="minor">
+            <a:schemeClr val="lt1"/>
+          </a:fontRef>
+        </p:style>
+        <p:txBody>
+          <a:bodyPr rtlCol="0" anchor="ctr"/>
+          <a:lstStyle/>
+          <a:p>
+            <a:pPr algn="ctr"/>
+            <a:endParaRPr lang="en-US"/>
+          </a:p>
+        </p:txBody>
+      </p:sp>
+      <p:cxnSp>
+        <p:nvCxnSpPr>
+          <p:cNvPr id="59" name="Gerader Verbinder 14">
+            <a:extLst>
+              <a:ext uri="{FF2B5EF4-FFF2-40B4-BE49-F238E27FC236}">
+                <a16:creationId xmlns:a16="http://schemas.microsoft.com/office/drawing/2014/main" id="{F966B963-BCBE-48F5-9CE6-E3B7F28A7D10}"/>
+              </a:ext>
+            </a:extLst>
+          </p:cNvPr>
+          <p:cNvCxnSpPr/>
+          <p:nvPr/>
+        </p:nvCxnSpPr>
+        <p:spPr>
+          <a:xfrm>
+            <a:off x="6452304" y="1996691"/>
+            <a:ext cx="1508370" cy="0"/>
+          </a:xfrm>
+          <a:prstGeom prst="line">
+            <a:avLst/>
+          </a:prstGeom>
+          <a:ln>
+            <a:solidFill>
+              <a:schemeClr val="tx1"/>
+            </a:solidFill>
+          </a:ln>
+        </p:spPr>
+        <p:style>
+          <a:lnRef idx="1">
+            <a:schemeClr val="accent1"/>
+          </a:lnRef>
+          <a:fillRef idx="0">
+            <a:schemeClr val="accent1"/>
+          </a:fillRef>
+          <a:effectRef idx="0">
+            <a:schemeClr val="accent1"/>
+          </a:effectRef>
+          <a:fontRef idx="minor">
+            <a:schemeClr val="tx1"/>
+          </a:fontRef>
+        </p:style>
+      </p:cxnSp>
+      <p:cxnSp>
+        <p:nvCxnSpPr>
+          <p:cNvPr id="65" name="Gerader Verbinder 15">
+            <a:extLst>
+              <a:ext uri="{FF2B5EF4-FFF2-40B4-BE49-F238E27FC236}">
+                <a16:creationId xmlns:a16="http://schemas.microsoft.com/office/drawing/2014/main" id="{1A1A55FB-2B03-4DBC-A2AA-E778A1EE9709}"/>
+              </a:ext>
+            </a:extLst>
+          </p:cNvPr>
+          <p:cNvCxnSpPr/>
+          <p:nvPr/>
+        </p:nvCxnSpPr>
+        <p:spPr>
+          <a:xfrm>
+            <a:off x="6452304" y="2202059"/>
+            <a:ext cx="1508370" cy="0"/>
+          </a:xfrm>
+          <a:prstGeom prst="line">
+            <a:avLst/>
+          </a:prstGeom>
+          <a:ln>
+            <a:solidFill>
+              <a:schemeClr val="tx1"/>
+            </a:solidFill>
+          </a:ln>
+        </p:spPr>
+        <p:style>
+          <a:lnRef idx="1">
+            <a:schemeClr val="accent1"/>
+          </a:lnRef>
+          <a:fillRef idx="0">
+            <a:schemeClr val="accent1"/>
+          </a:fillRef>
+          <a:effectRef idx="0">
+            <a:schemeClr val="accent1"/>
+          </a:effectRef>
+          <a:fontRef idx="minor">
+            <a:schemeClr val="tx1"/>
+          </a:fontRef>
+        </p:style>
+      </p:cxnSp>
+      <p:cxnSp>
+        <p:nvCxnSpPr>
+          <p:cNvPr id="70" name="Gerader Verbinder 18">
+            <a:extLst>
+              <a:ext uri="{FF2B5EF4-FFF2-40B4-BE49-F238E27FC236}">
+                <a16:creationId xmlns:a16="http://schemas.microsoft.com/office/drawing/2014/main" id="{39786181-31BE-4923-BD09-42B6A2DE56DF}"/>
+              </a:ext>
+            </a:extLst>
+          </p:cNvPr>
+          <p:cNvCxnSpPr>
+            <a:cxnSpLocks/>
+          </p:cNvCxnSpPr>
+          <p:nvPr/>
+        </p:nvCxnSpPr>
+        <p:spPr>
+          <a:xfrm>
+            <a:off x="6929043" y="1735946"/>
+            <a:ext cx="0" cy="663135"/>
+          </a:xfrm>
+          <a:prstGeom prst="line">
+            <a:avLst/>
+          </a:prstGeom>
+          <a:ln>
+            <a:solidFill>
+              <a:schemeClr val="tx1"/>
+            </a:solidFill>
+          </a:ln>
+        </p:spPr>
+        <p:style>
+          <a:lnRef idx="1">
+            <a:schemeClr val="accent1"/>
+          </a:lnRef>
+          <a:fillRef idx="0">
+            <a:schemeClr val="accent1"/>
+          </a:fillRef>
+          <a:effectRef idx="0">
+            <a:schemeClr val="accent1"/>
+          </a:effectRef>
+          <a:fontRef idx="minor">
+            <a:schemeClr val="tx1"/>
+          </a:fontRef>
+        </p:style>
+      </p:cxnSp>
+      <p:sp>
+        <p:nvSpPr>
+          <p:cNvPr id="71" name="Textfeld 22">
+            <a:extLst>
+              <a:ext uri="{FF2B5EF4-FFF2-40B4-BE49-F238E27FC236}">
+                <a16:creationId xmlns:a16="http://schemas.microsoft.com/office/drawing/2014/main" id="{46531FBF-C7EC-4A71-9248-5ED9A808988C}"/>
+              </a:ext>
+            </a:extLst>
+          </p:cNvPr>
+          <p:cNvSpPr txBox="1"/>
+          <p:nvPr/>
+        </p:nvSpPr>
+        <p:spPr>
+          <a:xfrm>
+            <a:off x="7072492" y="1400581"/>
+            <a:ext cx="1492229" cy="369332"/>
+          </a:xfrm>
+          <a:prstGeom prst="rect">
+            <a:avLst/>
+          </a:prstGeom>
+          <a:noFill/>
+        </p:spPr>
+        <p:txBody>
+          <a:bodyPr wrap="square" rtlCol="0">
+            <a:spAutoFit/>
+          </a:bodyPr>
+          <a:lstStyle/>
+          <a:p>
+            <a:r>
+              <a:rPr lang="en-US" dirty="0"/>
+              <a:t>Report counts</a:t>
+            </a:r>
+          </a:p>
+        </p:txBody>
+      </p:sp>
+      <mc:AlternateContent xmlns:mc="http://schemas.openxmlformats.org/markup-compatibility/2006">
+        <mc:Choice xmlns:a14="http://schemas.microsoft.com/office/drawing/2010/main" Requires="a14">
+          <p:sp>
+            <p:nvSpPr>
+              <p:cNvPr id="72" name="Textfeld 51">
+                <a:extLst>
+                  <a:ext uri="{FF2B5EF4-FFF2-40B4-BE49-F238E27FC236}">
+                    <a16:creationId xmlns:a16="http://schemas.microsoft.com/office/drawing/2014/main" id="{DD53193C-EEC4-4C46-AE3F-2DC73C07EEE3}"/>
+                  </a:ext>
+                </a:extLst>
+              </p:cNvPr>
+              <p:cNvSpPr txBox="1"/>
+              <p:nvPr/>
+            </p:nvSpPr>
+            <p:spPr>
+              <a:xfrm>
+                <a:off x="6143622" y="1683941"/>
+                <a:ext cx="1169379" cy="369332"/>
+              </a:xfrm>
+              <a:prstGeom prst="rect">
+                <a:avLst/>
+              </a:prstGeom>
+              <a:noFill/>
+            </p:spPr>
+            <p:txBody>
+              <a:bodyPr wrap="square" rtlCol="0">
+                <a:spAutoFit/>
+              </a:bodyPr>
+              <a:lstStyle/>
+              <a:p>
+                <a:pPr/>
+                <a14:m>
+                  <m:oMathPara xmlns:m="http://schemas.openxmlformats.org/officeDocument/2006/math">
+                    <m:oMathParaPr>
+                      <m:jc m:val="centerGroup"/>
+                    </m:oMathParaPr>
+                    <m:oMath xmlns:m="http://schemas.openxmlformats.org/officeDocument/2006/math">
+                      <m:r>
+                        <a:rPr lang="en-US" b="0" i="1" smtClean="0">
+                          <a:latin typeface="Cambria Math" panose="02040503050406030204" pitchFamily="18" charset="0"/>
+                        </a:rPr>
+                        <m:t>𝑓</m:t>
+                      </m:r>
+                    </m:oMath>
+                  </m:oMathPara>
+                </a14:m>
+                <a:endParaRPr lang="en-US" dirty="0"/>
+              </a:p>
+            </p:txBody>
+          </p:sp>
+        </mc:Choice>
+        <mc:Fallback>
+          <p:sp>
+            <p:nvSpPr>
+              <p:cNvPr id="72" name="Textfeld 51">
+                <a:extLst>
+                  <a:ext uri="{FF2B5EF4-FFF2-40B4-BE49-F238E27FC236}">
+                    <a16:creationId xmlns:a16="http://schemas.microsoft.com/office/drawing/2014/main" id="{DD53193C-EEC4-4C46-AE3F-2DC73C07EEE3}"/>
+                  </a:ext>
+                </a:extLst>
+              </p:cNvPr>
+              <p:cNvSpPr txBox="1">
+                <a:spLocks noRot="1" noChangeAspect="1" noMove="1" noResize="1" noEditPoints="1" noAdjustHandles="1" noChangeArrowheads="1" noChangeShapeType="1" noTextEdit="1"/>
+              </p:cNvSpPr>
+              <p:nvPr/>
+            </p:nvSpPr>
+            <p:spPr>
+              <a:xfrm>
+                <a:off x="6143622" y="1683941"/>
+                <a:ext cx="1169379" cy="369332"/>
+              </a:xfrm>
+              <a:prstGeom prst="rect">
+                <a:avLst/>
+              </a:prstGeom>
+              <a:blipFill>
+                <a:blip r:embed="rId16"/>
+                <a:stretch>
+                  <a:fillRect b="-13115"/>
+                </a:stretch>
+              </a:blipFill>
+            </p:spPr>
+            <p:txBody>
+              <a:bodyPr/>
+              <a:lstStyle/>
+              <a:p>
+                <a:r>
+                  <a:rPr lang="en-CH">
+                    <a:noFill/>
+                  </a:rPr>
+                  <a:t> </a:t>
+                </a:r>
+              </a:p>
+            </p:txBody>
+          </p:sp>
+        </mc:Fallback>
+      </mc:AlternateContent>
+      <mc:AlternateContent xmlns:mc="http://schemas.openxmlformats.org/markup-compatibility/2006">
+        <mc:Choice xmlns:a14="http://schemas.microsoft.com/office/drawing/2010/main" Requires="a14">
+          <p:sp>
+            <p:nvSpPr>
+              <p:cNvPr id="73" name="Textfeld 52">
+                <a:extLst>
+                  <a:ext uri="{FF2B5EF4-FFF2-40B4-BE49-F238E27FC236}">
+                    <a16:creationId xmlns:a16="http://schemas.microsoft.com/office/drawing/2014/main" id="{4EF1761C-AC71-471E-8814-7FEAF24092E0}"/>
+                  </a:ext>
+                </a:extLst>
+              </p:cNvPr>
+              <p:cNvSpPr txBox="1"/>
+              <p:nvPr/>
+            </p:nvSpPr>
+            <p:spPr>
+              <a:xfrm>
+                <a:off x="6941744" y="1728382"/>
+                <a:ext cx="679939" cy="307777"/>
+              </a:xfrm>
+              <a:prstGeom prst="rect">
+                <a:avLst/>
+              </a:prstGeom>
+              <a:noFill/>
+            </p:spPr>
+            <p:txBody>
+              <a:bodyPr wrap="square" rtlCol="0">
+                <a:spAutoFit/>
+              </a:bodyPr>
+              <a:lstStyle/>
+              <a:p>
+                <a:pPr/>
+                <a14:m>
+                  <m:oMathPara xmlns:m="http://schemas.openxmlformats.org/officeDocument/2006/math">
+                    <m:oMathParaPr>
+                      <m:jc m:val="centerGroup"/>
+                    </m:oMathParaPr>
+                    <m:oMath xmlns:m="http://schemas.openxmlformats.org/officeDocument/2006/math">
+                      <m:r>
+                        <a:rPr lang="en-US" sz="1400" i="1" smtClean="0">
+                          <a:latin typeface="Cambria Math" panose="02040503050406030204" pitchFamily="18" charset="0"/>
+                        </a:rPr>
+                        <m:t>𝑟</m:t>
+                      </m:r>
+                      <m:r>
+                        <a:rPr lang="en-US" sz="1400" b="0" i="1" smtClean="0">
+                          <a:latin typeface="Cambria Math" panose="02040503050406030204" pitchFamily="18" charset="0"/>
+                        </a:rPr>
+                        <m:t>𝑒𝑝𝑜𝑟𝑡𝑠</m:t>
+                      </m:r>
+                      <m:r>
+                        <a:rPr lang="en-US" sz="1400" b="0" i="1" smtClean="0">
+                          <a:latin typeface="Cambria Math" panose="02040503050406030204" pitchFamily="18" charset="0"/>
+                        </a:rPr>
+                        <m:t>(</m:t>
+                      </m:r>
+                      <m:r>
+                        <a:rPr lang="en-US" sz="1400" b="0" i="1" smtClean="0">
+                          <a:latin typeface="Cambria Math" panose="02040503050406030204" pitchFamily="18" charset="0"/>
+                        </a:rPr>
+                        <m:t>𝑓</m:t>
+                      </m:r>
+                      <m:r>
+                        <a:rPr lang="en-US" sz="1400" b="0" i="1" smtClean="0">
+                          <a:latin typeface="Cambria Math" panose="02040503050406030204" pitchFamily="18" charset="0"/>
+                        </a:rPr>
+                        <m:t>)</m:t>
+                      </m:r>
+                    </m:oMath>
+                  </m:oMathPara>
+                </a14:m>
+                <a:endParaRPr lang="en-US" sz="1400" dirty="0"/>
+              </a:p>
+            </p:txBody>
+          </p:sp>
+        </mc:Choice>
+        <mc:Fallback>
+          <p:sp>
+            <p:nvSpPr>
+              <p:cNvPr id="73" name="Textfeld 52">
+                <a:extLst>
+                  <a:ext uri="{FF2B5EF4-FFF2-40B4-BE49-F238E27FC236}">
+                    <a16:creationId xmlns:a16="http://schemas.microsoft.com/office/drawing/2014/main" id="{4EF1761C-AC71-471E-8814-7FEAF24092E0}"/>
+                  </a:ext>
+                </a:extLst>
+              </p:cNvPr>
+              <p:cNvSpPr txBox="1">
+                <a:spLocks noRot="1" noChangeAspect="1" noMove="1" noResize="1" noEditPoints="1" noAdjustHandles="1" noChangeArrowheads="1" noChangeShapeType="1" noTextEdit="1"/>
+              </p:cNvSpPr>
+              <p:nvPr/>
+            </p:nvSpPr>
+            <p:spPr>
+              <a:xfrm>
+                <a:off x="6941744" y="1728382"/>
+                <a:ext cx="679939" cy="307777"/>
+              </a:xfrm>
+              <a:prstGeom prst="rect">
+                <a:avLst/>
+              </a:prstGeom>
+              <a:blipFill>
+                <a:blip r:embed="rId17"/>
+                <a:stretch>
+                  <a:fillRect r="-52252" b="-8000"/>
+                </a:stretch>
+              </a:blipFill>
+            </p:spPr>
+            <p:txBody>
+              <a:bodyPr/>
+              <a:lstStyle/>
+              <a:p>
+                <a:r>
+                  <a:rPr lang="en-CH">
+                    <a:noFill/>
+                  </a:rPr>
+                  <a:t> </a:t>
+                </a:r>
+              </a:p>
+            </p:txBody>
+          </p:sp>
+        </mc:Fallback>
+      </mc:AlternateContent>
+      <p:sp>
+        <p:nvSpPr>
+          <p:cNvPr id="80" name="Textfeld 59">
+            <a:extLst>
+              <a:ext uri="{FF2B5EF4-FFF2-40B4-BE49-F238E27FC236}">
+                <a16:creationId xmlns:a16="http://schemas.microsoft.com/office/drawing/2014/main" id="{4C034A87-997F-421A-B386-0AC63562801E}"/>
+              </a:ext>
+            </a:extLst>
+          </p:cNvPr>
+          <p:cNvSpPr txBox="1"/>
+          <p:nvPr/>
+        </p:nvSpPr>
+        <p:spPr>
+          <a:xfrm>
+            <a:off x="3498783" y="3371267"/>
+            <a:ext cx="1068144" cy="369332"/>
+          </a:xfrm>
+          <a:prstGeom prst="rect">
+            <a:avLst/>
+          </a:prstGeom>
+          <a:noFill/>
+        </p:spPr>
+        <p:txBody>
+          <a:bodyPr wrap="square" rtlCol="0">
+            <a:spAutoFit/>
+          </a:bodyPr>
+          <a:lstStyle/>
+          <a:p>
+            <a:r>
+              <a:rPr lang="en-US" dirty="0">
+                <a:solidFill>
+                  <a:schemeClr val="accent2"/>
+                </a:solidFill>
+              </a:rPr>
+              <a:t>RPC</a:t>
+            </a:r>
+          </a:p>
+        </p:txBody>
+      </p:sp>
+      <p:sp>
+        <p:nvSpPr>
+          <p:cNvPr id="9" name="Oval 8">
+            <a:extLst>
+              <a:ext uri="{FF2B5EF4-FFF2-40B4-BE49-F238E27FC236}">
+                <a16:creationId xmlns:a16="http://schemas.microsoft.com/office/drawing/2014/main" id="{432A7462-7D6B-4538-8746-851C8A0DABAE}"/>
+              </a:ext>
+            </a:extLst>
+          </p:cNvPr>
+          <p:cNvSpPr/>
+          <p:nvPr/>
+        </p:nvSpPr>
+        <p:spPr>
+          <a:xfrm>
+            <a:off x="6830519" y="1673548"/>
+            <a:ext cx="1193368" cy="433211"/>
+          </a:xfrm>
+          <a:prstGeom prst="ellipse">
+            <a:avLst/>
+          </a:prstGeom>
+          <a:noFill/>
+          <a:ln w="28575">
+            <a:solidFill>
+              <a:srgbClr val="FF0000"/>
+            </a:solidFill>
+          </a:ln>
+        </p:spPr>
+        <p:style>
+          <a:lnRef idx="2">
+            <a:schemeClr val="accent1">
+              <a:shade val="50000"/>
+            </a:schemeClr>
+          </a:lnRef>
+          <a:fillRef idx="1">
+            <a:schemeClr val="accent1"/>
+          </a:fillRef>
+          <a:effectRef idx="0">
+            <a:schemeClr val="accent1"/>
+          </a:effectRef>
+          <a:fontRef idx="minor">
+            <a:schemeClr val="lt1"/>
+          </a:fontRef>
+        </p:style>
+        <p:txBody>
+          <a:bodyPr rtlCol="0" anchor="ctr"/>
+          <a:lstStyle/>
+          <a:p>
+            <a:pPr algn="ctr"/>
+            <a:endParaRPr lang="en-CH"/>
+          </a:p>
+        </p:txBody>
+      </p:sp>
     </p:spTree>
     <p:extLst>
       <p:ext uri="{BB962C8B-B14F-4D97-AF65-F5344CB8AC3E}">
@@ -11627,7 +9238,7 @@
                                 </p:cTn>
                               </p:par>
                               <p:par>
-                                <p:cTn id="19" presetID="1" presetClass="entr" presetSubtype="0" fill="hold" nodeType="withEffect">
+                                <p:cTn id="19" presetID="1" presetClass="entr" presetSubtype="0" fill="hold" grpId="0" nodeType="withEffect">
                                   <p:stCondLst>
                                     <p:cond delay="0"/>
                                   </p:stCondLst>
@@ -11635,6 +9246,33 @@
                                     <p:set>
                                       <p:cBhvr>
                                         <p:cTn id="20" dur="1" fill="hold">
+                                          <p:stCondLst>
+                                            <p:cond delay="0"/>
+                                          </p:stCondLst>
+                                        </p:cTn>
+                                        <p:tgtEl>
+                                          <p:spTgt spid="80"/>
+                                        </p:tgtEl>
+                                        <p:attrNameLst>
+                                          <p:attrName>style.visibility</p:attrName>
+                                        </p:attrNameLst>
+                                      </p:cBhvr>
+                                      <p:to>
+                                        <p:strVal val="visible"/>
+                                      </p:to>
+                                    </p:set>
+                                  </p:childTnLst>
+                                </p:cTn>
+                              </p:par>
+                              <p:par>
+                                <p:cTn id="21" presetID="1" presetClass="entr" presetSubtype="0" fill="hold" nodeType="withEffect">
+                                  <p:stCondLst>
+                                    <p:cond delay="0"/>
+                                  </p:stCondLst>
+                                  <p:childTnLst>
+                                    <p:set>
+                                      <p:cBhvr>
+                                        <p:cTn id="22" dur="1" fill="hold">
                                           <p:stCondLst>
                                             <p:cond delay="0"/>
                                           </p:stCondLst>
@@ -11654,14 +9292,14 @@
                                 </p:cTn>
                               </p:par>
                               <p:par>
-                                <p:cTn id="21" presetID="1" presetClass="entr" presetSubtype="0" fill="hold" grpId="0" nodeType="withEffect">
+                                <p:cTn id="23" presetID="1" presetClass="entr" presetSubtype="0" fill="hold" grpId="0" nodeType="withEffect">
                                   <p:stCondLst>
                                     <p:cond delay="0"/>
                                   </p:stCondLst>
                                   <p:childTnLst>
                                     <p:set>
                                       <p:cBhvr>
-                                        <p:cTn id="22" dur="1" fill="hold">
+                                        <p:cTn id="24" dur="1" fill="hold">
                                           <p:stCondLst>
                                             <p:cond delay="0"/>
                                           </p:stCondLst>
@@ -11687,26 +9325,26 @@
                     </p:cTn>
                   </p:par>
                   <p:par>
-                    <p:cTn id="23" fill="hold">
+                    <p:cTn id="25" fill="hold">
                       <p:stCondLst>
                         <p:cond delay="indefinite"/>
                       </p:stCondLst>
                       <p:childTnLst>
                         <p:par>
-                          <p:cTn id="24" fill="hold">
+                          <p:cTn id="26" fill="hold">
                             <p:stCondLst>
                               <p:cond delay="0"/>
                             </p:stCondLst>
                             <p:childTnLst>
                               <p:par>
-                                <p:cTn id="25" presetID="1" presetClass="entr" presetSubtype="0" fill="hold" nodeType="clickEffect">
+                                <p:cTn id="27" presetID="1" presetClass="entr" presetSubtype="0" fill="hold" nodeType="clickEffect">
                                   <p:stCondLst>
                                     <p:cond delay="0"/>
                                   </p:stCondLst>
                                   <p:childTnLst>
                                     <p:set>
                                       <p:cBhvr>
-                                        <p:cTn id="26" dur="1" fill="hold">
+                                        <p:cTn id="28" dur="1" fill="hold">
                                           <p:stCondLst>
                                             <p:cond delay="0"/>
                                           </p:stCondLst>
@@ -11730,14 +9368,14 @@
                                 </p:cTn>
                               </p:par>
                               <p:par>
-                                <p:cTn id="27" presetID="1" presetClass="entr" presetSubtype="0" fill="hold" grpId="0" nodeType="withEffect">
+                                <p:cTn id="29" presetID="1" presetClass="entr" presetSubtype="0" fill="hold" grpId="0" nodeType="withEffect">
                                   <p:stCondLst>
                                     <p:cond delay="0"/>
                                   </p:stCondLst>
                                   <p:childTnLst>
                                     <p:set>
                                       <p:cBhvr>
-                                        <p:cTn id="28" dur="1" fill="hold">
+                                        <p:cTn id="30" dur="1" fill="hold">
                                           <p:stCondLst>
                                             <p:cond delay="0"/>
                                           </p:stCondLst>
@@ -11757,14 +9395,14 @@
                                 </p:cTn>
                               </p:par>
                               <p:par>
-                                <p:cTn id="29" presetID="1" presetClass="entr" presetSubtype="0" fill="hold" nodeType="withEffect">
+                                <p:cTn id="31" presetID="1" presetClass="entr" presetSubtype="0" fill="hold" nodeType="withEffect">
                                   <p:stCondLst>
                                     <p:cond delay="0"/>
                                   </p:stCondLst>
                                   <p:childTnLst>
                                     <p:set>
                                       <p:cBhvr>
-                                        <p:cTn id="30" dur="1" fill="hold">
+                                        <p:cTn id="32" dur="1" fill="hold">
                                           <p:stCondLst>
                                             <p:cond delay="0"/>
                                           </p:stCondLst>
@@ -11790,26 +9428,26 @@
                     </p:cTn>
                   </p:par>
                   <p:par>
-                    <p:cTn id="31" fill="hold">
+                    <p:cTn id="33" fill="hold">
                       <p:stCondLst>
                         <p:cond delay="indefinite"/>
                       </p:stCondLst>
                       <p:childTnLst>
                         <p:par>
-                          <p:cTn id="32" fill="hold">
+                          <p:cTn id="34" fill="hold">
                             <p:stCondLst>
                               <p:cond delay="0"/>
                             </p:stCondLst>
                             <p:childTnLst>
                               <p:par>
-                                <p:cTn id="33" presetID="1" presetClass="entr" presetSubtype="0" fill="hold" nodeType="clickEffect">
+                                <p:cTn id="35" presetID="1" presetClass="entr" presetSubtype="0" fill="hold" nodeType="clickEffect">
                                   <p:stCondLst>
                                     <p:cond delay="0"/>
                                   </p:stCondLst>
                                   <p:childTnLst>
                                     <p:set>
                                       <p:cBhvr>
-                                        <p:cTn id="34" dur="1" fill="hold">
+                                        <p:cTn id="36" dur="1" fill="hold">
                                           <p:stCondLst>
                                             <p:cond delay="0"/>
                                           </p:stCondLst>
@@ -11833,14 +9471,14 @@
                                 </p:cTn>
                               </p:par>
                               <p:par>
-                                <p:cTn id="35" presetID="1" presetClass="entr" presetSubtype="0" fill="hold" grpId="0" nodeType="withEffect">
+                                <p:cTn id="37" presetID="1" presetClass="entr" presetSubtype="0" fill="hold" grpId="0" nodeType="withEffect">
                                   <p:stCondLst>
                                     <p:cond delay="0"/>
                                   </p:stCondLst>
                                   <p:childTnLst>
                                     <p:set>
                                       <p:cBhvr>
-                                        <p:cTn id="36" dur="1" fill="hold">
+                                        <p:cTn id="38" dur="1" fill="hold">
                                           <p:stCondLst>
                                             <p:cond delay="0"/>
                                           </p:stCondLst>
@@ -11866,50 +9504,19 @@
                     </p:cTn>
                   </p:par>
                   <p:par>
-                    <p:cTn id="37" fill="hold">
+                    <p:cTn id="39" fill="hold">
                       <p:stCondLst>
                         <p:cond delay="indefinite"/>
                       </p:stCondLst>
                       <p:childTnLst>
                         <p:par>
-                          <p:cTn id="38" fill="hold">
+                          <p:cTn id="40" fill="hold">
                             <p:stCondLst>
                               <p:cond delay="0"/>
                             </p:stCondLst>
                             <p:childTnLst>
                               <p:par>
-                                <p:cTn id="39" presetID="1" presetClass="entr" presetSubtype="0" fill="hold" nodeType="clickEffect">
-                                  <p:stCondLst>
-                                    <p:cond delay="0"/>
-                                  </p:stCondLst>
-                                  <p:childTnLst>
-                                    <p:set>
-                                      <p:cBhvr>
-                                        <p:cTn id="40" dur="1" fill="hold">
-                                          <p:stCondLst>
-                                            <p:cond delay="0"/>
-                                          </p:stCondLst>
-                                        </p:cTn>
-                                        <p:tgtEl>
-                                          <p:spTgt spid="62">
-                                            <p:txEl>
-                                              <p:pRg st="5" end="5"/>
-                                            </p:txEl>
-                                          </p:spTgt>
-                                        </p:tgtEl>
-                                        <p:attrNameLst>
-                                          <p:attrName>style.visibility</p:attrName>
-                                        </p:attrNameLst>
-                                      </p:cBhvr>
-                                      <p:to>
-                                        <p:strVal val="visible"/>
-                                      </p:to>
-                                    </p:set>
-                                  </p:childTnLst>
-                                </p:cTn>
-                              </p:par>
-                              <p:par>
-                                <p:cTn id="41" presetID="1" presetClass="entr" presetSubtype="0" fill="hold" grpId="0" nodeType="withEffect">
+                                <p:cTn id="41" presetID="1" presetClass="entr" presetSubtype="0" fill="hold" nodeType="clickEffect">
                                   <p:stCondLst>
                                     <p:cond delay="0"/>
                                   </p:stCondLst>
@@ -11922,7 +9529,11 @@
                                           </p:stCondLst>
                                         </p:cTn>
                                         <p:tgtEl>
-                                          <p:spTgt spid="76"/>
+                                          <p:spTgt spid="62">
+                                            <p:txEl>
+                                              <p:pRg st="5" end="5"/>
+                                            </p:txEl>
+                                          </p:spTgt>
                                         </p:tgtEl>
                                         <p:attrNameLst>
                                           <p:attrName>style.visibility</p:attrName>
@@ -11949,7 +9560,7 @@
                                           </p:stCondLst>
                                         </p:cTn>
                                         <p:tgtEl>
-                                          <p:spTgt spid="77"/>
+                                          <p:spTgt spid="76"/>
                                         </p:tgtEl>
                                         <p:attrNameLst>
                                           <p:attrName>style.visibility</p:attrName>
@@ -11976,7 +9587,7 @@
                                           </p:stCondLst>
                                         </p:cTn>
                                         <p:tgtEl>
-                                          <p:spTgt spid="78"/>
+                                          <p:spTgt spid="77"/>
                                         </p:tgtEl>
                                         <p:attrNameLst>
                                           <p:attrName>style.visibility</p:attrName>
@@ -12003,6 +9614,33 @@
                                           </p:stCondLst>
                                         </p:cTn>
                                         <p:tgtEl>
+                                          <p:spTgt spid="78"/>
+                                        </p:tgtEl>
+                                        <p:attrNameLst>
+                                          <p:attrName>style.visibility</p:attrName>
+                                        </p:attrNameLst>
+                                      </p:cBhvr>
+                                      <p:to>
+                                        <p:strVal val="visible"/>
+                                      </p:to>
+                                    </p:set>
+                                  </p:childTnLst>
+                                </p:cTn>
+                              </p:par>
+                              <p:par>
+                                <p:cTn id="49" presetID="1" presetClass="entr" presetSubtype="0" fill="hold" grpId="0" nodeType="withEffect">
+                                  <p:stCondLst>
+                                    <p:cond delay="0"/>
+                                  </p:stCondLst>
+                                  <p:childTnLst>
+                                    <p:set>
+                                      <p:cBhvr>
+                                        <p:cTn id="50" dur="1" fill="hold">
+                                          <p:stCondLst>
+                                            <p:cond delay="0"/>
+                                          </p:stCondLst>
+                                        </p:cTn>
+                                        <p:tgtEl>
                                           <p:spTgt spid="67"/>
                                         </p:tgtEl>
                                         <p:attrNameLst>
@@ -12023,26 +9661,26 @@
                     </p:cTn>
                   </p:par>
                   <p:par>
-                    <p:cTn id="49" fill="hold">
+                    <p:cTn id="51" fill="hold">
                       <p:stCondLst>
                         <p:cond delay="indefinite"/>
                       </p:stCondLst>
                       <p:childTnLst>
                         <p:par>
-                          <p:cTn id="50" fill="hold">
+                          <p:cTn id="52" fill="hold">
                             <p:stCondLst>
                               <p:cond delay="0"/>
                             </p:stCondLst>
                             <p:childTnLst>
                               <p:par>
-                                <p:cTn id="51" presetID="1" presetClass="entr" presetSubtype="0" fill="hold" nodeType="clickEffect">
+                                <p:cTn id="53" presetID="1" presetClass="entr" presetSubtype="0" fill="hold" nodeType="clickEffect">
                                   <p:stCondLst>
                                     <p:cond delay="0"/>
                                   </p:stCondLst>
                                   <p:childTnLst>
                                     <p:set>
                                       <p:cBhvr>
-                                        <p:cTn id="52" dur="1" fill="hold">
+                                        <p:cTn id="54" dur="1" fill="hold">
                                           <p:stCondLst>
                                             <p:cond delay="0"/>
                                           </p:stCondLst>
@@ -12072,26 +9710,26 @@
                     </p:cTn>
                   </p:par>
                   <p:par>
-                    <p:cTn id="53" fill="hold">
+                    <p:cTn id="55" fill="hold">
                       <p:stCondLst>
                         <p:cond delay="indefinite"/>
                       </p:stCondLst>
                       <p:childTnLst>
                         <p:par>
-                          <p:cTn id="54" fill="hold">
+                          <p:cTn id="56" fill="hold">
                             <p:stCondLst>
                               <p:cond delay="0"/>
                             </p:stCondLst>
                             <p:childTnLst>
                               <p:par>
-                                <p:cTn id="55" presetID="1" presetClass="exit" presetSubtype="0" fill="hold" grpId="1" nodeType="clickEffect">
+                                <p:cTn id="57" presetID="1" presetClass="exit" presetSubtype="0" fill="hold" grpId="1" nodeType="clickEffect">
                                   <p:stCondLst>
                                     <p:cond delay="0"/>
                                   </p:stCondLst>
                                   <p:childTnLst>
                                     <p:set>
                                       <p:cBhvr>
-                                        <p:cTn id="56" dur="1" fill="hold">
+                                        <p:cTn id="58" dur="1" fill="hold">
                                           <p:stCondLst>
                                             <p:cond delay="0"/>
                                           </p:stCondLst>
@@ -12111,14 +9749,14 @@
                                 </p:cTn>
                               </p:par>
                               <p:par>
-                                <p:cTn id="57" presetID="1" presetClass="exit" presetSubtype="0" fill="hold" nodeType="withEffect">
+                                <p:cTn id="59" presetID="1" presetClass="exit" presetSubtype="0" fill="hold" nodeType="withEffect">
                                   <p:stCondLst>
                                     <p:cond delay="0"/>
                                   </p:stCondLst>
                                   <p:childTnLst>
                                     <p:set>
                                       <p:cBhvr>
-                                        <p:cTn id="58" dur="1" fill="hold">
+                                        <p:cTn id="60" dur="1" fill="hold">
                                           <p:stCondLst>
                                             <p:cond delay="0"/>
                                           </p:stCondLst>
@@ -12138,14 +9776,14 @@
                                 </p:cTn>
                               </p:par>
                               <p:par>
-                                <p:cTn id="59" presetID="1" presetClass="exit" presetSubtype="0" fill="hold" grpId="1" nodeType="withEffect">
+                                <p:cTn id="61" presetID="1" presetClass="exit" presetSubtype="0" fill="hold" grpId="1" nodeType="withEffect">
                                   <p:stCondLst>
                                     <p:cond delay="0"/>
                                   </p:stCondLst>
                                   <p:childTnLst>
                                     <p:set>
                                       <p:cBhvr>
-                                        <p:cTn id="60" dur="1" fill="hold">
+                                        <p:cTn id="62" dur="1" fill="hold">
                                           <p:stCondLst>
                                             <p:cond delay="0"/>
                                           </p:stCondLst>
@@ -12165,14 +9803,14 @@
                                 </p:cTn>
                               </p:par>
                               <p:par>
-                                <p:cTn id="61" presetID="1" presetClass="exit" presetSubtype="0" fill="hold" nodeType="withEffect">
+                                <p:cTn id="63" presetID="1" presetClass="exit" presetSubtype="0" fill="hold" nodeType="withEffect">
                                   <p:stCondLst>
                                     <p:cond delay="0"/>
                                   </p:stCondLst>
                                   <p:childTnLst>
                                     <p:set>
                                       <p:cBhvr>
-                                        <p:cTn id="62" dur="1" fill="hold">
+                                        <p:cTn id="64" dur="1" fill="hold">
                                           <p:stCondLst>
                                             <p:cond delay="0"/>
                                           </p:stCondLst>
@@ -12192,14 +9830,14 @@
                                 </p:cTn>
                               </p:par>
                               <p:par>
-                                <p:cTn id="63" presetID="1" presetClass="entr" presetSubtype="0" fill="hold" nodeType="withEffect">
+                                <p:cTn id="65" presetID="1" presetClass="entr" presetSubtype="0" fill="hold" nodeType="withEffect">
                                   <p:stCondLst>
                                     <p:cond delay="0"/>
                                   </p:stCondLst>
                                   <p:childTnLst>
                                     <p:set>
                                       <p:cBhvr>
-                                        <p:cTn id="64" dur="1" fill="hold">
+                                        <p:cTn id="66" dur="1" fill="hold">
                                           <p:stCondLst>
                                             <p:cond delay="0"/>
                                           </p:stCondLst>
@@ -12223,14 +9861,14 @@
                                 </p:cTn>
                               </p:par>
                               <p:par>
-                                <p:cTn id="65" presetID="1" presetClass="entr" presetSubtype="0" fill="hold" grpId="0" nodeType="withEffect">
+                                <p:cTn id="67" presetID="1" presetClass="entr" presetSubtype="0" fill="hold" grpId="0" nodeType="withEffect">
                                   <p:stCondLst>
                                     <p:cond delay="0"/>
                                   </p:stCondLst>
                                   <p:childTnLst>
                                     <p:set>
                                       <p:cBhvr>
-                                        <p:cTn id="66" dur="1" fill="hold">
+                                        <p:cTn id="68" dur="1" fill="hold">
                                           <p:stCondLst>
                                             <p:cond delay="0"/>
                                           </p:stCondLst>
@@ -12250,14 +9888,14 @@
                                 </p:cTn>
                               </p:par>
                               <p:par>
-                                <p:cTn id="67" presetID="1" presetClass="entr" presetSubtype="0" fill="hold" nodeType="withEffect">
+                                <p:cTn id="69" presetID="1" presetClass="entr" presetSubtype="0" fill="hold" nodeType="withEffect">
                                   <p:stCondLst>
                                     <p:cond delay="0"/>
                                   </p:stCondLst>
                                   <p:childTnLst>
                                     <p:set>
                                       <p:cBhvr>
-                                        <p:cTn id="68" dur="1" fill="hold">
+                                        <p:cTn id="70" dur="1" fill="hold">
                                           <p:stCondLst>
                                             <p:cond delay="0"/>
                                           </p:stCondLst>
@@ -12277,14 +9915,14 @@
                                 </p:cTn>
                               </p:par>
                               <p:par>
-                                <p:cTn id="69" presetID="1" presetClass="entr" presetSubtype="0" fill="hold" grpId="0" nodeType="withEffect">
+                                <p:cTn id="71" presetID="1" presetClass="entr" presetSubtype="0" fill="hold" grpId="0" nodeType="withEffect">
                                   <p:stCondLst>
                                     <p:cond delay="0"/>
                                   </p:stCondLst>
                                   <p:childTnLst>
                                     <p:set>
                                       <p:cBhvr>
-                                        <p:cTn id="70" dur="1" fill="hold">
+                                        <p:cTn id="72" dur="1" fill="hold">
                                           <p:stCondLst>
                                             <p:cond delay="0"/>
                                           </p:stCondLst>
@@ -12310,26 +9948,26 @@
                     </p:cTn>
                   </p:par>
                   <p:par>
-                    <p:cTn id="71" fill="hold">
+                    <p:cTn id="73" fill="hold">
                       <p:stCondLst>
                         <p:cond delay="indefinite"/>
                       </p:stCondLst>
                       <p:childTnLst>
                         <p:par>
-                          <p:cTn id="72" fill="hold">
+                          <p:cTn id="74" fill="hold">
                             <p:stCondLst>
                               <p:cond delay="0"/>
                             </p:stCondLst>
                             <p:childTnLst>
                               <p:par>
-                                <p:cTn id="73" presetID="1" presetClass="entr" presetSubtype="0" fill="hold" nodeType="clickEffect">
+                                <p:cTn id="75" presetID="1" presetClass="entr" presetSubtype="0" fill="hold" nodeType="clickEffect">
                                   <p:stCondLst>
                                     <p:cond delay="0"/>
                                   </p:stCondLst>
                                   <p:childTnLst>
                                     <p:set>
                                       <p:cBhvr>
-                                        <p:cTn id="74" dur="1" fill="hold">
+                                        <p:cTn id="76" dur="1" fill="hold">
                                           <p:stCondLst>
                                             <p:cond delay="0"/>
                                           </p:stCondLst>
@@ -12353,14 +9991,14 @@
                                 </p:cTn>
                               </p:par>
                               <p:par>
-                                <p:cTn id="75" presetID="1" presetClass="entr" presetSubtype="0" fill="hold" nodeType="withEffect">
+                                <p:cTn id="77" presetID="1" presetClass="entr" presetSubtype="0" fill="hold" nodeType="withEffect">
                                   <p:stCondLst>
                                     <p:cond delay="0"/>
                                   </p:stCondLst>
                                   <p:childTnLst>
                                     <p:set>
                                       <p:cBhvr>
-                                        <p:cTn id="76" dur="1" fill="hold">
+                                        <p:cTn id="78" dur="1" fill="hold">
                                           <p:stCondLst>
                                             <p:cond delay="0"/>
                                           </p:stCondLst>
@@ -12380,14 +10018,14 @@
                                 </p:cTn>
                               </p:par>
                               <p:par>
-                                <p:cTn id="77" presetID="1" presetClass="entr" presetSubtype="0" fill="hold" grpId="0" nodeType="withEffect">
+                                <p:cTn id="79" presetID="1" presetClass="entr" presetSubtype="0" fill="hold" grpId="0" nodeType="withEffect">
                                   <p:stCondLst>
                                     <p:cond delay="0"/>
                                   </p:stCondLst>
                                   <p:childTnLst>
                                     <p:set>
                                       <p:cBhvr>
-                                        <p:cTn id="78" dur="1" fill="hold">
+                                        <p:cTn id="80" dur="1" fill="hold">
                                           <p:stCondLst>
                                             <p:cond delay="0"/>
                                           </p:stCondLst>
@@ -12407,14 +10045,14 @@
                                 </p:cTn>
                               </p:par>
                               <p:par>
-                                <p:cTn id="79" presetID="1" presetClass="entr" presetSubtype="0" fill="hold" nodeType="withEffect">
+                                <p:cTn id="81" presetID="1" presetClass="entr" presetSubtype="0" fill="hold" nodeType="withEffect">
                                   <p:stCondLst>
                                     <p:cond delay="0"/>
                                   </p:stCondLst>
                                   <p:childTnLst>
                                     <p:set>
                                       <p:cBhvr>
-                                        <p:cTn id="80" dur="1" fill="hold">
+                                        <p:cTn id="82" dur="1" fill="hold">
                                           <p:stCondLst>
                                             <p:cond delay="0"/>
                                           </p:stCondLst>
@@ -12434,14 +10072,14 @@
                                 </p:cTn>
                               </p:par>
                               <p:par>
-                                <p:cTn id="81" presetID="1" presetClass="entr" presetSubtype="0" fill="hold" grpId="0" nodeType="withEffect">
+                                <p:cTn id="83" presetID="1" presetClass="entr" presetSubtype="0" fill="hold" grpId="0" nodeType="withEffect">
                                   <p:stCondLst>
                                     <p:cond delay="0"/>
                                   </p:stCondLst>
                                   <p:childTnLst>
                                     <p:set>
                                       <p:cBhvr>
-                                        <p:cTn id="82" dur="1" fill="hold">
+                                        <p:cTn id="84" dur="1" fill="hold">
                                           <p:stCondLst>
                                             <p:cond delay="0"/>
                                           </p:stCondLst>
@@ -12467,26 +10105,26 @@
                     </p:cTn>
                   </p:par>
                   <p:par>
-                    <p:cTn id="83" fill="hold">
+                    <p:cTn id="85" fill="hold">
                       <p:stCondLst>
                         <p:cond delay="indefinite"/>
                       </p:stCondLst>
                       <p:childTnLst>
                         <p:par>
-                          <p:cTn id="84" fill="hold">
+                          <p:cTn id="86" fill="hold">
                             <p:stCondLst>
                               <p:cond delay="0"/>
                             </p:stCondLst>
                             <p:childTnLst>
                               <p:par>
-                                <p:cTn id="85" presetID="1" presetClass="exit" presetSubtype="0" fill="hold" grpId="1" nodeType="clickEffect">
+                                <p:cTn id="87" presetID="1" presetClass="exit" presetSubtype="0" fill="hold" grpId="1" nodeType="clickEffect">
                                   <p:stCondLst>
                                     <p:cond delay="0"/>
                                   </p:stCondLst>
                                   <p:childTnLst>
                                     <p:set>
                                       <p:cBhvr>
-                                        <p:cTn id="86" dur="1" fill="hold">
+                                        <p:cTn id="88" dur="1" fill="hold">
                                           <p:stCondLst>
                                             <p:cond delay="0"/>
                                           </p:stCondLst>
@@ -12506,34 +10144,7 @@
                                 </p:cTn>
                               </p:par>
                               <p:par>
-                                <p:cTn id="87" presetID="1" presetClass="exit" presetSubtype="0" fill="hold" nodeType="withEffect">
-                                  <p:stCondLst>
-                                    <p:cond delay="0"/>
-                                  </p:stCondLst>
-                                  <p:childTnLst>
-                                    <p:set>
-                                      <p:cBhvr>
-                                        <p:cTn id="88" dur="1" fill="hold">
-                                          <p:stCondLst>
-                                            <p:cond delay="0"/>
-                                          </p:stCondLst>
-                                        </p:cTn>
-                                        <p:tgtEl>
-                                          <p:spTgt spid="79"/>
-                                        </p:tgtEl>
-                                        <p:attrNameLst>
-                                          <p:attrName>style.visibility</p:attrName>
-                                        </p:attrNameLst>
-                                      </p:cBhvr>
-                                      <p:to>
-                                        <p:strVal val="hidden"/>
-                                      </p:to>
-                                    </p:set>
-                                  </p:childTnLst>
-                                </p:cTn>
-                              </p:par>
-                              <p:par>
-                                <p:cTn id="89" presetID="1" presetClass="exit" presetSubtype="0" fill="hold" grpId="1" nodeType="withEffect">
+                                <p:cTn id="89" presetID="1" presetClass="exit" presetSubtype="0" fill="hold" nodeType="withEffect">
                                   <p:stCondLst>
                                     <p:cond delay="0"/>
                                   </p:stCondLst>
@@ -12546,7 +10157,7 @@
                                           </p:stCondLst>
                                         </p:cTn>
                                         <p:tgtEl>
-                                          <p:spTgt spid="81"/>
+                                          <p:spTgt spid="79"/>
                                         </p:tgtEl>
                                         <p:attrNameLst>
                                           <p:attrName>style.visibility</p:attrName>
@@ -12573,6 +10184,33 @@
                                           </p:stCondLst>
                                         </p:cTn>
                                         <p:tgtEl>
+                                          <p:spTgt spid="81"/>
+                                        </p:tgtEl>
+                                        <p:attrNameLst>
+                                          <p:attrName>style.visibility</p:attrName>
+                                        </p:attrNameLst>
+                                      </p:cBhvr>
+                                      <p:to>
+                                        <p:strVal val="hidden"/>
+                                      </p:to>
+                                    </p:set>
+                                  </p:childTnLst>
+                                </p:cTn>
+                              </p:par>
+                              <p:par>
+                                <p:cTn id="93" presetID="1" presetClass="exit" presetSubtype="0" fill="hold" grpId="1" nodeType="withEffect">
+                                  <p:stCondLst>
+                                    <p:cond delay="0"/>
+                                  </p:stCondLst>
+                                  <p:childTnLst>
+                                    <p:set>
+                                      <p:cBhvr>
+                                        <p:cTn id="94" dur="1" fill="hold">
+                                          <p:stCondLst>
+                                            <p:cond delay="0"/>
+                                          </p:stCondLst>
+                                        </p:cTn>
+                                        <p:tgtEl>
                                           <p:spTgt spid="83"/>
                                         </p:tgtEl>
                                         <p:attrNameLst>
@@ -12587,14 +10225,14 @@
                                 </p:cTn>
                               </p:par>
                               <p:par>
-                                <p:cTn id="93" presetID="1" presetClass="exit" presetSubtype="0" fill="hold" nodeType="withEffect">
+                                <p:cTn id="95" presetID="1" presetClass="exit" presetSubtype="0" fill="hold" nodeType="withEffect">
                                   <p:stCondLst>
                                     <p:cond delay="0"/>
                                   </p:stCondLst>
                                   <p:childTnLst>
                                     <p:set>
                                       <p:cBhvr>
-                                        <p:cTn id="94" dur="1" fill="hold">
+                                        <p:cTn id="96" dur="1" fill="hold">
                                           <p:stCondLst>
                                             <p:cond delay="0"/>
                                           </p:stCondLst>
@@ -12614,14 +10252,14 @@
                                 </p:cTn>
                               </p:par>
                               <p:par>
-                                <p:cTn id="95" presetID="1" presetClass="exit" presetSubtype="0" fill="hold" grpId="1" nodeType="withEffect">
+                                <p:cTn id="97" presetID="1" presetClass="exit" presetSubtype="0" fill="hold" grpId="1" nodeType="withEffect">
                                   <p:stCondLst>
                                     <p:cond delay="0"/>
                                   </p:stCondLst>
                                   <p:childTnLst>
                                     <p:set>
                                       <p:cBhvr>
-                                        <p:cTn id="96" dur="1" fill="hold">
+                                        <p:cTn id="98" dur="1" fill="hold">
                                           <p:stCondLst>
                                             <p:cond delay="0"/>
                                           </p:stCondLst>
@@ -12641,14 +10279,14 @@
                                 </p:cTn>
                               </p:par>
                               <p:par>
-                                <p:cTn id="97" presetID="1" presetClass="exit" presetSubtype="0" fill="hold" nodeType="withEffect">
+                                <p:cTn id="99" presetID="1" presetClass="exit" presetSubtype="0" fill="hold" nodeType="withEffect">
                                   <p:stCondLst>
                                     <p:cond delay="0"/>
                                   </p:stCondLst>
                                   <p:childTnLst>
                                     <p:set>
                                       <p:cBhvr>
-                                        <p:cTn id="98" dur="1" fill="hold">
+                                        <p:cTn id="100" dur="1" fill="hold">
                                           <p:stCondLst>
                                             <p:cond delay="0"/>
                                           </p:stCondLst>
@@ -12667,26 +10305,8 @@
                                   </p:childTnLst>
                                 </p:cTn>
                               </p:par>
-                            </p:childTnLst>
-                          </p:cTn>
-                        </p:par>
-                      </p:childTnLst>
-                    </p:cTn>
-                  </p:par>
-                  <p:par>
-                    <p:cTn id="99" fill="hold">
-                      <p:stCondLst>
-                        <p:cond delay="indefinite"/>
-                      </p:stCondLst>
-                      <p:childTnLst>
-                        <p:par>
-                          <p:cTn id="100" fill="hold">
-                            <p:stCondLst>
-                              <p:cond delay="0"/>
-                            </p:stCondLst>
-                            <p:childTnLst>
                               <p:par>
-                                <p:cTn id="101" presetID="1" presetClass="entr" presetSubtype="0" fill="hold" nodeType="clickEffect">
+                                <p:cTn id="101" presetID="1" presetClass="exit" presetSubtype="0" fill="hold" grpId="1" nodeType="withEffect">
                                   <p:stCondLst>
                                     <p:cond delay="0"/>
                                   </p:stCondLst>
@@ -12699,18 +10319,14 @@
                                           </p:stCondLst>
                                         </p:cTn>
                                         <p:tgtEl>
-                                          <p:spTgt spid="62">
-                                            <p:txEl>
-                                              <p:pRg st="9" end="9"/>
-                                            </p:txEl>
-                                          </p:spTgt>
+                                          <p:spTgt spid="80"/>
                                         </p:tgtEl>
                                         <p:attrNameLst>
                                           <p:attrName>style.visibility</p:attrName>
                                         </p:attrNameLst>
                                       </p:cBhvr>
                                       <p:to>
-                                        <p:strVal val="visible"/>
+                                        <p:strVal val="hidden"/>
                                       </p:to>
                                     </p:set>
                                   </p:childTnLst>
@@ -12750,6 +10366,82 @@
                                         <p:tgtEl>
                                           <p:spTgt spid="62">
                                             <p:txEl>
+                                              <p:pRg st="9" end="9"/>
+                                            </p:txEl>
+                                          </p:spTgt>
+                                        </p:tgtEl>
+                                        <p:attrNameLst>
+                                          <p:attrName>style.visibility</p:attrName>
+                                        </p:attrNameLst>
+                                      </p:cBhvr>
+                                      <p:to>
+                                        <p:strVal val="visible"/>
+                                      </p:to>
+                                    </p:set>
+                                  </p:childTnLst>
+                                </p:cTn>
+                              </p:par>
+                              <p:par>
+                                <p:cTn id="107" presetID="1" presetClass="entr" presetSubtype="0" fill="hold" grpId="0" nodeType="withEffect">
+                                  <p:stCondLst>
+                                    <p:cond delay="0"/>
+                                  </p:stCondLst>
+                                  <p:childTnLst>
+                                    <p:set>
+                                      <p:cBhvr>
+                                        <p:cTn id="108" dur="1" fill="hold">
+                                          <p:stCondLst>
+                                            <p:cond delay="0"/>
+                                          </p:stCondLst>
+                                        </p:cTn>
+                                        <p:tgtEl>
+                                          <p:spTgt spid="9"/>
+                                        </p:tgtEl>
+                                        <p:attrNameLst>
+                                          <p:attrName>style.visibility</p:attrName>
+                                        </p:attrNameLst>
+                                      </p:cBhvr>
+                                      <p:to>
+                                        <p:strVal val="visible"/>
+                                      </p:to>
+                                    </p:set>
+                                  </p:childTnLst>
+                                </p:cTn>
+                              </p:par>
+                            </p:childTnLst>
+                          </p:cTn>
+                        </p:par>
+                      </p:childTnLst>
+                    </p:cTn>
+                  </p:par>
+                  <p:par>
+                    <p:cTn id="109" fill="hold">
+                      <p:stCondLst>
+                        <p:cond delay="indefinite"/>
+                      </p:stCondLst>
+                      <p:childTnLst>
+                        <p:par>
+                          <p:cTn id="110" fill="hold">
+                            <p:stCondLst>
+                              <p:cond delay="0"/>
+                            </p:stCondLst>
+                            <p:childTnLst>
+                              <p:par>
+                                <p:cTn id="111" presetID="1" presetClass="entr" presetSubtype="0" fill="hold" nodeType="clickEffect">
+                                  <p:stCondLst>
+                                    <p:cond delay="0"/>
+                                  </p:stCondLst>
+                                  <p:childTnLst>
+                                    <p:set>
+                                      <p:cBhvr>
+                                        <p:cTn id="112" dur="1" fill="hold">
+                                          <p:stCondLst>
+                                            <p:cond delay="0"/>
+                                          </p:stCondLst>
+                                        </p:cTn>
+                                        <p:tgtEl>
+                                          <p:spTgt spid="62">
+                                            <p:txEl>
                                               <p:pRg st="10" end="10"/>
                                             </p:txEl>
                                           </p:spTgt>
@@ -12766,14 +10458,14 @@
                                 </p:cTn>
                               </p:par>
                               <p:par>
-                                <p:cTn id="107" presetID="1" presetClass="entr" presetSubtype="0" fill="hold" nodeType="withEffect">
+                                <p:cTn id="113" presetID="1" presetClass="entr" presetSubtype="0" fill="hold" nodeType="withEffect">
                                   <p:stCondLst>
                                     <p:cond delay="0"/>
                                   </p:stCondLst>
                                   <p:childTnLst>
                                     <p:set>
                                       <p:cBhvr>
-                                        <p:cTn id="108" dur="1" fill="hold">
+                                        <p:cTn id="114" dur="1" fill="hold">
                                           <p:stCondLst>
                                             <p:cond delay="0"/>
                                           </p:stCondLst>
@@ -12793,14 +10485,14 @@
                                 </p:cTn>
                               </p:par>
                               <p:par>
-                                <p:cTn id="109" presetID="1" presetClass="entr" presetSubtype="0" fill="hold" grpId="0" nodeType="withEffect">
+                                <p:cTn id="115" presetID="1" presetClass="entr" presetSubtype="0" fill="hold" grpId="0" nodeType="withEffect">
                                   <p:stCondLst>
                                     <p:cond delay="0"/>
                                   </p:stCondLst>
                                   <p:childTnLst>
                                     <p:set>
                                       <p:cBhvr>
-                                        <p:cTn id="110" dur="1" fill="hold">
+                                        <p:cTn id="116" dur="1" fill="hold">
                                           <p:stCondLst>
                                             <p:cond delay="0"/>
                                           </p:stCondLst>
@@ -12867,8 +10559,76 @@
       <p:bldP spid="81" grpId="1"/>
       <p:bldP spid="83" grpId="0"/>
       <p:bldP spid="83" grpId="1"/>
+      <p:bldP spid="80" grpId="0"/>
+      <p:bldP spid="80" grpId="1"/>
+      <p:bldP spid="9" grpId="0" animBg="1"/>
     </p:bldLst>
   </p:timing>
+</p:sld>
+</file>
+
+<file path=ppt/slides/slide11.xml><?xml version="1.0" encoding="utf-8"?>
+<p:sld xmlns:a="http://schemas.openxmlformats.org/drawingml/2006/main" xmlns:r="http://schemas.openxmlformats.org/officeDocument/2006/relationships" xmlns:p="http://schemas.openxmlformats.org/presentationml/2006/main">
+  <p:cSld>
+    <p:spTree>
+      <p:nvGrpSpPr>
+        <p:cNvPr id="1" name=""/>
+        <p:cNvGrpSpPr/>
+        <p:nvPr/>
+      </p:nvGrpSpPr>
+      <p:grpSpPr>
+        <a:xfrm>
+          <a:off x="0" y="0"/>
+          <a:ext cx="0" cy="0"/>
+          <a:chOff x="0" y="0"/>
+          <a:chExt cx="0" cy="0"/>
+        </a:xfrm>
+      </p:grpSpPr>
+      <p:sp>
+        <p:nvSpPr>
+          <p:cNvPr id="2" name="Title 1">
+            <a:extLst>
+              <a:ext uri="{FF2B5EF4-FFF2-40B4-BE49-F238E27FC236}">
+                <a16:creationId xmlns:a16="http://schemas.microsoft.com/office/drawing/2014/main" id="{F07E1AD8-3BC2-4CD5-B6E4-C0DA4892316B}"/>
+              </a:ext>
+            </a:extLst>
+          </p:cNvPr>
+          <p:cNvSpPr>
+            <a:spLocks noGrp="1"/>
+          </p:cNvSpPr>
+          <p:nvPr>
+            <p:ph type="title"/>
+          </p:nvPr>
+        </p:nvSpPr>
+        <p:spPr>
+          <a:xfrm>
+            <a:off x="838200" y="2766218"/>
+            <a:ext cx="10515600" cy="1325563"/>
+          </a:xfrm>
+        </p:spPr>
+        <p:txBody>
+          <a:bodyPr/>
+          <a:lstStyle/>
+          <a:p>
+            <a:pPr algn="ctr"/>
+            <a:r>
+              <a:rPr lang="de-CH" dirty="0"/>
+              <a:t>Evaluation</a:t>
+            </a:r>
+            <a:endParaRPr lang="en-CH" dirty="0"/>
+          </a:p>
+        </p:txBody>
+      </p:sp>
+    </p:spTree>
+    <p:extLst>
+      <p:ext uri="{BB962C8B-B14F-4D97-AF65-F5344CB8AC3E}">
+        <p14:creationId xmlns:p14="http://schemas.microsoft.com/office/powerpoint/2010/main" val="2938871475"/>
+      </p:ext>
+    </p:extLst>
+  </p:cSld>
+  <p:clrMapOvr>
+    <a:masterClrMapping/>
+  </p:clrMapOvr>
 </p:sld>
 </file>
 
@@ -13012,8 +10772,8 @@
           </a:prstGeom>
         </p:spPr>
       </p:pic>
-      <mc:AlternateContent xmlns:mc="http://schemas.openxmlformats.org/markup-compatibility/2006">
-        <mc:Choice xmlns:a14="http://schemas.microsoft.com/office/drawing/2010/main" Requires="a14">
+      <mc:AlternateContent xmlns:mc="http://schemas.openxmlformats.org/markup-compatibility/2006" xmlns:a14="http://schemas.microsoft.com/office/drawing/2010/main">
+        <mc:Choice Requires="a14">
           <p:sp>
             <p:nvSpPr>
               <p:cNvPr id="5" name="Content Placeholder 2">
@@ -13582,7 +11342,7 @@
             </p:txBody>
           </p:sp>
         </mc:Choice>
-        <mc:Fallback>
+        <mc:Fallback xmlns="">
           <p:sp>
             <p:nvSpPr>
               <p:cNvPr id="5" name="Content Placeholder 2">
@@ -14230,7 +11990,7 @@
           <p:nvPr/>
         </p:nvPicPr>
         <p:blipFill>
-          <a:blip r:embed="rId2">
+          <a:blip r:embed="rId3">
             <a:extLst>
               <a:ext uri="{28A0092B-C50C-407E-A947-70E740481C1C}">
                 <a14:useLocalDpi xmlns:a14="http://schemas.microsoft.com/office/drawing/2010/main" val="0"/>
@@ -14915,550 +12675,6 @@
 </file>
 
 <file path=ppt/slides/slide14.xml><?xml version="1.0" encoding="utf-8"?>
-<p:sld xmlns:a="http://schemas.openxmlformats.org/drawingml/2006/main" xmlns:r="http://schemas.openxmlformats.org/officeDocument/2006/relationships" xmlns:p="http://schemas.openxmlformats.org/presentationml/2006/main">
-  <p:cSld>
-    <p:spTree>
-      <p:nvGrpSpPr>
-        <p:cNvPr id="1" name=""/>
-        <p:cNvGrpSpPr/>
-        <p:nvPr/>
-      </p:nvGrpSpPr>
-      <p:grpSpPr>
-        <a:xfrm>
-          <a:off x="0" y="0"/>
-          <a:ext cx="0" cy="0"/>
-          <a:chOff x="0" y="0"/>
-          <a:chExt cx="0" cy="0"/>
-        </a:xfrm>
-      </p:grpSpPr>
-      <p:pic>
-        <p:nvPicPr>
-          <p:cNvPr id="5" name="Grafik 4">
-            <a:extLst>
-              <a:ext uri="{FF2B5EF4-FFF2-40B4-BE49-F238E27FC236}">
-                <a16:creationId xmlns:a16="http://schemas.microsoft.com/office/drawing/2014/main" id="{E5EF4AEC-87FE-4824-A1B4-69A605426E6A}"/>
-              </a:ext>
-            </a:extLst>
-          </p:cNvPr>
-          <p:cNvPicPr>
-            <a:picLocks noChangeAspect="1"/>
-          </p:cNvPicPr>
-          <p:nvPr/>
-        </p:nvPicPr>
-        <p:blipFill>
-          <a:blip r:embed="rId2">
-            <a:extLst>
-              <a:ext uri="{28A0092B-C50C-407E-A947-70E740481C1C}">
-                <a14:useLocalDpi xmlns:a14="http://schemas.microsoft.com/office/drawing/2010/main" val="0"/>
-              </a:ext>
-            </a:extLst>
-          </a:blip>
-          <a:stretch>
-            <a:fillRect/>
-          </a:stretch>
-        </p:blipFill>
-        <p:spPr>
-          <a:xfrm>
-            <a:off x="493794" y="1969476"/>
-            <a:ext cx="4830435" cy="3622826"/>
-          </a:xfrm>
-          <a:prstGeom prst="rect">
-            <a:avLst/>
-          </a:prstGeom>
-        </p:spPr>
-      </p:pic>
-      <mc:AlternateContent xmlns:mc="http://schemas.openxmlformats.org/markup-compatibility/2006" xmlns:a14="http://schemas.microsoft.com/office/drawing/2010/main">
-        <mc:Choice Requires="a14">
-          <p:sp>
-            <p:nvSpPr>
-              <p:cNvPr id="2" name="Title 1">
-                <a:extLst>
-                  <a:ext uri="{FF2B5EF4-FFF2-40B4-BE49-F238E27FC236}">
-                    <a16:creationId xmlns:a16="http://schemas.microsoft.com/office/drawing/2014/main" id="{A21E7202-3D7D-407C-8EE0-91BF00CB80A1}"/>
-                  </a:ext>
-                </a:extLst>
-              </p:cNvPr>
-              <p:cNvSpPr>
-                <a:spLocks noGrp="1"/>
-              </p:cNvSpPr>
-              <p:nvPr>
-                <p:ph type="title"/>
-              </p:nvPr>
-            </p:nvSpPr>
-            <p:spPr>
-              <a:xfrm>
-                <a:off x="838200" y="365125"/>
-                <a:ext cx="10515600" cy="1158875"/>
-              </a:xfrm>
-            </p:spPr>
-            <p:txBody>
-              <a:bodyPr>
-                <a:normAutofit/>
-              </a:bodyPr>
-              <a:lstStyle/>
-              <a:p>
-                <a:r>
-                  <a:rPr lang="en-US" sz="3600" dirty="0"/>
-                  <a:t>Herd achieves maximal detection accuracy for an approximation factor </a:t>
-                </a:r>
-                <a14:m>
-                  <m:oMath xmlns:m="http://schemas.openxmlformats.org/officeDocument/2006/math">
-                    <m:r>
-                      <a:rPr lang="en-US" sz="3600" b="0" i="1" smtClean="0">
-                        <a:latin typeface="Cambria Math" panose="02040503050406030204" pitchFamily="18" charset="0"/>
-                      </a:rPr>
-                      <m:t>𝜖</m:t>
-                    </m:r>
-                    <m:r>
-                      <a:rPr lang="en-US" sz="3600" b="0" i="1" smtClean="0">
-                        <a:latin typeface="Cambria Math" panose="02040503050406030204" pitchFamily="18" charset="0"/>
-                      </a:rPr>
-                      <m:t>=0.09</m:t>
-                    </m:r>
-                  </m:oMath>
-                </a14:m>
-                <a:endParaRPr lang="en-CH" sz="3600" dirty="0"/>
-              </a:p>
-            </p:txBody>
-          </p:sp>
-        </mc:Choice>
-        <mc:Fallback xmlns="">
-          <p:sp>
-            <p:nvSpPr>
-              <p:cNvPr id="2" name="Title 1">
-                <a:extLst>
-                  <a:ext uri="{FF2B5EF4-FFF2-40B4-BE49-F238E27FC236}">
-                    <a16:creationId xmlns:a16="http://schemas.microsoft.com/office/drawing/2014/main" id="{A21E7202-3D7D-407C-8EE0-91BF00CB80A1}"/>
-                  </a:ext>
-                </a:extLst>
-              </p:cNvPr>
-              <p:cNvSpPr>
-                <a:spLocks noGrp="1" noRot="1" noChangeAspect="1" noMove="1" noResize="1" noEditPoints="1" noAdjustHandles="1" noChangeArrowheads="1" noChangeShapeType="1" noTextEdit="1"/>
-              </p:cNvSpPr>
-              <p:nvPr>
-                <p:ph type="title"/>
-              </p:nvPr>
-            </p:nvSpPr>
-            <p:spPr>
-              <a:xfrm>
-                <a:off x="838200" y="365125"/>
-                <a:ext cx="10515600" cy="1158875"/>
-              </a:xfrm>
-              <a:blipFill>
-                <a:blip r:embed="rId3"/>
-                <a:stretch>
-                  <a:fillRect l="-1797" t="-9474" b="-16316"/>
-                </a:stretch>
-              </a:blipFill>
-            </p:spPr>
-            <p:txBody>
-              <a:bodyPr/>
-              <a:lstStyle/>
-              <a:p>
-                <a:r>
-                  <a:rPr lang="en-US">
-                    <a:noFill/>
-                  </a:rPr>
-                  <a:t> </a:t>
-                </a:r>
-              </a:p>
-            </p:txBody>
-          </p:sp>
-        </mc:Fallback>
-      </mc:AlternateContent>
-      <mc:AlternateContent xmlns:mc="http://schemas.openxmlformats.org/markup-compatibility/2006">
-        <mc:Choice xmlns:a14="http://schemas.microsoft.com/office/drawing/2010/main" Requires="a14">
-          <p:sp>
-            <p:nvSpPr>
-              <p:cNvPr id="3" name="Content Placeholder 2">
-                <a:extLst>
-                  <a:ext uri="{FF2B5EF4-FFF2-40B4-BE49-F238E27FC236}">
-                    <a16:creationId xmlns:a16="http://schemas.microsoft.com/office/drawing/2014/main" id="{272C2361-FD38-4046-8377-3FE1D473EB1F}"/>
-                  </a:ext>
-                </a:extLst>
-              </p:cNvPr>
-              <p:cNvSpPr>
-                <a:spLocks noGrp="1"/>
-              </p:cNvSpPr>
-              <p:nvPr>
-                <p:ph idx="1"/>
-              </p:nvPr>
-            </p:nvSpPr>
-            <p:spPr>
-              <a:xfrm>
-                <a:off x="5775568" y="2383692"/>
-                <a:ext cx="6361723" cy="4196862"/>
-              </a:xfrm>
-            </p:spPr>
-            <p:txBody>
-              <a:bodyPr>
-                <a:normAutofit/>
-              </a:bodyPr>
-              <a:lstStyle/>
-              <a:p>
-                <a:r>
-                  <a:rPr lang="en-US" sz="2200" dirty="0"/>
-                  <a:t>The approximation factor determines the mule threshold: </a:t>
-                </a:r>
-                <a14:m>
-                  <m:oMath xmlns:m="http://schemas.openxmlformats.org/officeDocument/2006/math">
-                    <m:sSub>
-                      <m:sSubPr>
-                        <m:ctrlPr>
-                          <a:rPr lang="en-US" sz="2200" b="0" i="1" smtClean="0">
-                            <a:latin typeface="Cambria Math" panose="02040503050406030204" pitchFamily="18" charset="0"/>
-                          </a:rPr>
-                        </m:ctrlPr>
-                      </m:sSubPr>
-                      <m:e>
-                        <m:r>
-                          <a:rPr lang="en-US" sz="2200" b="0" i="1" smtClean="0">
-                            <a:latin typeface="Cambria Math" panose="02040503050406030204" pitchFamily="18" charset="0"/>
-                          </a:rPr>
-                          <m:t>𝜏</m:t>
-                        </m:r>
-                      </m:e>
-                      <m:sub>
-                        <m:r>
-                          <a:rPr lang="en-US" sz="2200" b="0" i="1" smtClean="0">
-                            <a:latin typeface="Cambria Math" panose="02040503050406030204" pitchFamily="18" charset="0"/>
-                          </a:rPr>
-                          <m:t>𝑔</m:t>
-                        </m:r>
-                      </m:sub>
-                    </m:sSub>
-                    <m:r>
-                      <a:rPr lang="en-US" sz="2200" b="0" i="1" smtClean="0">
-                        <a:latin typeface="Cambria Math" panose="02040503050406030204" pitchFamily="18" charset="0"/>
-                      </a:rPr>
-                      <m:t>~</m:t>
-                    </m:r>
-                    <m:r>
-                      <a:rPr lang="en-US" sz="2200" b="0" i="1" smtClean="0">
-                        <a:latin typeface="Cambria Math" panose="02040503050406030204" pitchFamily="18" charset="0"/>
-                      </a:rPr>
-                      <m:t>𝜖</m:t>
-                    </m:r>
-                  </m:oMath>
-                </a14:m>
-                <a:endParaRPr lang="en-US" sz="2200" dirty="0"/>
-              </a:p>
-              <a:p>
-                <a:r>
-                  <a:rPr lang="en-US" sz="2200" dirty="0"/>
-                  <a:t>Smaller </a:t>
-                </a:r>
-                <a14:m>
-                  <m:oMath xmlns:m="http://schemas.openxmlformats.org/officeDocument/2006/math">
-                    <m:r>
-                      <a:rPr lang="en-US" sz="2400" i="1">
-                        <a:latin typeface="Cambria Math" panose="02040503050406030204" pitchFamily="18" charset="0"/>
-                      </a:rPr>
-                      <m:t>𝜖</m:t>
-                    </m:r>
-                  </m:oMath>
-                </a14:m>
-                <a:r>
-                  <a:rPr lang="en-US" sz="2200" dirty="0"/>
-                  <a:t> → more reports → more communication</a:t>
-                </a:r>
-              </a:p>
-              <a:p>
-                <a:endParaRPr lang="en-US" sz="2200" dirty="0"/>
-              </a:p>
-              <a:p>
-                <a:endParaRPr lang="en-US" sz="2200" dirty="0"/>
-              </a:p>
-              <a:p>
-                <a:r>
-                  <a:rPr lang="en-US" sz="2200" dirty="0"/>
-                  <a:t>Proves that Herd works under communication constraints</a:t>
-                </a:r>
-                <a:endParaRPr lang="en-US" sz="1800" dirty="0"/>
-              </a:p>
-              <a:p>
-                <a:endParaRPr lang="en-US" sz="2400" dirty="0"/>
-              </a:p>
-            </p:txBody>
-          </p:sp>
-        </mc:Choice>
-        <mc:Fallback>
-          <p:sp>
-            <p:nvSpPr>
-              <p:cNvPr id="3" name="Content Placeholder 2">
-                <a:extLst>
-                  <a:ext uri="{FF2B5EF4-FFF2-40B4-BE49-F238E27FC236}">
-                    <a16:creationId xmlns:a16="http://schemas.microsoft.com/office/drawing/2014/main" id="{272C2361-FD38-4046-8377-3FE1D473EB1F}"/>
-                  </a:ext>
-                </a:extLst>
-              </p:cNvPr>
-              <p:cNvSpPr>
-                <a:spLocks noGrp="1" noRot="1" noChangeAspect="1" noMove="1" noResize="1" noEditPoints="1" noAdjustHandles="1" noChangeArrowheads="1" noChangeShapeType="1" noTextEdit="1"/>
-              </p:cNvSpPr>
-              <p:nvPr>
-                <p:ph idx="1"/>
-              </p:nvPr>
-            </p:nvSpPr>
-            <p:spPr>
-              <a:xfrm>
-                <a:off x="5775568" y="2383692"/>
-                <a:ext cx="6361723" cy="4196862"/>
-              </a:xfrm>
-              <a:blipFill>
-                <a:blip r:embed="rId4"/>
-                <a:stretch>
-                  <a:fillRect l="-1054" t="-1890"/>
-                </a:stretch>
-              </a:blipFill>
-            </p:spPr>
-            <p:txBody>
-              <a:bodyPr/>
-              <a:lstStyle/>
-              <a:p>
-                <a:r>
-                  <a:rPr lang="en-CH">
-                    <a:noFill/>
-                  </a:rPr>
-                  <a:t> </a:t>
-                </a:r>
-              </a:p>
-            </p:txBody>
-          </p:sp>
-        </mc:Fallback>
-      </mc:AlternateContent>
-      <p:sp>
-        <p:nvSpPr>
-          <p:cNvPr id="12" name="Ellipse 11">
-            <a:extLst>
-              <a:ext uri="{FF2B5EF4-FFF2-40B4-BE49-F238E27FC236}">
-                <a16:creationId xmlns:a16="http://schemas.microsoft.com/office/drawing/2014/main" id="{236462D0-386A-4CAD-86CB-8ACEE5512FFB}"/>
-              </a:ext>
-            </a:extLst>
-          </p:cNvPr>
-          <p:cNvSpPr/>
-          <p:nvPr/>
-        </p:nvSpPr>
-        <p:spPr>
-          <a:xfrm>
-            <a:off x="3299070" y="2633784"/>
-            <a:ext cx="359507" cy="351692"/>
-          </a:xfrm>
-          <a:prstGeom prst="ellipse">
-            <a:avLst/>
-          </a:prstGeom>
-          <a:noFill/>
-          <a:ln w="28575">
-            <a:solidFill>
-              <a:schemeClr val="tx1"/>
-            </a:solidFill>
-          </a:ln>
-        </p:spPr>
-        <p:style>
-          <a:lnRef idx="2">
-            <a:schemeClr val="accent1">
-              <a:shade val="50000"/>
-            </a:schemeClr>
-          </a:lnRef>
-          <a:fillRef idx="1">
-            <a:schemeClr val="accent1"/>
-          </a:fillRef>
-          <a:effectRef idx="0">
-            <a:schemeClr val="accent1"/>
-          </a:effectRef>
-          <a:fontRef idx="minor">
-            <a:schemeClr val="lt1"/>
-          </a:fontRef>
-        </p:style>
-        <p:txBody>
-          <a:bodyPr rtlCol="0" anchor="ctr"/>
-          <a:lstStyle/>
-          <a:p>
-            <a:pPr algn="ctr"/>
-            <a:endParaRPr lang="en-US"/>
-          </a:p>
-        </p:txBody>
-      </p:sp>
-      <p:cxnSp>
-        <p:nvCxnSpPr>
-          <p:cNvPr id="14" name="Gerader Verbinder 13">
-            <a:extLst>
-              <a:ext uri="{FF2B5EF4-FFF2-40B4-BE49-F238E27FC236}">
-                <a16:creationId xmlns:a16="http://schemas.microsoft.com/office/drawing/2014/main" id="{B724F9B5-1FBC-42E0-BBDA-DE46A3AD55A3}"/>
-              </a:ext>
-            </a:extLst>
-          </p:cNvPr>
-          <p:cNvCxnSpPr>
-            <a:cxnSpLocks/>
-          </p:cNvCxnSpPr>
-          <p:nvPr/>
-        </p:nvCxnSpPr>
-        <p:spPr>
-          <a:xfrm>
-            <a:off x="3478823" y="2868245"/>
-            <a:ext cx="0" cy="2395416"/>
-          </a:xfrm>
-          <a:prstGeom prst="line">
-            <a:avLst/>
-          </a:prstGeom>
-          <a:ln w="19050">
-            <a:solidFill>
-              <a:schemeClr val="tx1"/>
-            </a:solidFill>
-            <a:prstDash val="sysDot"/>
-          </a:ln>
-        </p:spPr>
-        <p:style>
-          <a:lnRef idx="1">
-            <a:schemeClr val="accent1"/>
-          </a:lnRef>
-          <a:fillRef idx="0">
-            <a:schemeClr val="accent1"/>
-          </a:fillRef>
-          <a:effectRef idx="0">
-            <a:schemeClr val="accent1"/>
-          </a:effectRef>
-          <a:fontRef idx="minor">
-            <a:schemeClr val="tx1"/>
-          </a:fontRef>
-        </p:style>
-      </p:cxnSp>
-      <p:cxnSp>
-        <p:nvCxnSpPr>
-          <p:cNvPr id="18" name="Gerader Verbinder 17">
-            <a:extLst>
-              <a:ext uri="{FF2B5EF4-FFF2-40B4-BE49-F238E27FC236}">
-                <a16:creationId xmlns:a16="http://schemas.microsoft.com/office/drawing/2014/main" id="{EAE32B3A-AAC0-4630-A2EB-2D6460AA9462}"/>
-              </a:ext>
-            </a:extLst>
-          </p:cNvPr>
-          <p:cNvCxnSpPr>
-            <a:cxnSpLocks/>
-          </p:cNvCxnSpPr>
-          <p:nvPr/>
-        </p:nvCxnSpPr>
-        <p:spPr>
-          <a:xfrm>
-            <a:off x="4700958" y="5044836"/>
-            <a:ext cx="0" cy="58609"/>
-          </a:xfrm>
-          <a:prstGeom prst="line">
-            <a:avLst/>
-          </a:prstGeom>
-          <a:ln w="19050">
-            <a:solidFill>
-              <a:schemeClr val="tx1"/>
-            </a:solidFill>
-            <a:prstDash val="sysDot"/>
-          </a:ln>
-        </p:spPr>
-        <p:style>
-          <a:lnRef idx="1">
-            <a:schemeClr val="accent1"/>
-          </a:lnRef>
-          <a:fillRef idx="0">
-            <a:schemeClr val="accent1"/>
-          </a:fillRef>
-          <a:effectRef idx="0">
-            <a:schemeClr val="accent1"/>
-          </a:effectRef>
-          <a:fontRef idx="minor">
-            <a:schemeClr val="tx1"/>
-          </a:fontRef>
-        </p:style>
-      </p:cxnSp>
-    </p:spTree>
-    <p:extLst>
-      <p:ext uri="{BB962C8B-B14F-4D97-AF65-F5344CB8AC3E}">
-        <p14:creationId xmlns:p14="http://schemas.microsoft.com/office/powerpoint/2010/main" val="3580194940"/>
-      </p:ext>
-    </p:extLst>
-  </p:cSld>
-  <p:clrMapOvr>
-    <a:masterClrMapping/>
-  </p:clrMapOvr>
-  <p:timing>
-    <p:tnLst>
-      <p:par>
-        <p:cTn id="1" dur="indefinite" restart="never" nodeType="tmRoot">
-          <p:childTnLst>
-            <p:seq concurrent="1" nextAc="seek">
-              <p:cTn id="2" dur="indefinite" nodeType="mainSeq">
-                <p:childTnLst>
-                  <p:par>
-                    <p:cTn id="3" fill="hold">
-                      <p:stCondLst>
-                        <p:cond delay="indefinite"/>
-                      </p:stCondLst>
-                      <p:childTnLst>
-                        <p:par>
-                          <p:cTn id="4" fill="hold">
-                            <p:stCondLst>
-                              <p:cond delay="0"/>
-                            </p:stCondLst>
-                            <p:childTnLst>
-                              <p:par>
-                                <p:cTn id="5" presetID="1" presetClass="entr" presetSubtype="0" fill="hold" nodeType="clickEffect">
-                                  <p:stCondLst>
-                                    <p:cond delay="0"/>
-                                  </p:stCondLst>
-                                  <p:childTnLst>
-                                    <p:set>
-                                      <p:cBhvr>
-                                        <p:cTn id="6" dur="1" fill="hold">
-                                          <p:stCondLst>
-                                            <p:cond delay="0"/>
-                                          </p:stCondLst>
-                                        </p:cTn>
-                                        <p:tgtEl>
-                                          <p:spTgt spid="3">
-                                            <p:txEl>
-                                              <p:pRg st="4" end="4"/>
-                                            </p:txEl>
-                                          </p:spTgt>
-                                        </p:tgtEl>
-                                        <p:attrNameLst>
-                                          <p:attrName>style.visibility</p:attrName>
-                                        </p:attrNameLst>
-                                      </p:cBhvr>
-                                      <p:to>
-                                        <p:strVal val="visible"/>
-                                      </p:to>
-                                    </p:set>
-                                  </p:childTnLst>
-                                </p:cTn>
-                              </p:par>
-                            </p:childTnLst>
-                          </p:cTn>
-                        </p:par>
-                      </p:childTnLst>
-                    </p:cTn>
-                  </p:par>
-                </p:childTnLst>
-              </p:cTn>
-              <p:prevCondLst>
-                <p:cond evt="onPrev" delay="0">
-                  <p:tgtEl>
-                    <p:sldTgt/>
-                  </p:tgtEl>
-                </p:cond>
-              </p:prevCondLst>
-              <p:nextCondLst>
-                <p:cond evt="onNext" delay="0">
-                  <p:tgtEl>
-                    <p:sldTgt/>
-                  </p:tgtEl>
-                </p:cond>
-              </p:nextCondLst>
-            </p:seq>
-          </p:childTnLst>
-        </p:cTn>
-      </p:par>
-    </p:tnLst>
-  </p:timing>
-</p:sld>
-</file>
-
-<file path=ppt/slides/slide15.xml><?xml version="1.0" encoding="utf-8"?>
 <p:sld xmlns:a="http://schemas.openxmlformats.org/drawingml/2006/main" xmlns:r="http://schemas.openxmlformats.org/officeDocument/2006/relationships" xmlns:p="http://schemas.openxmlformats.org/presentationml/2006/main">
   <p:cSld>
     <p:spTree>
@@ -16161,7 +13377,7 @@
 </p:sld>
 </file>
 
-<file path=ppt/slides/slide16.xml><?xml version="1.0" encoding="utf-8"?>
+<file path=ppt/slides/slide15.xml><?xml version="1.0" encoding="utf-8"?>
 <p:sld xmlns:a="http://schemas.openxmlformats.org/drawingml/2006/main" xmlns:r="http://schemas.openxmlformats.org/officeDocument/2006/relationships" xmlns:p="http://schemas.openxmlformats.org/presentationml/2006/main">
   <p:cSld>
     <p:spTree>
@@ -16607,7 +13823,7 @@
 </p:sld>
 </file>
 
-<file path=ppt/slides/slide17.xml><?xml version="1.0" encoding="utf-8"?>
+<file path=ppt/slides/slide16.xml><?xml version="1.0" encoding="utf-8"?>
 <p:sld xmlns:a="http://schemas.openxmlformats.org/drawingml/2006/main" xmlns:r="http://schemas.openxmlformats.org/officeDocument/2006/relationships" xmlns:p="http://schemas.openxmlformats.org/presentationml/2006/main">
   <p:cSld>
     <p:spTree>
@@ -16672,7 +13888,7 @@
 </p:sld>
 </file>
 
-<file path=ppt/slides/slide18.xml><?xml version="1.0" encoding="utf-8"?>
+<file path=ppt/slides/slide17.xml><?xml version="1.0" encoding="utf-8"?>
 <p:sld xmlns:a="http://schemas.openxmlformats.org/drawingml/2006/main" xmlns:r="http://schemas.openxmlformats.org/officeDocument/2006/relationships" xmlns:p="http://schemas.openxmlformats.org/presentationml/2006/main">
   <p:cSld>
     <p:spTree>
@@ -16728,6 +13944,138 @@
     <p:extLst>
       <p:ext uri="{BB962C8B-B14F-4D97-AF65-F5344CB8AC3E}">
         <p14:creationId xmlns:p14="http://schemas.microsoft.com/office/powerpoint/2010/main" val="653776870"/>
+      </p:ext>
+    </p:extLst>
+  </p:cSld>
+  <p:clrMapOvr>
+    <a:masterClrMapping/>
+  </p:clrMapOvr>
+</p:sld>
+</file>
+
+<file path=ppt/slides/slide18.xml><?xml version="1.0" encoding="utf-8"?>
+<p:sld xmlns:a="http://schemas.openxmlformats.org/drawingml/2006/main" xmlns:r="http://schemas.openxmlformats.org/officeDocument/2006/relationships" xmlns:p="http://schemas.openxmlformats.org/presentationml/2006/main">
+  <p:cSld>
+    <p:spTree>
+      <p:nvGrpSpPr>
+        <p:cNvPr id="1" name=""/>
+        <p:cNvGrpSpPr/>
+        <p:nvPr/>
+      </p:nvGrpSpPr>
+      <p:grpSpPr>
+        <a:xfrm>
+          <a:off x="0" y="0"/>
+          <a:ext cx="0" cy="0"/>
+          <a:chOff x="0" y="0"/>
+          <a:chExt cx="0" cy="0"/>
+        </a:xfrm>
+      </p:grpSpPr>
+      <p:sp>
+        <p:nvSpPr>
+          <p:cNvPr id="2" name="Title 1">
+            <a:extLst>
+              <a:ext uri="{FF2B5EF4-FFF2-40B4-BE49-F238E27FC236}">
+                <a16:creationId xmlns:a16="http://schemas.microsoft.com/office/drawing/2014/main" id="{D544F202-3359-48FC-A25F-B2642D2A7189}"/>
+              </a:ext>
+            </a:extLst>
+          </p:cNvPr>
+          <p:cNvSpPr>
+            <a:spLocks noGrp="1"/>
+          </p:cNvSpPr>
+          <p:nvPr>
+            <p:ph type="ctrTitle"/>
+          </p:nvPr>
+        </p:nvSpPr>
+        <p:spPr/>
+        <p:txBody>
+          <a:bodyPr>
+            <a:normAutofit/>
+          </a:bodyPr>
+          <a:lstStyle/>
+          <a:p>
+            <a:r>
+              <a:rPr lang="de-CH" dirty="0"/>
+              <a:t>Herding </a:t>
+            </a:r>
+            <a:r>
+              <a:rPr lang="de-CH" dirty="0" err="1"/>
+              <a:t>the</a:t>
+            </a:r>
+            <a:r>
+              <a:rPr lang="de-CH" dirty="0"/>
+              <a:t> </a:t>
+            </a:r>
+            <a:r>
+              <a:rPr lang="en-US" dirty="0"/>
+              <a:t>Elephants</a:t>
+            </a:r>
+            <a:br>
+              <a:rPr lang="de-CH" dirty="0"/>
+            </a:br>
+            <a:r>
+              <a:rPr lang="en-US" sz="3200" dirty="0"/>
+              <a:t>Detecting Network-Wide</a:t>
+            </a:r>
+            <a:br>
+              <a:rPr lang="en-US" sz="3200" dirty="0"/>
+            </a:br>
+            <a:r>
+              <a:rPr lang="en-US" sz="3200" dirty="0"/>
+              <a:t>Heavy Hitters with Limited Resources</a:t>
+            </a:r>
+            <a:endParaRPr lang="en-CH" dirty="0"/>
+          </a:p>
+        </p:txBody>
+      </p:sp>
+      <p:sp>
+        <p:nvSpPr>
+          <p:cNvPr id="3" name="Subtitle 2">
+            <a:extLst>
+              <a:ext uri="{FF2B5EF4-FFF2-40B4-BE49-F238E27FC236}">
+                <a16:creationId xmlns:a16="http://schemas.microsoft.com/office/drawing/2014/main" id="{87BF0C4E-34D7-4D09-8057-D3D9C062EA61}"/>
+              </a:ext>
+            </a:extLst>
+          </p:cNvPr>
+          <p:cNvSpPr>
+            <a:spLocks noGrp="1"/>
+          </p:cNvSpPr>
+          <p:nvPr>
+            <p:ph type="subTitle" idx="1"/>
+          </p:nvPr>
+        </p:nvSpPr>
+        <p:spPr>
+          <a:xfrm>
+            <a:off x="1524000" y="4000622"/>
+            <a:ext cx="9144000" cy="1655762"/>
+          </a:xfrm>
+        </p:spPr>
+        <p:txBody>
+          <a:bodyPr/>
+          <a:lstStyle/>
+          <a:p>
+            <a:r>
+              <a:rPr lang="de-CH" dirty="0"/>
+              <a:t>Yannick Merkli, Tim Bohren, Felix Rüssli</a:t>
+            </a:r>
+          </a:p>
+          <a:p>
+            <a:r>
+              <a:rPr lang="de-CH" dirty="0"/>
+              <a:t>Advisor: Albert Gran Alcoz</a:t>
+            </a:r>
+          </a:p>
+          <a:p>
+            <a:r>
+              <a:rPr lang="de-CH" dirty="0"/>
+              <a:t>Supervisor: Laurent Vanbever</a:t>
+            </a:r>
+          </a:p>
+        </p:txBody>
+      </p:sp>
+    </p:spTree>
+    <p:extLst>
+      <p:ext uri="{BB962C8B-B14F-4D97-AF65-F5344CB8AC3E}">
+        <p14:creationId xmlns:p14="http://schemas.microsoft.com/office/powerpoint/2010/main" val="125986707"/>
       </p:ext>
     </p:extLst>
   </p:cSld>
@@ -16859,7 +14207,7 @@
     </p:spTree>
     <p:extLst>
       <p:ext uri="{BB962C8B-B14F-4D97-AF65-F5344CB8AC3E}">
-        <p14:creationId xmlns:p14="http://schemas.microsoft.com/office/powerpoint/2010/main" val="125986707"/>
+        <p14:creationId xmlns:p14="http://schemas.microsoft.com/office/powerpoint/2010/main" val="1179410265"/>
       </p:ext>
     </p:extLst>
   </p:cSld>
@@ -20194,138 +17542,6 @@
     </p:spTree>
     <p:extLst>
       <p:ext uri="{BB962C8B-B14F-4D97-AF65-F5344CB8AC3E}">
-        <p14:creationId xmlns:p14="http://schemas.microsoft.com/office/powerpoint/2010/main" val="1179410265"/>
-      </p:ext>
-    </p:extLst>
-  </p:cSld>
-  <p:clrMapOvr>
-    <a:masterClrMapping/>
-  </p:clrMapOvr>
-</p:sld>
-</file>
-
-<file path=ppt/slides/slide21.xml><?xml version="1.0" encoding="utf-8"?>
-<p:sld xmlns:a="http://schemas.openxmlformats.org/drawingml/2006/main" xmlns:r="http://schemas.openxmlformats.org/officeDocument/2006/relationships" xmlns:p="http://schemas.openxmlformats.org/presentationml/2006/main">
-  <p:cSld>
-    <p:spTree>
-      <p:nvGrpSpPr>
-        <p:cNvPr id="1" name=""/>
-        <p:cNvGrpSpPr/>
-        <p:nvPr/>
-      </p:nvGrpSpPr>
-      <p:grpSpPr>
-        <a:xfrm>
-          <a:off x="0" y="0"/>
-          <a:ext cx="0" cy="0"/>
-          <a:chOff x="0" y="0"/>
-          <a:chExt cx="0" cy="0"/>
-        </a:xfrm>
-      </p:grpSpPr>
-      <p:sp>
-        <p:nvSpPr>
-          <p:cNvPr id="2" name="Title 1">
-            <a:extLst>
-              <a:ext uri="{FF2B5EF4-FFF2-40B4-BE49-F238E27FC236}">
-                <a16:creationId xmlns:a16="http://schemas.microsoft.com/office/drawing/2014/main" id="{D544F202-3359-48FC-A25F-B2642D2A7189}"/>
-              </a:ext>
-            </a:extLst>
-          </p:cNvPr>
-          <p:cNvSpPr>
-            <a:spLocks noGrp="1"/>
-          </p:cNvSpPr>
-          <p:nvPr>
-            <p:ph type="ctrTitle"/>
-          </p:nvPr>
-        </p:nvSpPr>
-        <p:spPr/>
-        <p:txBody>
-          <a:bodyPr>
-            <a:normAutofit/>
-          </a:bodyPr>
-          <a:lstStyle/>
-          <a:p>
-            <a:r>
-              <a:rPr lang="de-CH" dirty="0"/>
-              <a:t>Herding </a:t>
-            </a:r>
-            <a:r>
-              <a:rPr lang="de-CH" dirty="0" err="1"/>
-              <a:t>the</a:t>
-            </a:r>
-            <a:r>
-              <a:rPr lang="de-CH" dirty="0"/>
-              <a:t> </a:t>
-            </a:r>
-            <a:r>
-              <a:rPr lang="en-US" dirty="0"/>
-              <a:t>Elephants</a:t>
-            </a:r>
-            <a:br>
-              <a:rPr lang="de-CH" dirty="0"/>
-            </a:br>
-            <a:r>
-              <a:rPr lang="en-US" sz="3200" dirty="0"/>
-              <a:t>Detecting Network-Wide</a:t>
-            </a:r>
-            <a:br>
-              <a:rPr lang="en-US" sz="3200" dirty="0"/>
-            </a:br>
-            <a:r>
-              <a:rPr lang="en-US" sz="3200" dirty="0"/>
-              <a:t>Heavy Hitters with Limited Resources</a:t>
-            </a:r>
-            <a:endParaRPr lang="en-CH" dirty="0"/>
-          </a:p>
-        </p:txBody>
-      </p:sp>
-      <p:sp>
-        <p:nvSpPr>
-          <p:cNvPr id="3" name="Subtitle 2">
-            <a:extLst>
-              <a:ext uri="{FF2B5EF4-FFF2-40B4-BE49-F238E27FC236}">
-                <a16:creationId xmlns:a16="http://schemas.microsoft.com/office/drawing/2014/main" id="{87BF0C4E-34D7-4D09-8057-D3D9C062EA61}"/>
-              </a:ext>
-            </a:extLst>
-          </p:cNvPr>
-          <p:cNvSpPr>
-            <a:spLocks noGrp="1"/>
-          </p:cNvSpPr>
-          <p:nvPr>
-            <p:ph type="subTitle" idx="1"/>
-          </p:nvPr>
-        </p:nvSpPr>
-        <p:spPr>
-          <a:xfrm>
-            <a:off x="1524000" y="4000622"/>
-            <a:ext cx="9144000" cy="1655762"/>
-          </a:xfrm>
-        </p:spPr>
-        <p:txBody>
-          <a:bodyPr/>
-          <a:lstStyle/>
-          <a:p>
-            <a:r>
-              <a:rPr lang="de-CH" dirty="0"/>
-              <a:t>Yannick Merkli, Tim Bohren, Felix Rüssli</a:t>
-            </a:r>
-          </a:p>
-          <a:p>
-            <a:r>
-              <a:rPr lang="de-CH" dirty="0"/>
-              <a:t>Advisor: Albert Gran Alcoz</a:t>
-            </a:r>
-          </a:p>
-          <a:p>
-            <a:r>
-              <a:rPr lang="de-CH" dirty="0"/>
-              <a:t>Supervisor: Laurent Vanbever</a:t>
-            </a:r>
-          </a:p>
-        </p:txBody>
-      </p:sp>
-    </p:spTree>
-    <p:extLst>
-      <p:ext uri="{BB962C8B-B14F-4D97-AF65-F5344CB8AC3E}">
         <p14:creationId xmlns:p14="http://schemas.microsoft.com/office/powerpoint/2010/main" val="619421901"/>
       </p:ext>
     </p:extLst>
@@ -20472,7 +17688,11 @@
             </a:r>
           </a:p>
           <a:p>
-            <a:pPr lvl="1"/>
+            <a:pPr lvl="1">
+              <a:buClr>
+                <a:schemeClr val="bg1"/>
+              </a:buClr>
+            </a:pPr>
             <a:r>
               <a:rPr lang="en-US" sz="2000" dirty="0"/>
               <a:t>Measuring each flow is infeasible</a:t>
@@ -23209,7 +20429,7 @@
           <p:nvPr/>
         </p:nvPicPr>
         <p:blipFill>
-          <a:blip r:embed="rId2">
+          <a:blip r:embed="rId3">
             <a:extLst>
               <a:ext uri="{28A0092B-C50C-407E-A947-70E740481C1C}">
                 <a14:useLocalDpi xmlns:a14="http://schemas.microsoft.com/office/drawing/2010/main" val="0"/>
@@ -23245,7 +20465,7 @@
           <p:nvPr/>
         </p:nvPicPr>
         <p:blipFill>
-          <a:blip r:embed="rId2">
+          <a:blip r:embed="rId3">
             <a:extLst>
               <a:ext uri="{28A0092B-C50C-407E-A947-70E740481C1C}">
                 <a14:useLocalDpi xmlns:a14="http://schemas.microsoft.com/office/drawing/2010/main" val="0"/>
@@ -23281,7 +20501,7 @@
           <p:nvPr/>
         </p:nvPicPr>
         <p:blipFill>
-          <a:blip r:embed="rId2">
+          <a:blip r:embed="rId3">
             <a:extLst>
               <a:ext uri="{28A0092B-C50C-407E-A947-70E740481C1C}">
                 <a14:useLocalDpi xmlns:a14="http://schemas.microsoft.com/office/drawing/2010/main" val="0"/>
@@ -23891,7 +21111,7 @@
                           <a:tailEnd type="none" w="med" len="med"/>
                         </a:lnB>
                         <a:blipFill>
-                          <a:blip r:embed="rId3"/>
+                          <a:blip r:embed="rId4"/>
                           <a:stretch>
                             <a:fillRect l="-1000" t="-107273" r="-122000" b="-21818"/>
                           </a:stretch>
@@ -24560,7 +21780,7 @@
                           <a:tailEnd type="none" w="med" len="med"/>
                         </a:lnB>
                         <a:blipFill>
-                          <a:blip r:embed="rId4"/>
+                          <a:blip r:embed="rId5"/>
                           <a:stretch>
                             <a:fillRect l="-1000" t="-107273" r="-122000" b="-21818"/>
                           </a:stretch>
@@ -25229,7 +22449,7 @@
                           <a:tailEnd type="none" w="med" len="med"/>
                         </a:lnB>
                         <a:blipFill>
-                          <a:blip r:embed="rId5"/>
+                          <a:blip r:embed="rId6"/>
                           <a:stretch>
                             <a:fillRect l="-1000" t="-105455" r="-122000" b="-23636"/>
                           </a:stretch>
@@ -25461,7 +22681,7 @@
                 <a:avLst/>
               </a:prstGeom>
               <a:blipFill>
-                <a:blip r:embed="rId6"/>
+                <a:blip r:embed="rId7"/>
                 <a:stretch>
                   <a:fillRect l="-1434" t="-4717" b="-14151"/>
                 </a:stretch>
@@ -26565,10 +23785,9 @@
           </a:bodyPr>
           <a:lstStyle/>
           <a:p>
-            <a:r>
-              <a:rPr lang="en-US" sz="2400" dirty="0"/>
-              <a:t>use </a:t>
-            </a:r>
+            <a:pPr marL="0" indent="0">
+              <a:buNone/>
+            </a:pPr>
             <a:r>
               <a:rPr lang="en-US" sz="2400" dirty="0">
                 <a:solidFill>
@@ -26579,46 +23798,30 @@
             </a:r>
             <a:r>
               <a:rPr lang="en-US" sz="2400" dirty="0"/>
-              <a:t>sample-and-hold</a:t>
-            </a:r>
-            <a:r>
-              <a:rPr lang="en-US" sz="2400" dirty="0">
-                <a:solidFill>
-                  <a:srgbClr val="FF0000"/>
-                </a:solidFill>
-              </a:rPr>
-              <a:t> </a:t>
-            </a:r>
-            <a:r>
-              <a:rPr lang="en-US" sz="2400" dirty="0"/>
-              <a:t>for flows → less switch memory</a:t>
+              <a:t>sampling and reporting of flows </a:t>
             </a:r>
           </a:p>
           <a:p>
             <a:pPr>
               <a:buClr>
-                <a:schemeClr val="tx1"/>
+                <a:schemeClr val="bg1"/>
               </a:buClr>
             </a:pPr>
             <a:r>
-              <a:rPr lang="en-US" sz="2400" dirty="0">
-                <a:solidFill>
-                  <a:srgbClr val="FF0000"/>
-                </a:solidFill>
-              </a:rPr>
-              <a:t>probabilistically report </a:t>
-            </a:r>
-            <a:r>
               <a:rPr lang="en-US" sz="2400" dirty="0"/>
-              <a:t>to the coordinator → less communication overhead</a:t>
+              <a:t>→ less switch memory </a:t>
             </a:r>
           </a:p>
           <a:p>
-            <a:endParaRPr lang="en-US" sz="2400" dirty="0">
-              <a:solidFill>
-                <a:srgbClr val="FF0000"/>
-              </a:solidFill>
-            </a:endParaRPr>
+            <a:pPr>
+              <a:buClr>
+                <a:schemeClr val="bg1"/>
+              </a:buClr>
+            </a:pPr>
+            <a:r>
+              <a:rPr lang="en-US" sz="2400" dirty="0"/>
+              <a:t>→ less communication overhead</a:t>
+            </a:r>
           </a:p>
         </p:txBody>
       </p:sp>
@@ -26814,6 +24017,11 @@
             </a:lvl9pPr>
           </a:lstStyle>
           <a:p>
+            <a:pPr>
+              <a:buClr>
+                <a:schemeClr val="bg1"/>
+              </a:buClr>
+            </a:pPr>
             <a:r>
               <a:rPr lang="en-US" sz="2400" dirty="0"/>
               <a:t>combines partial information to attain a </a:t>
@@ -26834,7 +24042,7 @@
           <a:p>
             <a:pPr>
               <a:buClr>
-                <a:schemeClr val="tx1"/>
+                <a:schemeClr val="bg1"/>
               </a:buClr>
             </a:pPr>
             <a:r>
@@ -26969,6 +24177,37 @@
                                   </p:childTnLst>
                                 </p:cTn>
                               </p:par>
+                              <p:par>
+                                <p:cTn id="11" presetID="1" presetClass="entr" presetSubtype="0" fill="hold" nodeType="withEffect">
+                                  <p:stCondLst>
+                                    <p:cond delay="0"/>
+                                  </p:stCondLst>
+                                  <p:childTnLst>
+                                    <p:set>
+                                      <p:cBhvr>
+                                        <p:cTn id="12" dur="1" fill="hold">
+                                          <p:stCondLst>
+                                            <p:cond delay="0"/>
+                                          </p:stCondLst>
+                                        </p:cTn>
+                                        <p:tgtEl>
+                                          <p:spTgt spid="27">
+                                            <p:txEl>
+                                              <p:pRg st="2" end="2"/>
+                                            </p:txEl>
+                                          </p:spTgt>
+                                        </p:tgtEl>
+                                        <p:attrNameLst>
+                                          <p:attrName>style.visibility</p:attrName>
+                                        </p:attrNameLst>
+                                      </p:cBhvr>
+                                      <p:to>
+                                        <p:strVal val="visible"/>
+                                      </p:to>
+                                    </p:set>
+                                  </p:childTnLst>
+                                </p:cTn>
+                              </p:par>
                             </p:childTnLst>
                           </p:cTn>
                         </p:par>
@@ -26976,26 +24215,26 @@
                     </p:cTn>
                   </p:par>
                   <p:par>
-                    <p:cTn id="11" fill="hold">
+                    <p:cTn id="13" fill="hold">
                       <p:stCondLst>
                         <p:cond delay="indefinite"/>
                       </p:stCondLst>
                       <p:childTnLst>
                         <p:par>
-                          <p:cTn id="12" fill="hold">
+                          <p:cTn id="14" fill="hold">
                             <p:stCondLst>
                               <p:cond delay="0"/>
                             </p:stCondLst>
                             <p:childTnLst>
                               <p:par>
-                                <p:cTn id="13" presetID="1" presetClass="entr" presetSubtype="0" fill="hold" nodeType="clickEffect">
+                                <p:cTn id="15" presetID="1" presetClass="entr" presetSubtype="0" fill="hold" nodeType="clickEffect">
                                   <p:stCondLst>
                                     <p:cond delay="0"/>
                                   </p:stCondLst>
                                   <p:childTnLst>
                                     <p:set>
                                       <p:cBhvr>
-                                        <p:cTn id="14" dur="1" fill="hold">
+                                        <p:cTn id="16" dur="1" fill="hold">
                                           <p:stCondLst>
                                             <p:cond delay="0"/>
                                           </p:stCondLst>
@@ -27025,26 +24264,26 @@
                     </p:cTn>
                   </p:par>
                   <p:par>
-                    <p:cTn id="15" fill="hold">
+                    <p:cTn id="17" fill="hold">
                       <p:stCondLst>
                         <p:cond delay="indefinite"/>
                       </p:stCondLst>
                       <p:childTnLst>
                         <p:par>
-                          <p:cTn id="16" fill="hold">
+                          <p:cTn id="18" fill="hold">
                             <p:stCondLst>
                               <p:cond delay="0"/>
                             </p:stCondLst>
                             <p:childTnLst>
                               <p:par>
-                                <p:cTn id="17" presetID="1" presetClass="entr" presetSubtype="0" fill="hold" nodeType="clickEffect">
+                                <p:cTn id="19" presetID="1" presetClass="entr" presetSubtype="0" fill="hold" nodeType="clickEffect">
                                   <p:stCondLst>
                                     <p:cond delay="0"/>
                                   </p:stCondLst>
                                   <p:childTnLst>
                                     <p:set>
                                       <p:cBhvr>
-                                        <p:cTn id="18" dur="1" fill="hold">
+                                        <p:cTn id="20" dur="1" fill="hold">
                                           <p:stCondLst>
                                             <p:cond delay="0"/>
                                           </p:stCondLst>
@@ -29224,8 +26463,8 @@
           </a:p>
         </p:txBody>
       </p:sp>
-      <mc:AlternateContent xmlns:mc="http://schemas.openxmlformats.org/markup-compatibility/2006">
-        <mc:Choice xmlns:a14="http://schemas.microsoft.com/office/drawing/2010/main" Requires="a14">
+      <mc:AlternateContent xmlns:mc="http://schemas.openxmlformats.org/markup-compatibility/2006" xmlns:a14="http://schemas.microsoft.com/office/drawing/2010/main">
+        <mc:Choice Requires="a14">
           <p:sp>
             <p:nvSpPr>
               <p:cNvPr id="3" name="Content Placeholder 2">
@@ -29835,7 +27074,7 @@
             </p:txBody>
           </p:sp>
         </mc:Choice>
-        <mc:Fallback>
+        <mc:Fallback xmlns="">
           <p:sp>
             <p:nvSpPr>
               <p:cNvPr id="3" name="Content Placeholder 2">
@@ -32143,8 +29382,8 @@
             </p:nvSpPr>
             <p:spPr>
               <a:xfrm>
-                <a:off x="838201" y="1383255"/>
-                <a:ext cx="5257800" cy="5228560"/>
+                <a:off x="838200" y="1383255"/>
+                <a:ext cx="5685693" cy="5228560"/>
               </a:xfrm>
             </p:spPr>
             <p:txBody>
@@ -32251,65 +29490,6 @@
                   <a:rPr lang="de-CH" sz="2200" dirty="0"/>
                   <a:t> in match-action table</a:t>
                 </a:r>
-              </a:p>
-              <a:p>
-                <a:pPr lvl="1">
-                  <a:buClr>
-                    <a:schemeClr val="bg1"/>
-                  </a:buClr>
-                </a:pPr>
-                <a:r>
-                  <a:rPr lang="de-CH" sz="1800" dirty="0"/>
-                  <a:t>in </a:t>
-                </a:r>
-                <a:r>
-                  <a:rPr lang="de-CH" sz="1800" dirty="0" err="1"/>
-                  <a:t>case</a:t>
-                </a:r>
-                <a:r>
-                  <a:rPr lang="de-CH" sz="1800" dirty="0"/>
-                  <a:t> </a:t>
-                </a:r>
-                <a:r>
-                  <a:rPr lang="de-CH" sz="1800" dirty="0" err="1"/>
-                  <a:t>of</a:t>
-                </a:r>
-                <a:r>
-                  <a:rPr lang="de-CH" sz="1800" dirty="0"/>
-                  <a:t> </a:t>
-                </a:r>
-                <a:r>
-                  <a:rPr lang="de-CH" sz="1800" dirty="0" err="1"/>
-                  <a:t>table</a:t>
-                </a:r>
-                <a:r>
-                  <a:rPr lang="de-CH" sz="1800" dirty="0"/>
-                  <a:t> miss, send a </a:t>
-                </a:r>
-                <a:r>
-                  <a:rPr lang="de-CH" sz="1800" i="1" dirty="0" err="1">
-                    <a:solidFill>
-                      <a:srgbClr val="FF0000"/>
-                    </a:solidFill>
-                  </a:rPr>
-                  <a:t>hello</a:t>
-                </a:r>
-                <a:r>
-                  <a:rPr lang="de-CH" sz="1800" i="1" dirty="0">
-                    <a:solidFill>
-                      <a:srgbClr val="FF0000"/>
-                    </a:solidFill>
-                  </a:rPr>
-                  <a:t> via          </a:t>
-                </a:r>
-                <a:r>
-                  <a:rPr lang="de-CH" sz="1800" dirty="0" err="1">
-                    <a:solidFill>
-                      <a:srgbClr val="FF0000"/>
-                    </a:solidFill>
-                  </a:rPr>
-                  <a:t>copy-to-cpu</a:t>
-                </a:r>
                 <a:endParaRPr lang="de-CH" sz="1800" dirty="0">
                   <a:solidFill>
                     <a:srgbClr val="FF0000"/>
@@ -32319,100 +29499,17 @@
               <a:p>
                 <a:r>
                   <a:rPr lang="de-CH" sz="2200" dirty="0"/>
-                  <a:t>Counts </a:t>
-                </a:r>
-                <a:r>
-                  <a:rPr lang="de-CH" sz="2200" dirty="0" err="1"/>
-                  <a:t>packets</a:t>
-                </a:r>
-                <a:r>
-                  <a:rPr lang="de-CH" sz="2200" dirty="0"/>
-                  <a:t> </a:t>
-                </a:r>
-                <a:r>
-                  <a:rPr lang="de-CH" sz="2200" dirty="0" err="1"/>
-                  <a:t>of</a:t>
-                </a:r>
-                <a:r>
-                  <a:rPr lang="de-CH" sz="2200" dirty="0"/>
-                  <a:t> a </a:t>
-                </a:r>
-                <a:r>
-                  <a:rPr lang="de-CH" sz="2200" dirty="0" err="1"/>
-                  <a:t>flow</a:t>
-                </a:r>
-                <a:r>
-                  <a:rPr lang="de-CH" sz="2200" dirty="0"/>
-                  <a:t> </a:t>
-                </a:r>
-                <a:r>
-                  <a:rPr lang="de-CH" sz="2200" dirty="0" err="1"/>
-                  <a:t>with</a:t>
-                </a:r>
-                <a:r>
-                  <a:rPr lang="de-CH" sz="2200" dirty="0"/>
-                  <a:t> </a:t>
-                </a:r>
-                <a:r>
-                  <a:rPr lang="de-CH" sz="2200" dirty="0" err="1"/>
-                  <a:t>probability</a:t>
-                </a:r>
-                <a:r>
-                  <a:rPr lang="de-CH" sz="2200" dirty="0"/>
-                  <a:t> </a:t>
-                </a:r>
-                <a:r>
-                  <a:rPr lang="de-CH" sz="2200" i="1" dirty="0"/>
-                  <a:t>s</a:t>
-                </a:r>
-              </a:p>
-              <a:p>
-                <a:pPr lvl="1">
-                  <a:buClr>
-                    <a:schemeClr val="bg1"/>
-                  </a:buClr>
-                </a:pPr>
-                <a:r>
-                  <a:rPr lang="de-CH" sz="1800" dirty="0" err="1"/>
-                  <a:t>Stored</a:t>
-                </a:r>
-                <a:r>
-                  <a:rPr lang="de-CH" sz="1800" dirty="0"/>
-                  <a:t> in a </a:t>
-                </a:r>
-                <a:r>
-                  <a:rPr lang="de-CH" sz="1800" dirty="0">
+                  <a:t>Store sampled flows in </a:t>
+                </a:r>
+                <a:r>
+                  <a:rPr lang="de-CH" sz="2200" dirty="0">
                     <a:solidFill>
                       <a:srgbClr val="FF0000"/>
                     </a:solidFill>
                   </a:rPr>
-                  <a:t>multi-stage </a:t>
-                </a:r>
-                <a:r>
-                  <a:rPr lang="de-CH" sz="1800" dirty="0" err="1">
-                    <a:solidFill>
-                      <a:srgbClr val="FF0000"/>
-                    </a:solidFill>
-                  </a:rPr>
-                  <a:t>hash</a:t>
-                </a:r>
-                <a:r>
-                  <a:rPr lang="de-CH" sz="1800" dirty="0">
-                    <a:solidFill>
-                      <a:srgbClr val="FF0000"/>
-                    </a:solidFill>
-                  </a:rPr>
-                  <a:t> </a:t>
-                </a:r>
-                <a:r>
-                  <a:rPr lang="de-CH" sz="1800" dirty="0" err="1">
-                    <a:solidFill>
-                      <a:srgbClr val="FF0000"/>
-                    </a:solidFill>
-                  </a:rPr>
-                  <a:t>table</a:t>
-                </a:r>
-                <a:endParaRPr lang="de-CH" sz="1800" dirty="0">
+                  <a:t>multi-stage hash table</a:t>
+                </a:r>
+                <a:endParaRPr lang="de-CH" sz="2200" i="1" dirty="0">
                   <a:solidFill>
                     <a:srgbClr val="FF0000"/>
                   </a:solidFill>
@@ -32421,129 +29518,24 @@
               <a:p>
                 <a:r>
                   <a:rPr lang="de-CH" sz="2200" dirty="0"/>
-                  <a:t>Sends a </a:t>
+                  <a:t>Sends </a:t>
                 </a:r>
                 <a:r>
                   <a:rPr lang="de-CH" sz="2200" i="1" dirty="0"/>
-                  <a:t>report </a:t>
+                  <a:t>hellos </a:t>
                 </a:r>
                 <a:r>
                   <a:rPr lang="de-CH" sz="2200" dirty="0"/>
-                  <a:t>(via </a:t>
-                </a:r>
-                <a:r>
-                  <a:rPr lang="de-CH" sz="2200" dirty="0" err="1"/>
-                  <a:t>copy-to-cpu</a:t>
+                  <a:t>and </a:t>
+                </a:r>
+                <a:r>
+                  <a:rPr lang="de-CH" sz="2200" i="1" dirty="0"/>
+                  <a:t>reports</a:t>
                 </a:r>
                 <a:r>
                   <a:rPr lang="de-CH" sz="2200" dirty="0"/>
-                  <a:t>) </a:t>
-                </a:r>
-                <a:r>
-                  <a:rPr lang="de-CH" sz="2200" dirty="0" err="1"/>
-                  <a:t>with</a:t>
-                </a:r>
-                <a:r>
-                  <a:rPr lang="de-CH" sz="2200" dirty="0"/>
-                  <a:t> </a:t>
-                </a:r>
-                <a:r>
-                  <a:rPr lang="de-CH" sz="2200" dirty="0" err="1"/>
-                  <a:t>probability</a:t>
-                </a:r>
-                <a:r>
-                  <a:rPr lang="de-CH" sz="2200" dirty="0"/>
-                  <a:t> </a:t>
-                </a:r>
-                <a14:m>
-                  <m:oMath xmlns:m="http://schemas.openxmlformats.org/officeDocument/2006/math">
-                    <m:sSub>
-                      <m:sSubPr>
-                        <m:ctrlPr>
-                          <a:rPr lang="en-US" sz="2200" i="1">
-                            <a:latin typeface="Cambria Math" panose="02040503050406030204" pitchFamily="18" charset="0"/>
-                          </a:rPr>
-                        </m:ctrlPr>
-                      </m:sSubPr>
-                      <m:e>
-                        <m:r>
-                          <a:rPr lang="en-US" sz="2200" i="1">
-                            <a:latin typeface="Cambria Math" panose="02040503050406030204" pitchFamily="18" charset="0"/>
-                          </a:rPr>
-                          <m:t>𝑟</m:t>
-                        </m:r>
-                      </m:e>
-                      <m:sub>
-                        <m:r>
-                          <a:rPr lang="en-US" sz="2200" i="1">
-                            <a:latin typeface="Cambria Math" panose="02040503050406030204" pitchFamily="18" charset="0"/>
-                          </a:rPr>
-                          <m:t>𝑔</m:t>
-                        </m:r>
-                      </m:sub>
-                    </m:sSub>
-                  </m:oMath>
-                </a14:m>
-                <a:r>
-                  <a:rPr lang="de-CH" sz="2200" dirty="0"/>
-                  <a:t> if </a:t>
-                </a:r>
-                <a14:m>
-                  <m:oMath xmlns:m="http://schemas.openxmlformats.org/officeDocument/2006/math">
-                    <m:r>
-                      <a:rPr lang="en-US" sz="2200" i="1">
-                        <a:latin typeface="Cambria Math" panose="02040503050406030204" pitchFamily="18" charset="0"/>
-                      </a:rPr>
-                      <m:t>𝑓</m:t>
-                    </m:r>
-                    <m:r>
-                      <a:rPr lang="en-US" sz="2200" i="1">
-                        <a:latin typeface="Cambria Math" panose="02040503050406030204" pitchFamily="18" charset="0"/>
-                      </a:rPr>
-                      <m:t>∈</m:t>
-                    </m:r>
-                    <m:r>
-                      <a:rPr lang="en-US" sz="2200" i="1">
-                        <a:latin typeface="Cambria Math" panose="02040503050406030204" pitchFamily="18" charset="0"/>
-                      </a:rPr>
-                      <m:t>𝑔</m:t>
-                    </m:r>
-                  </m:oMath>
-                </a14:m>
-                <a:r>
-                  <a:rPr lang="de-CH" sz="2200" dirty="0"/>
-                  <a:t> exceeds </a:t>
-                </a:r>
-                <a14:m>
-                  <m:oMath xmlns:m="http://schemas.openxmlformats.org/officeDocument/2006/math">
-                    <m:sSub>
-                      <m:sSubPr>
-                        <m:ctrlPr>
-                          <a:rPr lang="en-US" sz="2200" i="1">
-                            <a:latin typeface="Cambria Math" panose="02040503050406030204" pitchFamily="18" charset="0"/>
-                          </a:rPr>
-                        </m:ctrlPr>
-                      </m:sSubPr>
-                      <m:e>
-                        <m:r>
-                          <a:rPr lang="en-US" sz="2200" i="1">
-                            <a:latin typeface="Cambria Math" panose="02040503050406030204" pitchFamily="18" charset="0"/>
-                          </a:rPr>
-                          <m:t>𝜏</m:t>
-                        </m:r>
-                      </m:e>
-                      <m:sub>
-                        <m:r>
-                          <a:rPr lang="en-US" sz="2200" i="1">
-                            <a:latin typeface="Cambria Math" panose="02040503050406030204" pitchFamily="18" charset="0"/>
-                          </a:rPr>
-                          <m:t>𝑔</m:t>
-                        </m:r>
-                      </m:sub>
-                    </m:sSub>
-                  </m:oMath>
-                </a14:m>
-                <a:endParaRPr lang="de-CH" sz="2200" dirty="0"/>
+                  <a:t> via copy-to-cpu</a:t>
+                </a:r>
               </a:p>
             </p:txBody>
           </p:sp>
@@ -32567,13 +29559,13 @@
             </p:nvSpPr>
             <p:spPr>
               <a:xfrm>
-                <a:off x="838201" y="1383255"/>
-                <a:ext cx="5257800" cy="5228560"/>
+                <a:off x="838200" y="1383255"/>
+                <a:ext cx="5685693" cy="5228560"/>
               </a:xfrm>
               <a:blipFill>
                 <a:blip r:embed="rId2"/>
                 <a:stretch>
-                  <a:fillRect l="-1508" t="-1515" r="-348"/>
+                  <a:fillRect l="-1395" t="-1515"/>
                 </a:stretch>
               </a:blipFill>
             </p:spPr>
@@ -32592,8 +29584,8 @@
           </p:sp>
         </mc:Fallback>
       </mc:AlternateContent>
-      <mc:AlternateContent xmlns:mc="http://schemas.openxmlformats.org/markup-compatibility/2006" xmlns:a14="http://schemas.microsoft.com/office/drawing/2010/main">
-        <mc:Choice Requires="a14">
+      <mc:AlternateContent xmlns:mc="http://schemas.openxmlformats.org/markup-compatibility/2006">
+        <mc:Choice xmlns:a14="http://schemas.microsoft.com/office/drawing/2010/main" Requires="a14">
           <p:sp>
             <p:nvSpPr>
               <p:cNvPr id="50" name="Content Placeholder 2">
@@ -32798,118 +29790,13 @@
               <a:p>
                 <a:r>
                   <a:rPr lang="de-CH" sz="2200" dirty="0"/>
-                  <a:t>Sends </a:t>
-                </a:r>
-                <a:r>
-                  <a:rPr lang="de-CH" sz="2200" dirty="0" err="1"/>
-                  <a:t>hellos</a:t>
-                </a:r>
-                <a:r>
-                  <a:rPr lang="de-CH" sz="2200" dirty="0"/>
-                  <a:t> and </a:t>
-                </a:r>
-                <a:r>
-                  <a:rPr lang="de-CH" sz="2200" dirty="0" err="1"/>
-                  <a:t>reports</a:t>
-                </a:r>
-                <a:r>
-                  <a:rPr lang="de-CH" sz="2200" dirty="0"/>
-                  <a:t> </a:t>
-                </a:r>
-                <a:r>
-                  <a:rPr lang="de-CH" sz="2200" dirty="0" err="1"/>
-                  <a:t>to</a:t>
-                </a:r>
-                <a:r>
-                  <a:rPr lang="de-CH" sz="2200" dirty="0"/>
-                  <a:t> </a:t>
-                </a:r>
-                <a:r>
-                  <a:rPr lang="de-CH" sz="2200" dirty="0" err="1"/>
-                  <a:t>coordinator</a:t>
-                </a:r>
-                <a:r>
-                  <a:rPr lang="de-CH" sz="2200" dirty="0"/>
-                  <a:t> </a:t>
-                </a:r>
-                <a:r>
-                  <a:rPr lang="de-CH" sz="2200" dirty="0" err="1"/>
-                  <a:t>by</a:t>
-                </a:r>
-                <a:r>
-                  <a:rPr lang="de-CH" sz="2200" dirty="0"/>
-                  <a:t> </a:t>
-                </a:r>
-                <a:r>
-                  <a:rPr lang="de-CH" sz="2200" dirty="0" err="1"/>
-                  <a:t>invoking</a:t>
-                </a:r>
-                <a:r>
-                  <a:rPr lang="de-CH" sz="2200" dirty="0"/>
-                  <a:t> </a:t>
-                </a:r>
-                <a:r>
-                  <a:rPr lang="de-CH" sz="2200" dirty="0">
-                    <a:solidFill>
-                      <a:srgbClr val="FF0000"/>
-                    </a:solidFill>
-                  </a:rPr>
-                  <a:t>remote </a:t>
-                </a:r>
-                <a:r>
-                  <a:rPr lang="de-CH" sz="2200" dirty="0" err="1">
-                    <a:solidFill>
-                      <a:srgbClr val="FF0000"/>
-                    </a:solidFill>
-                  </a:rPr>
-                  <a:t>procedure</a:t>
-                </a:r>
-                <a:r>
-                  <a:rPr lang="de-CH" sz="2200" dirty="0">
-                    <a:solidFill>
-                      <a:srgbClr val="FF0000"/>
-                    </a:solidFill>
-                  </a:rPr>
-                  <a:t> </a:t>
-                </a:r>
-                <a:r>
-                  <a:rPr lang="de-CH" sz="2200" dirty="0" err="1">
-                    <a:solidFill>
-                      <a:srgbClr val="FF0000"/>
-                    </a:solidFill>
-                  </a:rPr>
-                  <a:t>calls</a:t>
-                </a:r>
-                <a:endParaRPr lang="de-CH" sz="2200" dirty="0">
-                  <a:solidFill>
-                    <a:srgbClr val="FF0000"/>
-                  </a:solidFill>
-                </a:endParaRPr>
+                  <a:t>Sends hellos and reports to coordinator</a:t>
+                </a:r>
               </a:p>
               <a:p>
                 <a:r>
-                  <a:rPr lang="de-CH" sz="2200" dirty="0" err="1"/>
-                  <a:t>Receives</a:t>
-                </a:r>
-                <a:r>
                   <a:rPr lang="de-CH" sz="2200" dirty="0"/>
-                  <a:t> </a:t>
-                </a:r>
-                <a:r>
-                  <a:rPr lang="de-CH" sz="2200" dirty="0" err="1"/>
-                  <a:t>locality</a:t>
-                </a:r>
-                <a:r>
-                  <a:rPr lang="de-CH" sz="2200" dirty="0"/>
-                  <a:t> </a:t>
-                </a:r>
-                <a:r>
-                  <a:rPr lang="de-CH" sz="2200" dirty="0" err="1"/>
-                  <a:t>parameter</a:t>
-                </a:r>
-                <a:r>
-                  <a:rPr lang="de-CH" sz="2200" dirty="0"/>
-                  <a:t> </a:t>
+                  <a:t>Receives locality parameter </a:t>
                 </a:r>
                 <a14:m>
                   <m:oMath xmlns:m="http://schemas.openxmlformats.org/officeDocument/2006/math">
@@ -33090,7 +29977,7 @@
             </p:txBody>
           </p:sp>
         </mc:Choice>
-        <mc:Fallback xmlns="">
+        <mc:Fallback>
           <p:sp>
             <p:nvSpPr>
               <p:cNvPr id="50" name="Content Placeholder 2">
@@ -33116,7 +30003,7 @@
               <a:blipFill>
                 <a:blip r:embed="rId3"/>
                 <a:stretch>
-                  <a:fillRect l="-1506" t="-1399" r="-811"/>
+                  <a:fillRect l="-1506" t="-1399"/>
                 </a:stretch>
               </a:blipFill>
             </p:spPr>
@@ -33125,7 +30012,7 @@
               <a:lstStyle/>
               <a:p>
                 <a:r>
-                  <a:rPr lang="en-US">
+                  <a:rPr lang="en-CH">
                     <a:noFill/>
                   </a:rPr>
                   <a:t> </a:t>
@@ -36046,6 +32933,46 @@
           </a:p>
         </p:txBody>
       </p:sp>
+      <p:sp>
+        <p:nvSpPr>
+          <p:cNvPr id="52" name="Textfeld 92">
+            <a:extLst>
+              <a:ext uri="{FF2B5EF4-FFF2-40B4-BE49-F238E27FC236}">
+                <a16:creationId xmlns:a16="http://schemas.microsoft.com/office/drawing/2014/main" id="{F17C5B1F-0CDA-4382-88C6-395AD94E1939}"/>
+              </a:ext>
+            </a:extLst>
+          </p:cNvPr>
+          <p:cNvSpPr txBox="1"/>
+          <p:nvPr/>
+        </p:nvSpPr>
+        <p:spPr>
+          <a:xfrm>
+            <a:off x="9706205" y="4158434"/>
+            <a:ext cx="1301975" cy="369332"/>
+          </a:xfrm>
+          <a:prstGeom prst="rect">
+            <a:avLst/>
+          </a:prstGeom>
+          <a:noFill/>
+        </p:spPr>
+        <p:txBody>
+          <a:bodyPr wrap="square" rtlCol="0">
+            <a:spAutoFit/>
+          </a:bodyPr>
+          <a:lstStyle/>
+          <a:p>
+            <a:pPr algn="ctr"/>
+            <a:r>
+              <a:rPr lang="en-US" dirty="0">
+                <a:solidFill>
+                  <a:schemeClr val="accent6"/>
+                </a:solidFill>
+              </a:rPr>
+              <a:t>RPC</a:t>
+            </a:r>
+          </a:p>
+        </p:txBody>
+      </p:sp>
     </p:spTree>
     <p:extLst>
       <p:ext uri="{BB962C8B-B14F-4D97-AF65-F5344CB8AC3E}">
@@ -36121,11 +33048,7 @@
                                           </p:stCondLst>
                                         </p:cTn>
                                         <p:tgtEl>
-                                          <p:spTgt spid="3">
-                                            <p:txEl>
-                                              <p:pRg st="2" end="2"/>
-                                            </p:txEl>
-                                          </p:spTgt>
+                                          <p:spTgt spid="18"/>
                                         </p:tgtEl>
                                         <p:attrNameLst>
                                           <p:attrName>style.visibility</p:attrName>
@@ -36139,7 +33062,7 @@
                                 </p:cTn>
                               </p:par>
                               <p:par>
-                                <p:cTn id="9" presetID="1" presetClass="entr" presetSubtype="0" fill="hold" nodeType="withEffect">
+                                <p:cTn id="9" presetID="1" presetClass="entr" presetSubtype="0" fill="hold" grpId="0" nodeType="withEffect">
                                   <p:stCondLst>
                                     <p:cond delay="0"/>
                                   </p:stCondLst>
@@ -36152,7 +33075,7 @@
                                           </p:stCondLst>
                                         </p:cTn>
                                         <p:tgtEl>
-                                          <p:spTgt spid="18"/>
+                                          <p:spTgt spid="74"/>
                                         </p:tgtEl>
                                         <p:attrNameLst>
                                           <p:attrName>style.visibility</p:attrName>
@@ -36179,7 +33102,7 @@
                                           </p:stCondLst>
                                         </p:cTn>
                                         <p:tgtEl>
-                                          <p:spTgt spid="74"/>
+                                          <p:spTgt spid="22"/>
                                         </p:tgtEl>
                                         <p:attrNameLst>
                                           <p:attrName>style.visibility</p:attrName>
@@ -36193,7 +33116,7 @@
                                 </p:cTn>
                               </p:par>
                               <p:par>
-                                <p:cTn id="13" presetID="1" presetClass="entr" presetSubtype="0" fill="hold" grpId="0" nodeType="withEffect">
+                                <p:cTn id="13" presetID="1" presetClass="entr" presetSubtype="0" fill="hold" nodeType="withEffect">
                                   <p:stCondLst>
                                     <p:cond delay="0"/>
                                   </p:stCondLst>
@@ -36206,7 +33129,7 @@
                                           </p:stCondLst>
                                         </p:cTn>
                                         <p:tgtEl>
-                                          <p:spTgt spid="22"/>
+                                          <p:spTgt spid="73"/>
                                         </p:tgtEl>
                                         <p:attrNameLst>
                                           <p:attrName>style.visibility</p:attrName>
@@ -36233,7 +33156,7 @@
                                           </p:stCondLst>
                                         </p:cTn>
                                         <p:tgtEl>
-                                          <p:spTgt spid="73"/>
+                                          <p:spTgt spid="69"/>
                                         </p:tgtEl>
                                         <p:attrNameLst>
                                           <p:attrName>style.visibility</p:attrName>
@@ -36260,7 +33183,7 @@
                                           </p:stCondLst>
                                         </p:cTn>
                                         <p:tgtEl>
-                                          <p:spTgt spid="69"/>
+                                          <p:spTgt spid="70"/>
                                         </p:tgtEl>
                                         <p:attrNameLst>
                                           <p:attrName>style.visibility</p:attrName>
@@ -36287,7 +33210,7 @@
                                           </p:stCondLst>
                                         </p:cTn>
                                         <p:tgtEl>
-                                          <p:spTgt spid="70"/>
+                                          <p:spTgt spid="71"/>
                                         </p:tgtEl>
                                         <p:attrNameLst>
                                           <p:attrName>style.visibility</p:attrName>
@@ -36314,7 +33237,7 @@
                                           </p:stCondLst>
                                         </p:cTn>
                                         <p:tgtEl>
-                                          <p:spTgt spid="71"/>
+                                          <p:spTgt spid="72"/>
                                         </p:tgtEl>
                                         <p:attrNameLst>
                                           <p:attrName>style.visibility</p:attrName>
@@ -36328,7 +33251,7 @@
                                 </p:cTn>
                               </p:par>
                               <p:par>
-                                <p:cTn id="23" presetID="1" presetClass="entr" presetSubtype="0" fill="hold" nodeType="withEffect">
+                                <p:cTn id="23" presetID="1" presetClass="entr" presetSubtype="0" fill="hold" grpId="0" nodeType="withEffect">
                                   <p:stCondLst>
                                     <p:cond delay="0"/>
                                   </p:stCondLst>
@@ -36341,7 +33264,7 @@
                                           </p:stCondLst>
                                         </p:cTn>
                                         <p:tgtEl>
-                                          <p:spTgt spid="72"/>
+                                          <p:spTgt spid="9"/>
                                         </p:tgtEl>
                                         <p:attrNameLst>
                                           <p:attrName>style.visibility</p:attrName>
@@ -36368,33 +33291,6 @@
                                           </p:stCondLst>
                                         </p:cTn>
                                         <p:tgtEl>
-                                          <p:spTgt spid="9"/>
-                                        </p:tgtEl>
-                                        <p:attrNameLst>
-                                          <p:attrName>style.visibility</p:attrName>
-                                        </p:attrNameLst>
-                                      </p:cBhvr>
-                                      <p:to>
-                                        <p:strVal val="visible"/>
-                                      </p:to>
-                                    </p:set>
-                                  </p:childTnLst>
-                                </p:cTn>
-                              </p:par>
-                              <p:par>
-                                <p:cTn id="27" presetID="1" presetClass="entr" presetSubtype="0" fill="hold" grpId="0" nodeType="withEffect">
-                                  <p:stCondLst>
-                                    <p:cond delay="0"/>
-                                  </p:stCondLst>
-                                  <p:childTnLst>
-                                    <p:set>
-                                      <p:cBhvr>
-                                        <p:cTn id="28" dur="1" fill="hold">
-                                          <p:stCondLst>
-                                            <p:cond delay="0"/>
-                                          </p:stCondLst>
-                                        </p:cTn>
-                                        <p:tgtEl>
                                           <p:spTgt spid="76"/>
                                         </p:tgtEl>
                                         <p:attrNameLst>
@@ -36408,8 +33304,26 @@
                                   </p:childTnLst>
                                 </p:cTn>
                               </p:par>
+                            </p:childTnLst>
+                          </p:cTn>
+                        </p:par>
+                      </p:childTnLst>
+                    </p:cTn>
+                  </p:par>
+                  <p:par>
+                    <p:cTn id="27" fill="hold">
+                      <p:stCondLst>
+                        <p:cond delay="indefinite"/>
+                      </p:stCondLst>
+                      <p:childTnLst>
+                        <p:par>
+                          <p:cTn id="28" fill="hold">
+                            <p:stCondLst>
+                              <p:cond delay="0"/>
+                            </p:stCondLst>
+                            <p:childTnLst>
                               <p:par>
-                                <p:cTn id="29" presetID="1" presetClass="entr" presetSubtype="0" fill="hold" grpId="0" nodeType="withEffect">
+                                <p:cTn id="29" presetID="1" presetClass="entr" presetSubtype="0" fill="hold" nodeType="clickEffect">
                                   <p:stCondLst>
                                     <p:cond delay="0"/>
                                   </p:stCondLst>
@@ -36422,7 +33336,11 @@
                                           </p:stCondLst>
                                         </p:cTn>
                                         <p:tgtEl>
-                                          <p:spTgt spid="93"/>
+                                          <p:spTgt spid="3">
+                                            <p:txEl>
+                                              <p:pRg st="2" end="2"/>
+                                            </p:txEl>
+                                          </p:spTgt>
                                         </p:tgtEl>
                                         <p:attrNameLst>
                                           <p:attrName>style.visibility</p:attrName>
@@ -36449,7 +33367,7 @@
                                           </p:stCondLst>
                                         </p:cTn>
                                         <p:tgtEl>
-                                          <p:spTgt spid="91"/>
+                                          <p:spTgt spid="57"/>
                                         </p:tgtEl>
                                         <p:attrNameLst>
                                           <p:attrName>style.visibility</p:attrName>
@@ -36463,7 +33381,7 @@
                                 </p:cTn>
                               </p:par>
                               <p:par>
-                                <p:cTn id="33" presetID="1" presetClass="entr" presetSubtype="0" fill="hold" nodeType="withEffect">
+                                <p:cTn id="33" presetID="1" presetClass="entr" presetSubtype="0" fill="hold" grpId="0" nodeType="withEffect">
                                   <p:stCondLst>
                                     <p:cond delay="0"/>
                                   </p:stCondLst>
@@ -36476,7 +33394,7 @@
                                           </p:stCondLst>
                                         </p:cTn>
                                         <p:tgtEl>
-                                          <p:spTgt spid="86"/>
+                                          <p:spTgt spid="77"/>
                                         </p:tgtEl>
                                         <p:attrNameLst>
                                           <p:attrName>style.visibility</p:attrName>
@@ -36489,26 +33407,35 @@
                                   </p:childTnLst>
                                 </p:cTn>
                               </p:par>
-                            </p:childTnLst>
-                          </p:cTn>
-                        </p:par>
-                      </p:childTnLst>
-                    </p:cTn>
-                  </p:par>
-                  <p:par>
-                    <p:cTn id="35" fill="hold">
-                      <p:stCondLst>
-                        <p:cond delay="indefinite"/>
-                      </p:stCondLst>
-                      <p:childTnLst>
-                        <p:par>
-                          <p:cTn id="36" fill="hold">
-                            <p:stCondLst>
-                              <p:cond delay="0"/>
-                            </p:stCondLst>
-                            <p:childTnLst>
                               <p:par>
-                                <p:cTn id="37" presetID="1" presetClass="entr" presetSubtype="0" fill="hold" nodeType="clickEffect">
+                                <p:cTn id="35" presetID="1" presetClass="entr" presetSubtype="0" fill="hold" grpId="0" nodeType="withEffect">
+                                  <p:stCondLst>
+                                    <p:cond delay="0"/>
+                                  </p:stCondLst>
+                                  <p:childTnLst>
+                                    <p:set>
+                                      <p:cBhvr>
+                                        <p:cTn id="36" dur="1" fill="hold">
+                                          <p:stCondLst>
+                                            <p:cond delay="0"/>
+                                          </p:stCondLst>
+                                        </p:cTn>
+                                        <p:tgtEl>
+                                          <p:spTgt spid="78"/>
+                                        </p:tgtEl>
+                                        <p:attrNameLst>
+                                          <p:attrName>style.visibility</p:attrName>
+                                        </p:attrNameLst>
+                                      </p:cBhvr>
+                                      <p:to>
+                                        <p:strVal val="visible"/>
+                                      </p:to>
+                                    </p:set>
+                                  </p:childTnLst>
+                                </p:cTn>
+                              </p:par>
+                              <p:par>
+                                <p:cTn id="37" presetID="1" presetClass="entr" presetSubtype="0" fill="hold" nodeType="withEffect">
                                   <p:stCondLst>
                                     <p:cond delay="0"/>
                                   </p:stCondLst>
@@ -36521,11 +33448,7 @@
                                           </p:stCondLst>
                                         </p:cTn>
                                         <p:tgtEl>
-                                          <p:spTgt spid="3">
-                                            <p:txEl>
-                                              <p:pRg st="3" end="3"/>
-                                            </p:txEl>
-                                          </p:spTgt>
+                                          <p:spTgt spid="82"/>
                                         </p:tgtEl>
                                         <p:attrNameLst>
                                           <p:attrName>style.visibility</p:attrName>
@@ -36552,11 +33475,7 @@
                                           </p:stCondLst>
                                         </p:cTn>
                                         <p:tgtEl>
-                                          <p:spTgt spid="3">
-                                            <p:txEl>
-                                              <p:pRg st="4" end="4"/>
-                                            </p:txEl>
-                                          </p:spTgt>
+                                          <p:spTgt spid="60"/>
                                         </p:tgtEl>
                                         <p:attrNameLst>
                                           <p:attrName>style.visibility</p:attrName>
@@ -36570,7 +33489,7 @@
                                 </p:cTn>
                               </p:par>
                               <p:par>
-                                <p:cTn id="41" presetID="1" presetClass="entr" presetSubtype="0" fill="hold" grpId="0" nodeType="withEffect">
+                                <p:cTn id="41" presetID="1" presetClass="entr" presetSubtype="0" fill="hold" nodeType="withEffect">
                                   <p:stCondLst>
                                     <p:cond delay="0"/>
                                   </p:stCondLst>
@@ -36583,7 +33502,7 @@
                                           </p:stCondLst>
                                         </p:cTn>
                                         <p:tgtEl>
-                                          <p:spTgt spid="57"/>
+                                          <p:spTgt spid="63"/>
                                         </p:tgtEl>
                                         <p:attrNameLst>
                                           <p:attrName>style.visibility</p:attrName>
@@ -36597,7 +33516,7 @@
                                 </p:cTn>
                               </p:par>
                               <p:par>
-                                <p:cTn id="43" presetID="1" presetClass="entr" presetSubtype="0" fill="hold" grpId="0" nodeType="withEffect">
+                                <p:cTn id="43" presetID="1" presetClass="entr" presetSubtype="0" fill="hold" nodeType="withEffect">
                                   <p:stCondLst>
                                     <p:cond delay="0"/>
                                   </p:stCondLst>
@@ -36610,7 +33529,7 @@
                                           </p:stCondLst>
                                         </p:cTn>
                                         <p:tgtEl>
-                                          <p:spTgt spid="77"/>
+                                          <p:spTgt spid="64"/>
                                         </p:tgtEl>
                                         <p:attrNameLst>
                                           <p:attrName>style.visibility</p:attrName>
@@ -36624,7 +33543,7 @@
                                 </p:cTn>
                               </p:par>
                               <p:par>
-                                <p:cTn id="45" presetID="1" presetClass="entr" presetSubtype="0" fill="hold" grpId="0" nodeType="withEffect">
+                                <p:cTn id="45" presetID="1" presetClass="entr" presetSubtype="0" fill="hold" nodeType="withEffect">
                                   <p:stCondLst>
                                     <p:cond delay="0"/>
                                   </p:stCondLst>
@@ -36637,7 +33556,7 @@
                                           </p:stCondLst>
                                         </p:cTn>
                                         <p:tgtEl>
-                                          <p:spTgt spid="78"/>
+                                          <p:spTgt spid="65"/>
                                         </p:tgtEl>
                                         <p:attrNameLst>
                                           <p:attrName>style.visibility</p:attrName>
@@ -36664,7 +33583,7 @@
                                           </p:stCondLst>
                                         </p:cTn>
                                         <p:tgtEl>
-                                          <p:spTgt spid="82"/>
+                                          <p:spTgt spid="66"/>
                                         </p:tgtEl>
                                         <p:attrNameLst>
                                           <p:attrName>style.visibility</p:attrName>
@@ -36678,7 +33597,7 @@
                                 </p:cTn>
                               </p:par>
                               <p:par>
-                                <p:cTn id="49" presetID="1" presetClass="entr" presetSubtype="0" fill="hold" nodeType="withEffect">
+                                <p:cTn id="49" presetID="1" presetClass="entr" presetSubtype="0" fill="hold" grpId="0" nodeType="withEffect">
                                   <p:stCondLst>
                                     <p:cond delay="0"/>
                                   </p:stCondLst>
@@ -36691,7 +33610,7 @@
                                           </p:stCondLst>
                                         </p:cTn>
                                         <p:tgtEl>
-                                          <p:spTgt spid="60"/>
+                                          <p:spTgt spid="58"/>
                                         </p:tgtEl>
                                         <p:attrNameLst>
                                           <p:attrName>style.visibility</p:attrName>
@@ -36718,7 +33637,7 @@
                                           </p:stCondLst>
                                         </p:cTn>
                                         <p:tgtEl>
-                                          <p:spTgt spid="63"/>
+                                          <p:spTgt spid="67"/>
                                         </p:tgtEl>
                                         <p:attrNameLst>
                                           <p:attrName>style.visibility</p:attrName>
@@ -36745,7 +33664,7 @@
                                           </p:stCondLst>
                                         </p:cTn>
                                         <p:tgtEl>
-                                          <p:spTgt spid="64"/>
+                                          <p:spTgt spid="68"/>
                                         </p:tgtEl>
                                         <p:attrNameLst>
                                           <p:attrName>style.visibility</p:attrName>
@@ -36759,7 +33678,7 @@
                                 </p:cTn>
                               </p:par>
                               <p:par>
-                                <p:cTn id="55" presetID="1" presetClass="entr" presetSubtype="0" fill="hold" nodeType="withEffect">
+                                <p:cTn id="55" presetID="1" presetClass="entr" presetSubtype="0" fill="hold" grpId="0" nodeType="withEffect">
                                   <p:stCondLst>
                                     <p:cond delay="0"/>
                                   </p:stCondLst>
@@ -36772,7 +33691,7 @@
                                           </p:stCondLst>
                                         </p:cTn>
                                         <p:tgtEl>
-                                          <p:spTgt spid="65"/>
+                                          <p:spTgt spid="59"/>
                                         </p:tgtEl>
                                         <p:attrNameLst>
                                           <p:attrName>style.visibility</p:attrName>
@@ -36799,7 +33718,7 @@
                                           </p:stCondLst>
                                         </p:cTn>
                                         <p:tgtEl>
-                                          <p:spTgt spid="66"/>
+                                          <p:spTgt spid="61"/>
                                         </p:tgtEl>
                                         <p:attrNameLst>
                                           <p:attrName>style.visibility</p:attrName>
@@ -36813,7 +33732,7 @@
                                 </p:cTn>
                               </p:par>
                               <p:par>
-                                <p:cTn id="59" presetID="1" presetClass="entr" presetSubtype="0" fill="hold" grpId="0" nodeType="withEffect">
+                                <p:cTn id="59" presetID="1" presetClass="entr" presetSubtype="0" fill="hold" nodeType="withEffect">
                                   <p:stCondLst>
                                     <p:cond delay="0"/>
                                   </p:stCondLst>
@@ -36826,7 +33745,7 @@
                                           </p:stCondLst>
                                         </p:cTn>
                                         <p:tgtEl>
-                                          <p:spTgt spid="58"/>
+                                          <p:spTgt spid="62"/>
                                         </p:tgtEl>
                                         <p:attrNameLst>
                                           <p:attrName>style.visibility</p:attrName>
@@ -36840,7 +33759,7 @@
                                 </p:cTn>
                               </p:par>
                               <p:par>
-                                <p:cTn id="61" presetID="1" presetClass="entr" presetSubtype="0" fill="hold" nodeType="withEffect">
+                                <p:cTn id="61" presetID="1" presetClass="entr" presetSubtype="0" fill="hold" grpId="0" nodeType="withEffect">
                                   <p:stCondLst>
                                     <p:cond delay="0"/>
                                   </p:stCondLst>
@@ -36853,7 +33772,56 @@
                                           </p:stCondLst>
                                         </p:cTn>
                                         <p:tgtEl>
-                                          <p:spTgt spid="67"/>
+                                          <p:spTgt spid="84"/>
+                                        </p:tgtEl>
+                                        <p:attrNameLst>
+                                          <p:attrName>style.visibility</p:attrName>
+                                        </p:attrNameLst>
+                                      </p:cBhvr>
+                                      <p:to>
+                                        <p:strVal val="visible"/>
+                                      </p:to>
+                                    </p:set>
+                                  </p:childTnLst>
+                                </p:cTn>
+                              </p:par>
+                            </p:childTnLst>
+                          </p:cTn>
+                        </p:par>
+                      </p:childTnLst>
+                    </p:cTn>
+                  </p:par>
+                  <p:par>
+                    <p:cTn id="63" fill="hold">
+                      <p:stCondLst>
+                        <p:cond delay="indefinite"/>
+                      </p:stCondLst>
+                      <p:childTnLst>
+                        <p:par>
+                          <p:cTn id="64" fill="hold">
+                            <p:stCondLst>
+                              <p:cond delay="0"/>
+                            </p:stCondLst>
+                            <p:childTnLst>
+                              <p:par>
+                                <p:cTn id="65" presetID="1" presetClass="entr" presetSubtype="0" fill="hold" nodeType="clickEffect">
+                                  <p:stCondLst>
+                                    <p:cond delay="0"/>
+                                  </p:stCondLst>
+                                  <p:childTnLst>
+                                    <p:set>
+                                      <p:cBhvr>
+                                        <p:cTn id="66" dur="1" fill="hold">
+                                          <p:stCondLst>
+                                            <p:cond delay="0"/>
+                                          </p:stCondLst>
+                                        </p:cTn>
+                                        <p:tgtEl>
+                                          <p:spTgt spid="3">
+                                            <p:txEl>
+                                              <p:pRg st="3" end="3"/>
+                                            </p:txEl>
+                                          </p:spTgt>
                                         </p:tgtEl>
                                         <p:attrNameLst>
                                           <p:attrName>style.visibility</p:attrName>
@@ -36867,61 +33835,7 @@
                                 </p:cTn>
                               </p:par>
                               <p:par>
-                                <p:cTn id="63" presetID="1" presetClass="entr" presetSubtype="0" fill="hold" nodeType="withEffect">
-                                  <p:stCondLst>
-                                    <p:cond delay="0"/>
-                                  </p:stCondLst>
-                                  <p:childTnLst>
-                                    <p:set>
-                                      <p:cBhvr>
-                                        <p:cTn id="64" dur="1" fill="hold">
-                                          <p:stCondLst>
-                                            <p:cond delay="0"/>
-                                          </p:stCondLst>
-                                        </p:cTn>
-                                        <p:tgtEl>
-                                          <p:spTgt spid="68"/>
-                                        </p:tgtEl>
-                                        <p:attrNameLst>
-                                          <p:attrName>style.visibility</p:attrName>
-                                        </p:attrNameLst>
-                                      </p:cBhvr>
-                                      <p:to>
-                                        <p:strVal val="visible"/>
-                                      </p:to>
-                                    </p:set>
-                                  </p:childTnLst>
-                                </p:cTn>
-                              </p:par>
-                              <p:par>
-                                <p:cTn id="65" presetID="1" presetClass="entr" presetSubtype="0" fill="hold" grpId="0" nodeType="withEffect">
-                                  <p:stCondLst>
-                                    <p:cond delay="0"/>
-                                  </p:stCondLst>
-                                  <p:childTnLst>
-                                    <p:set>
-                                      <p:cBhvr>
-                                        <p:cTn id="66" dur="1" fill="hold">
-                                          <p:stCondLst>
-                                            <p:cond delay="0"/>
-                                          </p:stCondLst>
-                                        </p:cTn>
-                                        <p:tgtEl>
-                                          <p:spTgt spid="59"/>
-                                        </p:tgtEl>
-                                        <p:attrNameLst>
-                                          <p:attrName>style.visibility</p:attrName>
-                                        </p:attrNameLst>
-                                      </p:cBhvr>
-                                      <p:to>
-                                        <p:strVal val="visible"/>
-                                      </p:to>
-                                    </p:set>
-                                  </p:childTnLst>
-                                </p:cTn>
-                              </p:par>
-                              <p:par>
-                                <p:cTn id="67" presetID="1" presetClass="entr" presetSubtype="0" fill="hold" nodeType="withEffect">
+                                <p:cTn id="67" presetID="1" presetClass="entr" presetSubtype="0" fill="hold" grpId="0" nodeType="withEffect">
                                   <p:stCondLst>
                                     <p:cond delay="0"/>
                                   </p:stCondLst>
@@ -36934,7 +33848,7 @@
                                           </p:stCondLst>
                                         </p:cTn>
                                         <p:tgtEl>
-                                          <p:spTgt spid="61"/>
+                                          <p:spTgt spid="92"/>
                                         </p:tgtEl>
                                         <p:attrNameLst>
                                           <p:attrName>style.visibility</p:attrName>
@@ -36961,7 +33875,7 @@
                                           </p:stCondLst>
                                         </p:cTn>
                                         <p:tgtEl>
-                                          <p:spTgt spid="62"/>
+                                          <p:spTgt spid="86"/>
                                         </p:tgtEl>
                                         <p:attrNameLst>
                                           <p:attrName>style.visibility</p:attrName>
@@ -36975,7 +33889,7 @@
                                 </p:cTn>
                               </p:par>
                               <p:par>
-                                <p:cTn id="71" presetID="1" presetClass="entr" presetSubtype="0" fill="hold" grpId="0" nodeType="withEffect">
+                                <p:cTn id="71" presetID="1" presetClass="entr" presetSubtype="0" fill="hold" nodeType="withEffect">
                                   <p:stCondLst>
                                     <p:cond delay="0"/>
                                   </p:stCondLst>
@@ -36988,7 +33902,61 @@
                                           </p:stCondLst>
                                         </p:cTn>
                                         <p:tgtEl>
-                                          <p:spTgt spid="84"/>
+                                          <p:spTgt spid="88"/>
+                                        </p:tgtEl>
+                                        <p:attrNameLst>
+                                          <p:attrName>style.visibility</p:attrName>
+                                        </p:attrNameLst>
+                                      </p:cBhvr>
+                                      <p:to>
+                                        <p:strVal val="visible"/>
+                                      </p:to>
+                                    </p:set>
+                                  </p:childTnLst>
+                                </p:cTn>
+                              </p:par>
+                              <p:par>
+                                <p:cTn id="73" presetID="1" presetClass="entr" presetSubtype="0" fill="hold" grpId="0" nodeType="withEffect">
+                                  <p:stCondLst>
+                                    <p:cond delay="0"/>
+                                  </p:stCondLst>
+                                  <p:childTnLst>
+                                    <p:set>
+                                      <p:cBhvr>
+                                        <p:cTn id="74" dur="1" fill="hold">
+                                          <p:stCondLst>
+                                            <p:cond delay="0"/>
+                                          </p:stCondLst>
+                                        </p:cTn>
+                                        <p:tgtEl>
+                                          <p:spTgt spid="93"/>
+                                        </p:tgtEl>
+                                        <p:attrNameLst>
+                                          <p:attrName>style.visibility</p:attrName>
+                                        </p:attrNameLst>
+                                      </p:cBhvr>
+                                      <p:to>
+                                        <p:strVal val="visible"/>
+                                      </p:to>
+                                    </p:set>
+                                  </p:childTnLst>
+                                </p:cTn>
+                              </p:par>
+                              <p:par>
+                                <p:cTn id="75" presetID="1" presetClass="entr" presetSubtype="0" fill="hold" grpId="0" nodeType="withEffect">
+                                  <p:stCondLst>
+                                    <p:cond delay="0"/>
+                                  </p:stCondLst>
+                                  <p:childTnLst>
+                                    <p:set>
+                                      <p:cBhvr>
+                                        <p:cTn id="76" dur="1" fill="hold">
+                                          <p:stCondLst>
+                                            <p:cond delay="0"/>
+                                          </p:stCondLst>
+                                        </p:cTn>
+                                        <p:tgtEl>
+                                          <p:spTgt spid="91"/>
                                         </p:tgtEl>
                                         <p:attrNameLst>
                                           <p:attrName>style.visibility</p:attrName>
@@ -37008,34 +33976,34 @@
                     </p:cTn>
                   </p:par>
                   <p:par>
-                    <p:cTn id="73" fill="hold">
+                    <p:cTn id="77" fill="hold">
                       <p:stCondLst>
                         <p:cond delay="indefinite"/>
                       </p:stCondLst>
                       <p:childTnLst>
                         <p:par>
-                          <p:cTn id="74" fill="hold">
+                          <p:cTn id="78" fill="hold">
                             <p:stCondLst>
                               <p:cond delay="0"/>
                             </p:stCondLst>
                             <p:childTnLst>
                               <p:par>
-                                <p:cTn id="75" presetID="1" presetClass="entr" presetSubtype="0" fill="hold" nodeType="clickEffect">
+                                <p:cTn id="79" presetID="1" presetClass="entr" presetSubtype="0" fill="hold" nodeType="clickEffect">
                                   <p:stCondLst>
                                     <p:cond delay="0"/>
                                   </p:stCondLst>
                                   <p:childTnLst>
                                     <p:set>
                                       <p:cBhvr>
-                                        <p:cTn id="76" dur="1" fill="hold">
+                                        <p:cTn id="80" dur="1" fill="hold">
                                           <p:stCondLst>
                                             <p:cond delay="0"/>
                                           </p:stCondLst>
                                         </p:cTn>
                                         <p:tgtEl>
-                                          <p:spTgt spid="3">
+                                          <p:spTgt spid="50">
                                             <p:txEl>
-                                              <p:pRg st="5" end="5"/>
+                                              <p:pRg st="1" end="1"/>
                                             </p:txEl>
                                           </p:spTgt>
                                         </p:tgtEl>
@@ -37051,20 +34019,20 @@
                                 </p:cTn>
                               </p:par>
                               <p:par>
-                                <p:cTn id="77" presetID="1" presetClass="entr" presetSubtype="0" fill="hold" grpId="0" nodeType="withEffect">
+                                <p:cTn id="81" presetID="1" presetClass="entr" presetSubtype="0" fill="hold" grpId="0" nodeType="withEffect">
                                   <p:stCondLst>
                                     <p:cond delay="0"/>
                                   </p:stCondLst>
                                   <p:childTnLst>
                                     <p:set>
                                       <p:cBhvr>
-                                        <p:cTn id="78" dur="1" fill="hold">
+                                        <p:cTn id="82" dur="1" fill="hold">
                                           <p:stCondLst>
                                             <p:cond delay="0"/>
                                           </p:stCondLst>
                                         </p:cTn>
                                         <p:tgtEl>
-                                          <p:spTgt spid="92"/>
+                                          <p:spTgt spid="100"/>
                                         </p:tgtEl>
                                         <p:attrNameLst>
                                           <p:attrName>style.visibility</p:attrName>
@@ -37078,52 +34046,7 @@
                                 </p:cTn>
                               </p:par>
                               <p:par>
-                                <p:cTn id="79" presetID="1" presetClass="entr" presetSubtype="0" fill="hold" nodeType="withEffect">
-                                  <p:stCondLst>
-                                    <p:cond delay="0"/>
-                                  </p:stCondLst>
-                                  <p:childTnLst>
-                                    <p:set>
-                                      <p:cBhvr>
-                                        <p:cTn id="80" dur="1" fill="hold">
-                                          <p:stCondLst>
-                                            <p:cond delay="0"/>
-                                          </p:stCondLst>
-                                        </p:cTn>
-                                        <p:tgtEl>
-                                          <p:spTgt spid="88"/>
-                                        </p:tgtEl>
-                                        <p:attrNameLst>
-                                          <p:attrName>style.visibility</p:attrName>
-                                        </p:attrNameLst>
-                                      </p:cBhvr>
-                                      <p:to>
-                                        <p:strVal val="visible"/>
-                                      </p:to>
-                                    </p:set>
-                                  </p:childTnLst>
-                                </p:cTn>
-                              </p:par>
-                            </p:childTnLst>
-                          </p:cTn>
-                        </p:par>
-                      </p:childTnLst>
-                    </p:cTn>
-                  </p:par>
-                  <p:par>
-                    <p:cTn id="81" fill="hold">
-                      <p:stCondLst>
-                        <p:cond delay="indefinite"/>
-                      </p:stCondLst>
-                      <p:childTnLst>
-                        <p:par>
-                          <p:cTn id="82" fill="hold">
-                            <p:stCondLst>
-                              <p:cond delay="0"/>
-                            </p:stCondLst>
-                            <p:childTnLst>
-                              <p:par>
-                                <p:cTn id="83" presetID="1" presetClass="entr" presetSubtype="0" fill="hold" nodeType="clickEffect">
+                                <p:cTn id="83" presetID="1" presetClass="entr" presetSubtype="0" fill="hold" nodeType="withEffect">
                                   <p:stCondLst>
                                     <p:cond delay="0"/>
                                   </p:stCondLst>
@@ -37136,11 +34059,7 @@
                                           </p:stCondLst>
                                         </p:cTn>
                                         <p:tgtEl>
-                                          <p:spTgt spid="50">
-                                            <p:txEl>
-                                              <p:pRg st="1" end="1"/>
-                                            </p:txEl>
-                                          </p:spTgt>
+                                          <p:spTgt spid="115"/>
                                         </p:tgtEl>
                                         <p:attrNameLst>
                                           <p:attrName>style.visibility</p:attrName>
@@ -37167,7 +34086,7 @@
                                           </p:stCondLst>
                                         </p:cTn>
                                         <p:tgtEl>
-                                          <p:spTgt spid="100"/>
+                                          <p:spTgt spid="117"/>
                                         </p:tgtEl>
                                         <p:attrNameLst>
                                           <p:attrName>style.visibility</p:attrName>
@@ -37181,7 +34100,7 @@
                                 </p:cTn>
                               </p:par>
                               <p:par>
-                                <p:cTn id="87" presetID="1" presetClass="entr" presetSubtype="0" fill="hold" nodeType="withEffect">
+                                <p:cTn id="87" presetID="1" presetClass="entr" presetSubtype="0" fill="hold" grpId="0" nodeType="withEffect">
                                   <p:stCondLst>
                                     <p:cond delay="0"/>
                                   </p:stCondLst>
@@ -37194,7 +34113,7 @@
                                           </p:stCondLst>
                                         </p:cTn>
                                         <p:tgtEl>
-                                          <p:spTgt spid="115"/>
+                                          <p:spTgt spid="118"/>
                                         </p:tgtEl>
                                         <p:attrNameLst>
                                           <p:attrName>style.visibility</p:attrName>
@@ -37221,7 +34140,7 @@
                                           </p:stCondLst>
                                         </p:cTn>
                                         <p:tgtEl>
-                                          <p:spTgt spid="117"/>
+                                          <p:spTgt spid="52"/>
                                         </p:tgtEl>
                                         <p:attrNameLst>
                                           <p:attrName>style.visibility</p:attrName>
@@ -37235,7 +34154,7 @@
                                 </p:cTn>
                               </p:par>
                               <p:par>
-                                <p:cTn id="91" presetID="1" presetClass="entr" presetSubtype="0" fill="hold" grpId="0" nodeType="withEffect">
+                                <p:cTn id="91" presetID="1" presetClass="entr" presetSubtype="0" fill="hold" nodeType="withEffect">
                                   <p:stCondLst>
                                     <p:cond delay="0"/>
                                   </p:stCondLst>
@@ -37243,33 +34162,6 @@
                                     <p:set>
                                       <p:cBhvr>
                                         <p:cTn id="92" dur="1" fill="hold">
-                                          <p:stCondLst>
-                                            <p:cond delay="0"/>
-                                          </p:stCondLst>
-                                        </p:cTn>
-                                        <p:tgtEl>
-                                          <p:spTgt spid="118"/>
-                                        </p:tgtEl>
-                                        <p:attrNameLst>
-                                          <p:attrName>style.visibility</p:attrName>
-                                        </p:attrNameLst>
-                                      </p:cBhvr>
-                                      <p:to>
-                                        <p:strVal val="visible"/>
-                                      </p:to>
-                                    </p:set>
-                                  </p:childTnLst>
-                                </p:cTn>
-                              </p:par>
-                              <p:par>
-                                <p:cTn id="93" presetID="1" presetClass="entr" presetSubtype="0" fill="hold" nodeType="withEffect">
-                                  <p:stCondLst>
-                                    <p:cond delay="0"/>
-                                  </p:stCondLst>
-                                  <p:childTnLst>
-                                    <p:set>
-                                      <p:cBhvr>
-                                        <p:cTn id="94" dur="1" fill="hold">
                                           <p:stCondLst>
                                             <p:cond delay="0"/>
                                           </p:stCondLst>
@@ -37295,26 +34187,26 @@
                     </p:cTn>
                   </p:par>
                   <p:par>
-                    <p:cTn id="95" fill="hold">
+                    <p:cTn id="93" fill="hold">
                       <p:stCondLst>
                         <p:cond delay="indefinite"/>
                       </p:stCondLst>
                       <p:childTnLst>
                         <p:par>
-                          <p:cTn id="96" fill="hold">
+                          <p:cTn id="94" fill="hold">
                             <p:stCondLst>
                               <p:cond delay="0"/>
                             </p:stCondLst>
                             <p:childTnLst>
                               <p:par>
-                                <p:cTn id="97" presetID="1" presetClass="entr" presetSubtype="0" fill="hold" nodeType="clickEffect">
+                                <p:cTn id="95" presetID="1" presetClass="entr" presetSubtype="0" fill="hold" nodeType="clickEffect">
                                   <p:stCondLst>
                                     <p:cond delay="0"/>
                                   </p:stCondLst>
                                   <p:childTnLst>
                                     <p:set>
                                       <p:cBhvr>
-                                        <p:cTn id="98" dur="1" fill="hold">
+                                        <p:cTn id="96" dur="1" fill="hold">
                                           <p:stCondLst>
                                             <p:cond delay="0"/>
                                           </p:stCondLst>
@@ -37338,14 +34230,14 @@
                                 </p:cTn>
                               </p:par>
                               <p:par>
-                                <p:cTn id="99" presetID="1" presetClass="entr" presetSubtype="0" fill="hold" grpId="0" nodeType="withEffect">
+                                <p:cTn id="97" presetID="1" presetClass="entr" presetSubtype="0" fill="hold" grpId="0" nodeType="withEffect">
                                   <p:stCondLst>
                                     <p:cond delay="0"/>
                                   </p:stCondLst>
                                   <p:childTnLst>
                                     <p:set>
                                       <p:cBhvr>
-                                        <p:cTn id="100" dur="1" fill="hold">
+                                        <p:cTn id="98" dur="1" fill="hold">
                                           <p:stCondLst>
                                             <p:cond delay="0"/>
                                           </p:stCondLst>
@@ -37365,14 +34257,14 @@
                                 </p:cTn>
                               </p:par>
                               <p:par>
-                                <p:cTn id="101" presetID="1" presetClass="entr" presetSubtype="0" fill="hold" nodeType="withEffect">
+                                <p:cTn id="99" presetID="1" presetClass="entr" presetSubtype="0" fill="hold" nodeType="withEffect">
                                   <p:stCondLst>
                                     <p:cond delay="0"/>
                                   </p:stCondLst>
                                   <p:childTnLst>
                                     <p:set>
                                       <p:cBhvr>
-                                        <p:cTn id="102" dur="1" fill="hold">
+                                        <p:cTn id="100" dur="1" fill="hold">
                                           <p:stCondLst>
                                             <p:cond delay="0"/>
                                           </p:stCondLst>
@@ -37398,19 +34290,50 @@
                     </p:cTn>
                   </p:par>
                   <p:par>
-                    <p:cTn id="103" fill="hold">
+                    <p:cTn id="101" fill="hold">
                       <p:stCondLst>
                         <p:cond delay="indefinite"/>
                       </p:stCondLst>
                       <p:childTnLst>
                         <p:par>
-                          <p:cTn id="104" fill="hold">
+                          <p:cTn id="102" fill="hold">
                             <p:stCondLst>
                               <p:cond delay="0"/>
                             </p:stCondLst>
                             <p:childTnLst>
                               <p:par>
-                                <p:cTn id="105" presetID="1" presetClass="entr" presetSubtype="0" fill="hold" nodeType="clickEffect">
+                                <p:cTn id="103" presetID="1" presetClass="entr" presetSubtype="0" fill="hold" nodeType="clickEffect">
+                                  <p:stCondLst>
+                                    <p:cond delay="0"/>
+                                  </p:stCondLst>
+                                  <p:childTnLst>
+                                    <p:set>
+                                      <p:cBhvr>
+                                        <p:cTn id="104" dur="1" fill="hold">
+                                          <p:stCondLst>
+                                            <p:cond delay="0"/>
+                                          </p:stCondLst>
+                                        </p:cTn>
+                                        <p:tgtEl>
+                                          <p:spTgt spid="50">
+                                            <p:txEl>
+                                              <p:pRg st="3" end="3"/>
+                                            </p:txEl>
+                                          </p:spTgt>
+                                        </p:tgtEl>
+                                        <p:attrNameLst>
+                                          <p:attrName>style.visibility</p:attrName>
+                                        </p:attrNameLst>
+                                      </p:cBhvr>
+                                      <p:to>
+                                        <p:strVal val="visible"/>
+                                      </p:to>
+                                    </p:set>
+                                  </p:childTnLst>
+                                </p:cTn>
+                              </p:par>
+                              <p:par>
+                                <p:cTn id="105" presetID="1" presetClass="entr" presetSubtype="0" fill="hold" grpId="0" nodeType="withEffect">
                                   <p:stCondLst>
                                     <p:cond delay="0"/>
                                   </p:stCondLst>
@@ -37423,11 +34346,7 @@
                                           </p:stCondLst>
                                         </p:cTn>
                                         <p:tgtEl>
-                                          <p:spTgt spid="50">
-                                            <p:txEl>
-                                              <p:pRg st="3" end="3"/>
-                                            </p:txEl>
-                                          </p:spTgt>
+                                          <p:spTgt spid="129"/>
                                         </p:tgtEl>
                                         <p:attrNameLst>
                                           <p:attrName>style.visibility</p:attrName>
@@ -37454,33 +34373,6 @@
                                           </p:stCondLst>
                                         </p:cTn>
                                         <p:tgtEl>
-                                          <p:spTgt spid="129"/>
-                                        </p:tgtEl>
-                                        <p:attrNameLst>
-                                          <p:attrName>style.visibility</p:attrName>
-                                        </p:attrNameLst>
-                                      </p:cBhvr>
-                                      <p:to>
-                                        <p:strVal val="visible"/>
-                                      </p:to>
-                                    </p:set>
-                                  </p:childTnLst>
-                                </p:cTn>
-                              </p:par>
-                              <p:par>
-                                <p:cTn id="109" presetID="1" presetClass="entr" presetSubtype="0" fill="hold" grpId="0" nodeType="withEffect">
-                                  <p:stCondLst>
-                                    <p:cond delay="0"/>
-                                  </p:stCondLst>
-                                  <p:childTnLst>
-                                    <p:set>
-                                      <p:cBhvr>
-                                        <p:cTn id="110" dur="1" fill="hold">
-                                          <p:stCondLst>
-                                            <p:cond delay="0"/>
-                                          </p:stCondLst>
-                                        </p:cTn>
-                                        <p:tgtEl>
                                           <p:spTgt spid="99"/>
                                         </p:tgtEl>
                                         <p:attrNameLst>
@@ -37495,14 +34387,14 @@
                                 </p:cTn>
                               </p:par>
                               <p:par>
-                                <p:cTn id="111" presetID="1" presetClass="entr" presetSubtype="0" fill="hold" nodeType="withEffect">
+                                <p:cTn id="109" presetID="1" presetClass="entr" presetSubtype="0" fill="hold" nodeType="withEffect">
                                   <p:stCondLst>
                                     <p:cond delay="0"/>
                                   </p:stCondLst>
                                   <p:childTnLst>
                                     <p:set>
                                       <p:cBhvr>
-                                        <p:cTn id="112" dur="1" fill="hold">
+                                        <p:cTn id="110" dur="1" fill="hold">
                                           <p:stCondLst>
                                             <p:cond delay="0"/>
                                           </p:stCondLst>
@@ -37568,6 +34460,7 @@
       <p:bldP spid="118" grpId="0"/>
       <p:bldP spid="128" grpId="0"/>
       <p:bldP spid="129" grpId="0"/>
+      <p:bldP spid="52" grpId="0"/>
     </p:bldLst>
   </p:timing>
 </p:sld>
@@ -37618,8 +34511,8 @@
         </p:blipFill>
         <p:spPr>
           <a:xfrm>
-            <a:off x="8440615" y="152400"/>
-            <a:ext cx="3500781" cy="2130911"/>
+            <a:off x="7404295" y="2306320"/>
+            <a:ext cx="4585723" cy="2791311"/>
           </a:xfrm>
           <a:prstGeom prst="rect">
             <a:avLst/>
@@ -37823,69 +34716,8 @@
                 </a:pPr>
                 <a:r>
                   <a:rPr lang="de-CH" sz="2000" dirty="0"/>
-                  <a:t>Paper </a:t>
-                </a:r>
-                <a:r>
-                  <a:rPr lang="de-CH" sz="2000" dirty="0" err="1"/>
-                  <a:t>doesn’t</a:t>
-                </a:r>
-                <a:r>
-                  <a:rPr lang="de-CH" sz="2000" dirty="0"/>
-                  <a:t> </a:t>
-                </a:r>
-                <a:r>
-                  <a:rPr lang="de-CH" sz="2000" dirty="0" err="1"/>
-                  <a:t>specify</a:t>
-                </a:r>
-                <a:r>
-                  <a:rPr lang="de-CH" sz="2000" dirty="0"/>
-                  <a:t> </a:t>
-                </a:r>
-                <a:r>
-                  <a:rPr lang="de-CH" sz="2000" dirty="0" err="1"/>
-                  <a:t>what</a:t>
-                </a:r>
-                <a:r>
-                  <a:rPr lang="de-CH" sz="2000" dirty="0"/>
-                  <a:t> </a:t>
-                </a:r>
-                <a:r>
-                  <a:rPr lang="de-CH" sz="2000" dirty="0" err="1"/>
-                  <a:t>the</a:t>
-                </a:r>
-                <a:r>
-                  <a:rPr lang="de-CH" sz="2000" dirty="0"/>
-                  <a:t> </a:t>
-                </a:r>
-                <a:r>
-                  <a:rPr lang="de-CH" sz="2000" dirty="0" err="1"/>
-                  <a:t>coordinator</a:t>
-                </a:r>
-                <a:r>
-                  <a:rPr lang="de-CH" sz="2000" dirty="0"/>
-                  <a:t> </a:t>
-                </a:r>
-                <a:r>
-                  <a:rPr lang="de-CH" sz="2000" dirty="0" err="1"/>
-                  <a:t>should</a:t>
-                </a:r>
-                <a:r>
-                  <a:rPr lang="de-CH" sz="2000" dirty="0"/>
-                  <a:t> do </a:t>
-                </a:r>
-                <a:r>
-                  <a:rPr lang="de-CH" sz="2000" dirty="0" err="1"/>
-                  <a:t>with</a:t>
-                </a:r>
-                <a:r>
-                  <a:rPr lang="de-CH" sz="2000" dirty="0"/>
-                  <a:t> </a:t>
-                </a:r>
-                <a:r>
-                  <a:rPr lang="de-CH" sz="2000" dirty="0" err="1"/>
-                  <a:t>them</a:t>
-                </a:r>
-                <a:endParaRPr lang="de-CH" sz="2000" dirty="0"/>
+                  <a:t>Paper doesn’t specify what the coordinator should do with them</a:t>
+                </a:r>
               </a:p>
               <a:p>
                 <a:pPr lvl="1">
@@ -37894,50 +34726,17 @@
                   </a:buClr>
                 </a:pPr>
                 <a:r>
-                  <a:rPr lang="de-CH" sz="2000" dirty="0" err="1">
-                    <a:solidFill>
-                      <a:srgbClr val="FF0000"/>
-                    </a:solidFill>
-                  </a:rPr>
-                  <a:t>Overloads</a:t>
-                </a:r>
-                <a:r>
                   <a:rPr lang="de-CH" sz="2000" dirty="0">
                     <a:solidFill>
                       <a:srgbClr val="FF0000"/>
                     </a:solidFill>
                   </a:rPr>
-                  <a:t> </a:t>
-                </a:r>
-                <a:r>
-                  <a:rPr lang="de-CH" sz="2000" dirty="0" err="1">
-                    <a:solidFill>
-                      <a:srgbClr val="FF0000"/>
-                    </a:solidFill>
-                  </a:rPr>
-                  <a:t>the</a:t>
-                </a:r>
-                <a:r>
-                  <a:rPr lang="de-CH" sz="2000" dirty="0">
-                    <a:solidFill>
-                      <a:srgbClr val="FF0000"/>
-                    </a:solidFill>
-                  </a:rPr>
-                  <a:t> network </a:t>
-                </a:r>
-                <a:r>
-                  <a:rPr lang="de-CH" sz="2000" dirty="0" err="1"/>
-                  <a:t>the</a:t>
+                  <a:t>Overloads the network </a:t>
                 </a:r>
                 <a:r>
                   <a:rPr lang="de-CH" sz="2000" dirty="0"/>
-                  <a:t> </a:t>
-                </a:r>
-                <a:r>
-                  <a:rPr lang="de-CH" sz="2000" dirty="0" err="1"/>
-                  <a:t>messages</a:t>
-                </a:r>
-                <a:endParaRPr lang="de-CH" sz="2000" dirty="0"/>
+                  <a:t>with messages</a:t>
+                </a:r>
               </a:p>
               <a:p>
                 <a:endParaRPr lang="de-CH" sz="1000" dirty="0"/>
